--- a/00 - Presentation.pptx
+++ b/00 - Presentation.pptx
@@ -3,11 +3,13 @@
 <p:presentation xmlns:a="http://schemas.openxmlformats.org/drawingml/2006/main" xmlns:r="http://schemas.openxmlformats.org/officeDocument/2006/relationships" xmlns:p="http://schemas.openxmlformats.org/presentationml/2006/main" saveSubsetFonts="1">
   <p:sldMasterIdLst>
     <p:sldMasterId id="2147483684" r:id="rId1"/>
+    <p:sldMasterId id="2147483696" r:id="rId2"/>
   </p:sldMasterIdLst>
   <p:sldIdLst>
-    <p:sldId id="256" r:id="rId2"/>
-    <p:sldId id="258" r:id="rId3"/>
-    <p:sldId id="257" r:id="rId4"/>
+    <p:sldId id="256" r:id="rId3"/>
+    <p:sldId id="258" r:id="rId4"/>
+    <p:sldId id="259" r:id="rId5"/>
+    <p:sldId id="257" r:id="rId6"/>
   </p:sldIdLst>
   <p:sldSz cx="12192000" cy="6858000"/>
   <p:notesSz cx="6858000" cy="9144000"/>
@@ -106,6 +108,27 @@
       </a:defRPr>
     </a:lvl9pPr>
   </p:defaultTextStyle>
+  <p:extLst>
+    <p:ext uri="{521415D9-36F7-43E2-AB2F-B90AF26B5E84}">
+      <p14:sectionLst xmlns:p14="http://schemas.microsoft.com/office/powerpoint/2010/main">
+        <p14:section name="Section par défaut" id="{C0D95B74-48F6-413A-85A1-446013F4FA6A}">
+          <p14:sldIdLst>
+            <p14:sldId id="256"/>
+          </p14:sldIdLst>
+        </p14:section>
+        <p14:section name="Heros" id="{2D972146-3EEC-4426-AEA8-E8F5E5F19DEB}">
+          <p14:sldIdLst>
+            <p14:sldId id="258"/>
+            <p14:sldId id="259"/>
+            <p14:sldId id="257"/>
+          </p14:sldIdLst>
+        </p14:section>
+      </p14:sectionLst>
+    </p:ext>
+    <p:ext uri="{EFAFB233-063F-42B5-8137-9DF3F51BA10A}">
+      <p15:sldGuideLst xmlns:p15="http://schemas.microsoft.com/office/powerpoint/2012/main"/>
+    </p:ext>
+  </p:extLst>
 </p:presentation>
 </file>
 
@@ -2910,7 +2933,7 @@
           <a:p>
             <a:fld id="{E9D4BE7C-3CD3-4465-A389-06323A1F0889}" type="datetimeFigureOut">
               <a:rPr lang="fr-FR" smtClean="0"/>
-              <a:t>22/05/2018</a:t>
+              <a:t>23/05/2018</a:t>
             </a:fld>
             <a:endParaRPr lang="fr-FR"/>
           </a:p>
@@ -3428,7 +3451,7 @@
           <a:p>
             <a:fld id="{E9D4BE7C-3CD3-4465-A389-06323A1F0889}" type="datetimeFigureOut">
               <a:rPr lang="fr-FR" smtClean="0"/>
-              <a:t>22/05/2018</a:t>
+              <a:t>23/05/2018</a:t>
             </a:fld>
             <a:endParaRPr lang="fr-FR"/>
           </a:p>
@@ -3608,7 +3631,7 @@
           <a:p>
             <a:fld id="{E9D4BE7C-3CD3-4465-A389-06323A1F0889}" type="datetimeFigureOut">
               <a:rPr lang="fr-FR" smtClean="0"/>
-              <a:t>22/05/2018</a:t>
+              <a:t>23/05/2018</a:t>
             </a:fld>
             <a:endParaRPr lang="fr-FR"/>
           </a:p>
@@ -3660,6 +3683,2166 @@
     <p:extLst>
       <p:ext uri="{BB962C8B-B14F-4D97-AF65-F5344CB8AC3E}">
         <p14:creationId xmlns:p14="http://schemas.microsoft.com/office/powerpoint/2010/main" val="3951227461"/>
+      </p:ext>
+    </p:extLst>
+  </p:cSld>
+  <p:clrMapOvr>
+    <a:masterClrMapping/>
+  </p:clrMapOvr>
+</p:sldLayout>
+</file>
+
+<file path=ppt/slideLayouts/slideLayout12.xml><?xml version="1.0" encoding="utf-8"?>
+<p:sldLayout xmlns:a="http://schemas.openxmlformats.org/drawingml/2006/main" xmlns:r="http://schemas.openxmlformats.org/officeDocument/2006/relationships" xmlns:p="http://schemas.openxmlformats.org/presentationml/2006/main" showMasterSp="0" type="title" preserve="1">
+  <p:cSld name="Diapositive de titre">
+    <p:spTree>
+      <p:nvGrpSpPr>
+        <p:cNvPr id="1" name=""/>
+        <p:cNvGrpSpPr/>
+        <p:nvPr/>
+      </p:nvGrpSpPr>
+      <p:grpSpPr>
+        <a:xfrm>
+          <a:off x="0" y="0"/>
+          <a:ext cx="0" cy="0"/>
+          <a:chOff x="0" y="0"/>
+          <a:chExt cx="0" cy="0"/>
+        </a:xfrm>
+      </p:grpSpPr>
+      <p:sp>
+        <p:nvSpPr>
+          <p:cNvPr id="7" name="Rectangle 6"/>
+          <p:cNvSpPr/>
+          <p:nvPr/>
+        </p:nvSpPr>
+        <p:spPr>
+          <a:xfrm>
+            <a:off x="3175" y="6400800"/>
+            <a:ext cx="12188825" cy="457200"/>
+          </a:xfrm>
+          <a:prstGeom prst="rect">
+            <a:avLst/>
+          </a:prstGeom>
+          <a:solidFill>
+            <a:schemeClr val="accent2"/>
+          </a:solidFill>
+          <a:ln>
+            <a:noFill/>
+          </a:ln>
+        </p:spPr>
+        <p:style>
+          <a:lnRef idx="2">
+            <a:schemeClr val="accent1">
+              <a:shade val="50000"/>
+            </a:schemeClr>
+          </a:lnRef>
+          <a:fillRef idx="1">
+            <a:schemeClr val="accent1"/>
+          </a:fillRef>
+          <a:effectRef idx="0">
+            <a:schemeClr val="accent1"/>
+          </a:effectRef>
+          <a:fontRef idx="minor">
+            <a:schemeClr val="lt1"/>
+          </a:fontRef>
+        </p:style>
+      </p:sp>
+      <p:sp>
+        <p:nvSpPr>
+          <p:cNvPr id="8" name="Rectangle 7"/>
+          <p:cNvSpPr/>
+          <p:nvPr/>
+        </p:nvSpPr>
+        <p:spPr>
+          <a:xfrm>
+            <a:off x="15" y="6334316"/>
+            <a:ext cx="12188825" cy="64008"/>
+          </a:xfrm>
+          <a:prstGeom prst="rect">
+            <a:avLst/>
+          </a:prstGeom>
+          <a:solidFill>
+            <a:schemeClr val="accent1"/>
+          </a:solidFill>
+          <a:ln>
+            <a:noFill/>
+          </a:ln>
+        </p:spPr>
+        <p:style>
+          <a:lnRef idx="2">
+            <a:schemeClr val="accent1">
+              <a:shade val="50000"/>
+            </a:schemeClr>
+          </a:lnRef>
+          <a:fillRef idx="1">
+            <a:schemeClr val="accent1"/>
+          </a:fillRef>
+          <a:effectRef idx="0">
+            <a:schemeClr val="accent1"/>
+          </a:effectRef>
+          <a:fontRef idx="minor">
+            <a:schemeClr val="lt1"/>
+          </a:fontRef>
+        </p:style>
+      </p:sp>
+      <p:sp>
+        <p:nvSpPr>
+          <p:cNvPr id="2" name="Title 1"/>
+          <p:cNvSpPr>
+            <a:spLocks noGrp="1"/>
+          </p:cNvSpPr>
+          <p:nvPr>
+            <p:ph type="ctrTitle"/>
+          </p:nvPr>
+        </p:nvSpPr>
+        <p:spPr>
+          <a:xfrm>
+            <a:off x="1097280" y="758952"/>
+            <a:ext cx="10058400" cy="3566160"/>
+          </a:xfrm>
+        </p:spPr>
+        <p:txBody>
+          <a:bodyPr anchor="b">
+            <a:normAutofit/>
+          </a:bodyPr>
+          <a:lstStyle>
+            <a:lvl1pPr algn="l">
+              <a:lnSpc>
+                <a:spcPct val="85000"/>
+              </a:lnSpc>
+              <a:defRPr sz="8000" spc="-50" baseline="0">
+                <a:solidFill>
+                  <a:schemeClr val="tx1">
+                    <a:lumMod val="85000"/>
+                    <a:lumOff val="15000"/>
+                  </a:schemeClr>
+                </a:solidFill>
+              </a:defRPr>
+            </a:lvl1pPr>
+          </a:lstStyle>
+          <a:p>
+            <a:r>
+              <a:rPr lang="fr-FR" smtClean="0"/>
+              <a:t>Modifiez le style du titre</a:t>
+            </a:r>
+            <a:endParaRPr lang="en-US" dirty="0"/>
+          </a:p>
+        </p:txBody>
+      </p:sp>
+      <p:sp>
+        <p:nvSpPr>
+          <p:cNvPr id="3" name="Subtitle 2"/>
+          <p:cNvSpPr>
+            <a:spLocks noGrp="1"/>
+          </p:cNvSpPr>
+          <p:nvPr>
+            <p:ph type="subTitle" idx="1"/>
+          </p:nvPr>
+        </p:nvSpPr>
+        <p:spPr>
+          <a:xfrm>
+            <a:off x="1100051" y="4455620"/>
+            <a:ext cx="10058400" cy="1143000"/>
+          </a:xfrm>
+        </p:spPr>
+        <p:txBody>
+          <a:bodyPr lIns="91440" rIns="91440">
+            <a:normAutofit/>
+          </a:bodyPr>
+          <a:lstStyle>
+            <a:lvl1pPr marL="0" indent="0" algn="l">
+              <a:buNone/>
+              <a:defRPr sz="2400" cap="all" spc="200" baseline="0">
+                <a:solidFill>
+                  <a:schemeClr val="tx2"/>
+                </a:solidFill>
+                <a:latin typeface="+mj-lt"/>
+              </a:defRPr>
+            </a:lvl1pPr>
+            <a:lvl2pPr marL="457200" indent="0" algn="ctr">
+              <a:buNone/>
+              <a:defRPr sz="2400"/>
+            </a:lvl2pPr>
+            <a:lvl3pPr marL="914400" indent="0" algn="ctr">
+              <a:buNone/>
+              <a:defRPr sz="2400"/>
+            </a:lvl3pPr>
+            <a:lvl4pPr marL="1371600" indent="0" algn="ctr">
+              <a:buNone/>
+              <a:defRPr sz="2000"/>
+            </a:lvl4pPr>
+            <a:lvl5pPr marL="1828800" indent="0" algn="ctr">
+              <a:buNone/>
+              <a:defRPr sz="2000"/>
+            </a:lvl5pPr>
+            <a:lvl6pPr marL="2286000" indent="0" algn="ctr">
+              <a:buNone/>
+              <a:defRPr sz="2000"/>
+            </a:lvl6pPr>
+            <a:lvl7pPr marL="2743200" indent="0" algn="ctr">
+              <a:buNone/>
+              <a:defRPr sz="2000"/>
+            </a:lvl7pPr>
+            <a:lvl8pPr marL="3200400" indent="0" algn="ctr">
+              <a:buNone/>
+              <a:defRPr sz="2000"/>
+            </a:lvl8pPr>
+            <a:lvl9pPr marL="3657600" indent="0" algn="ctr">
+              <a:buNone/>
+              <a:defRPr sz="2000"/>
+            </a:lvl9pPr>
+          </a:lstStyle>
+          <a:p>
+            <a:r>
+              <a:rPr lang="fr-FR" smtClean="0"/>
+              <a:t>Modifiez le style des sous-titres du masque</a:t>
+            </a:r>
+            <a:endParaRPr lang="en-US" dirty="0"/>
+          </a:p>
+        </p:txBody>
+      </p:sp>
+      <p:sp>
+        <p:nvSpPr>
+          <p:cNvPr id="4" name="Date Placeholder 3"/>
+          <p:cNvSpPr>
+            <a:spLocks noGrp="1"/>
+          </p:cNvSpPr>
+          <p:nvPr>
+            <p:ph type="dt" sz="half" idx="10"/>
+          </p:nvPr>
+        </p:nvSpPr>
+        <p:spPr/>
+        <p:txBody>
+          <a:bodyPr/>
+          <a:lstStyle/>
+          <a:p>
+            <a:fld id="{E9D4BE7C-3CD3-4465-A389-06323A1F0889}" type="datetimeFigureOut">
+              <a:rPr lang="fr-FR" smtClean="0"/>
+              <a:t>23/05/2018</a:t>
+            </a:fld>
+            <a:endParaRPr lang="fr-FR"/>
+          </a:p>
+        </p:txBody>
+      </p:sp>
+      <p:sp>
+        <p:nvSpPr>
+          <p:cNvPr id="5" name="Footer Placeholder 4"/>
+          <p:cNvSpPr>
+            <a:spLocks noGrp="1"/>
+          </p:cNvSpPr>
+          <p:nvPr>
+            <p:ph type="ftr" sz="quarter" idx="11"/>
+          </p:nvPr>
+        </p:nvSpPr>
+        <p:spPr/>
+        <p:txBody>
+          <a:bodyPr/>
+          <a:lstStyle/>
+          <a:p>
+            <a:endParaRPr lang="fr-FR"/>
+          </a:p>
+        </p:txBody>
+      </p:sp>
+      <p:sp>
+        <p:nvSpPr>
+          <p:cNvPr id="6" name="Slide Number Placeholder 5"/>
+          <p:cNvSpPr>
+            <a:spLocks noGrp="1"/>
+          </p:cNvSpPr>
+          <p:nvPr>
+            <p:ph type="sldNum" sz="quarter" idx="12"/>
+          </p:nvPr>
+        </p:nvSpPr>
+        <p:spPr/>
+        <p:txBody>
+          <a:bodyPr/>
+          <a:lstStyle/>
+          <a:p>
+            <a:fld id="{C3BC97B5-EB2B-42FE-9A72-BEDBC0E1E396}" type="slidenum">
+              <a:rPr lang="fr-FR" smtClean="0"/>
+              <a:t>‹N°›</a:t>
+            </a:fld>
+            <a:endParaRPr lang="fr-FR"/>
+          </a:p>
+        </p:txBody>
+      </p:sp>
+      <p:cxnSp>
+        <p:nvCxnSpPr>
+          <p:cNvPr id="9" name="Straight Connector 8"/>
+          <p:cNvCxnSpPr/>
+          <p:nvPr/>
+        </p:nvCxnSpPr>
+        <p:spPr>
+          <a:xfrm>
+            <a:off x="1207658" y="4343400"/>
+            <a:ext cx="9875520" cy="0"/>
+          </a:xfrm>
+          <a:prstGeom prst="line">
+            <a:avLst/>
+          </a:prstGeom>
+          <a:ln w="6350">
+            <a:solidFill>
+              <a:schemeClr val="tx1">
+                <a:lumMod val="50000"/>
+                <a:lumOff val="50000"/>
+              </a:schemeClr>
+            </a:solidFill>
+          </a:ln>
+        </p:spPr>
+        <p:style>
+          <a:lnRef idx="1">
+            <a:schemeClr val="accent1"/>
+          </a:lnRef>
+          <a:fillRef idx="0">
+            <a:schemeClr val="accent1"/>
+          </a:fillRef>
+          <a:effectRef idx="0">
+            <a:schemeClr val="accent1"/>
+          </a:effectRef>
+          <a:fontRef idx="minor">
+            <a:schemeClr val="tx1"/>
+          </a:fontRef>
+        </p:style>
+      </p:cxnSp>
+    </p:spTree>
+    <p:extLst>
+      <p:ext uri="{BB962C8B-B14F-4D97-AF65-F5344CB8AC3E}">
+        <p14:creationId xmlns:p14="http://schemas.microsoft.com/office/powerpoint/2010/main" val="1646933074"/>
+      </p:ext>
+    </p:extLst>
+  </p:cSld>
+  <p:clrMapOvr>
+    <a:masterClrMapping/>
+  </p:clrMapOvr>
+</p:sldLayout>
+</file>
+
+<file path=ppt/slideLayouts/slideLayout13.xml><?xml version="1.0" encoding="utf-8"?>
+<p:sldLayout xmlns:a="http://schemas.openxmlformats.org/drawingml/2006/main" xmlns:r="http://schemas.openxmlformats.org/officeDocument/2006/relationships" xmlns:p="http://schemas.openxmlformats.org/presentationml/2006/main" type="obj" preserve="1">
+  <p:cSld name="Titre et contenu">
+    <p:spTree>
+      <p:nvGrpSpPr>
+        <p:cNvPr id="1" name=""/>
+        <p:cNvGrpSpPr/>
+        <p:nvPr/>
+      </p:nvGrpSpPr>
+      <p:grpSpPr>
+        <a:xfrm>
+          <a:off x="0" y="0"/>
+          <a:ext cx="0" cy="0"/>
+          <a:chOff x="0" y="0"/>
+          <a:chExt cx="0" cy="0"/>
+        </a:xfrm>
+      </p:grpSpPr>
+      <p:sp>
+        <p:nvSpPr>
+          <p:cNvPr id="2" name="Title 1"/>
+          <p:cNvSpPr>
+            <a:spLocks noGrp="1"/>
+          </p:cNvSpPr>
+          <p:nvPr>
+            <p:ph type="title"/>
+          </p:nvPr>
+        </p:nvSpPr>
+        <p:spPr/>
+        <p:txBody>
+          <a:bodyPr/>
+          <a:lstStyle>
+            <a:lvl1pPr marL="0">
+              <a:defRPr/>
+            </a:lvl1pPr>
+          </a:lstStyle>
+          <a:p>
+            <a:r>
+              <a:rPr lang="fr-FR" smtClean="0"/>
+              <a:t>Modifiez le style du titre</a:t>
+            </a:r>
+            <a:endParaRPr lang="en-US" dirty="0"/>
+          </a:p>
+        </p:txBody>
+      </p:sp>
+      <p:sp>
+        <p:nvSpPr>
+          <p:cNvPr id="3" name="Content Placeholder 2"/>
+          <p:cNvSpPr>
+            <a:spLocks noGrp="1"/>
+          </p:cNvSpPr>
+          <p:nvPr>
+            <p:ph idx="1"/>
+          </p:nvPr>
+        </p:nvSpPr>
+        <p:spPr/>
+        <p:txBody>
+          <a:bodyPr/>
+          <a:lstStyle/>
+          <a:p>
+            <a:pPr lvl="0"/>
+            <a:r>
+              <a:rPr lang="fr-FR" smtClean="0"/>
+              <a:t>Modifiez les styles du texte du masque</a:t>
+            </a:r>
+          </a:p>
+          <a:p>
+            <a:pPr lvl="1"/>
+            <a:r>
+              <a:rPr lang="fr-FR" smtClean="0"/>
+              <a:t>Deuxième niveau</a:t>
+            </a:r>
+          </a:p>
+          <a:p>
+            <a:pPr lvl="2"/>
+            <a:r>
+              <a:rPr lang="fr-FR" smtClean="0"/>
+              <a:t>Troisième niveau</a:t>
+            </a:r>
+          </a:p>
+          <a:p>
+            <a:pPr lvl="3"/>
+            <a:r>
+              <a:rPr lang="fr-FR" smtClean="0"/>
+              <a:t>Quatrième niveau</a:t>
+            </a:r>
+          </a:p>
+          <a:p>
+            <a:pPr lvl="4"/>
+            <a:r>
+              <a:rPr lang="fr-FR" smtClean="0"/>
+              <a:t>Cinquième niveau</a:t>
+            </a:r>
+            <a:endParaRPr lang="en-US" dirty="0"/>
+          </a:p>
+        </p:txBody>
+      </p:sp>
+      <p:sp>
+        <p:nvSpPr>
+          <p:cNvPr id="4" name="Date Placeholder 3"/>
+          <p:cNvSpPr>
+            <a:spLocks noGrp="1"/>
+          </p:cNvSpPr>
+          <p:nvPr>
+            <p:ph type="dt" sz="half" idx="10"/>
+          </p:nvPr>
+        </p:nvSpPr>
+        <p:spPr/>
+        <p:txBody>
+          <a:bodyPr/>
+          <a:lstStyle/>
+          <a:p>
+            <a:fld id="{E9D4BE7C-3CD3-4465-A389-06323A1F0889}" type="datetimeFigureOut">
+              <a:rPr lang="fr-FR" smtClean="0"/>
+              <a:t>23/05/2018</a:t>
+            </a:fld>
+            <a:endParaRPr lang="fr-FR"/>
+          </a:p>
+        </p:txBody>
+      </p:sp>
+      <p:sp>
+        <p:nvSpPr>
+          <p:cNvPr id="5" name="Footer Placeholder 4"/>
+          <p:cNvSpPr>
+            <a:spLocks noGrp="1"/>
+          </p:cNvSpPr>
+          <p:nvPr>
+            <p:ph type="ftr" sz="quarter" idx="11"/>
+          </p:nvPr>
+        </p:nvSpPr>
+        <p:spPr/>
+        <p:txBody>
+          <a:bodyPr/>
+          <a:lstStyle/>
+          <a:p>
+            <a:endParaRPr lang="fr-FR"/>
+          </a:p>
+        </p:txBody>
+      </p:sp>
+      <p:sp>
+        <p:nvSpPr>
+          <p:cNvPr id="6" name="Slide Number Placeholder 5"/>
+          <p:cNvSpPr>
+            <a:spLocks noGrp="1"/>
+          </p:cNvSpPr>
+          <p:nvPr>
+            <p:ph type="sldNum" sz="quarter" idx="12"/>
+          </p:nvPr>
+        </p:nvSpPr>
+        <p:spPr/>
+        <p:txBody>
+          <a:bodyPr/>
+          <a:lstStyle/>
+          <a:p>
+            <a:fld id="{C3BC97B5-EB2B-42FE-9A72-BEDBC0E1E396}" type="slidenum">
+              <a:rPr lang="fr-FR" smtClean="0"/>
+              <a:t>‹N°›</a:t>
+            </a:fld>
+            <a:endParaRPr lang="fr-FR"/>
+          </a:p>
+        </p:txBody>
+      </p:sp>
+    </p:spTree>
+    <p:extLst>
+      <p:ext uri="{BB962C8B-B14F-4D97-AF65-F5344CB8AC3E}">
+        <p14:creationId xmlns:p14="http://schemas.microsoft.com/office/powerpoint/2010/main" val="3005230364"/>
+      </p:ext>
+    </p:extLst>
+  </p:cSld>
+  <p:clrMapOvr>
+    <a:masterClrMapping/>
+  </p:clrMapOvr>
+</p:sldLayout>
+</file>
+
+<file path=ppt/slideLayouts/slideLayout14.xml><?xml version="1.0" encoding="utf-8"?>
+<p:sldLayout xmlns:a="http://schemas.openxmlformats.org/drawingml/2006/main" xmlns:r="http://schemas.openxmlformats.org/officeDocument/2006/relationships" xmlns:p="http://schemas.openxmlformats.org/presentationml/2006/main" showMasterSp="0" type="secHead" preserve="1">
+  <p:cSld name="Titre de section">
+    <p:bg>
+      <p:bgPr>
+        <a:solidFill>
+          <a:schemeClr val="bg1"/>
+        </a:solidFill>
+        <a:effectLst/>
+      </p:bgPr>
+    </p:bg>
+    <p:spTree>
+      <p:nvGrpSpPr>
+        <p:cNvPr id="1" name=""/>
+        <p:cNvGrpSpPr/>
+        <p:nvPr/>
+      </p:nvGrpSpPr>
+      <p:grpSpPr>
+        <a:xfrm>
+          <a:off x="0" y="0"/>
+          <a:ext cx="0" cy="0"/>
+          <a:chOff x="0" y="0"/>
+          <a:chExt cx="0" cy="0"/>
+        </a:xfrm>
+      </p:grpSpPr>
+      <p:sp>
+        <p:nvSpPr>
+          <p:cNvPr id="7" name="Rectangle 6"/>
+          <p:cNvSpPr/>
+          <p:nvPr/>
+        </p:nvSpPr>
+        <p:spPr>
+          <a:xfrm>
+            <a:off x="3175" y="6400800"/>
+            <a:ext cx="12188825" cy="457200"/>
+          </a:xfrm>
+          <a:prstGeom prst="rect">
+            <a:avLst/>
+          </a:prstGeom>
+          <a:solidFill>
+            <a:schemeClr val="accent2"/>
+          </a:solidFill>
+          <a:ln>
+            <a:noFill/>
+          </a:ln>
+        </p:spPr>
+        <p:style>
+          <a:lnRef idx="2">
+            <a:schemeClr val="accent1">
+              <a:shade val="50000"/>
+            </a:schemeClr>
+          </a:lnRef>
+          <a:fillRef idx="1">
+            <a:schemeClr val="accent1"/>
+          </a:fillRef>
+          <a:effectRef idx="0">
+            <a:schemeClr val="accent1"/>
+          </a:effectRef>
+          <a:fontRef idx="minor">
+            <a:schemeClr val="lt1"/>
+          </a:fontRef>
+        </p:style>
+      </p:sp>
+      <p:sp>
+        <p:nvSpPr>
+          <p:cNvPr id="8" name="Rectangle 7"/>
+          <p:cNvSpPr/>
+          <p:nvPr/>
+        </p:nvSpPr>
+        <p:spPr>
+          <a:xfrm>
+            <a:off x="15" y="6334316"/>
+            <a:ext cx="12188825" cy="64008"/>
+          </a:xfrm>
+          <a:prstGeom prst="rect">
+            <a:avLst/>
+          </a:prstGeom>
+          <a:solidFill>
+            <a:schemeClr val="accent1"/>
+          </a:solidFill>
+          <a:ln>
+            <a:noFill/>
+          </a:ln>
+        </p:spPr>
+        <p:style>
+          <a:lnRef idx="2">
+            <a:schemeClr val="accent1">
+              <a:shade val="50000"/>
+            </a:schemeClr>
+          </a:lnRef>
+          <a:fillRef idx="1">
+            <a:schemeClr val="accent1"/>
+          </a:fillRef>
+          <a:effectRef idx="0">
+            <a:schemeClr val="accent1"/>
+          </a:effectRef>
+          <a:fontRef idx="minor">
+            <a:schemeClr val="lt1"/>
+          </a:fontRef>
+        </p:style>
+      </p:sp>
+      <p:sp>
+        <p:nvSpPr>
+          <p:cNvPr id="2" name="Title 1"/>
+          <p:cNvSpPr>
+            <a:spLocks noGrp="1"/>
+          </p:cNvSpPr>
+          <p:nvPr>
+            <p:ph type="title"/>
+          </p:nvPr>
+        </p:nvSpPr>
+        <p:spPr>
+          <a:xfrm>
+            <a:off x="1097280" y="758952"/>
+            <a:ext cx="10058400" cy="3566160"/>
+          </a:xfrm>
+        </p:spPr>
+        <p:txBody>
+          <a:bodyPr anchor="b" anchorCtr="0">
+            <a:normAutofit/>
+          </a:bodyPr>
+          <a:lstStyle>
+            <a:lvl1pPr>
+              <a:lnSpc>
+                <a:spcPct val="85000"/>
+              </a:lnSpc>
+              <a:defRPr sz="8000" b="0">
+                <a:solidFill>
+                  <a:schemeClr val="tx1">
+                    <a:lumMod val="85000"/>
+                    <a:lumOff val="15000"/>
+                  </a:schemeClr>
+                </a:solidFill>
+              </a:defRPr>
+            </a:lvl1pPr>
+          </a:lstStyle>
+          <a:p>
+            <a:r>
+              <a:rPr lang="fr-FR" smtClean="0"/>
+              <a:t>Modifiez le style du titre</a:t>
+            </a:r>
+            <a:endParaRPr lang="en-US" dirty="0"/>
+          </a:p>
+        </p:txBody>
+      </p:sp>
+      <p:sp>
+        <p:nvSpPr>
+          <p:cNvPr id="3" name="Text Placeholder 2"/>
+          <p:cNvSpPr>
+            <a:spLocks noGrp="1"/>
+          </p:cNvSpPr>
+          <p:nvPr>
+            <p:ph type="body" idx="1"/>
+          </p:nvPr>
+        </p:nvSpPr>
+        <p:spPr>
+          <a:xfrm>
+            <a:off x="1097280" y="4453128"/>
+            <a:ext cx="10058400" cy="1143000"/>
+          </a:xfrm>
+        </p:spPr>
+        <p:txBody>
+          <a:bodyPr lIns="91440" rIns="91440" anchor="t" anchorCtr="0">
+            <a:normAutofit/>
+          </a:bodyPr>
+          <a:lstStyle>
+            <a:lvl1pPr marL="0" indent="0">
+              <a:buNone/>
+              <a:defRPr sz="2400" cap="all" spc="200" baseline="0">
+                <a:solidFill>
+                  <a:schemeClr val="tx2"/>
+                </a:solidFill>
+                <a:latin typeface="+mj-lt"/>
+              </a:defRPr>
+            </a:lvl1pPr>
+            <a:lvl2pPr marL="457200" indent="0">
+              <a:buNone/>
+              <a:defRPr sz="1800">
+                <a:solidFill>
+                  <a:schemeClr val="tx1">
+                    <a:tint val="75000"/>
+                  </a:schemeClr>
+                </a:solidFill>
+              </a:defRPr>
+            </a:lvl2pPr>
+            <a:lvl3pPr marL="914400" indent="0">
+              <a:buNone/>
+              <a:defRPr sz="1600">
+                <a:solidFill>
+                  <a:schemeClr val="tx1">
+                    <a:tint val="75000"/>
+                  </a:schemeClr>
+                </a:solidFill>
+              </a:defRPr>
+            </a:lvl3pPr>
+            <a:lvl4pPr marL="1371600" indent="0">
+              <a:buNone/>
+              <a:defRPr sz="1400">
+                <a:solidFill>
+                  <a:schemeClr val="tx1">
+                    <a:tint val="75000"/>
+                  </a:schemeClr>
+                </a:solidFill>
+              </a:defRPr>
+            </a:lvl4pPr>
+            <a:lvl5pPr marL="1828800" indent="0">
+              <a:buNone/>
+              <a:defRPr sz="1400">
+                <a:solidFill>
+                  <a:schemeClr val="tx1">
+                    <a:tint val="75000"/>
+                  </a:schemeClr>
+                </a:solidFill>
+              </a:defRPr>
+            </a:lvl5pPr>
+            <a:lvl6pPr marL="2286000" indent="0">
+              <a:buNone/>
+              <a:defRPr sz="1400">
+                <a:solidFill>
+                  <a:schemeClr val="tx1">
+                    <a:tint val="75000"/>
+                  </a:schemeClr>
+                </a:solidFill>
+              </a:defRPr>
+            </a:lvl6pPr>
+            <a:lvl7pPr marL="2743200" indent="0">
+              <a:buNone/>
+              <a:defRPr sz="1400">
+                <a:solidFill>
+                  <a:schemeClr val="tx1">
+                    <a:tint val="75000"/>
+                  </a:schemeClr>
+                </a:solidFill>
+              </a:defRPr>
+            </a:lvl7pPr>
+            <a:lvl8pPr marL="3200400" indent="0">
+              <a:buNone/>
+              <a:defRPr sz="1400">
+                <a:solidFill>
+                  <a:schemeClr val="tx1">
+                    <a:tint val="75000"/>
+                  </a:schemeClr>
+                </a:solidFill>
+              </a:defRPr>
+            </a:lvl8pPr>
+            <a:lvl9pPr marL="3657600" indent="0">
+              <a:buNone/>
+              <a:defRPr sz="1400">
+                <a:solidFill>
+                  <a:schemeClr val="tx1">
+                    <a:tint val="75000"/>
+                  </a:schemeClr>
+                </a:solidFill>
+              </a:defRPr>
+            </a:lvl9pPr>
+          </a:lstStyle>
+          <a:p>
+            <a:pPr lvl="0"/>
+            <a:r>
+              <a:rPr lang="fr-FR" smtClean="0"/>
+              <a:t>Modifiez les styles du texte du masque</a:t>
+            </a:r>
+          </a:p>
+        </p:txBody>
+      </p:sp>
+      <p:sp>
+        <p:nvSpPr>
+          <p:cNvPr id="4" name="Date Placeholder 3"/>
+          <p:cNvSpPr>
+            <a:spLocks noGrp="1"/>
+          </p:cNvSpPr>
+          <p:nvPr>
+            <p:ph type="dt" sz="half" idx="10"/>
+          </p:nvPr>
+        </p:nvSpPr>
+        <p:spPr/>
+        <p:txBody>
+          <a:bodyPr/>
+          <a:lstStyle/>
+          <a:p>
+            <a:fld id="{E9D4BE7C-3CD3-4465-A389-06323A1F0889}" type="datetimeFigureOut">
+              <a:rPr lang="fr-FR" smtClean="0"/>
+              <a:t>23/05/2018</a:t>
+            </a:fld>
+            <a:endParaRPr lang="fr-FR"/>
+          </a:p>
+        </p:txBody>
+      </p:sp>
+      <p:sp>
+        <p:nvSpPr>
+          <p:cNvPr id="5" name="Footer Placeholder 4"/>
+          <p:cNvSpPr>
+            <a:spLocks noGrp="1"/>
+          </p:cNvSpPr>
+          <p:nvPr>
+            <p:ph type="ftr" sz="quarter" idx="11"/>
+          </p:nvPr>
+        </p:nvSpPr>
+        <p:spPr/>
+        <p:txBody>
+          <a:bodyPr/>
+          <a:lstStyle/>
+          <a:p>
+            <a:endParaRPr lang="fr-FR"/>
+          </a:p>
+        </p:txBody>
+      </p:sp>
+      <p:sp>
+        <p:nvSpPr>
+          <p:cNvPr id="6" name="Slide Number Placeholder 5"/>
+          <p:cNvSpPr>
+            <a:spLocks noGrp="1"/>
+          </p:cNvSpPr>
+          <p:nvPr>
+            <p:ph type="sldNum" sz="quarter" idx="12"/>
+          </p:nvPr>
+        </p:nvSpPr>
+        <p:spPr/>
+        <p:txBody>
+          <a:bodyPr/>
+          <a:lstStyle/>
+          <a:p>
+            <a:fld id="{C3BC97B5-EB2B-42FE-9A72-BEDBC0E1E396}" type="slidenum">
+              <a:rPr lang="fr-FR" smtClean="0"/>
+              <a:t>‹N°›</a:t>
+            </a:fld>
+            <a:endParaRPr lang="fr-FR"/>
+          </a:p>
+        </p:txBody>
+      </p:sp>
+      <p:cxnSp>
+        <p:nvCxnSpPr>
+          <p:cNvPr id="9" name="Straight Connector 8"/>
+          <p:cNvCxnSpPr/>
+          <p:nvPr/>
+        </p:nvCxnSpPr>
+        <p:spPr>
+          <a:xfrm>
+            <a:off x="1207658" y="4343400"/>
+            <a:ext cx="9875520" cy="0"/>
+          </a:xfrm>
+          <a:prstGeom prst="line">
+            <a:avLst/>
+          </a:prstGeom>
+          <a:ln w="6350">
+            <a:solidFill>
+              <a:schemeClr val="tx1">
+                <a:lumMod val="50000"/>
+                <a:lumOff val="50000"/>
+              </a:schemeClr>
+            </a:solidFill>
+          </a:ln>
+        </p:spPr>
+        <p:style>
+          <a:lnRef idx="1">
+            <a:schemeClr val="accent1"/>
+          </a:lnRef>
+          <a:fillRef idx="0">
+            <a:schemeClr val="accent1"/>
+          </a:fillRef>
+          <a:effectRef idx="0">
+            <a:schemeClr val="accent1"/>
+          </a:effectRef>
+          <a:fontRef idx="minor">
+            <a:schemeClr val="tx1"/>
+          </a:fontRef>
+        </p:style>
+      </p:cxnSp>
+    </p:spTree>
+    <p:extLst>
+      <p:ext uri="{BB962C8B-B14F-4D97-AF65-F5344CB8AC3E}">
+        <p14:creationId xmlns:p14="http://schemas.microsoft.com/office/powerpoint/2010/main" val="2816948058"/>
+      </p:ext>
+    </p:extLst>
+  </p:cSld>
+  <p:clrMapOvr>
+    <a:masterClrMapping/>
+  </p:clrMapOvr>
+</p:sldLayout>
+</file>
+
+<file path=ppt/slideLayouts/slideLayout15.xml><?xml version="1.0" encoding="utf-8"?>
+<p:sldLayout xmlns:a="http://schemas.openxmlformats.org/drawingml/2006/main" xmlns:r="http://schemas.openxmlformats.org/officeDocument/2006/relationships" xmlns:p="http://schemas.openxmlformats.org/presentationml/2006/main" type="twoObj" preserve="1">
+  <p:cSld name="Deux contenus">
+    <p:spTree>
+      <p:nvGrpSpPr>
+        <p:cNvPr id="1" name=""/>
+        <p:cNvGrpSpPr/>
+        <p:nvPr/>
+      </p:nvGrpSpPr>
+      <p:grpSpPr>
+        <a:xfrm>
+          <a:off x="0" y="0"/>
+          <a:ext cx="0" cy="0"/>
+          <a:chOff x="0" y="0"/>
+          <a:chExt cx="0" cy="0"/>
+        </a:xfrm>
+      </p:grpSpPr>
+      <p:sp>
+        <p:nvSpPr>
+          <p:cNvPr id="8" name="Title 7"/>
+          <p:cNvSpPr>
+            <a:spLocks noGrp="1"/>
+          </p:cNvSpPr>
+          <p:nvPr>
+            <p:ph type="title"/>
+          </p:nvPr>
+        </p:nvSpPr>
+        <p:spPr>
+          <a:xfrm>
+            <a:off x="1097280" y="286603"/>
+            <a:ext cx="10058400" cy="1450757"/>
+          </a:xfrm>
+        </p:spPr>
+        <p:txBody>
+          <a:bodyPr/>
+          <a:lstStyle/>
+          <a:p>
+            <a:r>
+              <a:rPr lang="fr-FR" smtClean="0"/>
+              <a:t>Modifiez le style du titre</a:t>
+            </a:r>
+            <a:endParaRPr lang="en-US" dirty="0"/>
+          </a:p>
+        </p:txBody>
+      </p:sp>
+      <p:sp>
+        <p:nvSpPr>
+          <p:cNvPr id="3" name="Content Placeholder 2"/>
+          <p:cNvSpPr>
+            <a:spLocks noGrp="1"/>
+          </p:cNvSpPr>
+          <p:nvPr>
+            <p:ph sz="half" idx="1"/>
+          </p:nvPr>
+        </p:nvSpPr>
+        <p:spPr>
+          <a:xfrm>
+            <a:off x="1097279" y="1845734"/>
+            <a:ext cx="4937760" cy="4023360"/>
+          </a:xfrm>
+        </p:spPr>
+        <p:txBody>
+          <a:bodyPr/>
+          <a:lstStyle/>
+          <a:p>
+            <a:pPr lvl="0"/>
+            <a:r>
+              <a:rPr lang="fr-FR" smtClean="0"/>
+              <a:t>Modifiez les styles du texte du masque</a:t>
+            </a:r>
+          </a:p>
+          <a:p>
+            <a:pPr lvl="1"/>
+            <a:r>
+              <a:rPr lang="fr-FR" smtClean="0"/>
+              <a:t>Deuxième niveau</a:t>
+            </a:r>
+          </a:p>
+          <a:p>
+            <a:pPr lvl="2"/>
+            <a:r>
+              <a:rPr lang="fr-FR" smtClean="0"/>
+              <a:t>Troisième niveau</a:t>
+            </a:r>
+          </a:p>
+          <a:p>
+            <a:pPr lvl="3"/>
+            <a:r>
+              <a:rPr lang="fr-FR" smtClean="0"/>
+              <a:t>Quatrième niveau</a:t>
+            </a:r>
+          </a:p>
+          <a:p>
+            <a:pPr lvl="4"/>
+            <a:r>
+              <a:rPr lang="fr-FR" smtClean="0"/>
+              <a:t>Cinquième niveau</a:t>
+            </a:r>
+            <a:endParaRPr lang="en-US" dirty="0"/>
+          </a:p>
+        </p:txBody>
+      </p:sp>
+      <p:sp>
+        <p:nvSpPr>
+          <p:cNvPr id="4" name="Content Placeholder 3"/>
+          <p:cNvSpPr>
+            <a:spLocks noGrp="1"/>
+          </p:cNvSpPr>
+          <p:nvPr>
+            <p:ph sz="half" idx="2"/>
+          </p:nvPr>
+        </p:nvSpPr>
+        <p:spPr>
+          <a:xfrm>
+            <a:off x="6217920" y="1845735"/>
+            <a:ext cx="4937760" cy="4023360"/>
+          </a:xfrm>
+        </p:spPr>
+        <p:txBody>
+          <a:bodyPr/>
+          <a:lstStyle/>
+          <a:p>
+            <a:pPr lvl="0"/>
+            <a:r>
+              <a:rPr lang="fr-FR" smtClean="0"/>
+              <a:t>Modifiez les styles du texte du masque</a:t>
+            </a:r>
+          </a:p>
+          <a:p>
+            <a:pPr lvl="1"/>
+            <a:r>
+              <a:rPr lang="fr-FR" smtClean="0"/>
+              <a:t>Deuxième niveau</a:t>
+            </a:r>
+          </a:p>
+          <a:p>
+            <a:pPr lvl="2"/>
+            <a:r>
+              <a:rPr lang="fr-FR" smtClean="0"/>
+              <a:t>Troisième niveau</a:t>
+            </a:r>
+          </a:p>
+          <a:p>
+            <a:pPr lvl="3"/>
+            <a:r>
+              <a:rPr lang="fr-FR" smtClean="0"/>
+              <a:t>Quatrième niveau</a:t>
+            </a:r>
+          </a:p>
+          <a:p>
+            <a:pPr lvl="4"/>
+            <a:r>
+              <a:rPr lang="fr-FR" smtClean="0"/>
+              <a:t>Cinquième niveau</a:t>
+            </a:r>
+            <a:endParaRPr lang="en-US" dirty="0"/>
+          </a:p>
+        </p:txBody>
+      </p:sp>
+      <p:sp>
+        <p:nvSpPr>
+          <p:cNvPr id="5" name="Date Placeholder 4"/>
+          <p:cNvSpPr>
+            <a:spLocks noGrp="1"/>
+          </p:cNvSpPr>
+          <p:nvPr>
+            <p:ph type="dt" sz="half" idx="10"/>
+          </p:nvPr>
+        </p:nvSpPr>
+        <p:spPr/>
+        <p:txBody>
+          <a:bodyPr/>
+          <a:lstStyle/>
+          <a:p>
+            <a:fld id="{E9D4BE7C-3CD3-4465-A389-06323A1F0889}" type="datetimeFigureOut">
+              <a:rPr lang="fr-FR" smtClean="0"/>
+              <a:t>23/05/2018</a:t>
+            </a:fld>
+            <a:endParaRPr lang="fr-FR"/>
+          </a:p>
+        </p:txBody>
+      </p:sp>
+      <p:sp>
+        <p:nvSpPr>
+          <p:cNvPr id="6" name="Footer Placeholder 5"/>
+          <p:cNvSpPr>
+            <a:spLocks noGrp="1"/>
+          </p:cNvSpPr>
+          <p:nvPr>
+            <p:ph type="ftr" sz="quarter" idx="11"/>
+          </p:nvPr>
+        </p:nvSpPr>
+        <p:spPr/>
+        <p:txBody>
+          <a:bodyPr/>
+          <a:lstStyle/>
+          <a:p>
+            <a:endParaRPr lang="fr-FR"/>
+          </a:p>
+        </p:txBody>
+      </p:sp>
+      <p:sp>
+        <p:nvSpPr>
+          <p:cNvPr id="7" name="Slide Number Placeholder 6"/>
+          <p:cNvSpPr>
+            <a:spLocks noGrp="1"/>
+          </p:cNvSpPr>
+          <p:nvPr>
+            <p:ph type="sldNum" sz="quarter" idx="12"/>
+          </p:nvPr>
+        </p:nvSpPr>
+        <p:spPr/>
+        <p:txBody>
+          <a:bodyPr/>
+          <a:lstStyle/>
+          <a:p>
+            <a:fld id="{C3BC97B5-EB2B-42FE-9A72-BEDBC0E1E396}" type="slidenum">
+              <a:rPr lang="fr-FR" smtClean="0"/>
+              <a:t>‹N°›</a:t>
+            </a:fld>
+            <a:endParaRPr lang="fr-FR"/>
+          </a:p>
+        </p:txBody>
+      </p:sp>
+    </p:spTree>
+    <p:extLst>
+      <p:ext uri="{BB962C8B-B14F-4D97-AF65-F5344CB8AC3E}">
+        <p14:creationId xmlns:p14="http://schemas.microsoft.com/office/powerpoint/2010/main" val="904126512"/>
+      </p:ext>
+    </p:extLst>
+  </p:cSld>
+  <p:clrMapOvr>
+    <a:masterClrMapping/>
+  </p:clrMapOvr>
+</p:sldLayout>
+</file>
+
+<file path=ppt/slideLayouts/slideLayout16.xml><?xml version="1.0" encoding="utf-8"?>
+<p:sldLayout xmlns:a="http://schemas.openxmlformats.org/drawingml/2006/main" xmlns:r="http://schemas.openxmlformats.org/officeDocument/2006/relationships" xmlns:p="http://schemas.openxmlformats.org/presentationml/2006/main" type="twoTxTwoObj" preserve="1">
+  <p:cSld name="Comparaison">
+    <p:spTree>
+      <p:nvGrpSpPr>
+        <p:cNvPr id="1" name=""/>
+        <p:cNvGrpSpPr/>
+        <p:nvPr/>
+      </p:nvGrpSpPr>
+      <p:grpSpPr>
+        <a:xfrm>
+          <a:off x="0" y="0"/>
+          <a:ext cx="0" cy="0"/>
+          <a:chOff x="0" y="0"/>
+          <a:chExt cx="0" cy="0"/>
+        </a:xfrm>
+      </p:grpSpPr>
+      <p:sp>
+        <p:nvSpPr>
+          <p:cNvPr id="10" name="Title 9"/>
+          <p:cNvSpPr>
+            <a:spLocks noGrp="1"/>
+          </p:cNvSpPr>
+          <p:nvPr>
+            <p:ph type="title"/>
+          </p:nvPr>
+        </p:nvSpPr>
+        <p:spPr>
+          <a:xfrm>
+            <a:off x="1097280" y="286603"/>
+            <a:ext cx="10058400" cy="1450757"/>
+          </a:xfrm>
+        </p:spPr>
+        <p:txBody>
+          <a:bodyPr/>
+          <a:lstStyle/>
+          <a:p>
+            <a:r>
+              <a:rPr lang="fr-FR" smtClean="0"/>
+              <a:t>Modifiez le style du titre</a:t>
+            </a:r>
+            <a:endParaRPr lang="en-US" dirty="0"/>
+          </a:p>
+        </p:txBody>
+      </p:sp>
+      <p:sp>
+        <p:nvSpPr>
+          <p:cNvPr id="3" name="Text Placeholder 2"/>
+          <p:cNvSpPr>
+            <a:spLocks noGrp="1"/>
+          </p:cNvSpPr>
+          <p:nvPr>
+            <p:ph type="body" idx="1"/>
+          </p:nvPr>
+        </p:nvSpPr>
+        <p:spPr>
+          <a:xfrm>
+            <a:off x="1097280" y="1846052"/>
+            <a:ext cx="4937760" cy="736282"/>
+          </a:xfrm>
+        </p:spPr>
+        <p:txBody>
+          <a:bodyPr lIns="91440" rIns="91440" anchor="ctr">
+            <a:normAutofit/>
+          </a:bodyPr>
+          <a:lstStyle>
+            <a:lvl1pPr marL="0" indent="0">
+              <a:buNone/>
+              <a:defRPr sz="2000" b="0" cap="all" baseline="0">
+                <a:solidFill>
+                  <a:schemeClr val="tx2"/>
+                </a:solidFill>
+              </a:defRPr>
+            </a:lvl1pPr>
+            <a:lvl2pPr marL="457200" indent="0">
+              <a:buNone/>
+              <a:defRPr sz="2000" b="1"/>
+            </a:lvl2pPr>
+            <a:lvl3pPr marL="914400" indent="0">
+              <a:buNone/>
+              <a:defRPr sz="1800" b="1"/>
+            </a:lvl3pPr>
+            <a:lvl4pPr marL="1371600" indent="0">
+              <a:buNone/>
+              <a:defRPr sz="1600" b="1"/>
+            </a:lvl4pPr>
+            <a:lvl5pPr marL="1828800" indent="0">
+              <a:buNone/>
+              <a:defRPr sz="1600" b="1"/>
+            </a:lvl5pPr>
+            <a:lvl6pPr marL="2286000" indent="0">
+              <a:buNone/>
+              <a:defRPr sz="1600" b="1"/>
+            </a:lvl6pPr>
+            <a:lvl7pPr marL="2743200" indent="0">
+              <a:buNone/>
+              <a:defRPr sz="1600" b="1"/>
+            </a:lvl7pPr>
+            <a:lvl8pPr marL="3200400" indent="0">
+              <a:buNone/>
+              <a:defRPr sz="1600" b="1"/>
+            </a:lvl8pPr>
+            <a:lvl9pPr marL="3657600" indent="0">
+              <a:buNone/>
+              <a:defRPr sz="1600" b="1"/>
+            </a:lvl9pPr>
+          </a:lstStyle>
+          <a:p>
+            <a:pPr lvl="0"/>
+            <a:r>
+              <a:rPr lang="fr-FR" smtClean="0"/>
+              <a:t>Modifiez les styles du texte du masque</a:t>
+            </a:r>
+          </a:p>
+        </p:txBody>
+      </p:sp>
+      <p:sp>
+        <p:nvSpPr>
+          <p:cNvPr id="4" name="Content Placeholder 3"/>
+          <p:cNvSpPr>
+            <a:spLocks noGrp="1"/>
+          </p:cNvSpPr>
+          <p:nvPr>
+            <p:ph sz="half" idx="2"/>
+          </p:nvPr>
+        </p:nvSpPr>
+        <p:spPr>
+          <a:xfrm>
+            <a:off x="1097280" y="2582334"/>
+            <a:ext cx="4937760" cy="3378200"/>
+          </a:xfrm>
+        </p:spPr>
+        <p:txBody>
+          <a:bodyPr/>
+          <a:lstStyle/>
+          <a:p>
+            <a:pPr lvl="0"/>
+            <a:r>
+              <a:rPr lang="fr-FR" smtClean="0"/>
+              <a:t>Modifiez les styles du texte du masque</a:t>
+            </a:r>
+          </a:p>
+          <a:p>
+            <a:pPr lvl="1"/>
+            <a:r>
+              <a:rPr lang="fr-FR" smtClean="0"/>
+              <a:t>Deuxième niveau</a:t>
+            </a:r>
+          </a:p>
+          <a:p>
+            <a:pPr lvl="2"/>
+            <a:r>
+              <a:rPr lang="fr-FR" smtClean="0"/>
+              <a:t>Troisième niveau</a:t>
+            </a:r>
+          </a:p>
+          <a:p>
+            <a:pPr lvl="3"/>
+            <a:r>
+              <a:rPr lang="fr-FR" smtClean="0"/>
+              <a:t>Quatrième niveau</a:t>
+            </a:r>
+          </a:p>
+          <a:p>
+            <a:pPr lvl="4"/>
+            <a:r>
+              <a:rPr lang="fr-FR" smtClean="0"/>
+              <a:t>Cinquième niveau</a:t>
+            </a:r>
+            <a:endParaRPr lang="en-US" dirty="0"/>
+          </a:p>
+        </p:txBody>
+      </p:sp>
+      <p:sp>
+        <p:nvSpPr>
+          <p:cNvPr id="5" name="Text Placeholder 4"/>
+          <p:cNvSpPr>
+            <a:spLocks noGrp="1"/>
+          </p:cNvSpPr>
+          <p:nvPr>
+            <p:ph type="body" sz="quarter" idx="3"/>
+          </p:nvPr>
+        </p:nvSpPr>
+        <p:spPr>
+          <a:xfrm>
+            <a:off x="6217920" y="1846052"/>
+            <a:ext cx="4937760" cy="736282"/>
+          </a:xfrm>
+        </p:spPr>
+        <p:txBody>
+          <a:bodyPr lIns="91440" rIns="91440" anchor="ctr">
+            <a:normAutofit/>
+          </a:bodyPr>
+          <a:lstStyle>
+            <a:lvl1pPr marL="0" indent="0">
+              <a:buNone/>
+              <a:defRPr sz="2000" b="0" cap="all" baseline="0">
+                <a:solidFill>
+                  <a:schemeClr val="tx2"/>
+                </a:solidFill>
+              </a:defRPr>
+            </a:lvl1pPr>
+            <a:lvl2pPr marL="457200" indent="0">
+              <a:buNone/>
+              <a:defRPr sz="2000" b="1"/>
+            </a:lvl2pPr>
+            <a:lvl3pPr marL="914400" indent="0">
+              <a:buNone/>
+              <a:defRPr sz="1800" b="1"/>
+            </a:lvl3pPr>
+            <a:lvl4pPr marL="1371600" indent="0">
+              <a:buNone/>
+              <a:defRPr sz="1600" b="1"/>
+            </a:lvl4pPr>
+            <a:lvl5pPr marL="1828800" indent="0">
+              <a:buNone/>
+              <a:defRPr sz="1600" b="1"/>
+            </a:lvl5pPr>
+            <a:lvl6pPr marL="2286000" indent="0">
+              <a:buNone/>
+              <a:defRPr sz="1600" b="1"/>
+            </a:lvl6pPr>
+            <a:lvl7pPr marL="2743200" indent="0">
+              <a:buNone/>
+              <a:defRPr sz="1600" b="1"/>
+            </a:lvl7pPr>
+            <a:lvl8pPr marL="3200400" indent="0">
+              <a:buNone/>
+              <a:defRPr sz="1600" b="1"/>
+            </a:lvl8pPr>
+            <a:lvl9pPr marL="3657600" indent="0">
+              <a:buNone/>
+              <a:defRPr sz="1600" b="1"/>
+            </a:lvl9pPr>
+          </a:lstStyle>
+          <a:p>
+            <a:pPr lvl="0"/>
+            <a:r>
+              <a:rPr lang="fr-FR" smtClean="0"/>
+              <a:t>Modifiez les styles du texte du masque</a:t>
+            </a:r>
+          </a:p>
+        </p:txBody>
+      </p:sp>
+      <p:sp>
+        <p:nvSpPr>
+          <p:cNvPr id="6" name="Content Placeholder 5"/>
+          <p:cNvSpPr>
+            <a:spLocks noGrp="1"/>
+          </p:cNvSpPr>
+          <p:nvPr>
+            <p:ph sz="quarter" idx="4"/>
+          </p:nvPr>
+        </p:nvSpPr>
+        <p:spPr>
+          <a:xfrm>
+            <a:off x="6217920" y="2582334"/>
+            <a:ext cx="4937760" cy="3378200"/>
+          </a:xfrm>
+        </p:spPr>
+        <p:txBody>
+          <a:bodyPr/>
+          <a:lstStyle/>
+          <a:p>
+            <a:pPr lvl="0"/>
+            <a:r>
+              <a:rPr lang="fr-FR" smtClean="0"/>
+              <a:t>Modifiez les styles du texte du masque</a:t>
+            </a:r>
+          </a:p>
+          <a:p>
+            <a:pPr lvl="1"/>
+            <a:r>
+              <a:rPr lang="fr-FR" smtClean="0"/>
+              <a:t>Deuxième niveau</a:t>
+            </a:r>
+          </a:p>
+          <a:p>
+            <a:pPr lvl="2"/>
+            <a:r>
+              <a:rPr lang="fr-FR" smtClean="0"/>
+              <a:t>Troisième niveau</a:t>
+            </a:r>
+          </a:p>
+          <a:p>
+            <a:pPr lvl="3"/>
+            <a:r>
+              <a:rPr lang="fr-FR" smtClean="0"/>
+              <a:t>Quatrième niveau</a:t>
+            </a:r>
+          </a:p>
+          <a:p>
+            <a:pPr lvl="4"/>
+            <a:r>
+              <a:rPr lang="fr-FR" smtClean="0"/>
+              <a:t>Cinquième niveau</a:t>
+            </a:r>
+            <a:endParaRPr lang="en-US" dirty="0"/>
+          </a:p>
+        </p:txBody>
+      </p:sp>
+      <p:sp>
+        <p:nvSpPr>
+          <p:cNvPr id="7" name="Date Placeholder 6"/>
+          <p:cNvSpPr>
+            <a:spLocks noGrp="1"/>
+          </p:cNvSpPr>
+          <p:nvPr>
+            <p:ph type="dt" sz="half" idx="10"/>
+          </p:nvPr>
+        </p:nvSpPr>
+        <p:spPr/>
+        <p:txBody>
+          <a:bodyPr/>
+          <a:lstStyle/>
+          <a:p>
+            <a:fld id="{E9D4BE7C-3CD3-4465-A389-06323A1F0889}" type="datetimeFigureOut">
+              <a:rPr lang="fr-FR" smtClean="0"/>
+              <a:t>23/05/2018</a:t>
+            </a:fld>
+            <a:endParaRPr lang="fr-FR"/>
+          </a:p>
+        </p:txBody>
+      </p:sp>
+      <p:sp>
+        <p:nvSpPr>
+          <p:cNvPr id="8" name="Footer Placeholder 7"/>
+          <p:cNvSpPr>
+            <a:spLocks noGrp="1"/>
+          </p:cNvSpPr>
+          <p:nvPr>
+            <p:ph type="ftr" sz="quarter" idx="11"/>
+          </p:nvPr>
+        </p:nvSpPr>
+        <p:spPr/>
+        <p:txBody>
+          <a:bodyPr/>
+          <a:lstStyle/>
+          <a:p>
+            <a:endParaRPr lang="fr-FR"/>
+          </a:p>
+        </p:txBody>
+      </p:sp>
+      <p:sp>
+        <p:nvSpPr>
+          <p:cNvPr id="9" name="Slide Number Placeholder 8"/>
+          <p:cNvSpPr>
+            <a:spLocks noGrp="1"/>
+          </p:cNvSpPr>
+          <p:nvPr>
+            <p:ph type="sldNum" sz="quarter" idx="12"/>
+          </p:nvPr>
+        </p:nvSpPr>
+        <p:spPr/>
+        <p:txBody>
+          <a:bodyPr/>
+          <a:lstStyle/>
+          <a:p>
+            <a:fld id="{C3BC97B5-EB2B-42FE-9A72-BEDBC0E1E396}" type="slidenum">
+              <a:rPr lang="fr-FR" smtClean="0"/>
+              <a:t>‹N°›</a:t>
+            </a:fld>
+            <a:endParaRPr lang="fr-FR"/>
+          </a:p>
+        </p:txBody>
+      </p:sp>
+    </p:spTree>
+    <p:extLst>
+      <p:ext uri="{BB962C8B-B14F-4D97-AF65-F5344CB8AC3E}">
+        <p14:creationId xmlns:p14="http://schemas.microsoft.com/office/powerpoint/2010/main" val="2565457776"/>
+      </p:ext>
+    </p:extLst>
+  </p:cSld>
+  <p:clrMapOvr>
+    <a:masterClrMapping/>
+  </p:clrMapOvr>
+</p:sldLayout>
+</file>
+
+<file path=ppt/slideLayouts/slideLayout17.xml><?xml version="1.0" encoding="utf-8"?>
+<p:sldLayout xmlns:a="http://schemas.openxmlformats.org/drawingml/2006/main" xmlns:r="http://schemas.openxmlformats.org/officeDocument/2006/relationships" xmlns:p="http://schemas.openxmlformats.org/presentationml/2006/main" type="titleOnly" preserve="1">
+  <p:cSld name="Titre seul">
+    <p:spTree>
+      <p:nvGrpSpPr>
+        <p:cNvPr id="1" name=""/>
+        <p:cNvGrpSpPr/>
+        <p:nvPr/>
+      </p:nvGrpSpPr>
+      <p:grpSpPr>
+        <a:xfrm>
+          <a:off x="0" y="0"/>
+          <a:ext cx="0" cy="0"/>
+          <a:chOff x="0" y="0"/>
+          <a:chExt cx="0" cy="0"/>
+        </a:xfrm>
+      </p:grpSpPr>
+      <p:sp>
+        <p:nvSpPr>
+          <p:cNvPr id="2" name="Title 1"/>
+          <p:cNvSpPr>
+            <a:spLocks noGrp="1"/>
+          </p:cNvSpPr>
+          <p:nvPr>
+            <p:ph type="title"/>
+          </p:nvPr>
+        </p:nvSpPr>
+        <p:spPr/>
+        <p:txBody>
+          <a:bodyPr/>
+          <a:lstStyle/>
+          <a:p>
+            <a:r>
+              <a:rPr lang="fr-FR" smtClean="0"/>
+              <a:t>Modifiez le style du titre</a:t>
+            </a:r>
+            <a:endParaRPr lang="en-US" dirty="0"/>
+          </a:p>
+        </p:txBody>
+      </p:sp>
+      <p:sp>
+        <p:nvSpPr>
+          <p:cNvPr id="3" name="Date Placeholder 2"/>
+          <p:cNvSpPr>
+            <a:spLocks noGrp="1"/>
+          </p:cNvSpPr>
+          <p:nvPr>
+            <p:ph type="dt" sz="half" idx="10"/>
+          </p:nvPr>
+        </p:nvSpPr>
+        <p:spPr/>
+        <p:txBody>
+          <a:bodyPr/>
+          <a:lstStyle/>
+          <a:p>
+            <a:fld id="{E9D4BE7C-3CD3-4465-A389-06323A1F0889}" type="datetimeFigureOut">
+              <a:rPr lang="fr-FR" smtClean="0"/>
+              <a:t>23/05/2018</a:t>
+            </a:fld>
+            <a:endParaRPr lang="fr-FR"/>
+          </a:p>
+        </p:txBody>
+      </p:sp>
+      <p:sp>
+        <p:nvSpPr>
+          <p:cNvPr id="4" name="Footer Placeholder 3"/>
+          <p:cNvSpPr>
+            <a:spLocks noGrp="1"/>
+          </p:cNvSpPr>
+          <p:nvPr>
+            <p:ph type="ftr" sz="quarter" idx="11"/>
+          </p:nvPr>
+        </p:nvSpPr>
+        <p:spPr/>
+        <p:txBody>
+          <a:bodyPr/>
+          <a:lstStyle/>
+          <a:p>
+            <a:endParaRPr lang="fr-FR"/>
+          </a:p>
+        </p:txBody>
+      </p:sp>
+      <p:sp>
+        <p:nvSpPr>
+          <p:cNvPr id="5" name="Slide Number Placeholder 4"/>
+          <p:cNvSpPr>
+            <a:spLocks noGrp="1"/>
+          </p:cNvSpPr>
+          <p:nvPr>
+            <p:ph type="sldNum" sz="quarter" idx="12"/>
+          </p:nvPr>
+        </p:nvSpPr>
+        <p:spPr/>
+        <p:txBody>
+          <a:bodyPr/>
+          <a:lstStyle/>
+          <a:p>
+            <a:fld id="{C3BC97B5-EB2B-42FE-9A72-BEDBC0E1E396}" type="slidenum">
+              <a:rPr lang="fr-FR" smtClean="0"/>
+              <a:t>‹N°›</a:t>
+            </a:fld>
+            <a:endParaRPr lang="fr-FR"/>
+          </a:p>
+        </p:txBody>
+      </p:sp>
+    </p:spTree>
+    <p:extLst>
+      <p:ext uri="{BB962C8B-B14F-4D97-AF65-F5344CB8AC3E}">
+        <p14:creationId xmlns:p14="http://schemas.microsoft.com/office/powerpoint/2010/main" val="1809633531"/>
+      </p:ext>
+    </p:extLst>
+  </p:cSld>
+  <p:clrMapOvr>
+    <a:masterClrMapping/>
+  </p:clrMapOvr>
+</p:sldLayout>
+</file>
+
+<file path=ppt/slideLayouts/slideLayout18.xml><?xml version="1.0" encoding="utf-8"?>
+<p:sldLayout xmlns:a="http://schemas.openxmlformats.org/drawingml/2006/main" xmlns:r="http://schemas.openxmlformats.org/officeDocument/2006/relationships" xmlns:p="http://schemas.openxmlformats.org/presentationml/2006/main" showMasterSp="0" type="blank" preserve="1">
+  <p:cSld name="Vide">
+    <p:spTree>
+      <p:nvGrpSpPr>
+        <p:cNvPr id="1" name=""/>
+        <p:cNvGrpSpPr/>
+        <p:nvPr/>
+      </p:nvGrpSpPr>
+      <p:grpSpPr>
+        <a:xfrm>
+          <a:off x="0" y="0"/>
+          <a:ext cx="0" cy="0"/>
+          <a:chOff x="0" y="0"/>
+          <a:chExt cx="0" cy="0"/>
+        </a:xfrm>
+      </p:grpSpPr>
+      <p:sp>
+        <p:nvSpPr>
+          <p:cNvPr id="5" name="Rectangle 4"/>
+          <p:cNvSpPr/>
+          <p:nvPr/>
+        </p:nvSpPr>
+        <p:spPr>
+          <a:xfrm>
+            <a:off x="3175" y="6400800"/>
+            <a:ext cx="12188825" cy="457200"/>
+          </a:xfrm>
+          <a:prstGeom prst="rect">
+            <a:avLst/>
+          </a:prstGeom>
+          <a:solidFill>
+            <a:schemeClr val="accent2"/>
+          </a:solidFill>
+          <a:ln>
+            <a:noFill/>
+          </a:ln>
+        </p:spPr>
+        <p:style>
+          <a:lnRef idx="2">
+            <a:schemeClr val="accent1">
+              <a:shade val="50000"/>
+            </a:schemeClr>
+          </a:lnRef>
+          <a:fillRef idx="1">
+            <a:schemeClr val="accent1"/>
+          </a:fillRef>
+          <a:effectRef idx="0">
+            <a:schemeClr val="accent1"/>
+          </a:effectRef>
+          <a:fontRef idx="minor">
+            <a:schemeClr val="lt1"/>
+          </a:fontRef>
+        </p:style>
+      </p:sp>
+      <p:sp>
+        <p:nvSpPr>
+          <p:cNvPr id="6" name="Rectangle 5"/>
+          <p:cNvSpPr/>
+          <p:nvPr/>
+        </p:nvSpPr>
+        <p:spPr>
+          <a:xfrm>
+            <a:off x="15" y="6334316"/>
+            <a:ext cx="12188825" cy="64008"/>
+          </a:xfrm>
+          <a:prstGeom prst="rect">
+            <a:avLst/>
+          </a:prstGeom>
+          <a:solidFill>
+            <a:schemeClr val="accent1"/>
+          </a:solidFill>
+          <a:ln>
+            <a:noFill/>
+          </a:ln>
+        </p:spPr>
+        <p:style>
+          <a:lnRef idx="2">
+            <a:schemeClr val="accent1">
+              <a:shade val="50000"/>
+            </a:schemeClr>
+          </a:lnRef>
+          <a:fillRef idx="1">
+            <a:schemeClr val="accent1"/>
+          </a:fillRef>
+          <a:effectRef idx="0">
+            <a:schemeClr val="accent1"/>
+          </a:effectRef>
+          <a:fontRef idx="minor">
+            <a:schemeClr val="lt1"/>
+          </a:fontRef>
+        </p:style>
+      </p:sp>
+      <p:sp>
+        <p:nvSpPr>
+          <p:cNvPr id="7" name="Date Placeholder 6"/>
+          <p:cNvSpPr>
+            <a:spLocks noGrp="1"/>
+          </p:cNvSpPr>
+          <p:nvPr>
+            <p:ph type="dt" sz="half" idx="10"/>
+          </p:nvPr>
+        </p:nvSpPr>
+        <p:spPr/>
+        <p:txBody>
+          <a:bodyPr/>
+          <a:lstStyle/>
+          <a:p>
+            <a:fld id="{E9D4BE7C-3CD3-4465-A389-06323A1F0889}" type="datetimeFigureOut">
+              <a:rPr lang="fr-FR" smtClean="0"/>
+              <a:t>23/05/2018</a:t>
+            </a:fld>
+            <a:endParaRPr lang="fr-FR"/>
+          </a:p>
+        </p:txBody>
+      </p:sp>
+      <p:sp>
+        <p:nvSpPr>
+          <p:cNvPr id="8" name="Footer Placeholder 7"/>
+          <p:cNvSpPr>
+            <a:spLocks noGrp="1"/>
+          </p:cNvSpPr>
+          <p:nvPr>
+            <p:ph type="ftr" sz="quarter" idx="11"/>
+          </p:nvPr>
+        </p:nvSpPr>
+        <p:spPr/>
+        <p:txBody>
+          <a:bodyPr/>
+          <a:lstStyle>
+            <a:lvl1pPr>
+              <a:defRPr>
+                <a:solidFill>
+                  <a:srgbClr val="FFFFFF"/>
+                </a:solidFill>
+              </a:defRPr>
+            </a:lvl1pPr>
+          </a:lstStyle>
+          <a:p>
+            <a:endParaRPr lang="fr-FR"/>
+          </a:p>
+        </p:txBody>
+      </p:sp>
+      <p:sp>
+        <p:nvSpPr>
+          <p:cNvPr id="9" name="Slide Number Placeholder 8"/>
+          <p:cNvSpPr>
+            <a:spLocks noGrp="1"/>
+          </p:cNvSpPr>
+          <p:nvPr>
+            <p:ph type="sldNum" sz="quarter" idx="12"/>
+          </p:nvPr>
+        </p:nvSpPr>
+        <p:spPr/>
+        <p:txBody>
+          <a:bodyPr/>
+          <a:lstStyle/>
+          <a:p>
+            <a:fld id="{C3BC97B5-EB2B-42FE-9A72-BEDBC0E1E396}" type="slidenum">
+              <a:rPr lang="fr-FR" smtClean="0"/>
+              <a:t>‹N°›</a:t>
+            </a:fld>
+            <a:endParaRPr lang="fr-FR"/>
+          </a:p>
+        </p:txBody>
+      </p:sp>
+    </p:spTree>
+    <p:extLst>
+      <p:ext uri="{BB962C8B-B14F-4D97-AF65-F5344CB8AC3E}">
+        <p14:creationId xmlns:p14="http://schemas.microsoft.com/office/powerpoint/2010/main" val="3291791504"/>
+      </p:ext>
+    </p:extLst>
+  </p:cSld>
+  <p:clrMapOvr>
+    <a:masterClrMapping/>
+  </p:clrMapOvr>
+</p:sldLayout>
+</file>
+
+<file path=ppt/slideLayouts/slideLayout19.xml><?xml version="1.0" encoding="utf-8"?>
+<p:sldLayout xmlns:a="http://schemas.openxmlformats.org/drawingml/2006/main" xmlns:r="http://schemas.openxmlformats.org/officeDocument/2006/relationships" xmlns:p="http://schemas.openxmlformats.org/presentationml/2006/main" showMasterSp="0" type="objTx" preserve="1">
+  <p:cSld name="Contenu avec légende">
+    <p:spTree>
+      <p:nvGrpSpPr>
+        <p:cNvPr id="1" name=""/>
+        <p:cNvGrpSpPr/>
+        <p:nvPr/>
+      </p:nvGrpSpPr>
+      <p:grpSpPr>
+        <a:xfrm>
+          <a:off x="0" y="0"/>
+          <a:ext cx="0" cy="0"/>
+          <a:chOff x="0" y="0"/>
+          <a:chExt cx="0" cy="0"/>
+        </a:xfrm>
+      </p:grpSpPr>
+      <p:sp>
+        <p:nvSpPr>
+          <p:cNvPr id="8" name="Rectangle 7"/>
+          <p:cNvSpPr/>
+          <p:nvPr/>
+        </p:nvSpPr>
+        <p:spPr>
+          <a:xfrm>
+            <a:off x="16" y="0"/>
+            <a:ext cx="4050791" cy="6858000"/>
+          </a:xfrm>
+          <a:prstGeom prst="rect">
+            <a:avLst/>
+          </a:prstGeom>
+          <a:solidFill>
+            <a:schemeClr val="accent2"/>
+          </a:solidFill>
+          <a:ln>
+            <a:noFill/>
+          </a:ln>
+        </p:spPr>
+        <p:style>
+          <a:lnRef idx="2">
+            <a:schemeClr val="accent1">
+              <a:shade val="50000"/>
+            </a:schemeClr>
+          </a:lnRef>
+          <a:fillRef idx="1">
+            <a:schemeClr val="accent1"/>
+          </a:fillRef>
+          <a:effectRef idx="0">
+            <a:schemeClr val="accent1"/>
+          </a:effectRef>
+          <a:fontRef idx="minor">
+            <a:schemeClr val="lt1"/>
+          </a:fontRef>
+        </p:style>
+      </p:sp>
+      <p:sp>
+        <p:nvSpPr>
+          <p:cNvPr id="9" name="Rectangle 8"/>
+          <p:cNvSpPr/>
+          <p:nvPr/>
+        </p:nvSpPr>
+        <p:spPr>
+          <a:xfrm>
+            <a:off x="4040071" y="0"/>
+            <a:ext cx="64008" cy="6858000"/>
+          </a:xfrm>
+          <a:prstGeom prst="rect">
+            <a:avLst/>
+          </a:prstGeom>
+          <a:solidFill>
+            <a:schemeClr val="accent1"/>
+          </a:solidFill>
+          <a:ln>
+            <a:noFill/>
+          </a:ln>
+        </p:spPr>
+        <p:style>
+          <a:lnRef idx="2">
+            <a:schemeClr val="accent1">
+              <a:shade val="50000"/>
+            </a:schemeClr>
+          </a:lnRef>
+          <a:fillRef idx="1">
+            <a:schemeClr val="accent1"/>
+          </a:fillRef>
+          <a:effectRef idx="0">
+            <a:schemeClr val="accent1"/>
+          </a:effectRef>
+          <a:fontRef idx="minor">
+            <a:schemeClr val="lt1"/>
+          </a:fontRef>
+        </p:style>
+      </p:sp>
+      <p:sp>
+        <p:nvSpPr>
+          <p:cNvPr id="2" name="Title 1"/>
+          <p:cNvSpPr>
+            <a:spLocks noGrp="1"/>
+          </p:cNvSpPr>
+          <p:nvPr>
+            <p:ph type="title"/>
+          </p:nvPr>
+        </p:nvSpPr>
+        <p:spPr>
+          <a:xfrm>
+            <a:off x="457200" y="594359"/>
+            <a:ext cx="3200400" cy="2286000"/>
+          </a:xfrm>
+        </p:spPr>
+        <p:txBody>
+          <a:bodyPr anchor="b">
+            <a:normAutofit/>
+          </a:bodyPr>
+          <a:lstStyle>
+            <a:lvl1pPr>
+              <a:defRPr sz="3600" b="0">
+                <a:solidFill>
+                  <a:srgbClr val="FFFFFF"/>
+                </a:solidFill>
+              </a:defRPr>
+            </a:lvl1pPr>
+          </a:lstStyle>
+          <a:p>
+            <a:r>
+              <a:rPr lang="fr-FR" smtClean="0"/>
+              <a:t>Modifiez le style du titre</a:t>
+            </a:r>
+            <a:endParaRPr lang="en-US" dirty="0"/>
+          </a:p>
+        </p:txBody>
+      </p:sp>
+      <p:sp>
+        <p:nvSpPr>
+          <p:cNvPr id="3" name="Content Placeholder 2"/>
+          <p:cNvSpPr>
+            <a:spLocks noGrp="1"/>
+          </p:cNvSpPr>
+          <p:nvPr>
+            <p:ph idx="1"/>
+          </p:nvPr>
+        </p:nvSpPr>
+        <p:spPr>
+          <a:xfrm>
+            <a:off x="4800600" y="731520"/>
+            <a:ext cx="6492240" cy="5257800"/>
+          </a:xfrm>
+        </p:spPr>
+        <p:txBody>
+          <a:bodyPr/>
+          <a:lstStyle/>
+          <a:p>
+            <a:pPr lvl="0"/>
+            <a:r>
+              <a:rPr lang="fr-FR" smtClean="0"/>
+              <a:t>Modifiez les styles du texte du masque</a:t>
+            </a:r>
+          </a:p>
+          <a:p>
+            <a:pPr lvl="1"/>
+            <a:r>
+              <a:rPr lang="fr-FR" smtClean="0"/>
+              <a:t>Deuxième niveau</a:t>
+            </a:r>
+          </a:p>
+          <a:p>
+            <a:pPr lvl="2"/>
+            <a:r>
+              <a:rPr lang="fr-FR" smtClean="0"/>
+              <a:t>Troisième niveau</a:t>
+            </a:r>
+          </a:p>
+          <a:p>
+            <a:pPr lvl="3"/>
+            <a:r>
+              <a:rPr lang="fr-FR" smtClean="0"/>
+              <a:t>Quatrième niveau</a:t>
+            </a:r>
+          </a:p>
+          <a:p>
+            <a:pPr lvl="4"/>
+            <a:r>
+              <a:rPr lang="fr-FR" smtClean="0"/>
+              <a:t>Cinquième niveau</a:t>
+            </a:r>
+            <a:endParaRPr lang="en-US" dirty="0"/>
+          </a:p>
+        </p:txBody>
+      </p:sp>
+      <p:sp>
+        <p:nvSpPr>
+          <p:cNvPr id="4" name="Text Placeholder 3"/>
+          <p:cNvSpPr>
+            <a:spLocks noGrp="1"/>
+          </p:cNvSpPr>
+          <p:nvPr>
+            <p:ph type="body" sz="half" idx="2"/>
+          </p:nvPr>
+        </p:nvSpPr>
+        <p:spPr>
+          <a:xfrm>
+            <a:off x="457200" y="2926080"/>
+            <a:ext cx="3200400" cy="3379124"/>
+          </a:xfrm>
+        </p:spPr>
+        <p:txBody>
+          <a:bodyPr lIns="91440" rIns="91440">
+            <a:normAutofit/>
+          </a:bodyPr>
+          <a:lstStyle>
+            <a:lvl1pPr marL="0" indent="0">
+              <a:buNone/>
+              <a:defRPr sz="1500">
+                <a:solidFill>
+                  <a:srgbClr val="FFFFFF"/>
+                </a:solidFill>
+              </a:defRPr>
+            </a:lvl1pPr>
+            <a:lvl2pPr marL="457200" indent="0">
+              <a:buNone/>
+              <a:defRPr sz="1200"/>
+            </a:lvl2pPr>
+            <a:lvl3pPr marL="914400" indent="0">
+              <a:buNone/>
+              <a:defRPr sz="1000"/>
+            </a:lvl3pPr>
+            <a:lvl4pPr marL="1371600" indent="0">
+              <a:buNone/>
+              <a:defRPr sz="900"/>
+            </a:lvl4pPr>
+            <a:lvl5pPr marL="1828800" indent="0">
+              <a:buNone/>
+              <a:defRPr sz="900"/>
+            </a:lvl5pPr>
+            <a:lvl6pPr marL="2286000" indent="0">
+              <a:buNone/>
+              <a:defRPr sz="900"/>
+            </a:lvl6pPr>
+            <a:lvl7pPr marL="2743200" indent="0">
+              <a:buNone/>
+              <a:defRPr sz="900"/>
+            </a:lvl7pPr>
+            <a:lvl8pPr marL="3200400" indent="0">
+              <a:buNone/>
+              <a:defRPr sz="900"/>
+            </a:lvl8pPr>
+            <a:lvl9pPr marL="3657600" indent="0">
+              <a:buNone/>
+              <a:defRPr sz="900"/>
+            </a:lvl9pPr>
+          </a:lstStyle>
+          <a:p>
+            <a:pPr lvl="0"/>
+            <a:r>
+              <a:rPr lang="fr-FR" smtClean="0"/>
+              <a:t>Modifiez les styles du texte du masque</a:t>
+            </a:r>
+          </a:p>
+        </p:txBody>
+      </p:sp>
+      <p:sp>
+        <p:nvSpPr>
+          <p:cNvPr id="5" name="Date Placeholder 4"/>
+          <p:cNvSpPr>
+            <a:spLocks noGrp="1"/>
+          </p:cNvSpPr>
+          <p:nvPr>
+            <p:ph type="dt" sz="half" idx="10"/>
+          </p:nvPr>
+        </p:nvSpPr>
+        <p:spPr>
+          <a:xfrm>
+            <a:off x="465512" y="6459785"/>
+            <a:ext cx="2618510" cy="365125"/>
+          </a:xfrm>
+        </p:spPr>
+        <p:txBody>
+          <a:bodyPr/>
+          <a:lstStyle>
+            <a:lvl1pPr algn="l">
+              <a:defRPr/>
+            </a:lvl1pPr>
+          </a:lstStyle>
+          <a:p>
+            <a:fld id="{E9D4BE7C-3CD3-4465-A389-06323A1F0889}" type="datetimeFigureOut">
+              <a:rPr lang="fr-FR" smtClean="0"/>
+              <a:t>23/05/2018</a:t>
+            </a:fld>
+            <a:endParaRPr lang="fr-FR"/>
+          </a:p>
+        </p:txBody>
+      </p:sp>
+      <p:sp>
+        <p:nvSpPr>
+          <p:cNvPr id="6" name="Footer Placeholder 5"/>
+          <p:cNvSpPr>
+            <a:spLocks noGrp="1"/>
+          </p:cNvSpPr>
+          <p:nvPr>
+            <p:ph type="ftr" sz="quarter" idx="11"/>
+          </p:nvPr>
+        </p:nvSpPr>
+        <p:spPr>
+          <a:xfrm>
+            <a:off x="4800600" y="6459785"/>
+            <a:ext cx="4648200" cy="365125"/>
+          </a:xfrm>
+        </p:spPr>
+        <p:txBody>
+          <a:bodyPr/>
+          <a:lstStyle>
+            <a:lvl1pPr algn="l">
+              <a:defRPr>
+                <a:solidFill>
+                  <a:schemeClr val="tx2"/>
+                </a:solidFill>
+              </a:defRPr>
+            </a:lvl1pPr>
+          </a:lstStyle>
+          <a:p>
+            <a:endParaRPr lang="fr-FR"/>
+          </a:p>
+        </p:txBody>
+      </p:sp>
+      <p:sp>
+        <p:nvSpPr>
+          <p:cNvPr id="7" name="Slide Number Placeholder 6"/>
+          <p:cNvSpPr>
+            <a:spLocks noGrp="1"/>
+          </p:cNvSpPr>
+          <p:nvPr>
+            <p:ph type="sldNum" sz="quarter" idx="12"/>
+          </p:nvPr>
+        </p:nvSpPr>
+        <p:spPr/>
+        <p:txBody>
+          <a:bodyPr/>
+          <a:lstStyle>
+            <a:lvl1pPr>
+              <a:defRPr>
+                <a:solidFill>
+                  <a:schemeClr val="tx2"/>
+                </a:solidFill>
+              </a:defRPr>
+            </a:lvl1pPr>
+          </a:lstStyle>
+          <a:p>
+            <a:fld id="{C3BC97B5-EB2B-42FE-9A72-BEDBC0E1E396}" type="slidenum">
+              <a:rPr lang="fr-FR" smtClean="0"/>
+              <a:t>‹N°›</a:t>
+            </a:fld>
+            <a:endParaRPr lang="fr-FR"/>
+          </a:p>
+        </p:txBody>
+      </p:sp>
+    </p:spTree>
+    <p:extLst>
+      <p:ext uri="{BB962C8B-B14F-4D97-AF65-F5344CB8AC3E}">
+        <p14:creationId xmlns:p14="http://schemas.microsoft.com/office/powerpoint/2010/main" val="848948894"/>
       </p:ext>
     </p:extLst>
   </p:cSld>
@@ -3778,7 +5961,7 @@
           <a:p>
             <a:fld id="{E9D4BE7C-3CD3-4465-A389-06323A1F0889}" type="datetimeFigureOut">
               <a:rPr lang="fr-FR" smtClean="0"/>
-              <a:t>22/05/2018</a:t>
+              <a:t>23/05/2018</a:t>
             </a:fld>
             <a:endParaRPr lang="fr-FR"/>
           </a:p>
@@ -3830,6 +6013,793 @@
     <p:extLst>
       <p:ext uri="{BB962C8B-B14F-4D97-AF65-F5344CB8AC3E}">
         <p14:creationId xmlns:p14="http://schemas.microsoft.com/office/powerpoint/2010/main" val="3221750997"/>
+      </p:ext>
+    </p:extLst>
+  </p:cSld>
+  <p:clrMapOvr>
+    <a:masterClrMapping/>
+  </p:clrMapOvr>
+</p:sldLayout>
+</file>
+
+<file path=ppt/slideLayouts/slideLayout20.xml><?xml version="1.0" encoding="utf-8"?>
+<p:sldLayout xmlns:a="http://schemas.openxmlformats.org/drawingml/2006/main" xmlns:r="http://schemas.openxmlformats.org/officeDocument/2006/relationships" xmlns:p="http://schemas.openxmlformats.org/presentationml/2006/main" showMasterSp="0" type="picTx" preserve="1">
+  <p:cSld name="Image avec légende">
+    <p:spTree>
+      <p:nvGrpSpPr>
+        <p:cNvPr id="1" name=""/>
+        <p:cNvGrpSpPr/>
+        <p:nvPr/>
+      </p:nvGrpSpPr>
+      <p:grpSpPr>
+        <a:xfrm>
+          <a:off x="0" y="0"/>
+          <a:ext cx="0" cy="0"/>
+          <a:chOff x="0" y="0"/>
+          <a:chExt cx="0" cy="0"/>
+        </a:xfrm>
+      </p:grpSpPr>
+      <p:sp>
+        <p:nvSpPr>
+          <p:cNvPr id="8" name="Rectangle 7"/>
+          <p:cNvSpPr/>
+          <p:nvPr/>
+        </p:nvSpPr>
+        <p:spPr>
+          <a:xfrm>
+            <a:off x="0" y="4953000"/>
+            <a:ext cx="12188825" cy="1905000"/>
+          </a:xfrm>
+          <a:prstGeom prst="rect">
+            <a:avLst/>
+          </a:prstGeom>
+          <a:solidFill>
+            <a:schemeClr val="accent2"/>
+          </a:solidFill>
+          <a:ln>
+            <a:noFill/>
+          </a:ln>
+        </p:spPr>
+        <p:style>
+          <a:lnRef idx="2">
+            <a:schemeClr val="accent1">
+              <a:shade val="50000"/>
+            </a:schemeClr>
+          </a:lnRef>
+          <a:fillRef idx="1">
+            <a:schemeClr val="accent1"/>
+          </a:fillRef>
+          <a:effectRef idx="0">
+            <a:schemeClr val="accent1"/>
+          </a:effectRef>
+          <a:fontRef idx="minor">
+            <a:schemeClr val="lt1"/>
+          </a:fontRef>
+        </p:style>
+      </p:sp>
+      <p:sp>
+        <p:nvSpPr>
+          <p:cNvPr id="9" name="Rectangle 8"/>
+          <p:cNvSpPr/>
+          <p:nvPr/>
+        </p:nvSpPr>
+        <p:spPr>
+          <a:xfrm>
+            <a:off x="15" y="4915076"/>
+            <a:ext cx="12188825" cy="64008"/>
+          </a:xfrm>
+          <a:prstGeom prst="rect">
+            <a:avLst/>
+          </a:prstGeom>
+          <a:solidFill>
+            <a:schemeClr val="accent1"/>
+          </a:solidFill>
+          <a:ln>
+            <a:noFill/>
+          </a:ln>
+        </p:spPr>
+        <p:style>
+          <a:lnRef idx="2">
+            <a:schemeClr val="accent1">
+              <a:shade val="50000"/>
+            </a:schemeClr>
+          </a:lnRef>
+          <a:fillRef idx="1">
+            <a:schemeClr val="accent1"/>
+          </a:fillRef>
+          <a:effectRef idx="0">
+            <a:schemeClr val="accent1"/>
+          </a:effectRef>
+          <a:fontRef idx="minor">
+            <a:schemeClr val="lt1"/>
+          </a:fontRef>
+        </p:style>
+      </p:sp>
+      <p:sp>
+        <p:nvSpPr>
+          <p:cNvPr id="2" name="Title 1"/>
+          <p:cNvSpPr>
+            <a:spLocks noGrp="1"/>
+          </p:cNvSpPr>
+          <p:nvPr>
+            <p:ph type="title"/>
+          </p:nvPr>
+        </p:nvSpPr>
+        <p:spPr>
+          <a:xfrm>
+            <a:off x="1097280" y="5074920"/>
+            <a:ext cx="10113264" cy="822960"/>
+          </a:xfrm>
+        </p:spPr>
+        <p:txBody>
+          <a:bodyPr lIns="91440" tIns="0" rIns="91440" bIns="0" anchor="b">
+            <a:noAutofit/>
+          </a:bodyPr>
+          <a:lstStyle>
+            <a:lvl1pPr>
+              <a:defRPr sz="3600" b="0">
+                <a:solidFill>
+                  <a:srgbClr val="FFFFFF"/>
+                </a:solidFill>
+              </a:defRPr>
+            </a:lvl1pPr>
+          </a:lstStyle>
+          <a:p>
+            <a:r>
+              <a:rPr lang="fr-FR" smtClean="0"/>
+              <a:t>Modifiez le style du titre</a:t>
+            </a:r>
+            <a:endParaRPr lang="en-US" dirty="0"/>
+          </a:p>
+        </p:txBody>
+      </p:sp>
+      <p:sp>
+        <p:nvSpPr>
+          <p:cNvPr id="3" name="Picture Placeholder 2"/>
+          <p:cNvSpPr>
+            <a:spLocks noGrp="1" noChangeAspect="1"/>
+          </p:cNvSpPr>
+          <p:nvPr>
+            <p:ph type="pic" idx="1"/>
+          </p:nvPr>
+        </p:nvSpPr>
+        <p:spPr>
+          <a:xfrm>
+            <a:off x="15" y="0"/>
+            <a:ext cx="12191985" cy="4915076"/>
+          </a:xfrm>
+          <a:blipFill>
+            <a:blip r:embed="rId2"/>
+            <a:stretch>
+              <a:fillRect/>
+            </a:stretch>
+          </a:blipFill>
+        </p:spPr>
+        <p:txBody>
+          <a:bodyPr lIns="457200" tIns="457200" anchor="t"/>
+          <a:lstStyle>
+            <a:lvl1pPr marL="0" indent="0">
+              <a:buNone/>
+              <a:defRPr sz="3200">
+                <a:solidFill>
+                  <a:schemeClr val="bg1"/>
+                </a:solidFill>
+              </a:defRPr>
+            </a:lvl1pPr>
+            <a:lvl2pPr marL="457200" indent="0">
+              <a:buNone/>
+              <a:defRPr sz="2800"/>
+            </a:lvl2pPr>
+            <a:lvl3pPr marL="914400" indent="0">
+              <a:buNone/>
+              <a:defRPr sz="2400"/>
+            </a:lvl3pPr>
+            <a:lvl4pPr marL="1371600" indent="0">
+              <a:buNone/>
+              <a:defRPr sz="2000"/>
+            </a:lvl4pPr>
+            <a:lvl5pPr marL="1828800" indent="0">
+              <a:buNone/>
+              <a:defRPr sz="2000"/>
+            </a:lvl5pPr>
+            <a:lvl6pPr marL="2286000" indent="0">
+              <a:buNone/>
+              <a:defRPr sz="2000"/>
+            </a:lvl6pPr>
+            <a:lvl7pPr marL="2743200" indent="0">
+              <a:buNone/>
+              <a:defRPr sz="2000"/>
+            </a:lvl7pPr>
+            <a:lvl8pPr marL="3200400" indent="0">
+              <a:buNone/>
+              <a:defRPr sz="2000"/>
+            </a:lvl8pPr>
+            <a:lvl9pPr marL="3657600" indent="0">
+              <a:buNone/>
+              <a:defRPr sz="2000"/>
+            </a:lvl9pPr>
+          </a:lstStyle>
+          <a:p>
+            <a:r>
+              <a:rPr lang="fr-FR" smtClean="0"/>
+              <a:t>Cliquez sur l'icône pour ajouter une image</a:t>
+            </a:r>
+            <a:endParaRPr lang="en-US" dirty="0"/>
+          </a:p>
+        </p:txBody>
+      </p:sp>
+      <p:sp>
+        <p:nvSpPr>
+          <p:cNvPr id="4" name="Text Placeholder 3"/>
+          <p:cNvSpPr>
+            <a:spLocks noGrp="1"/>
+          </p:cNvSpPr>
+          <p:nvPr>
+            <p:ph type="body" sz="half" idx="2"/>
+          </p:nvPr>
+        </p:nvSpPr>
+        <p:spPr>
+          <a:xfrm>
+            <a:off x="1097280" y="5907023"/>
+            <a:ext cx="10113264" cy="594360"/>
+          </a:xfrm>
+        </p:spPr>
+        <p:txBody>
+          <a:bodyPr lIns="91440" tIns="0" rIns="91440" bIns="0">
+            <a:normAutofit/>
+          </a:bodyPr>
+          <a:lstStyle>
+            <a:lvl1pPr marL="0" indent="0">
+              <a:spcBef>
+                <a:spcPts val="0"/>
+              </a:spcBef>
+              <a:spcAft>
+                <a:spcPts val="600"/>
+              </a:spcAft>
+              <a:buNone/>
+              <a:defRPr sz="1500">
+                <a:solidFill>
+                  <a:srgbClr val="FFFFFF"/>
+                </a:solidFill>
+              </a:defRPr>
+            </a:lvl1pPr>
+            <a:lvl2pPr marL="457200" indent="0">
+              <a:buNone/>
+              <a:defRPr sz="1200"/>
+            </a:lvl2pPr>
+            <a:lvl3pPr marL="914400" indent="0">
+              <a:buNone/>
+              <a:defRPr sz="1000"/>
+            </a:lvl3pPr>
+            <a:lvl4pPr marL="1371600" indent="0">
+              <a:buNone/>
+              <a:defRPr sz="900"/>
+            </a:lvl4pPr>
+            <a:lvl5pPr marL="1828800" indent="0">
+              <a:buNone/>
+              <a:defRPr sz="900"/>
+            </a:lvl5pPr>
+            <a:lvl6pPr marL="2286000" indent="0">
+              <a:buNone/>
+              <a:defRPr sz="900"/>
+            </a:lvl6pPr>
+            <a:lvl7pPr marL="2743200" indent="0">
+              <a:buNone/>
+              <a:defRPr sz="900"/>
+            </a:lvl7pPr>
+            <a:lvl8pPr marL="3200400" indent="0">
+              <a:buNone/>
+              <a:defRPr sz="900"/>
+            </a:lvl8pPr>
+            <a:lvl9pPr marL="3657600" indent="0">
+              <a:buNone/>
+              <a:defRPr sz="900"/>
+            </a:lvl9pPr>
+          </a:lstStyle>
+          <a:p>
+            <a:pPr lvl="0"/>
+            <a:r>
+              <a:rPr lang="fr-FR" smtClean="0"/>
+              <a:t>Modifiez les styles du texte du masque</a:t>
+            </a:r>
+          </a:p>
+        </p:txBody>
+      </p:sp>
+      <p:sp>
+        <p:nvSpPr>
+          <p:cNvPr id="5" name="Date Placeholder 4"/>
+          <p:cNvSpPr>
+            <a:spLocks noGrp="1"/>
+          </p:cNvSpPr>
+          <p:nvPr>
+            <p:ph type="dt" sz="half" idx="10"/>
+          </p:nvPr>
+        </p:nvSpPr>
+        <p:spPr/>
+        <p:txBody>
+          <a:bodyPr/>
+          <a:lstStyle/>
+          <a:p>
+            <a:fld id="{E9D4BE7C-3CD3-4465-A389-06323A1F0889}" type="datetimeFigureOut">
+              <a:rPr lang="fr-FR" smtClean="0"/>
+              <a:t>23/05/2018</a:t>
+            </a:fld>
+            <a:endParaRPr lang="fr-FR"/>
+          </a:p>
+        </p:txBody>
+      </p:sp>
+      <p:sp>
+        <p:nvSpPr>
+          <p:cNvPr id="6" name="Footer Placeholder 5"/>
+          <p:cNvSpPr>
+            <a:spLocks noGrp="1"/>
+          </p:cNvSpPr>
+          <p:nvPr>
+            <p:ph type="ftr" sz="quarter" idx="11"/>
+          </p:nvPr>
+        </p:nvSpPr>
+        <p:spPr/>
+        <p:txBody>
+          <a:bodyPr/>
+          <a:lstStyle/>
+          <a:p>
+            <a:endParaRPr lang="fr-FR"/>
+          </a:p>
+        </p:txBody>
+      </p:sp>
+      <p:sp>
+        <p:nvSpPr>
+          <p:cNvPr id="7" name="Slide Number Placeholder 6"/>
+          <p:cNvSpPr>
+            <a:spLocks noGrp="1"/>
+          </p:cNvSpPr>
+          <p:nvPr>
+            <p:ph type="sldNum" sz="quarter" idx="12"/>
+          </p:nvPr>
+        </p:nvSpPr>
+        <p:spPr/>
+        <p:txBody>
+          <a:bodyPr/>
+          <a:lstStyle/>
+          <a:p>
+            <a:fld id="{C3BC97B5-EB2B-42FE-9A72-BEDBC0E1E396}" type="slidenum">
+              <a:rPr lang="fr-FR" smtClean="0"/>
+              <a:t>‹N°›</a:t>
+            </a:fld>
+            <a:endParaRPr lang="fr-FR"/>
+          </a:p>
+        </p:txBody>
+      </p:sp>
+    </p:spTree>
+    <p:extLst>
+      <p:ext uri="{BB962C8B-B14F-4D97-AF65-F5344CB8AC3E}">
+        <p14:creationId xmlns:p14="http://schemas.microsoft.com/office/powerpoint/2010/main" val="2958397947"/>
+      </p:ext>
+    </p:extLst>
+  </p:cSld>
+  <p:clrMapOvr>
+    <a:masterClrMapping/>
+  </p:clrMapOvr>
+</p:sldLayout>
+</file>
+
+<file path=ppt/slideLayouts/slideLayout21.xml><?xml version="1.0" encoding="utf-8"?>
+<p:sldLayout xmlns:a="http://schemas.openxmlformats.org/drawingml/2006/main" xmlns:r="http://schemas.openxmlformats.org/officeDocument/2006/relationships" xmlns:p="http://schemas.openxmlformats.org/presentationml/2006/main" type="vertTx" preserve="1">
+  <p:cSld name="Titre et texte vertical">
+    <p:spTree>
+      <p:nvGrpSpPr>
+        <p:cNvPr id="1" name=""/>
+        <p:cNvGrpSpPr/>
+        <p:nvPr/>
+      </p:nvGrpSpPr>
+      <p:grpSpPr>
+        <a:xfrm>
+          <a:off x="0" y="0"/>
+          <a:ext cx="0" cy="0"/>
+          <a:chOff x="0" y="0"/>
+          <a:chExt cx="0" cy="0"/>
+        </a:xfrm>
+      </p:grpSpPr>
+      <p:sp>
+        <p:nvSpPr>
+          <p:cNvPr id="2" name="Title 1"/>
+          <p:cNvSpPr>
+            <a:spLocks noGrp="1"/>
+          </p:cNvSpPr>
+          <p:nvPr>
+            <p:ph type="title"/>
+          </p:nvPr>
+        </p:nvSpPr>
+        <p:spPr/>
+        <p:txBody>
+          <a:bodyPr/>
+          <a:lstStyle/>
+          <a:p>
+            <a:r>
+              <a:rPr lang="fr-FR" smtClean="0"/>
+              <a:t>Modifiez le style du titre</a:t>
+            </a:r>
+            <a:endParaRPr lang="en-US" dirty="0"/>
+          </a:p>
+        </p:txBody>
+      </p:sp>
+      <p:sp>
+        <p:nvSpPr>
+          <p:cNvPr id="3" name="Vertical Text Placeholder 2"/>
+          <p:cNvSpPr>
+            <a:spLocks noGrp="1"/>
+          </p:cNvSpPr>
+          <p:nvPr>
+            <p:ph type="body" orient="vert" idx="1"/>
+          </p:nvPr>
+        </p:nvSpPr>
+        <p:spPr/>
+        <p:txBody>
+          <a:bodyPr vert="eaVert" lIns="45720" tIns="0" rIns="45720" bIns="0"/>
+          <a:lstStyle/>
+          <a:p>
+            <a:pPr lvl="0"/>
+            <a:r>
+              <a:rPr lang="fr-FR" smtClean="0"/>
+              <a:t>Modifiez les styles du texte du masque</a:t>
+            </a:r>
+          </a:p>
+          <a:p>
+            <a:pPr lvl="1"/>
+            <a:r>
+              <a:rPr lang="fr-FR" smtClean="0"/>
+              <a:t>Deuxième niveau</a:t>
+            </a:r>
+          </a:p>
+          <a:p>
+            <a:pPr lvl="2"/>
+            <a:r>
+              <a:rPr lang="fr-FR" smtClean="0"/>
+              <a:t>Troisième niveau</a:t>
+            </a:r>
+          </a:p>
+          <a:p>
+            <a:pPr lvl="3"/>
+            <a:r>
+              <a:rPr lang="fr-FR" smtClean="0"/>
+              <a:t>Quatrième niveau</a:t>
+            </a:r>
+          </a:p>
+          <a:p>
+            <a:pPr lvl="4"/>
+            <a:r>
+              <a:rPr lang="fr-FR" smtClean="0"/>
+              <a:t>Cinquième niveau</a:t>
+            </a:r>
+            <a:endParaRPr lang="en-US" dirty="0"/>
+          </a:p>
+        </p:txBody>
+      </p:sp>
+      <p:sp>
+        <p:nvSpPr>
+          <p:cNvPr id="4" name="Date Placeholder 3"/>
+          <p:cNvSpPr>
+            <a:spLocks noGrp="1"/>
+          </p:cNvSpPr>
+          <p:nvPr>
+            <p:ph type="dt" sz="half" idx="10"/>
+          </p:nvPr>
+        </p:nvSpPr>
+        <p:spPr/>
+        <p:txBody>
+          <a:bodyPr/>
+          <a:lstStyle/>
+          <a:p>
+            <a:fld id="{E9D4BE7C-3CD3-4465-A389-06323A1F0889}" type="datetimeFigureOut">
+              <a:rPr lang="fr-FR" smtClean="0"/>
+              <a:t>23/05/2018</a:t>
+            </a:fld>
+            <a:endParaRPr lang="fr-FR"/>
+          </a:p>
+        </p:txBody>
+      </p:sp>
+      <p:sp>
+        <p:nvSpPr>
+          <p:cNvPr id="5" name="Footer Placeholder 4"/>
+          <p:cNvSpPr>
+            <a:spLocks noGrp="1"/>
+          </p:cNvSpPr>
+          <p:nvPr>
+            <p:ph type="ftr" sz="quarter" idx="11"/>
+          </p:nvPr>
+        </p:nvSpPr>
+        <p:spPr/>
+        <p:txBody>
+          <a:bodyPr/>
+          <a:lstStyle/>
+          <a:p>
+            <a:endParaRPr lang="fr-FR"/>
+          </a:p>
+        </p:txBody>
+      </p:sp>
+      <p:sp>
+        <p:nvSpPr>
+          <p:cNvPr id="6" name="Slide Number Placeholder 5"/>
+          <p:cNvSpPr>
+            <a:spLocks noGrp="1"/>
+          </p:cNvSpPr>
+          <p:nvPr>
+            <p:ph type="sldNum" sz="quarter" idx="12"/>
+          </p:nvPr>
+        </p:nvSpPr>
+        <p:spPr/>
+        <p:txBody>
+          <a:bodyPr/>
+          <a:lstStyle/>
+          <a:p>
+            <a:fld id="{C3BC97B5-EB2B-42FE-9A72-BEDBC0E1E396}" type="slidenum">
+              <a:rPr lang="fr-FR" smtClean="0"/>
+              <a:t>‹N°›</a:t>
+            </a:fld>
+            <a:endParaRPr lang="fr-FR"/>
+          </a:p>
+        </p:txBody>
+      </p:sp>
+    </p:spTree>
+    <p:extLst>
+      <p:ext uri="{BB962C8B-B14F-4D97-AF65-F5344CB8AC3E}">
+        <p14:creationId xmlns:p14="http://schemas.microsoft.com/office/powerpoint/2010/main" val="876111178"/>
+      </p:ext>
+    </p:extLst>
+  </p:cSld>
+  <p:clrMapOvr>
+    <a:masterClrMapping/>
+  </p:clrMapOvr>
+</p:sldLayout>
+</file>
+
+<file path=ppt/slideLayouts/slideLayout22.xml><?xml version="1.0" encoding="utf-8"?>
+<p:sldLayout xmlns:a="http://schemas.openxmlformats.org/drawingml/2006/main" xmlns:r="http://schemas.openxmlformats.org/officeDocument/2006/relationships" xmlns:p="http://schemas.openxmlformats.org/presentationml/2006/main" showMasterSp="0" type="vertTitleAndTx" preserve="1">
+  <p:cSld name="Titre vertical et texte">
+    <p:spTree>
+      <p:nvGrpSpPr>
+        <p:cNvPr id="1" name=""/>
+        <p:cNvGrpSpPr/>
+        <p:nvPr/>
+      </p:nvGrpSpPr>
+      <p:grpSpPr>
+        <a:xfrm>
+          <a:off x="0" y="0"/>
+          <a:ext cx="0" cy="0"/>
+          <a:chOff x="0" y="0"/>
+          <a:chExt cx="0" cy="0"/>
+        </a:xfrm>
+      </p:grpSpPr>
+      <p:sp>
+        <p:nvSpPr>
+          <p:cNvPr id="7" name="Rectangle 6"/>
+          <p:cNvSpPr/>
+          <p:nvPr/>
+        </p:nvSpPr>
+        <p:spPr>
+          <a:xfrm>
+            <a:off x="3175" y="6400800"/>
+            <a:ext cx="12188825" cy="457200"/>
+          </a:xfrm>
+          <a:prstGeom prst="rect">
+            <a:avLst/>
+          </a:prstGeom>
+          <a:solidFill>
+            <a:schemeClr val="accent2"/>
+          </a:solidFill>
+          <a:ln>
+            <a:noFill/>
+          </a:ln>
+        </p:spPr>
+        <p:style>
+          <a:lnRef idx="2">
+            <a:schemeClr val="accent1">
+              <a:shade val="50000"/>
+            </a:schemeClr>
+          </a:lnRef>
+          <a:fillRef idx="1">
+            <a:schemeClr val="accent1"/>
+          </a:fillRef>
+          <a:effectRef idx="0">
+            <a:schemeClr val="accent1"/>
+          </a:effectRef>
+          <a:fontRef idx="minor">
+            <a:schemeClr val="lt1"/>
+          </a:fontRef>
+        </p:style>
+      </p:sp>
+      <p:sp>
+        <p:nvSpPr>
+          <p:cNvPr id="8" name="Rectangle 7"/>
+          <p:cNvSpPr/>
+          <p:nvPr/>
+        </p:nvSpPr>
+        <p:spPr>
+          <a:xfrm>
+            <a:off x="15" y="6334316"/>
+            <a:ext cx="12188825" cy="64008"/>
+          </a:xfrm>
+          <a:prstGeom prst="rect">
+            <a:avLst/>
+          </a:prstGeom>
+          <a:solidFill>
+            <a:schemeClr val="accent1"/>
+          </a:solidFill>
+          <a:ln>
+            <a:noFill/>
+          </a:ln>
+        </p:spPr>
+        <p:style>
+          <a:lnRef idx="2">
+            <a:schemeClr val="accent1">
+              <a:shade val="50000"/>
+            </a:schemeClr>
+          </a:lnRef>
+          <a:fillRef idx="1">
+            <a:schemeClr val="accent1"/>
+          </a:fillRef>
+          <a:effectRef idx="0">
+            <a:schemeClr val="accent1"/>
+          </a:effectRef>
+          <a:fontRef idx="minor">
+            <a:schemeClr val="lt1"/>
+          </a:fontRef>
+        </p:style>
+      </p:sp>
+      <p:sp>
+        <p:nvSpPr>
+          <p:cNvPr id="2" name="Vertical Title 1"/>
+          <p:cNvSpPr>
+            <a:spLocks noGrp="1"/>
+          </p:cNvSpPr>
+          <p:nvPr>
+            <p:ph type="title" orient="vert"/>
+          </p:nvPr>
+        </p:nvSpPr>
+        <p:spPr>
+          <a:xfrm>
+            <a:off x="8724900" y="414778"/>
+            <a:ext cx="2628900" cy="5757421"/>
+          </a:xfrm>
+        </p:spPr>
+        <p:txBody>
+          <a:bodyPr vert="eaVert"/>
+          <a:lstStyle/>
+          <a:p>
+            <a:r>
+              <a:rPr lang="fr-FR" smtClean="0"/>
+              <a:t>Modifiez le style du titre</a:t>
+            </a:r>
+            <a:endParaRPr lang="en-US" dirty="0"/>
+          </a:p>
+        </p:txBody>
+      </p:sp>
+      <p:sp>
+        <p:nvSpPr>
+          <p:cNvPr id="3" name="Vertical Text Placeholder 2"/>
+          <p:cNvSpPr>
+            <a:spLocks noGrp="1"/>
+          </p:cNvSpPr>
+          <p:nvPr>
+            <p:ph type="body" orient="vert" idx="1"/>
+          </p:nvPr>
+        </p:nvSpPr>
+        <p:spPr>
+          <a:xfrm>
+            <a:off x="838200" y="414778"/>
+            <a:ext cx="7734300" cy="5757422"/>
+          </a:xfrm>
+        </p:spPr>
+        <p:txBody>
+          <a:bodyPr vert="eaVert" lIns="45720" tIns="0" rIns="45720" bIns="0"/>
+          <a:lstStyle/>
+          <a:p>
+            <a:pPr lvl="0"/>
+            <a:r>
+              <a:rPr lang="fr-FR" smtClean="0"/>
+              <a:t>Modifiez les styles du texte du masque</a:t>
+            </a:r>
+          </a:p>
+          <a:p>
+            <a:pPr lvl="1"/>
+            <a:r>
+              <a:rPr lang="fr-FR" smtClean="0"/>
+              <a:t>Deuxième niveau</a:t>
+            </a:r>
+          </a:p>
+          <a:p>
+            <a:pPr lvl="2"/>
+            <a:r>
+              <a:rPr lang="fr-FR" smtClean="0"/>
+              <a:t>Troisième niveau</a:t>
+            </a:r>
+          </a:p>
+          <a:p>
+            <a:pPr lvl="3"/>
+            <a:r>
+              <a:rPr lang="fr-FR" smtClean="0"/>
+              <a:t>Quatrième niveau</a:t>
+            </a:r>
+          </a:p>
+          <a:p>
+            <a:pPr lvl="4"/>
+            <a:r>
+              <a:rPr lang="fr-FR" smtClean="0"/>
+              <a:t>Cinquième niveau</a:t>
+            </a:r>
+            <a:endParaRPr lang="en-US" dirty="0"/>
+          </a:p>
+        </p:txBody>
+      </p:sp>
+      <p:sp>
+        <p:nvSpPr>
+          <p:cNvPr id="4" name="Date Placeholder 3"/>
+          <p:cNvSpPr>
+            <a:spLocks noGrp="1"/>
+          </p:cNvSpPr>
+          <p:nvPr>
+            <p:ph type="dt" sz="half" idx="10"/>
+          </p:nvPr>
+        </p:nvSpPr>
+        <p:spPr/>
+        <p:txBody>
+          <a:bodyPr/>
+          <a:lstStyle/>
+          <a:p>
+            <a:fld id="{E9D4BE7C-3CD3-4465-A389-06323A1F0889}" type="datetimeFigureOut">
+              <a:rPr lang="fr-FR" smtClean="0"/>
+              <a:t>23/05/2018</a:t>
+            </a:fld>
+            <a:endParaRPr lang="fr-FR"/>
+          </a:p>
+        </p:txBody>
+      </p:sp>
+      <p:sp>
+        <p:nvSpPr>
+          <p:cNvPr id="5" name="Footer Placeholder 4"/>
+          <p:cNvSpPr>
+            <a:spLocks noGrp="1"/>
+          </p:cNvSpPr>
+          <p:nvPr>
+            <p:ph type="ftr" sz="quarter" idx="11"/>
+          </p:nvPr>
+        </p:nvSpPr>
+        <p:spPr/>
+        <p:txBody>
+          <a:bodyPr/>
+          <a:lstStyle/>
+          <a:p>
+            <a:endParaRPr lang="fr-FR"/>
+          </a:p>
+        </p:txBody>
+      </p:sp>
+      <p:sp>
+        <p:nvSpPr>
+          <p:cNvPr id="6" name="Slide Number Placeholder 5"/>
+          <p:cNvSpPr>
+            <a:spLocks noGrp="1"/>
+          </p:cNvSpPr>
+          <p:nvPr>
+            <p:ph type="sldNum" sz="quarter" idx="12"/>
+          </p:nvPr>
+        </p:nvSpPr>
+        <p:spPr/>
+        <p:txBody>
+          <a:bodyPr/>
+          <a:lstStyle/>
+          <a:p>
+            <a:fld id="{C3BC97B5-EB2B-42FE-9A72-BEDBC0E1E396}" type="slidenum">
+              <a:rPr lang="fr-FR" smtClean="0"/>
+              <a:t>‹N°›</a:t>
+            </a:fld>
+            <a:endParaRPr lang="fr-FR"/>
+          </a:p>
+        </p:txBody>
+      </p:sp>
+    </p:spTree>
+    <p:extLst>
+      <p:ext uri="{BB962C8B-B14F-4D97-AF65-F5344CB8AC3E}">
+        <p14:creationId xmlns:p14="http://schemas.microsoft.com/office/powerpoint/2010/main" val="862680836"/>
       </p:ext>
     </p:extLst>
   </p:cSld>
@@ -6907,7 +9877,7 @@
           <a:p>
             <a:fld id="{E9D4BE7C-3CD3-4465-A389-06323A1F0889}" type="datetimeFigureOut">
               <a:rPr lang="fr-FR" smtClean="0"/>
-              <a:t>22/05/2018</a:t>
+              <a:t>23/05/2018</a:t>
             </a:fld>
             <a:endParaRPr lang="fr-FR"/>
           </a:p>
@@ -7195,7 +10165,7 @@
           <a:p>
             <a:fld id="{E9D4BE7C-3CD3-4465-A389-06323A1F0889}" type="datetimeFigureOut">
               <a:rPr lang="fr-FR" smtClean="0"/>
-              <a:t>22/05/2018</a:t>
+              <a:t>23/05/2018</a:t>
             </a:fld>
             <a:endParaRPr lang="fr-FR"/>
           </a:p>
@@ -7617,7 +10587,7 @@
           <a:p>
             <a:fld id="{E9D4BE7C-3CD3-4465-A389-06323A1F0889}" type="datetimeFigureOut">
               <a:rPr lang="fr-FR" smtClean="0"/>
-              <a:t>22/05/2018</a:t>
+              <a:t>23/05/2018</a:t>
             </a:fld>
             <a:endParaRPr lang="fr-FR"/>
           </a:p>
@@ -7735,7 +10705,7 @@
           <a:p>
             <a:fld id="{E9D4BE7C-3CD3-4465-A389-06323A1F0889}" type="datetimeFigureOut">
               <a:rPr lang="fr-FR" smtClean="0"/>
-              <a:t>22/05/2018</a:t>
+              <a:t>23/05/2018</a:t>
             </a:fld>
             <a:endParaRPr lang="fr-FR"/>
           </a:p>
@@ -7830,7 +10800,7 @@
           <a:p>
             <a:fld id="{E9D4BE7C-3CD3-4465-A389-06323A1F0889}" type="datetimeFigureOut">
               <a:rPr lang="fr-FR" smtClean="0"/>
-              <a:t>22/05/2018</a:t>
+              <a:t>23/05/2018</a:t>
             </a:fld>
             <a:endParaRPr lang="fr-FR"/>
           </a:p>
@@ -8010,7 +10980,7 @@
           <a:p>
             <a:fld id="{E9D4BE7C-3CD3-4465-A389-06323A1F0889}" type="datetimeFigureOut">
               <a:rPr lang="fr-FR" smtClean="0"/>
-              <a:t>22/05/2018</a:t>
+              <a:t>23/05/2018</a:t>
             </a:fld>
             <a:endParaRPr lang="fr-FR"/>
           </a:p>
@@ -8501,7 +11471,7 @@
           <a:p>
             <a:fld id="{E9D4BE7C-3CD3-4465-A389-06323A1F0889}" type="datetimeFigureOut">
               <a:rPr lang="fr-FR" smtClean="0"/>
-              <a:t>22/05/2018</a:t>
+              <a:t>23/05/2018</a:t>
             </a:fld>
             <a:endParaRPr lang="fr-FR"/>
           </a:p>
@@ -9058,7 +12028,7 @@
           <a:p>
             <a:fld id="{E9D4BE7C-3CD3-4465-A389-06323A1F0889}" type="datetimeFigureOut">
               <a:rPr lang="fr-FR" smtClean="0"/>
-              <a:t>22/05/2018</a:t>
+              <a:t>23/05/2018</a:t>
             </a:fld>
             <a:endParaRPr lang="fr-FR"/>
           </a:p>
@@ -9459,6 +12429,739 @@
 </p:sldMaster>
 </file>
 
+<file path=ppt/slideMasters/slideMaster2.xml><?xml version="1.0" encoding="utf-8"?>
+<p:sldMaster xmlns:a="http://schemas.openxmlformats.org/drawingml/2006/main" xmlns:r="http://schemas.openxmlformats.org/officeDocument/2006/relationships" xmlns:p="http://schemas.openxmlformats.org/presentationml/2006/main">
+  <p:cSld>
+    <p:bg>
+      <p:bgRef idx="1001">
+        <a:schemeClr val="bg1"/>
+      </p:bgRef>
+    </p:bg>
+    <p:spTree>
+      <p:nvGrpSpPr>
+        <p:cNvPr id="1" name=""/>
+        <p:cNvGrpSpPr/>
+        <p:nvPr/>
+      </p:nvGrpSpPr>
+      <p:grpSpPr>
+        <a:xfrm>
+          <a:off x="0" y="0"/>
+          <a:ext cx="0" cy="0"/>
+          <a:chOff x="0" y="0"/>
+          <a:chExt cx="0" cy="0"/>
+        </a:xfrm>
+      </p:grpSpPr>
+      <p:sp>
+        <p:nvSpPr>
+          <p:cNvPr id="7" name="Rectangle 6"/>
+          <p:cNvSpPr/>
+          <p:nvPr/>
+        </p:nvSpPr>
+        <p:spPr>
+          <a:xfrm>
+            <a:off x="1" y="6400800"/>
+            <a:ext cx="12192000" cy="457200"/>
+          </a:xfrm>
+          <a:prstGeom prst="rect">
+            <a:avLst/>
+          </a:prstGeom>
+          <a:solidFill>
+            <a:schemeClr val="accent2"/>
+          </a:solidFill>
+          <a:ln>
+            <a:noFill/>
+          </a:ln>
+        </p:spPr>
+        <p:style>
+          <a:lnRef idx="2">
+            <a:schemeClr val="accent1">
+              <a:shade val="50000"/>
+            </a:schemeClr>
+          </a:lnRef>
+          <a:fillRef idx="1">
+            <a:schemeClr val="accent1"/>
+          </a:fillRef>
+          <a:effectRef idx="0">
+            <a:schemeClr val="accent1"/>
+          </a:effectRef>
+          <a:fontRef idx="minor">
+            <a:schemeClr val="lt1"/>
+          </a:fontRef>
+        </p:style>
+      </p:sp>
+      <p:sp>
+        <p:nvSpPr>
+          <p:cNvPr id="9" name="Rectangle 8"/>
+          <p:cNvSpPr/>
+          <p:nvPr/>
+        </p:nvSpPr>
+        <p:spPr>
+          <a:xfrm>
+            <a:off x="0" y="6334316"/>
+            <a:ext cx="12192001" cy="65998"/>
+          </a:xfrm>
+          <a:prstGeom prst="rect">
+            <a:avLst/>
+          </a:prstGeom>
+          <a:solidFill>
+            <a:schemeClr val="accent1"/>
+          </a:solidFill>
+          <a:ln>
+            <a:noFill/>
+          </a:ln>
+        </p:spPr>
+        <p:style>
+          <a:lnRef idx="2">
+            <a:schemeClr val="accent1">
+              <a:shade val="50000"/>
+            </a:schemeClr>
+          </a:lnRef>
+          <a:fillRef idx="1">
+            <a:schemeClr val="accent1"/>
+          </a:fillRef>
+          <a:effectRef idx="0">
+            <a:schemeClr val="accent1"/>
+          </a:effectRef>
+          <a:fontRef idx="minor">
+            <a:schemeClr val="lt1"/>
+          </a:fontRef>
+        </p:style>
+      </p:sp>
+      <p:sp>
+        <p:nvSpPr>
+          <p:cNvPr id="2" name="Title Placeholder 1"/>
+          <p:cNvSpPr>
+            <a:spLocks noGrp="1"/>
+          </p:cNvSpPr>
+          <p:nvPr>
+            <p:ph type="title"/>
+          </p:nvPr>
+        </p:nvSpPr>
+        <p:spPr>
+          <a:xfrm>
+            <a:off x="1097280" y="286603"/>
+            <a:ext cx="10058400" cy="1450757"/>
+          </a:xfrm>
+          <a:prstGeom prst="rect">
+            <a:avLst/>
+          </a:prstGeom>
+        </p:spPr>
+        <p:txBody>
+          <a:bodyPr vert="horz" lIns="91440" tIns="45720" rIns="91440" bIns="45720" rtlCol="0" anchor="b">
+            <a:normAutofit/>
+          </a:bodyPr>
+          <a:lstStyle/>
+          <a:p>
+            <a:r>
+              <a:rPr lang="fr-FR" smtClean="0"/>
+              <a:t>Modifiez le style du titre</a:t>
+            </a:r>
+            <a:endParaRPr lang="en-US" dirty="0"/>
+          </a:p>
+        </p:txBody>
+      </p:sp>
+      <p:sp>
+        <p:nvSpPr>
+          <p:cNvPr id="3" name="Text Placeholder 2"/>
+          <p:cNvSpPr>
+            <a:spLocks noGrp="1"/>
+          </p:cNvSpPr>
+          <p:nvPr>
+            <p:ph type="body" idx="1"/>
+          </p:nvPr>
+        </p:nvSpPr>
+        <p:spPr>
+          <a:xfrm>
+            <a:off x="1097280" y="1845734"/>
+            <a:ext cx="10058400" cy="4023360"/>
+          </a:xfrm>
+          <a:prstGeom prst="rect">
+            <a:avLst/>
+          </a:prstGeom>
+        </p:spPr>
+        <p:txBody>
+          <a:bodyPr vert="horz" lIns="0" tIns="45720" rIns="0" bIns="45720" rtlCol="0">
+            <a:normAutofit/>
+          </a:bodyPr>
+          <a:lstStyle/>
+          <a:p>
+            <a:pPr lvl="0"/>
+            <a:r>
+              <a:rPr lang="fr-FR" smtClean="0"/>
+              <a:t>Modifiez les styles du texte du masque</a:t>
+            </a:r>
+          </a:p>
+          <a:p>
+            <a:pPr lvl="1"/>
+            <a:r>
+              <a:rPr lang="fr-FR" smtClean="0"/>
+              <a:t>Deuxième niveau</a:t>
+            </a:r>
+          </a:p>
+          <a:p>
+            <a:pPr lvl="2"/>
+            <a:r>
+              <a:rPr lang="fr-FR" smtClean="0"/>
+              <a:t>Troisième niveau</a:t>
+            </a:r>
+          </a:p>
+          <a:p>
+            <a:pPr lvl="3"/>
+            <a:r>
+              <a:rPr lang="fr-FR" smtClean="0"/>
+              <a:t>Quatrième niveau</a:t>
+            </a:r>
+          </a:p>
+          <a:p>
+            <a:pPr lvl="4"/>
+            <a:r>
+              <a:rPr lang="fr-FR" smtClean="0"/>
+              <a:t>Cinquième niveau</a:t>
+            </a:r>
+            <a:endParaRPr lang="en-US" dirty="0"/>
+          </a:p>
+        </p:txBody>
+      </p:sp>
+      <p:sp>
+        <p:nvSpPr>
+          <p:cNvPr id="4" name="Date Placeholder 3"/>
+          <p:cNvSpPr>
+            <a:spLocks noGrp="1"/>
+          </p:cNvSpPr>
+          <p:nvPr>
+            <p:ph type="dt" sz="half" idx="2"/>
+          </p:nvPr>
+        </p:nvSpPr>
+        <p:spPr>
+          <a:xfrm>
+            <a:off x="1097280" y="6459785"/>
+            <a:ext cx="2472271" cy="365125"/>
+          </a:xfrm>
+          <a:prstGeom prst="rect">
+            <a:avLst/>
+          </a:prstGeom>
+        </p:spPr>
+        <p:txBody>
+          <a:bodyPr vert="horz" lIns="91440" tIns="45720" rIns="91440" bIns="45720" rtlCol="0" anchor="ctr"/>
+          <a:lstStyle>
+            <a:lvl1pPr algn="l">
+              <a:defRPr sz="900">
+                <a:solidFill>
+                  <a:srgbClr val="FFFFFF"/>
+                </a:solidFill>
+              </a:defRPr>
+            </a:lvl1pPr>
+          </a:lstStyle>
+          <a:p>
+            <a:fld id="{E9D4BE7C-3CD3-4465-A389-06323A1F0889}" type="datetimeFigureOut">
+              <a:rPr lang="fr-FR" smtClean="0"/>
+              <a:t>23/05/2018</a:t>
+            </a:fld>
+            <a:endParaRPr lang="fr-FR"/>
+          </a:p>
+        </p:txBody>
+      </p:sp>
+      <p:sp>
+        <p:nvSpPr>
+          <p:cNvPr id="5" name="Footer Placeholder 4"/>
+          <p:cNvSpPr>
+            <a:spLocks noGrp="1"/>
+          </p:cNvSpPr>
+          <p:nvPr>
+            <p:ph type="ftr" sz="quarter" idx="3"/>
+          </p:nvPr>
+        </p:nvSpPr>
+        <p:spPr>
+          <a:xfrm>
+            <a:off x="3686185" y="6459785"/>
+            <a:ext cx="4822804" cy="365125"/>
+          </a:xfrm>
+          <a:prstGeom prst="rect">
+            <a:avLst/>
+          </a:prstGeom>
+        </p:spPr>
+        <p:txBody>
+          <a:bodyPr vert="horz" lIns="91440" tIns="45720" rIns="91440" bIns="45720" rtlCol="0" anchor="ctr"/>
+          <a:lstStyle>
+            <a:lvl1pPr algn="ctr">
+              <a:defRPr sz="900" cap="all" baseline="0">
+                <a:solidFill>
+                  <a:srgbClr val="FFFFFF"/>
+                </a:solidFill>
+              </a:defRPr>
+            </a:lvl1pPr>
+          </a:lstStyle>
+          <a:p>
+            <a:endParaRPr lang="fr-FR"/>
+          </a:p>
+        </p:txBody>
+      </p:sp>
+      <p:sp>
+        <p:nvSpPr>
+          <p:cNvPr id="6" name="Slide Number Placeholder 5"/>
+          <p:cNvSpPr>
+            <a:spLocks noGrp="1"/>
+          </p:cNvSpPr>
+          <p:nvPr>
+            <p:ph type="sldNum" sz="quarter" idx="4"/>
+          </p:nvPr>
+        </p:nvSpPr>
+        <p:spPr>
+          <a:xfrm>
+            <a:off x="9900458" y="6459785"/>
+            <a:ext cx="1312025" cy="365125"/>
+          </a:xfrm>
+          <a:prstGeom prst="rect">
+            <a:avLst/>
+          </a:prstGeom>
+        </p:spPr>
+        <p:txBody>
+          <a:bodyPr vert="horz" lIns="91440" tIns="45720" rIns="91440" bIns="45720" rtlCol="0" anchor="ctr"/>
+          <a:lstStyle>
+            <a:lvl1pPr algn="r">
+              <a:defRPr sz="1050">
+                <a:solidFill>
+                  <a:srgbClr val="FFFFFF"/>
+                </a:solidFill>
+              </a:defRPr>
+            </a:lvl1pPr>
+          </a:lstStyle>
+          <a:p>
+            <a:fld id="{C3BC97B5-EB2B-42FE-9A72-BEDBC0E1E396}" type="slidenum">
+              <a:rPr lang="fr-FR" smtClean="0"/>
+              <a:t>‹N°›</a:t>
+            </a:fld>
+            <a:endParaRPr lang="fr-FR"/>
+          </a:p>
+        </p:txBody>
+      </p:sp>
+      <p:cxnSp>
+        <p:nvCxnSpPr>
+          <p:cNvPr id="10" name="Straight Connector 9"/>
+          <p:cNvCxnSpPr/>
+          <p:nvPr/>
+        </p:nvCxnSpPr>
+        <p:spPr>
+          <a:xfrm>
+            <a:off x="1193532" y="1737845"/>
+            <a:ext cx="9966960" cy="0"/>
+          </a:xfrm>
+          <a:prstGeom prst="line">
+            <a:avLst/>
+          </a:prstGeom>
+          <a:ln w="6350">
+            <a:solidFill>
+              <a:schemeClr val="tx1">
+                <a:lumMod val="50000"/>
+                <a:lumOff val="50000"/>
+              </a:schemeClr>
+            </a:solidFill>
+          </a:ln>
+        </p:spPr>
+        <p:style>
+          <a:lnRef idx="1">
+            <a:schemeClr val="accent1"/>
+          </a:lnRef>
+          <a:fillRef idx="0">
+            <a:schemeClr val="accent1"/>
+          </a:fillRef>
+          <a:effectRef idx="0">
+            <a:schemeClr val="accent1"/>
+          </a:effectRef>
+          <a:fontRef idx="minor">
+            <a:schemeClr val="tx1"/>
+          </a:fontRef>
+        </p:style>
+      </p:cxnSp>
+    </p:spTree>
+    <p:extLst>
+      <p:ext uri="{BB962C8B-B14F-4D97-AF65-F5344CB8AC3E}">
+        <p14:creationId xmlns:p14="http://schemas.microsoft.com/office/powerpoint/2010/main" val="1257003894"/>
+      </p:ext>
+    </p:extLst>
+  </p:cSld>
+  <p:clrMap bg1="lt1" tx1="dk1" bg2="lt2" tx2="dk2" accent1="accent1" accent2="accent2" accent3="accent3" accent4="accent4" accent5="accent5" accent6="accent6" hlink="hlink" folHlink="folHlink"/>
+  <p:sldLayoutIdLst>
+    <p:sldLayoutId id="2147483697" r:id="rId1"/>
+    <p:sldLayoutId id="2147483698" r:id="rId2"/>
+    <p:sldLayoutId id="2147483699" r:id="rId3"/>
+    <p:sldLayoutId id="2147483700" r:id="rId4"/>
+    <p:sldLayoutId id="2147483701" r:id="rId5"/>
+    <p:sldLayoutId id="2147483702" r:id="rId6"/>
+    <p:sldLayoutId id="2147483703" r:id="rId7"/>
+    <p:sldLayoutId id="2147483704" r:id="rId8"/>
+    <p:sldLayoutId id="2147483705" r:id="rId9"/>
+    <p:sldLayoutId id="2147483706" r:id="rId10"/>
+    <p:sldLayoutId id="2147483707" r:id="rId11"/>
+  </p:sldLayoutIdLst>
+  <p:txStyles>
+    <p:titleStyle>
+      <a:lvl1pPr algn="l" defTabSz="914400" rtl="0" eaLnBrk="1" latinLnBrk="0" hangingPunct="1">
+        <a:lnSpc>
+          <a:spcPct val="85000"/>
+        </a:lnSpc>
+        <a:spcBef>
+          <a:spcPct val="0"/>
+        </a:spcBef>
+        <a:buNone/>
+        <a:defRPr sz="4800" kern="1200" spc="-50" baseline="0">
+          <a:solidFill>
+            <a:schemeClr val="tx1">
+              <a:lumMod val="75000"/>
+              <a:lumOff val="25000"/>
+            </a:schemeClr>
+          </a:solidFill>
+          <a:latin typeface="+mj-lt"/>
+          <a:ea typeface="+mj-ea"/>
+          <a:cs typeface="+mj-cs"/>
+        </a:defRPr>
+      </a:lvl1pPr>
+    </p:titleStyle>
+    <p:bodyStyle>
+      <a:lvl1pPr marL="91440" indent="-91440" algn="l" defTabSz="914400" rtl="0" eaLnBrk="1" latinLnBrk="0" hangingPunct="1">
+        <a:lnSpc>
+          <a:spcPct val="90000"/>
+        </a:lnSpc>
+        <a:spcBef>
+          <a:spcPts val="1200"/>
+        </a:spcBef>
+        <a:spcAft>
+          <a:spcPts val="200"/>
+        </a:spcAft>
+        <a:buClr>
+          <a:schemeClr val="accent1"/>
+        </a:buClr>
+        <a:buSzPct val="100000"/>
+        <a:buFont typeface="Calibri" panose="020F0502020204030204" pitchFamily="34" charset="0"/>
+        <a:buChar char=" "/>
+        <a:defRPr sz="2000" kern="1200">
+          <a:solidFill>
+            <a:schemeClr val="tx1">
+              <a:lumMod val="75000"/>
+              <a:lumOff val="25000"/>
+            </a:schemeClr>
+          </a:solidFill>
+          <a:latin typeface="+mn-lt"/>
+          <a:ea typeface="+mn-ea"/>
+          <a:cs typeface="+mn-cs"/>
+        </a:defRPr>
+      </a:lvl1pPr>
+      <a:lvl2pPr marL="384048" indent="-182880" algn="l" defTabSz="914400" rtl="0" eaLnBrk="1" latinLnBrk="0" hangingPunct="1">
+        <a:lnSpc>
+          <a:spcPct val="90000"/>
+        </a:lnSpc>
+        <a:spcBef>
+          <a:spcPts val="200"/>
+        </a:spcBef>
+        <a:spcAft>
+          <a:spcPts val="400"/>
+        </a:spcAft>
+        <a:buClr>
+          <a:schemeClr val="accent1"/>
+        </a:buClr>
+        <a:buFont typeface="Calibri" pitchFamily="34" charset="0"/>
+        <a:buChar char="◦"/>
+        <a:defRPr sz="1800" kern="1200">
+          <a:solidFill>
+            <a:schemeClr val="tx1">
+              <a:lumMod val="75000"/>
+              <a:lumOff val="25000"/>
+            </a:schemeClr>
+          </a:solidFill>
+          <a:latin typeface="+mn-lt"/>
+          <a:ea typeface="+mn-ea"/>
+          <a:cs typeface="+mn-cs"/>
+        </a:defRPr>
+      </a:lvl2pPr>
+      <a:lvl3pPr marL="566928" indent="-182880" algn="l" defTabSz="914400" rtl="0" eaLnBrk="1" latinLnBrk="0" hangingPunct="1">
+        <a:lnSpc>
+          <a:spcPct val="90000"/>
+        </a:lnSpc>
+        <a:spcBef>
+          <a:spcPts val="200"/>
+        </a:spcBef>
+        <a:spcAft>
+          <a:spcPts val="400"/>
+        </a:spcAft>
+        <a:buClr>
+          <a:schemeClr val="accent1"/>
+        </a:buClr>
+        <a:buFont typeface="Calibri" pitchFamily="34" charset="0"/>
+        <a:buChar char="◦"/>
+        <a:defRPr sz="1400" kern="1200">
+          <a:solidFill>
+            <a:schemeClr val="tx1">
+              <a:lumMod val="75000"/>
+              <a:lumOff val="25000"/>
+            </a:schemeClr>
+          </a:solidFill>
+          <a:latin typeface="+mn-lt"/>
+          <a:ea typeface="+mn-ea"/>
+          <a:cs typeface="+mn-cs"/>
+        </a:defRPr>
+      </a:lvl3pPr>
+      <a:lvl4pPr marL="749808" indent="-182880" algn="l" defTabSz="914400" rtl="0" eaLnBrk="1" latinLnBrk="0" hangingPunct="1">
+        <a:lnSpc>
+          <a:spcPct val="90000"/>
+        </a:lnSpc>
+        <a:spcBef>
+          <a:spcPts val="200"/>
+        </a:spcBef>
+        <a:spcAft>
+          <a:spcPts val="400"/>
+        </a:spcAft>
+        <a:buClr>
+          <a:schemeClr val="accent1"/>
+        </a:buClr>
+        <a:buFont typeface="Calibri" pitchFamily="34" charset="0"/>
+        <a:buChar char="◦"/>
+        <a:defRPr sz="1400" kern="1200">
+          <a:solidFill>
+            <a:schemeClr val="tx1">
+              <a:lumMod val="75000"/>
+              <a:lumOff val="25000"/>
+            </a:schemeClr>
+          </a:solidFill>
+          <a:latin typeface="+mn-lt"/>
+          <a:ea typeface="+mn-ea"/>
+          <a:cs typeface="+mn-cs"/>
+        </a:defRPr>
+      </a:lvl4pPr>
+      <a:lvl5pPr marL="932688" indent="-182880" algn="l" defTabSz="914400" rtl="0" eaLnBrk="1" latinLnBrk="0" hangingPunct="1">
+        <a:lnSpc>
+          <a:spcPct val="90000"/>
+        </a:lnSpc>
+        <a:spcBef>
+          <a:spcPts val="200"/>
+        </a:spcBef>
+        <a:spcAft>
+          <a:spcPts val="400"/>
+        </a:spcAft>
+        <a:buClr>
+          <a:schemeClr val="accent1"/>
+        </a:buClr>
+        <a:buFont typeface="Calibri" pitchFamily="34" charset="0"/>
+        <a:buChar char="◦"/>
+        <a:defRPr sz="1400" kern="1200">
+          <a:solidFill>
+            <a:schemeClr val="tx1">
+              <a:lumMod val="75000"/>
+              <a:lumOff val="25000"/>
+            </a:schemeClr>
+          </a:solidFill>
+          <a:latin typeface="+mn-lt"/>
+          <a:ea typeface="+mn-ea"/>
+          <a:cs typeface="+mn-cs"/>
+        </a:defRPr>
+      </a:lvl5pPr>
+      <a:lvl6pPr marL="1100000" indent="-228600" algn="l" defTabSz="914400" rtl="0" eaLnBrk="1" latinLnBrk="0" hangingPunct="1">
+        <a:lnSpc>
+          <a:spcPct val="90000"/>
+        </a:lnSpc>
+        <a:spcBef>
+          <a:spcPts val="200"/>
+        </a:spcBef>
+        <a:spcAft>
+          <a:spcPts val="400"/>
+        </a:spcAft>
+        <a:buClr>
+          <a:schemeClr val="accent1"/>
+        </a:buClr>
+        <a:buFont typeface="Calibri" pitchFamily="34" charset="0"/>
+        <a:buChar char="◦"/>
+        <a:defRPr sz="1400" kern="1200">
+          <a:solidFill>
+            <a:schemeClr val="tx1">
+              <a:lumMod val="75000"/>
+              <a:lumOff val="25000"/>
+            </a:schemeClr>
+          </a:solidFill>
+          <a:latin typeface="+mn-lt"/>
+          <a:ea typeface="+mn-ea"/>
+          <a:cs typeface="+mn-cs"/>
+        </a:defRPr>
+      </a:lvl6pPr>
+      <a:lvl7pPr marL="1300000" indent="-228600" algn="l" defTabSz="914400" rtl="0" eaLnBrk="1" latinLnBrk="0" hangingPunct="1">
+        <a:lnSpc>
+          <a:spcPct val="90000"/>
+        </a:lnSpc>
+        <a:spcBef>
+          <a:spcPts val="200"/>
+        </a:spcBef>
+        <a:spcAft>
+          <a:spcPts val="400"/>
+        </a:spcAft>
+        <a:buClr>
+          <a:schemeClr val="accent1"/>
+        </a:buClr>
+        <a:buFont typeface="Calibri" pitchFamily="34" charset="0"/>
+        <a:buChar char="◦"/>
+        <a:defRPr sz="1400" kern="1200">
+          <a:solidFill>
+            <a:schemeClr val="tx1">
+              <a:lumMod val="75000"/>
+              <a:lumOff val="25000"/>
+            </a:schemeClr>
+          </a:solidFill>
+          <a:latin typeface="+mn-lt"/>
+          <a:ea typeface="+mn-ea"/>
+          <a:cs typeface="+mn-cs"/>
+        </a:defRPr>
+      </a:lvl7pPr>
+      <a:lvl8pPr marL="1500000" indent="-228600" algn="l" defTabSz="914400" rtl="0" eaLnBrk="1" latinLnBrk="0" hangingPunct="1">
+        <a:lnSpc>
+          <a:spcPct val="90000"/>
+        </a:lnSpc>
+        <a:spcBef>
+          <a:spcPts val="200"/>
+        </a:spcBef>
+        <a:spcAft>
+          <a:spcPts val="400"/>
+        </a:spcAft>
+        <a:buClr>
+          <a:schemeClr val="accent1"/>
+        </a:buClr>
+        <a:buFont typeface="Calibri" pitchFamily="34" charset="0"/>
+        <a:buChar char="◦"/>
+        <a:defRPr sz="1400" kern="1200">
+          <a:solidFill>
+            <a:schemeClr val="tx1">
+              <a:lumMod val="75000"/>
+              <a:lumOff val="25000"/>
+            </a:schemeClr>
+          </a:solidFill>
+          <a:latin typeface="+mn-lt"/>
+          <a:ea typeface="+mn-ea"/>
+          <a:cs typeface="+mn-cs"/>
+        </a:defRPr>
+      </a:lvl8pPr>
+      <a:lvl9pPr marL="1700000" indent="-228600" algn="l" defTabSz="914400" rtl="0" eaLnBrk="1" latinLnBrk="0" hangingPunct="1">
+        <a:lnSpc>
+          <a:spcPct val="90000"/>
+        </a:lnSpc>
+        <a:spcBef>
+          <a:spcPts val="200"/>
+        </a:spcBef>
+        <a:spcAft>
+          <a:spcPts val="400"/>
+        </a:spcAft>
+        <a:buClr>
+          <a:schemeClr val="accent1"/>
+        </a:buClr>
+        <a:buFont typeface="Calibri" pitchFamily="34" charset="0"/>
+        <a:buChar char="◦"/>
+        <a:defRPr sz="1400" kern="1200">
+          <a:solidFill>
+            <a:schemeClr val="tx1">
+              <a:lumMod val="75000"/>
+              <a:lumOff val="25000"/>
+            </a:schemeClr>
+          </a:solidFill>
+          <a:latin typeface="+mn-lt"/>
+          <a:ea typeface="+mn-ea"/>
+          <a:cs typeface="+mn-cs"/>
+        </a:defRPr>
+      </a:lvl9pPr>
+    </p:bodyStyle>
+    <p:otherStyle>
+      <a:defPPr>
+        <a:defRPr lang="en-US"/>
+      </a:defPPr>
+      <a:lvl1pPr marL="0" algn="l" defTabSz="914400" rtl="0" eaLnBrk="1" latinLnBrk="0" hangingPunct="1">
+        <a:defRPr sz="1800" kern="1200">
+          <a:solidFill>
+            <a:schemeClr val="tx1"/>
+          </a:solidFill>
+          <a:latin typeface="+mn-lt"/>
+          <a:ea typeface="+mn-ea"/>
+          <a:cs typeface="+mn-cs"/>
+        </a:defRPr>
+      </a:lvl1pPr>
+      <a:lvl2pPr marL="457200" algn="l" defTabSz="914400" rtl="0" eaLnBrk="1" latinLnBrk="0" hangingPunct="1">
+        <a:defRPr sz="1800" kern="1200">
+          <a:solidFill>
+            <a:schemeClr val="tx1"/>
+          </a:solidFill>
+          <a:latin typeface="+mn-lt"/>
+          <a:ea typeface="+mn-ea"/>
+          <a:cs typeface="+mn-cs"/>
+        </a:defRPr>
+      </a:lvl2pPr>
+      <a:lvl3pPr marL="914400" algn="l" defTabSz="914400" rtl="0" eaLnBrk="1" latinLnBrk="0" hangingPunct="1">
+        <a:defRPr sz="1800" kern="1200">
+          <a:solidFill>
+            <a:schemeClr val="tx1"/>
+          </a:solidFill>
+          <a:latin typeface="+mn-lt"/>
+          <a:ea typeface="+mn-ea"/>
+          <a:cs typeface="+mn-cs"/>
+        </a:defRPr>
+      </a:lvl3pPr>
+      <a:lvl4pPr marL="1371600" algn="l" defTabSz="914400" rtl="0" eaLnBrk="1" latinLnBrk="0" hangingPunct="1">
+        <a:defRPr sz="1800" kern="1200">
+          <a:solidFill>
+            <a:schemeClr val="tx1"/>
+          </a:solidFill>
+          <a:latin typeface="+mn-lt"/>
+          <a:ea typeface="+mn-ea"/>
+          <a:cs typeface="+mn-cs"/>
+        </a:defRPr>
+      </a:lvl4pPr>
+      <a:lvl5pPr marL="1828800" algn="l" defTabSz="914400" rtl="0" eaLnBrk="1" latinLnBrk="0" hangingPunct="1">
+        <a:defRPr sz="1800" kern="1200">
+          <a:solidFill>
+            <a:schemeClr val="tx1"/>
+          </a:solidFill>
+          <a:latin typeface="+mn-lt"/>
+          <a:ea typeface="+mn-ea"/>
+          <a:cs typeface="+mn-cs"/>
+        </a:defRPr>
+      </a:lvl5pPr>
+      <a:lvl6pPr marL="2286000" algn="l" defTabSz="914400" rtl="0" eaLnBrk="1" latinLnBrk="0" hangingPunct="1">
+        <a:defRPr sz="1800" kern="1200">
+          <a:solidFill>
+            <a:schemeClr val="tx1"/>
+          </a:solidFill>
+          <a:latin typeface="+mn-lt"/>
+          <a:ea typeface="+mn-ea"/>
+          <a:cs typeface="+mn-cs"/>
+        </a:defRPr>
+      </a:lvl6pPr>
+      <a:lvl7pPr marL="2743200" algn="l" defTabSz="914400" rtl="0" eaLnBrk="1" latinLnBrk="0" hangingPunct="1">
+        <a:defRPr sz="1800" kern="1200">
+          <a:solidFill>
+            <a:schemeClr val="tx1"/>
+          </a:solidFill>
+          <a:latin typeface="+mn-lt"/>
+          <a:ea typeface="+mn-ea"/>
+          <a:cs typeface="+mn-cs"/>
+        </a:defRPr>
+      </a:lvl7pPr>
+      <a:lvl8pPr marL="3200400" algn="l" defTabSz="914400" rtl="0" eaLnBrk="1" latinLnBrk="0" hangingPunct="1">
+        <a:defRPr sz="1800" kern="1200">
+          <a:solidFill>
+            <a:schemeClr val="tx1"/>
+          </a:solidFill>
+          <a:latin typeface="+mn-lt"/>
+          <a:ea typeface="+mn-ea"/>
+          <a:cs typeface="+mn-cs"/>
+        </a:defRPr>
+      </a:lvl8pPr>
+      <a:lvl9pPr marL="3657600" algn="l" defTabSz="914400" rtl="0" eaLnBrk="1" latinLnBrk="0" hangingPunct="1">
+        <a:defRPr sz="1800" kern="1200">
+          <a:solidFill>
+            <a:schemeClr val="tx1"/>
+          </a:solidFill>
+          <a:latin typeface="+mn-lt"/>
+          <a:ea typeface="+mn-ea"/>
+          <a:cs typeface="+mn-cs"/>
+        </a:defRPr>
+      </a:lvl9pPr>
+    </p:otherStyle>
+  </p:txStyles>
+</p:sldMaster>
+</file>
+
 <file path=ppt/slides/slide1.xml><?xml version="1.0" encoding="utf-8"?>
 <p:sld xmlns:a="http://schemas.openxmlformats.org/drawingml/2006/main" xmlns:r="http://schemas.openxmlformats.org/officeDocument/2006/relationships" xmlns:p="http://schemas.openxmlformats.org/presentationml/2006/main">
   <p:cSld>
@@ -9615,12 +13318,13 @@
             </a:r>
           </a:p>
           <a:p>
-            <a:endParaRPr lang="fr-FR" sz="2400" dirty="0"/>
-          </a:p>
-          <a:p>
             <a:r>
               <a:rPr lang="fr-FR" sz="2400" dirty="0" smtClean="0"/>
-              <a:t>Chaque classes a ses particularités. </a:t>
+              <a:t>Chaque </a:t>
+            </a:r>
+            <a:r>
+              <a:rPr lang="fr-FR" sz="2400" dirty="0" smtClean="0"/>
+              <a:t>classes a ses particularités. </a:t>
             </a:r>
           </a:p>
           <a:p>
@@ -9641,14 +13345,14 @@
             <p:ph sz="half" idx="2"/>
             <p:extLst>
               <p:ext uri="{D42A27DB-BD31-4B8C-83A1-F6EECF244321}">
-                <p14:modId xmlns:p14="http://schemas.microsoft.com/office/powerpoint/2010/main" val="3464303718"/>
+                <p14:modId xmlns:p14="http://schemas.microsoft.com/office/powerpoint/2010/main" val="1269709949"/>
               </p:ext>
             </p:extLst>
           </p:nvPr>
         </p:nvGraphicFramePr>
         <p:xfrm>
-          <a:off x="6197600" y="1600200"/>
-          <a:ext cx="5384800" cy="2565400"/>
+          <a:off x="6035038" y="1846263"/>
+          <a:ext cx="5662976" cy="2504440"/>
         </p:xfrm>
         <a:graphic>
           <a:graphicData uri="http://schemas.openxmlformats.org/drawingml/2006/table">
@@ -9657,10 +13361,10 @@
                 <a:tableStyleId>{5C22544A-7EE6-4342-B048-85BDC9FD1C3A}</a:tableStyleId>
               </a:tblPr>
               <a:tblGrid>
-                <a:gridCol w="1346200"/>
-                <a:gridCol w="1346200"/>
-                <a:gridCol w="1346200"/>
-                <a:gridCol w="1346200"/>
+                <a:gridCol w="1415744"/>
+                <a:gridCol w="1415744"/>
+                <a:gridCol w="1415744"/>
+                <a:gridCol w="1415744"/>
               </a:tblGrid>
               <a:tr h="370840">
                 <a:tc>
@@ -9669,20 +13373,20 @@
                     <a:lstStyle/>
                     <a:p>
                       <a:r>
-                        <a:rPr lang="fr-FR" dirty="0" smtClean="0"/>
+                        <a:rPr lang="fr-FR" sz="1600" dirty="0" smtClean="0"/>
                         <a:t>Combattant</a:t>
                       </a:r>
                       <a:br>
-                        <a:rPr lang="fr-FR" dirty="0" smtClean="0"/>
+                        <a:rPr lang="fr-FR" sz="1600" dirty="0" smtClean="0"/>
                       </a:br>
                       <a:r>
-                        <a:rPr lang="fr-FR" dirty="0" err="1" smtClean="0"/>
+                        <a:rPr lang="fr-FR" sz="1600" dirty="0" err="1" smtClean="0"/>
                         <a:t>CàC</a:t>
                       </a:r>
-                      <a:endParaRPr lang="fr-FR" dirty="0"/>
+                      <a:endParaRPr lang="fr-FR" sz="1600" dirty="0"/>
                     </a:p>
                   </a:txBody>
-                  <a:tcPr/>
+                  <a:tcPr marL="83838" marR="83838"/>
                 </a:tc>
                 <a:tc>
                   <a:txBody>
@@ -9690,20 +13394,20 @@
                     <a:lstStyle/>
                     <a:p>
                       <a:r>
-                        <a:rPr lang="fr-FR" dirty="0" smtClean="0"/>
+                        <a:rPr lang="fr-FR" sz="1600" dirty="0" smtClean="0"/>
                         <a:t>Défenseur</a:t>
                       </a:r>
                       <a:br>
-                        <a:rPr lang="fr-FR" dirty="0" smtClean="0"/>
+                        <a:rPr lang="fr-FR" sz="1600" dirty="0" smtClean="0"/>
                       </a:br>
                       <a:r>
-                        <a:rPr lang="fr-FR" dirty="0" err="1" smtClean="0"/>
+                        <a:rPr lang="fr-FR" sz="1600" dirty="0" err="1" smtClean="0"/>
                         <a:t>CàC</a:t>
                       </a:r>
-                      <a:endParaRPr lang="fr-FR" dirty="0"/>
+                      <a:endParaRPr lang="fr-FR" sz="1600" dirty="0"/>
                     </a:p>
                   </a:txBody>
-                  <a:tcPr/>
+                  <a:tcPr marL="83838" marR="83838"/>
                 </a:tc>
                 <a:tc>
                   <a:txBody>
@@ -9711,20 +13415,20 @@
                     <a:lstStyle/>
                     <a:p>
                       <a:r>
-                        <a:rPr lang="fr-FR" dirty="0" smtClean="0"/>
+                        <a:rPr lang="fr-FR" sz="1600" dirty="0" smtClean="0"/>
                         <a:t>Combattant</a:t>
                       </a:r>
                       <a:br>
-                        <a:rPr lang="fr-FR" dirty="0" smtClean="0"/>
+                        <a:rPr lang="fr-FR" sz="1600" dirty="0" smtClean="0"/>
                       </a:br>
                       <a:r>
-                        <a:rPr lang="fr-FR" dirty="0" smtClean="0"/>
+                        <a:rPr lang="fr-FR" sz="1600" dirty="0" smtClean="0"/>
                         <a:t>Distance</a:t>
                       </a:r>
-                      <a:endParaRPr lang="fr-FR" dirty="0"/>
+                      <a:endParaRPr lang="fr-FR" sz="1600" dirty="0"/>
                     </a:p>
                   </a:txBody>
-                  <a:tcPr/>
+                  <a:tcPr marL="83838" marR="83838"/>
                 </a:tc>
                 <a:tc>
                   <a:txBody>
@@ -9732,20 +13436,20 @@
                     <a:lstStyle/>
                     <a:p>
                       <a:r>
-                        <a:rPr lang="fr-FR" dirty="0" smtClean="0"/>
+                        <a:rPr lang="fr-FR" sz="1600" dirty="0" smtClean="0"/>
                         <a:t>Défenseur</a:t>
                       </a:r>
                       <a:br>
-                        <a:rPr lang="fr-FR" dirty="0" smtClean="0"/>
+                        <a:rPr lang="fr-FR" sz="1600" dirty="0" smtClean="0"/>
                       </a:br>
                       <a:r>
-                        <a:rPr lang="fr-FR" dirty="0" smtClean="0"/>
+                        <a:rPr lang="fr-FR" sz="1600" dirty="0" smtClean="0"/>
                         <a:t>Distance</a:t>
                       </a:r>
-                      <a:endParaRPr lang="fr-FR" dirty="0"/>
+                      <a:endParaRPr lang="fr-FR" sz="1600" dirty="0"/>
                     </a:p>
                   </a:txBody>
-                  <a:tcPr/>
+                  <a:tcPr marL="83838" marR="83838"/>
                 </a:tc>
               </a:tr>
               <a:tr h="370840">
@@ -9761,7 +13465,7 @@
                       <a:endParaRPr lang="fr-FR" dirty="0"/>
                     </a:p>
                   </a:txBody>
-                  <a:tcPr/>
+                  <a:tcPr marL="83838" marR="83838"/>
                 </a:tc>
                 <a:tc>
                   <a:txBody>
@@ -9775,7 +13479,7 @@
                       <a:endParaRPr lang="fr-FR" dirty="0"/>
                     </a:p>
                   </a:txBody>
-                  <a:tcPr/>
+                  <a:tcPr marL="83838" marR="83838"/>
                 </a:tc>
                 <a:tc>
                   <a:txBody>
@@ -9789,7 +13493,7 @@
                       <a:endParaRPr lang="fr-FR" dirty="0"/>
                     </a:p>
                   </a:txBody>
-                  <a:tcPr/>
+                  <a:tcPr marL="83838" marR="83838"/>
                 </a:tc>
                 <a:tc>
                   <a:txBody>
@@ -9803,7 +13507,7 @@
                       <a:endParaRPr lang="fr-FR" dirty="0"/>
                     </a:p>
                   </a:txBody>
-                  <a:tcPr/>
+                  <a:tcPr marL="83838" marR="83838"/>
                 </a:tc>
               </a:tr>
               <a:tr h="370840">
@@ -9830,7 +13534,7 @@
                       <a:endParaRPr lang="fr-FR" sz="1600" dirty="0"/>
                     </a:p>
                   </a:txBody>
-                  <a:tcPr/>
+                  <a:tcPr marL="83838" marR="83838"/>
                 </a:tc>
                 <a:tc>
                   <a:txBody>
@@ -9855,7 +13559,7 @@
                       <a:endParaRPr lang="fr-FR" sz="1600" dirty="0"/>
                     </a:p>
                   </a:txBody>
-                  <a:tcPr/>
+                  <a:tcPr marL="83838" marR="83838"/>
                 </a:tc>
                 <a:tc>
                   <a:txBody>
@@ -9876,7 +13580,7 @@
                       <a:endParaRPr lang="fr-FR" sz="1600" dirty="0"/>
                     </a:p>
                   </a:txBody>
-                  <a:tcPr/>
+                  <a:tcPr marL="83838" marR="83838"/>
                 </a:tc>
                 <a:tc>
                   <a:txBody>
@@ -9913,7 +13617,7 @@
                       <a:endParaRPr lang="fr-FR" sz="1600" dirty="0"/>
                     </a:p>
                   </a:txBody>
-                  <a:tcPr/>
+                  <a:tcPr marL="83838" marR="83838"/>
                 </a:tc>
               </a:tr>
             </a:tbl>
@@ -9952,7 +13656,7 @@
       </p:grpSpPr>
       <p:sp>
         <p:nvSpPr>
-          <p:cNvPr id="4" name="Titre 3"/>
+          <p:cNvPr id="2" name="Titre 1"/>
           <p:cNvSpPr>
             <a:spLocks noGrp="1"/>
           </p:cNvSpPr>
@@ -9967,7 +13671,7 @@
           <a:p>
             <a:r>
               <a:rPr lang="fr-FR" dirty="0" smtClean="0"/>
-              <a:t>Equipements </a:t>
+              <a:t>Eléments</a:t>
             </a:r>
             <a:endParaRPr lang="fr-FR" dirty="0"/>
           </a:p>
@@ -9975,7 +13679,7 @@
       </p:sp>
       <p:sp>
         <p:nvSpPr>
-          <p:cNvPr id="5" name="Espace réservé du contenu 4"/>
+          <p:cNvPr id="3" name="Espace réservé du contenu 2"/>
           <p:cNvSpPr>
             <a:spLocks noGrp="1"/>
           </p:cNvSpPr>
@@ -9985,39 +13689,26 @@
         </p:nvSpPr>
         <p:spPr/>
         <p:txBody>
-          <a:bodyPr/>
+          <a:bodyPr>
+            <a:normAutofit/>
+          </a:bodyPr>
           <a:lstStyle/>
           <a:p>
             <a:r>
               <a:rPr lang="fr-FR" sz="2400" dirty="0" smtClean="0"/>
-              <a:t>Présence d’armes uniquement,</a:t>
+              <a:t>Les éléments sont des bonus accordes aux joueurs, ceux-ci définissent les affinités du joueur avec son environnement, mais également lui accorde une gamme de compétences déblocable pa</a:t>
             </a:r>
-            <a:br>
-              <a:rPr lang="fr-FR" sz="2400" dirty="0" smtClean="0"/>
-            </a:br>
             <a:r>
               <a:rPr lang="fr-FR" sz="2400" dirty="0" smtClean="0"/>
-              <a:t>Absence d’armure et autres équipements.</a:t>
+              <a:t>r niveau.</a:t>
             </a:r>
-          </a:p>
-          <a:p>
-            <a:r>
-              <a:rPr lang="fr-FR" sz="2400" dirty="0" smtClean="0"/>
-              <a:t>Les armes possèdent des statistiques qui donne des bonus au joueur.</a:t>
-            </a:r>
-          </a:p>
-          <a:p>
-            <a:r>
-              <a:rPr lang="fr-FR" sz="2400" dirty="0" smtClean="0"/>
-              <a:t>Chaque joueur peux manier deux armes au maximum (Un bonus à la fois)</a:t>
-            </a:r>
-            <a:endParaRPr lang="fr-FR" dirty="0"/>
+            <a:endParaRPr lang="fr-FR" sz="2400" dirty="0" smtClean="0"/>
           </a:p>
         </p:txBody>
       </p:sp>
       <p:graphicFrame>
         <p:nvGraphicFramePr>
-          <p:cNvPr id="9" name="Espace réservé du contenu 8"/>
+          <p:cNvPr id="5" name="Espace réservé du contenu 4"/>
           <p:cNvGraphicFramePr>
             <a:graphicFrameLocks noGrp="1"/>
           </p:cNvGraphicFramePr>
@@ -10025,14 +13716,14 @@
             <p:ph sz="half" idx="2"/>
             <p:extLst>
               <p:ext uri="{D42A27DB-BD31-4B8C-83A1-F6EECF244321}">
-                <p14:modId xmlns:p14="http://schemas.microsoft.com/office/powerpoint/2010/main" val="868984098"/>
+                <p14:modId xmlns:p14="http://schemas.microsoft.com/office/powerpoint/2010/main" val="3246250428"/>
               </p:ext>
             </p:extLst>
           </p:nvPr>
         </p:nvGraphicFramePr>
         <p:xfrm>
-          <a:off x="6197600" y="1600200"/>
-          <a:ext cx="5384800" cy="3227070"/>
+          <a:off x="6035038" y="1846263"/>
+          <a:ext cx="5662976" cy="1564640"/>
         </p:xfrm>
         <a:graphic>
           <a:graphicData uri="http://schemas.openxmlformats.org/drawingml/2006/table">
@@ -10041,12 +13732,70 @@
                 <a:tableStyleId>{5C22544A-7EE6-4342-B048-85BDC9FD1C3A}</a:tableStyleId>
               </a:tblPr>
               <a:tblGrid>
-                <a:gridCol w="1346200"/>
-                <a:gridCol w="1346200"/>
-                <a:gridCol w="1346200"/>
-                <a:gridCol w="1346200"/>
+                <a:gridCol w="1415744"/>
+                <a:gridCol w="1415744"/>
+                <a:gridCol w="1415744"/>
+                <a:gridCol w="1415744"/>
               </a:tblGrid>
-              <a:tr h="666750">
+              <a:tr h="370840">
+                <a:tc>
+                  <a:txBody>
+                    <a:bodyPr/>
+                    <a:lstStyle/>
+                    <a:p>
+                      <a:r>
+                        <a:rPr lang="fr-FR" sz="1600" dirty="0" smtClean="0"/>
+                        <a:t>Eau</a:t>
+                      </a:r>
+                      <a:endParaRPr lang="fr-FR" sz="1600" dirty="0"/>
+                    </a:p>
+                  </a:txBody>
+                  <a:tcPr marL="83838" marR="83838"/>
+                </a:tc>
+                <a:tc>
+                  <a:txBody>
+                    <a:bodyPr/>
+                    <a:lstStyle/>
+                    <a:p>
+                      <a:r>
+                        <a:rPr lang="fr-FR" sz="1600" dirty="0" smtClean="0"/>
+                        <a:t>Plante</a:t>
+                      </a:r>
+                      <a:endParaRPr lang="fr-FR" sz="1600" dirty="0"/>
+                    </a:p>
+                  </a:txBody>
+                  <a:tcPr marL="83838" marR="83838"/>
+                </a:tc>
+                <a:tc>
+                  <a:txBody>
+                    <a:bodyPr/>
+                    <a:lstStyle/>
+                    <a:p>
+                      <a:r>
+                        <a:rPr lang="fr-FR" sz="1600" dirty="0" smtClean="0"/>
+                        <a:t>Feu</a:t>
+                      </a:r>
+                      <a:endParaRPr lang="fr-FR" sz="1600" dirty="0"/>
+                    </a:p>
+                  </a:txBody>
+                  <a:tcPr marL="83838" marR="83838"/>
+                </a:tc>
+                <a:tc>
+                  <a:txBody>
+                    <a:bodyPr/>
+                    <a:lstStyle/>
+                    <a:p>
+                      <a:r>
+                        <a:rPr lang="fr-FR" sz="1600" dirty="0" smtClean="0"/>
+                        <a:t>Electrique</a:t>
+                      </a:r>
+                      <a:endParaRPr lang="fr-FR" sz="1600" dirty="0"/>
+                    </a:p>
+                  </a:txBody>
+                  <a:tcPr marL="83838" marR="83838"/>
+                </a:tc>
+              </a:tr>
+              <a:tr h="370840">
                 <a:tc>
                   <a:txBody>
                     <a:bodyPr/>
@@ -10054,8 +13803,181 @@
                     <a:p>
                       <a:r>
                         <a:rPr lang="fr-FR" dirty="0" smtClean="0"/>
-                        <a:t>Catégories</a:t>
+                        <a:t>Calme</a:t>
                       </a:r>
+                      <a:endParaRPr lang="fr-FR" dirty="0"/>
+                    </a:p>
+                  </a:txBody>
+                  <a:tcPr marL="83838" marR="83838"/>
+                </a:tc>
+                <a:tc>
+                  <a:txBody>
+                    <a:bodyPr/>
+                    <a:lstStyle/>
+                    <a:p>
+                      <a:r>
+                        <a:rPr lang="fr-FR" dirty="0" smtClean="0"/>
+                        <a:t>Apaisant</a:t>
+                      </a:r>
+                      <a:endParaRPr lang="fr-FR" dirty="0"/>
+                    </a:p>
+                  </a:txBody>
+                  <a:tcPr marL="83838" marR="83838"/>
+                </a:tc>
+                <a:tc>
+                  <a:txBody>
+                    <a:bodyPr/>
+                    <a:lstStyle/>
+                    <a:p>
+                      <a:r>
+                        <a:rPr lang="fr-FR" dirty="0" smtClean="0"/>
+                        <a:t>Fougueux</a:t>
+                      </a:r>
+                      <a:endParaRPr lang="fr-FR" dirty="0"/>
+                    </a:p>
+                  </a:txBody>
+                  <a:tcPr marL="83838" marR="83838"/>
+                </a:tc>
+                <a:tc>
+                  <a:txBody>
+                    <a:bodyPr/>
+                    <a:lstStyle/>
+                    <a:p>
+                      <a:r>
+                        <a:rPr lang="fr-FR" dirty="0" smtClean="0"/>
+                        <a:t>Energique</a:t>
+                      </a:r>
+                      <a:endParaRPr lang="fr-FR" dirty="0"/>
+                    </a:p>
+                  </a:txBody>
+                  <a:tcPr marL="83838" marR="83838"/>
+                </a:tc>
+              </a:tr>
+              <a:tr h="370840">
+                <a:tc>
+                  <a:txBody>
+                    <a:bodyPr/>
+                    <a:lstStyle/>
+                    <a:p>
+                      <a:r>
+                        <a:rPr lang="fr-FR" sz="1600" dirty="0" smtClean="0"/>
+                        <a:t>Avantage  proche</a:t>
+                      </a:r>
+                      <a:r>
+                        <a:rPr lang="fr-FR" sz="1600" baseline="0" dirty="0" smtClean="0"/>
+                        <a:t> de l’eau</a:t>
+                      </a:r>
+                      <a:endParaRPr lang="fr-FR" sz="1600" dirty="0"/>
+                    </a:p>
+                  </a:txBody>
+                  <a:tcPr marL="83838" marR="83838"/>
+                </a:tc>
+                <a:tc>
+                  <a:txBody>
+                    <a:bodyPr/>
+                    <a:lstStyle/>
+                    <a:p>
+                      <a:r>
+                        <a:rPr lang="fr-FR" sz="1600" dirty="0" smtClean="0"/>
+                        <a:t>Avantage en foret</a:t>
+                      </a:r>
+                      <a:endParaRPr lang="fr-FR" sz="1600" dirty="0"/>
+                    </a:p>
+                  </a:txBody>
+                  <a:tcPr marL="83838" marR="83838"/>
+                </a:tc>
+                <a:tc>
+                  <a:txBody>
+                    <a:bodyPr/>
+                    <a:lstStyle/>
+                    <a:p>
+                      <a:r>
+                        <a:rPr lang="fr-FR" sz="1600" dirty="0" smtClean="0"/>
+                        <a:t>Avantage</a:t>
+                      </a:r>
+                      <a:r>
+                        <a:rPr lang="fr-FR" sz="1600" baseline="0" dirty="0" smtClean="0"/>
+                        <a:t> dans les terrains secs</a:t>
+                      </a:r>
+                      <a:endParaRPr lang="fr-FR" sz="1600" dirty="0"/>
+                    </a:p>
+                  </a:txBody>
+                  <a:tcPr marL="83838" marR="83838"/>
+                </a:tc>
+                <a:tc>
+                  <a:txBody>
+                    <a:bodyPr/>
+                    <a:lstStyle/>
+                    <a:p>
+                      <a:r>
+                        <a:rPr lang="fr-FR" sz="1600" dirty="0" smtClean="0"/>
+                        <a:t>Avantage en</a:t>
+                      </a:r>
+                      <a:r>
+                        <a:rPr lang="fr-FR" sz="1600" baseline="0" dirty="0" smtClean="0"/>
+                        <a:t> ville</a:t>
+                      </a:r>
+                      <a:endParaRPr lang="fr-FR" sz="1600" dirty="0"/>
+                    </a:p>
+                  </a:txBody>
+                  <a:tcPr marL="83838" marR="83838"/>
+                </a:tc>
+              </a:tr>
+            </a:tbl>
+          </a:graphicData>
+        </a:graphic>
+      </p:graphicFrame>
+      <p:graphicFrame>
+        <p:nvGraphicFramePr>
+          <p:cNvPr id="4" name="Tableau 3"/>
+          <p:cNvGraphicFramePr>
+            <a:graphicFrameLocks noGrp="1"/>
+          </p:cNvGraphicFramePr>
+          <p:nvPr>
+            <p:extLst>
+              <p:ext uri="{D42A27DB-BD31-4B8C-83A1-F6EECF244321}">
+                <p14:modId xmlns:p14="http://schemas.microsoft.com/office/powerpoint/2010/main" val="762342245"/>
+              </p:ext>
+            </p:extLst>
+          </p:nvPr>
+        </p:nvGraphicFramePr>
+        <p:xfrm>
+          <a:off x="4590474" y="4026284"/>
+          <a:ext cx="7107540" cy="1158240"/>
+        </p:xfrm>
+        <a:graphic>
+          <a:graphicData uri="http://schemas.openxmlformats.org/drawingml/2006/table">
+            <a:tbl>
+              <a:tblPr bandRow="1">
+                <a:tableStyleId>{5C22544A-7EE6-4342-B048-85BDC9FD1C3A}</a:tableStyleId>
+              </a:tblPr>
+              <a:tblGrid>
+                <a:gridCol w="1421508"/>
+                <a:gridCol w="1421508"/>
+                <a:gridCol w="1421508"/>
+                <a:gridCol w="1421508"/>
+                <a:gridCol w="1421508"/>
+              </a:tblGrid>
+              <a:tr h="370840">
+                <a:tc>
+                  <a:txBody>
+                    <a:bodyPr/>
+                    <a:lstStyle/>
+                    <a:p>
+                      <a:r>
+                        <a:rPr lang="fr-FR" sz="1600" dirty="0" smtClean="0"/>
+                        <a:t>Compétences physiques</a:t>
+                      </a:r>
+                      <a:endParaRPr lang="fr-FR" sz="1600" dirty="0"/>
+                    </a:p>
+                  </a:txBody>
+                  <a:tcPr/>
+                </a:tc>
+                <a:tc>
+                  <a:txBody>
+                    <a:bodyPr/>
+                    <a:lstStyle/>
+                    <a:p>
                       <a:endParaRPr lang="fr-FR" dirty="0"/>
                     </a:p>
                   </a:txBody>
@@ -10066,11 +13988,7 @@
                     <a:bodyPr/>
                     <a:lstStyle/>
                     <a:p>
-                      <a:r>
-                        <a:rPr lang="fr-FR" dirty="0" smtClean="0"/>
-                        <a:t>Physique</a:t>
-                      </a:r>
-                      <a:endParaRPr lang="fr-FR" dirty="0"/>
+                      <a:endParaRPr lang="fr-FR"/>
                     </a:p>
                   </a:txBody>
                   <a:tcPr/>
@@ -10080,10 +13998,7 @@
                     <a:bodyPr/>
                     <a:lstStyle/>
                     <a:p>
-                      <a:r>
-                        <a:rPr lang="fr-FR" dirty="0" smtClean="0"/>
-                        <a:t>Sort (Magique)</a:t>
-                      </a:r>
+                      <a:endParaRPr lang="fr-FR"/>
                     </a:p>
                   </a:txBody>
                   <a:tcPr/>
@@ -10093,10 +14008,6 @@
                     <a:bodyPr/>
                     <a:lstStyle/>
                     <a:p>
-                      <a:r>
-                        <a:rPr lang="fr-FR" dirty="0" smtClean="0"/>
-                        <a:t>Compétence</a:t>
-                      </a:r>
                       <a:endParaRPr lang="fr-FR" dirty="0"/>
                     </a:p>
                   </a:txBody>
@@ -10110,20 +14021,278 @@
                     <a:lstStyle/>
                     <a:p>
                       <a:r>
-                        <a:rPr lang="fr-FR" dirty="0" smtClean="0"/>
-                        <a:t>Combattant</a:t>
+                        <a:rPr lang="fr-FR" sz="1600" dirty="0" smtClean="0"/>
+                        <a:t>Compétences magiques</a:t>
                       </a:r>
-                      <a:br>
-                        <a:rPr lang="fr-FR" dirty="0" smtClean="0"/>
-                      </a:br>
-                      <a:r>
-                        <a:rPr lang="fr-FR" dirty="0" err="1" smtClean="0"/>
-                        <a:t>CàC</a:t>
-                      </a:r>
+                      <a:endParaRPr lang="fr-FR" sz="1600" dirty="0"/>
+                    </a:p>
+                  </a:txBody>
+                  <a:tcPr/>
+                </a:tc>
+                <a:tc>
+                  <a:txBody>
+                    <a:bodyPr/>
+                    <a:lstStyle/>
+                    <a:p>
                       <a:endParaRPr lang="fr-FR" dirty="0"/>
                     </a:p>
                   </a:txBody>
                   <a:tcPr/>
+                </a:tc>
+                <a:tc>
+                  <a:txBody>
+                    <a:bodyPr/>
+                    <a:lstStyle/>
+                    <a:p>
+                      <a:endParaRPr lang="fr-FR" dirty="0"/>
+                    </a:p>
+                  </a:txBody>
+                  <a:tcPr/>
+                </a:tc>
+                <a:tc>
+                  <a:txBody>
+                    <a:bodyPr/>
+                    <a:lstStyle/>
+                    <a:p>
+                      <a:endParaRPr lang="fr-FR" dirty="0"/>
+                    </a:p>
+                  </a:txBody>
+                  <a:tcPr/>
+                </a:tc>
+                <a:tc>
+                  <a:txBody>
+                    <a:bodyPr/>
+                    <a:lstStyle/>
+                    <a:p>
+                      <a:endParaRPr lang="fr-FR" dirty="0"/>
+                    </a:p>
+                  </a:txBody>
+                  <a:tcPr/>
+                </a:tc>
+              </a:tr>
+            </a:tbl>
+          </a:graphicData>
+        </a:graphic>
+      </p:graphicFrame>
+    </p:spTree>
+    <p:extLst>
+      <p:ext uri="{BB962C8B-B14F-4D97-AF65-F5344CB8AC3E}">
+        <p14:creationId xmlns:p14="http://schemas.microsoft.com/office/powerpoint/2010/main" val="3000812947"/>
+      </p:ext>
+    </p:extLst>
+  </p:cSld>
+  <p:clrMapOvr>
+    <a:masterClrMapping/>
+  </p:clrMapOvr>
+</p:sld>
+</file>
+
+<file path=ppt/slides/slide4.xml><?xml version="1.0" encoding="utf-8"?>
+<p:sld xmlns:a="http://schemas.openxmlformats.org/drawingml/2006/main" xmlns:r="http://schemas.openxmlformats.org/officeDocument/2006/relationships" xmlns:p="http://schemas.openxmlformats.org/presentationml/2006/main">
+  <p:cSld>
+    <p:spTree>
+      <p:nvGrpSpPr>
+        <p:cNvPr id="1" name=""/>
+        <p:cNvGrpSpPr/>
+        <p:nvPr/>
+      </p:nvGrpSpPr>
+      <p:grpSpPr>
+        <a:xfrm>
+          <a:off x="0" y="0"/>
+          <a:ext cx="0" cy="0"/>
+          <a:chOff x="0" y="0"/>
+          <a:chExt cx="0" cy="0"/>
+        </a:xfrm>
+      </p:grpSpPr>
+      <p:sp>
+        <p:nvSpPr>
+          <p:cNvPr id="4" name="Titre 3"/>
+          <p:cNvSpPr>
+            <a:spLocks noGrp="1"/>
+          </p:cNvSpPr>
+          <p:nvPr>
+            <p:ph type="title"/>
+          </p:nvPr>
+        </p:nvSpPr>
+        <p:spPr/>
+        <p:txBody>
+          <a:bodyPr/>
+          <a:lstStyle/>
+          <a:p>
+            <a:r>
+              <a:rPr lang="fr-FR" dirty="0" smtClean="0"/>
+              <a:t>Equipements </a:t>
+            </a:r>
+            <a:endParaRPr lang="fr-FR" dirty="0"/>
+          </a:p>
+        </p:txBody>
+      </p:sp>
+      <p:sp>
+        <p:nvSpPr>
+          <p:cNvPr id="5" name="Espace réservé du contenu 4"/>
+          <p:cNvSpPr>
+            <a:spLocks noGrp="1"/>
+          </p:cNvSpPr>
+          <p:nvPr>
+            <p:ph sz="half" idx="1"/>
+          </p:nvPr>
+        </p:nvSpPr>
+        <p:spPr/>
+        <p:txBody>
+          <a:bodyPr/>
+          <a:lstStyle/>
+          <a:p>
+            <a:r>
+              <a:rPr lang="fr-FR" sz="2400" dirty="0" smtClean="0"/>
+              <a:t>Présence d’armes uniquement,</a:t>
+            </a:r>
+            <a:br>
+              <a:rPr lang="fr-FR" sz="2400" dirty="0" smtClean="0"/>
+            </a:br>
+            <a:r>
+              <a:rPr lang="fr-FR" sz="2400" dirty="0" smtClean="0"/>
+              <a:t>Absence d’armure et autres équipements.</a:t>
+            </a:r>
+          </a:p>
+          <a:p>
+            <a:r>
+              <a:rPr lang="fr-FR" sz="2400" dirty="0" smtClean="0"/>
+              <a:t>Les armes possèdent des statistiques qui donne des bonus au joueur.</a:t>
+            </a:r>
+          </a:p>
+          <a:p>
+            <a:r>
+              <a:rPr lang="fr-FR" sz="2400" dirty="0" smtClean="0"/>
+              <a:t>Chaque joueur peux manier deux armes au maximum </a:t>
+            </a:r>
+            <a:r>
+              <a:rPr lang="fr-FR" sz="2400" dirty="0" smtClean="0"/>
+              <a:t/>
+            </a:r>
+            <a:br>
+              <a:rPr lang="fr-FR" sz="2400" dirty="0" smtClean="0"/>
+            </a:br>
+            <a:r>
+              <a:rPr lang="fr-FR" sz="2400" dirty="0" smtClean="0"/>
+              <a:t>(</a:t>
+            </a:r>
+            <a:r>
+              <a:rPr lang="fr-FR" sz="2400" dirty="0" smtClean="0"/>
+              <a:t>Un bonus à la fois)</a:t>
+            </a:r>
+            <a:endParaRPr lang="fr-FR" dirty="0"/>
+          </a:p>
+        </p:txBody>
+      </p:sp>
+      <p:graphicFrame>
+        <p:nvGraphicFramePr>
+          <p:cNvPr id="9" name="Espace réservé du contenu 8"/>
+          <p:cNvGraphicFramePr>
+            <a:graphicFrameLocks noGrp="1"/>
+          </p:cNvGraphicFramePr>
+          <p:nvPr>
+            <p:ph sz="half" idx="2"/>
+            <p:extLst>
+              <p:ext uri="{D42A27DB-BD31-4B8C-83A1-F6EECF244321}">
+                <p14:modId xmlns:p14="http://schemas.microsoft.com/office/powerpoint/2010/main" val="3192001113"/>
+              </p:ext>
+            </p:extLst>
+          </p:nvPr>
+        </p:nvGraphicFramePr>
+        <p:xfrm>
+          <a:off x="6035036" y="1846263"/>
+          <a:ext cx="5662980" cy="2983230"/>
+        </p:xfrm>
+        <a:graphic>
+          <a:graphicData uri="http://schemas.openxmlformats.org/drawingml/2006/table">
+            <a:tbl>
+              <a:tblPr firstRow="1" bandRow="1">
+                <a:tableStyleId>{5C22544A-7EE6-4342-B048-85BDC9FD1C3A}</a:tableStyleId>
+              </a:tblPr>
+              <a:tblGrid>
+                <a:gridCol w="1415745"/>
+                <a:gridCol w="1415745"/>
+                <a:gridCol w="1415745"/>
+                <a:gridCol w="1415745"/>
+              </a:tblGrid>
+              <a:tr h="666750">
+                <a:tc>
+                  <a:txBody>
+                    <a:bodyPr/>
+                    <a:lstStyle/>
+                    <a:p>
+                      <a:r>
+                        <a:rPr lang="fr-FR" sz="1600" dirty="0" smtClean="0"/>
+                        <a:t>Catégories</a:t>
+                      </a:r>
+                      <a:endParaRPr lang="fr-FR" sz="1600" dirty="0"/>
+                    </a:p>
+                  </a:txBody>
+                  <a:tcPr marL="83838" marR="83838"/>
+                </a:tc>
+                <a:tc>
+                  <a:txBody>
+                    <a:bodyPr/>
+                    <a:lstStyle/>
+                    <a:p>
+                      <a:r>
+                        <a:rPr lang="fr-FR" sz="1600" dirty="0" smtClean="0"/>
+                        <a:t>Physique</a:t>
+                      </a:r>
+                      <a:endParaRPr lang="fr-FR" sz="1600" dirty="0"/>
+                    </a:p>
+                  </a:txBody>
+                  <a:tcPr marL="83838" marR="83838"/>
+                </a:tc>
+                <a:tc>
+                  <a:txBody>
+                    <a:bodyPr/>
+                    <a:lstStyle/>
+                    <a:p>
+                      <a:r>
+                        <a:rPr lang="fr-FR" sz="1600" dirty="0" smtClean="0"/>
+                        <a:t>Sort (Magique)</a:t>
+                      </a:r>
+                    </a:p>
+                  </a:txBody>
+                  <a:tcPr marL="83838" marR="83838"/>
+                </a:tc>
+                <a:tc>
+                  <a:txBody>
+                    <a:bodyPr/>
+                    <a:lstStyle/>
+                    <a:p>
+                      <a:r>
+                        <a:rPr lang="fr-FR" sz="1600" dirty="0" smtClean="0"/>
+                        <a:t>Compétence</a:t>
+                      </a:r>
+                      <a:endParaRPr lang="fr-FR" sz="1600" dirty="0"/>
+                    </a:p>
+                  </a:txBody>
+                  <a:tcPr marL="83838" marR="83838"/>
+                </a:tc>
+              </a:tr>
+              <a:tr h="370840">
+                <a:tc>
+                  <a:txBody>
+                    <a:bodyPr/>
+                    <a:lstStyle/>
+                    <a:p>
+                      <a:r>
+                        <a:rPr lang="fr-FR" sz="1600" dirty="0" smtClean="0"/>
+                        <a:t>Combattant</a:t>
+                      </a:r>
+                      <a:br>
+                        <a:rPr lang="fr-FR" sz="1600" dirty="0" smtClean="0"/>
+                      </a:br>
+                      <a:r>
+                        <a:rPr lang="fr-FR" sz="1600" dirty="0" err="1" smtClean="0"/>
+                        <a:t>CàC</a:t>
+                      </a:r>
+                      <a:endParaRPr lang="fr-FR" sz="1600" dirty="0"/>
+                    </a:p>
+                  </a:txBody>
+                  <a:tcPr marL="83838" marR="83838"/>
                 </a:tc>
                 <a:tc>
                   <a:txBody>
@@ -10144,7 +14313,7 @@
                       <a:endParaRPr lang="fr-FR" sz="1600" dirty="0"/>
                     </a:p>
                   </a:txBody>
-                  <a:tcPr/>
+                  <a:tcPr marL="83838" marR="83838"/>
                 </a:tc>
                 <a:tc>
                   <a:txBody>
@@ -10162,7 +14331,7 @@
                       <a:endParaRPr lang="fr-FR" sz="1600" dirty="0"/>
                     </a:p>
                   </a:txBody>
-                  <a:tcPr/>
+                  <a:tcPr marL="83838" marR="83838"/>
                 </a:tc>
                 <a:tc>
                   <a:txBody>
@@ -10176,7 +14345,7 @@
                       <a:endParaRPr lang="fr-FR" sz="1600" dirty="0"/>
                     </a:p>
                   </a:txBody>
-                  <a:tcPr/>
+                  <a:tcPr marL="83838" marR="83838"/>
                 </a:tc>
               </a:tr>
               <a:tr h="370840">
@@ -10186,20 +14355,20 @@
                     <a:lstStyle/>
                     <a:p>
                       <a:r>
-                        <a:rPr lang="fr-FR" dirty="0" smtClean="0"/>
+                        <a:rPr lang="fr-FR" sz="1600" dirty="0" smtClean="0"/>
                         <a:t>Défenseur</a:t>
                       </a:r>
                       <a:br>
-                        <a:rPr lang="fr-FR" dirty="0" smtClean="0"/>
+                        <a:rPr lang="fr-FR" sz="1600" dirty="0" smtClean="0"/>
                       </a:br>
                       <a:r>
-                        <a:rPr lang="fr-FR" dirty="0" err="1" smtClean="0"/>
+                        <a:rPr lang="fr-FR" sz="1600" dirty="0" err="1" smtClean="0"/>
                         <a:t>Càc</a:t>
                       </a:r>
-                      <a:endParaRPr lang="fr-FR" dirty="0"/>
+                      <a:endParaRPr lang="fr-FR" sz="1600" dirty="0"/>
                     </a:p>
                   </a:txBody>
-                  <a:tcPr/>
+                  <a:tcPr marL="83838" marR="83838"/>
                 </a:tc>
                 <a:tc>
                   <a:txBody>
@@ -10220,7 +14389,7 @@
                       <a:endParaRPr lang="fr-FR" sz="1600" dirty="0"/>
                     </a:p>
                   </a:txBody>
-                  <a:tcPr/>
+                  <a:tcPr marL="83838" marR="83838"/>
                 </a:tc>
                 <a:tc>
                   <a:txBody>
@@ -10234,7 +14403,7 @@
                       <a:endParaRPr lang="fr-FR" sz="1600" dirty="0"/>
                     </a:p>
                   </a:txBody>
-                  <a:tcPr/>
+                  <a:tcPr marL="83838" marR="83838"/>
                 </a:tc>
                 <a:tc>
                   <a:txBody>
@@ -10248,7 +14417,7 @@
                       <a:endParaRPr lang="fr-FR" sz="1600" dirty="0"/>
                     </a:p>
                   </a:txBody>
-                  <a:tcPr/>
+                  <a:tcPr marL="83838" marR="83838"/>
                 </a:tc>
               </a:tr>
               <a:tr h="370840">
@@ -10258,20 +14427,20 @@
                     <a:lstStyle/>
                     <a:p>
                       <a:r>
-                        <a:rPr lang="fr-FR" dirty="0" smtClean="0"/>
+                        <a:rPr lang="fr-FR" sz="1600" dirty="0" smtClean="0"/>
                         <a:t>Combattant</a:t>
                       </a:r>
                       <a:br>
-                        <a:rPr lang="fr-FR" dirty="0" smtClean="0"/>
+                        <a:rPr lang="fr-FR" sz="1600" dirty="0" smtClean="0"/>
                       </a:br>
                       <a:r>
-                        <a:rPr lang="fr-FR" dirty="0" smtClean="0"/>
+                        <a:rPr lang="fr-FR" sz="1600" dirty="0" smtClean="0"/>
                         <a:t>distance</a:t>
                       </a:r>
-                      <a:endParaRPr lang="fr-FR" dirty="0"/>
+                      <a:endParaRPr lang="fr-FR" sz="1600" dirty="0"/>
                     </a:p>
                   </a:txBody>
-                  <a:tcPr/>
+                  <a:tcPr marL="83838" marR="83838"/>
                 </a:tc>
                 <a:tc>
                   <a:txBody>
@@ -10292,7 +14461,7 @@
                       <a:endParaRPr lang="fr-FR" sz="1600" dirty="0"/>
                     </a:p>
                   </a:txBody>
-                  <a:tcPr/>
+                  <a:tcPr marL="83838" marR="83838"/>
                 </a:tc>
                 <a:tc>
                   <a:txBody>
@@ -10306,7 +14475,7 @@
                       <a:endParaRPr lang="fr-FR" sz="1600" dirty="0"/>
                     </a:p>
                   </a:txBody>
-                  <a:tcPr/>
+                  <a:tcPr marL="83838" marR="83838"/>
                 </a:tc>
                 <a:tc>
                   <a:txBody>
@@ -10320,7 +14489,7 @@
                       <a:endParaRPr lang="fr-FR" sz="1600" dirty="0"/>
                     </a:p>
                   </a:txBody>
-                  <a:tcPr/>
+                  <a:tcPr marL="83838" marR="83838"/>
                 </a:tc>
               </a:tr>
               <a:tr h="370840">
@@ -10330,20 +14499,20 @@
                     <a:lstStyle/>
                     <a:p>
                       <a:r>
-                        <a:rPr lang="fr-FR" dirty="0" smtClean="0"/>
+                        <a:rPr lang="fr-FR" sz="1600" dirty="0" smtClean="0"/>
                         <a:t>Défenseur </a:t>
                       </a:r>
                       <a:br>
-                        <a:rPr lang="fr-FR" dirty="0" smtClean="0"/>
+                        <a:rPr lang="fr-FR" sz="1600" dirty="0" smtClean="0"/>
                       </a:br>
                       <a:r>
-                        <a:rPr lang="fr-FR" dirty="0" smtClean="0"/>
+                        <a:rPr lang="fr-FR" sz="1600" dirty="0" smtClean="0"/>
                         <a:t>distance</a:t>
                       </a:r>
-                      <a:endParaRPr lang="fr-FR" dirty="0"/>
+                      <a:endParaRPr lang="fr-FR" sz="1600" dirty="0"/>
                     </a:p>
                   </a:txBody>
-                  <a:tcPr/>
+                  <a:tcPr marL="83838" marR="83838"/>
                 </a:tc>
                 <a:tc>
                   <a:txBody>
@@ -10364,7 +14533,7 @@
                       <a:endParaRPr lang="fr-FR" sz="1600" dirty="0"/>
                     </a:p>
                   </a:txBody>
-                  <a:tcPr/>
+                  <a:tcPr marL="83838" marR="83838"/>
                 </a:tc>
                 <a:tc>
                   <a:txBody>
@@ -10378,7 +14547,7 @@
                       <a:endParaRPr lang="fr-FR" sz="1600" dirty="0"/>
                     </a:p>
                   </a:txBody>
-                  <a:tcPr/>
+                  <a:tcPr marL="83838" marR="83838"/>
                 </a:tc>
                 <a:tc>
                   <a:txBody>
@@ -10388,7 +14557,7 @@
                       <a:endParaRPr lang="fr-FR" sz="1600" dirty="0"/>
                     </a:p>
                   </a:txBody>
-                  <a:tcPr/>
+                  <a:tcPr marL="83838" marR="83838"/>
                 </a:tc>
               </a:tr>
             </a:tbl>
@@ -10721,4 +14890,287 @@
     </a:ext>
   </a:extLst>
 </a:theme>
+</file>
+
+<file path=ppt/theme/theme2.xml><?xml version="1.0" encoding="utf-8"?>
+<a:theme xmlns:a="http://schemas.openxmlformats.org/drawingml/2006/main" name="Rétrospective">
+  <a:themeElements>
+    <a:clrScheme name="Rétrospective">
+      <a:dk1>
+        <a:srgbClr val="000000"/>
+      </a:dk1>
+      <a:lt1>
+        <a:sysClr val="window" lastClr="FFFFFF"/>
+      </a:lt1>
+      <a:dk2>
+        <a:srgbClr val="637052"/>
+      </a:dk2>
+      <a:lt2>
+        <a:srgbClr val="CCDDEA"/>
+      </a:lt2>
+      <a:accent1>
+        <a:srgbClr val="E48312"/>
+      </a:accent1>
+      <a:accent2>
+        <a:srgbClr val="BD582C"/>
+      </a:accent2>
+      <a:accent3>
+        <a:srgbClr val="865640"/>
+      </a:accent3>
+      <a:accent4>
+        <a:srgbClr val="9B8357"/>
+      </a:accent4>
+      <a:accent5>
+        <a:srgbClr val="C2BC80"/>
+      </a:accent5>
+      <a:accent6>
+        <a:srgbClr val="94A088"/>
+      </a:accent6>
+      <a:hlink>
+        <a:srgbClr val="2998E3"/>
+      </a:hlink>
+      <a:folHlink>
+        <a:srgbClr val="8C8C8C"/>
+      </a:folHlink>
+    </a:clrScheme>
+    <a:fontScheme name="Rétrospective">
+      <a:majorFont>
+        <a:latin typeface="Calibri Light" panose="020F0302020204030204"/>
+        <a:ea typeface=""/>
+        <a:cs typeface=""/>
+        <a:font script="Jpan" typeface="ＭＳ Ｐゴシック"/>
+        <a:font script="Hang" typeface="맑은 고딕"/>
+        <a:font script="Hans" typeface="宋体"/>
+        <a:font script="Hant" typeface="新細明體"/>
+        <a:font script="Arab" typeface="Times New Roman"/>
+        <a:font script="Hebr" typeface="Times New Roman"/>
+        <a:font script="Thai" typeface="Angsana New"/>
+        <a:font script="Ethi" typeface="Nyala"/>
+        <a:font script="Beng" typeface="Vrinda"/>
+        <a:font script="Gujr" typeface="Shruti"/>
+        <a:font script="Khmr" typeface="MoolBoran"/>
+        <a:font script="Knda" typeface="Tunga"/>
+        <a:font script="Guru" typeface="Raavi"/>
+        <a:font script="Cans" typeface="Euphemia"/>
+        <a:font script="Cher" typeface="Plantagenet Cherokee"/>
+        <a:font script="Yiii" typeface="Microsoft Yi Baiti"/>
+        <a:font script="Tibt" typeface="Microsoft Himalaya"/>
+        <a:font script="Thaa" typeface="MV Boli"/>
+        <a:font script="Deva" typeface="Mangal"/>
+        <a:font script="Telu" typeface="Gautami"/>
+        <a:font script="Taml" typeface="Latha"/>
+        <a:font script="Syrc" typeface="Estrangelo Edessa"/>
+        <a:font script="Orya" typeface="Kalinga"/>
+        <a:font script="Mlym" typeface="Kartika"/>
+        <a:font script="Laoo" typeface="DokChampa"/>
+        <a:font script="Sinh" typeface="Iskoola Pota"/>
+        <a:font script="Mong" typeface="Mongolian Baiti"/>
+        <a:font script="Viet" typeface="Times New Roman"/>
+        <a:font script="Uigh" typeface="Microsoft Uighur"/>
+        <a:font script="Geor" typeface="Sylfaen"/>
+      </a:majorFont>
+      <a:minorFont>
+        <a:latin typeface="Calibri" panose="020F0502020204030204"/>
+        <a:ea typeface=""/>
+        <a:cs typeface=""/>
+        <a:font script="Jpan" typeface="ＭＳ Ｐゴシック"/>
+        <a:font script="Hang" typeface="맑은 고딕"/>
+        <a:font script="Hans" typeface="宋体"/>
+        <a:font script="Hant" typeface="新細明體"/>
+        <a:font script="Arab" typeface="Arial"/>
+        <a:font script="Hebr" typeface="Arial"/>
+        <a:font script="Thai" typeface="Cordia New"/>
+        <a:font script="Ethi" typeface="Nyala"/>
+        <a:font script="Beng" typeface="Vrinda"/>
+        <a:font script="Gujr" typeface="Shruti"/>
+        <a:font script="Khmr" typeface="DaunPenh"/>
+        <a:font script="Knda" typeface="Tunga"/>
+        <a:font script="Guru" typeface="Raavi"/>
+        <a:font script="Cans" typeface="Euphemia"/>
+        <a:font script="Cher" typeface="Plantagenet Cherokee"/>
+        <a:font script="Yiii" typeface="Microsoft Yi Baiti"/>
+        <a:font script="Tibt" typeface="Microsoft Himalaya"/>
+        <a:font script="Thaa" typeface="MV Boli"/>
+        <a:font script="Deva" typeface="Mangal"/>
+        <a:font script="Telu" typeface="Gautami"/>
+        <a:font script="Taml" typeface="Latha"/>
+        <a:font script="Syrc" typeface="Estrangelo Edessa"/>
+        <a:font script="Orya" typeface="Kalinga"/>
+        <a:font script="Mlym" typeface="Kartika"/>
+        <a:font script="Laoo" typeface="DokChampa"/>
+        <a:font script="Sinh" typeface="Iskoola Pota"/>
+        <a:font script="Mong" typeface="Mongolian Baiti"/>
+        <a:font script="Viet" typeface="Arial"/>
+        <a:font script="Uigh" typeface="Microsoft Uighur"/>
+        <a:font script="Geor" typeface="Sylfaen"/>
+      </a:minorFont>
+    </a:fontScheme>
+    <a:fmtScheme name="Rétrospective">
+      <a:fillStyleLst>
+        <a:solidFill>
+          <a:schemeClr val="phClr"/>
+        </a:solidFill>
+        <a:gradFill rotWithShape="1">
+          <a:gsLst>
+            <a:gs pos="0">
+              <a:schemeClr val="phClr">
+                <a:tint val="65000"/>
+                <a:shade val="92000"/>
+                <a:satMod val="130000"/>
+              </a:schemeClr>
+            </a:gs>
+            <a:gs pos="45000">
+              <a:schemeClr val="phClr">
+                <a:tint val="60000"/>
+                <a:shade val="99000"/>
+                <a:satMod val="120000"/>
+              </a:schemeClr>
+            </a:gs>
+            <a:gs pos="100000">
+              <a:schemeClr val="phClr">
+                <a:tint val="55000"/>
+                <a:satMod val="140000"/>
+              </a:schemeClr>
+            </a:gs>
+          </a:gsLst>
+          <a:path path="circle">
+            <a:fillToRect l="100000" t="100000" r="100000" b="100000"/>
+          </a:path>
+        </a:gradFill>
+        <a:gradFill rotWithShape="1">
+          <a:gsLst>
+            <a:gs pos="0">
+              <a:schemeClr val="phClr">
+                <a:shade val="85000"/>
+                <a:satMod val="130000"/>
+              </a:schemeClr>
+            </a:gs>
+            <a:gs pos="34000">
+              <a:schemeClr val="phClr">
+                <a:shade val="87000"/>
+                <a:satMod val="125000"/>
+              </a:schemeClr>
+            </a:gs>
+            <a:gs pos="70000">
+              <a:schemeClr val="phClr">
+                <a:tint val="100000"/>
+                <a:shade val="90000"/>
+                <a:satMod val="130000"/>
+              </a:schemeClr>
+            </a:gs>
+            <a:gs pos="100000">
+              <a:schemeClr val="phClr">
+                <a:tint val="100000"/>
+                <a:shade val="100000"/>
+                <a:satMod val="110000"/>
+              </a:schemeClr>
+            </a:gs>
+          </a:gsLst>
+          <a:path path="circle">
+            <a:fillToRect l="100000" t="100000" r="100000" b="100000"/>
+          </a:path>
+        </a:gradFill>
+      </a:fillStyleLst>
+      <a:lnStyleLst>
+        <a:ln w="12700" cap="flat" cmpd="sng" algn="ctr">
+          <a:solidFill>
+            <a:schemeClr val="phClr"/>
+          </a:solidFill>
+          <a:prstDash val="solid"/>
+        </a:ln>
+        <a:ln w="15875" cap="flat" cmpd="sng" algn="ctr">
+          <a:solidFill>
+            <a:schemeClr val="phClr"/>
+          </a:solidFill>
+          <a:prstDash val="solid"/>
+        </a:ln>
+        <a:ln w="25400" cap="flat" cmpd="sng" algn="ctr">
+          <a:solidFill>
+            <a:schemeClr val="phClr"/>
+          </a:solidFill>
+          <a:prstDash val="solid"/>
+        </a:ln>
+      </a:lnStyleLst>
+      <a:effectStyleLst>
+        <a:effectStyle>
+          <a:effectLst/>
+        </a:effectStyle>
+        <a:effectStyle>
+          <a:effectLst>
+            <a:outerShdw blurRad="38100" dist="25400" dir="2700000" algn="br" rotWithShape="0">
+              <a:srgbClr val="000000">
+                <a:alpha val="60000"/>
+              </a:srgbClr>
+            </a:outerShdw>
+          </a:effectLst>
+        </a:effectStyle>
+        <a:effectStyle>
+          <a:effectLst>
+            <a:outerShdw blurRad="44450" dist="25400" dir="2700000" algn="br" rotWithShape="0">
+              <a:srgbClr val="000000">
+                <a:alpha val="60000"/>
+              </a:srgbClr>
+            </a:outerShdw>
+          </a:effectLst>
+          <a:scene3d>
+            <a:camera prst="orthographicFront">
+              <a:rot lat="0" lon="0" rev="0"/>
+            </a:camera>
+            <a:lightRig rig="threePt" dir="t">
+              <a:rot lat="0" lon="0" rev="19800000"/>
+            </a:lightRig>
+          </a:scene3d>
+          <a:sp3d prstMaterial="flat">
+            <a:bevelT w="25400" h="31750"/>
+          </a:sp3d>
+        </a:effectStyle>
+      </a:effectStyleLst>
+      <a:bgFillStyleLst>
+        <a:solidFill>
+          <a:schemeClr val="phClr"/>
+        </a:solidFill>
+        <a:solidFill>
+          <a:schemeClr val="phClr">
+            <a:tint val="90000"/>
+            <a:shade val="97000"/>
+            <a:satMod val="130000"/>
+          </a:schemeClr>
+        </a:solidFill>
+        <a:gradFill rotWithShape="1">
+          <a:gsLst>
+            <a:gs pos="0">
+              <a:schemeClr val="phClr">
+                <a:tint val="96000"/>
+                <a:shade val="99000"/>
+                <a:satMod val="140000"/>
+              </a:schemeClr>
+            </a:gs>
+            <a:gs pos="65000">
+              <a:schemeClr val="phClr">
+                <a:tint val="100000"/>
+                <a:shade val="80000"/>
+                <a:satMod val="130000"/>
+              </a:schemeClr>
+            </a:gs>
+            <a:gs pos="100000">
+              <a:schemeClr val="phClr">
+                <a:tint val="100000"/>
+                <a:shade val="48000"/>
+                <a:satMod val="120000"/>
+              </a:schemeClr>
+            </a:gs>
+          </a:gsLst>
+          <a:lin ang="16200000" scaled="0"/>
+        </a:gradFill>
+      </a:bgFillStyleLst>
+    </a:fmtScheme>
+  </a:themeElements>
+  <a:objectDefaults/>
+  <a:extraClrSchemeLst/>
+  <a:extLst>
+    <a:ext uri="{05A4C25C-085E-4340-85A3-A5531E510DB2}">
+      <thm15:themeFamily xmlns:thm15="http://schemas.microsoft.com/office/thememl/2012/main" name="Retrospect" id="{5F128B03-DCCA-4EEB-AB3B-CF2899314A46}" vid="{3F1AAB62-24C6-49D2-8E01-B56FAC9A3DCD}"/>
+    </a:ext>
+  </a:extLst>
+</a:theme>
 </file>
--- a/00 - Presentation.pptx
+++ b/00 - Presentation.pptx
@@ -10,6 +10,17 @@
     <p:sldId id="258" r:id="rId4"/>
     <p:sldId id="259" r:id="rId5"/>
     <p:sldId id="257" r:id="rId6"/>
+    <p:sldId id="260" r:id="rId7"/>
+    <p:sldId id="262" r:id="rId8"/>
+    <p:sldId id="261" r:id="rId9"/>
+    <p:sldId id="263" r:id="rId10"/>
+    <p:sldId id="270" r:id="rId11"/>
+    <p:sldId id="264" r:id="rId12"/>
+    <p:sldId id="265" r:id="rId13"/>
+    <p:sldId id="269" r:id="rId14"/>
+    <p:sldId id="266" r:id="rId15"/>
+    <p:sldId id="267" r:id="rId16"/>
+    <p:sldId id="268" r:id="rId17"/>
   </p:sldIdLst>
   <p:sldSz cx="12192000" cy="6858000"/>
   <p:notesSz cx="6858000" cy="9144000"/>
@@ -121,6 +132,25 @@
             <p14:sldId id="258"/>
             <p14:sldId id="259"/>
             <p14:sldId id="257"/>
+          </p14:sldIdLst>
+        </p14:section>
+        <p14:section name="Monde" id="{CCBBBD01-D0A5-4FF5-AE01-A493D51156A0}">
+          <p14:sldIdLst>
+            <p14:sldId id="260"/>
+            <p14:sldId id="262"/>
+            <p14:sldId id="261"/>
+          </p14:sldIdLst>
+        </p14:section>
+        <p14:section name="Systeme de jeu" id="{AA84A465-ADB9-40E7-AF15-12C051DA4139}">
+          <p14:sldIdLst>
+            <p14:sldId id="263"/>
+            <p14:sldId id="270"/>
+            <p14:sldId id="264"/>
+            <p14:sldId id="265"/>
+            <p14:sldId id="269"/>
+            <p14:sldId id="266"/>
+            <p14:sldId id="267"/>
+            <p14:sldId id="268"/>
           </p14:sldIdLst>
         </p14:section>
       </p14:sectionLst>
@@ -13255,6 +13285,1914 @@
 </p:sld>
 </file>
 
+<file path=ppt/slides/slide10.xml><?xml version="1.0" encoding="utf-8"?>
+<p:sld xmlns:a="http://schemas.openxmlformats.org/drawingml/2006/main" xmlns:r="http://schemas.openxmlformats.org/officeDocument/2006/relationships" xmlns:p="http://schemas.openxmlformats.org/presentationml/2006/main">
+  <p:cSld>
+    <p:spTree>
+      <p:nvGrpSpPr>
+        <p:cNvPr id="1" name=""/>
+        <p:cNvGrpSpPr/>
+        <p:nvPr/>
+      </p:nvGrpSpPr>
+      <p:grpSpPr>
+        <a:xfrm>
+          <a:off x="0" y="0"/>
+          <a:ext cx="0" cy="0"/>
+          <a:chOff x="0" y="0"/>
+          <a:chExt cx="0" cy="0"/>
+        </a:xfrm>
+      </p:grpSpPr>
+      <p:sp>
+        <p:nvSpPr>
+          <p:cNvPr id="4" name="Titre 3"/>
+          <p:cNvSpPr>
+            <a:spLocks noGrp="1"/>
+          </p:cNvSpPr>
+          <p:nvPr>
+            <p:ph type="title"/>
+          </p:nvPr>
+        </p:nvSpPr>
+        <p:spPr/>
+        <p:txBody>
+          <a:bodyPr/>
+          <a:lstStyle/>
+          <a:p>
+            <a:r>
+              <a:rPr lang="fr-FR" dirty="0" err="1" smtClean="0"/>
+              <a:t>Competences</a:t>
+            </a:r>
+            <a:endParaRPr lang="fr-FR" dirty="0"/>
+          </a:p>
+        </p:txBody>
+      </p:sp>
+      <p:sp>
+        <p:nvSpPr>
+          <p:cNvPr id="5" name="Espace réservé du contenu 4"/>
+          <p:cNvSpPr>
+            <a:spLocks noGrp="1"/>
+          </p:cNvSpPr>
+          <p:nvPr>
+            <p:ph sz="half" idx="1"/>
+          </p:nvPr>
+        </p:nvSpPr>
+        <p:spPr/>
+        <p:txBody>
+          <a:bodyPr/>
+          <a:lstStyle/>
+          <a:p>
+            <a:r>
+              <a:rPr lang="fr-FR" dirty="0" smtClean="0"/>
+              <a:t>Les ennemis sont aussi nombreux que les alliés. Les elfes sont agressifs et isoles, ils communiquent et échanges très peu avec les autres races. Les </a:t>
+            </a:r>
+            <a:r>
+              <a:rPr lang="fr-FR" dirty="0" err="1" smtClean="0"/>
+              <a:t>Duergar</a:t>
+            </a:r>
+            <a:r>
+              <a:rPr lang="fr-FR" dirty="0" smtClean="0"/>
+              <a:t>(Nains noirs) et les Géant cohabitent ensemble et travaille main dans la main pour l’amélioration de leurs conditions de vie. Les Bannis sont en vérité d’ancien Damnés ayant trahis les leurs.</a:t>
+            </a:r>
+            <a:endParaRPr lang="fr-FR" dirty="0"/>
+          </a:p>
+        </p:txBody>
+      </p:sp>
+      <p:graphicFrame>
+        <p:nvGraphicFramePr>
+          <p:cNvPr id="9" name="Espace réservé du contenu 8"/>
+          <p:cNvGraphicFramePr>
+            <a:graphicFrameLocks noGrp="1"/>
+          </p:cNvGraphicFramePr>
+          <p:nvPr>
+            <p:ph sz="half" idx="2"/>
+            <p:extLst>
+              <p:ext uri="{D42A27DB-BD31-4B8C-83A1-F6EECF244321}">
+                <p14:modId xmlns:p14="http://schemas.microsoft.com/office/powerpoint/2010/main" val="2713145883"/>
+              </p:ext>
+            </p:extLst>
+          </p:nvPr>
+        </p:nvGraphicFramePr>
+        <p:xfrm>
+          <a:off x="6035036" y="1846263"/>
+          <a:ext cx="3775320" cy="1818640"/>
+        </p:xfrm>
+        <a:graphic>
+          <a:graphicData uri="http://schemas.openxmlformats.org/drawingml/2006/table">
+            <a:tbl>
+              <a:tblPr firstRow="1" bandRow="1">
+                <a:tableStyleId>{5C22544A-7EE6-4342-B048-85BDC9FD1C3A}</a:tableStyleId>
+              </a:tblPr>
+              <a:tblGrid>
+                <a:gridCol w="1887660"/>
+                <a:gridCol w="1887660"/>
+              </a:tblGrid>
+              <a:tr h="332394">
+                <a:tc>
+                  <a:txBody>
+                    <a:bodyPr/>
+                    <a:lstStyle/>
+                    <a:p>
+                      <a:r>
+                        <a:rPr lang="fr-FR" sz="1600" dirty="0" smtClean="0"/>
+                        <a:t>Ennemis</a:t>
+                      </a:r>
+                    </a:p>
+                  </a:txBody>
+                  <a:tcPr marL="83838" marR="83838"/>
+                </a:tc>
+                <a:tc>
+                  <a:txBody>
+                    <a:bodyPr/>
+                    <a:lstStyle/>
+                    <a:p>
+                      <a:endParaRPr lang="fr-FR" sz="1600" dirty="0" smtClean="0"/>
+                    </a:p>
+                  </a:txBody>
+                  <a:tcPr marL="83838" marR="83838"/>
+                </a:tc>
+              </a:tr>
+              <a:tr h="370840">
+                <a:tc>
+                  <a:txBody>
+                    <a:bodyPr/>
+                    <a:lstStyle/>
+                    <a:p>
+                      <a:r>
+                        <a:rPr lang="fr-FR" sz="1600" dirty="0" smtClean="0"/>
+                        <a:t>Elfe</a:t>
+                      </a:r>
+                      <a:endParaRPr lang="fr-FR" sz="1600" dirty="0"/>
+                    </a:p>
+                  </a:txBody>
+                  <a:tcPr marL="83838" marR="83838"/>
+                </a:tc>
+                <a:tc>
+                  <a:txBody>
+                    <a:bodyPr/>
+                    <a:lstStyle/>
+                    <a:p>
+                      <a:r>
+                        <a:rPr lang="fr-FR" sz="1600" dirty="0" smtClean="0"/>
+                        <a:t>Vivants</a:t>
+                      </a:r>
+                      <a:endParaRPr lang="fr-FR" sz="1600" dirty="0"/>
+                    </a:p>
+                  </a:txBody>
+                  <a:tcPr marL="83838" marR="83838"/>
+                </a:tc>
+              </a:tr>
+              <a:tr h="370840">
+                <a:tc>
+                  <a:txBody>
+                    <a:bodyPr/>
+                    <a:lstStyle/>
+                    <a:p>
+                      <a:pPr marL="0" marR="0" lvl="0" indent="0" algn="l" defTabSz="914400" rtl="0" eaLnBrk="1" fontAlgn="auto" latinLnBrk="0" hangingPunct="1">
+                        <a:lnSpc>
+                          <a:spcPct val="100000"/>
+                        </a:lnSpc>
+                        <a:spcBef>
+                          <a:spcPts val="0"/>
+                        </a:spcBef>
+                        <a:spcAft>
+                          <a:spcPts val="0"/>
+                        </a:spcAft>
+                        <a:buClrTx/>
+                        <a:buSzTx/>
+                        <a:buFontTx/>
+                        <a:buNone/>
+                        <a:tabLst/>
+                        <a:defRPr/>
+                      </a:pPr>
+                      <a:r>
+                        <a:rPr lang="fr-FR" sz="1600" b="0" dirty="0" err="1" smtClean="0"/>
+                        <a:t>Duergar</a:t>
+                      </a:r>
+                      <a:endParaRPr lang="fr-FR" sz="1600" b="0" dirty="0" smtClean="0"/>
+                    </a:p>
+                  </a:txBody>
+                  <a:tcPr marL="83838" marR="83838"/>
+                </a:tc>
+                <a:tc>
+                  <a:txBody>
+                    <a:bodyPr/>
+                    <a:lstStyle/>
+                    <a:p>
+                      <a:r>
+                        <a:rPr lang="fr-FR" sz="1600" dirty="0" smtClean="0"/>
+                        <a:t>Vivants</a:t>
+                      </a:r>
+                      <a:endParaRPr lang="fr-FR" sz="1600" dirty="0"/>
+                    </a:p>
+                  </a:txBody>
+                  <a:tcPr marL="83838" marR="83838"/>
+                </a:tc>
+              </a:tr>
+              <a:tr h="370840">
+                <a:tc>
+                  <a:txBody>
+                    <a:bodyPr/>
+                    <a:lstStyle/>
+                    <a:p>
+                      <a:pPr marL="0" marR="0" lvl="0" indent="0" algn="l" defTabSz="914400" rtl="0" eaLnBrk="1" fontAlgn="auto" latinLnBrk="0" hangingPunct="1">
+                        <a:lnSpc>
+                          <a:spcPct val="100000"/>
+                        </a:lnSpc>
+                        <a:spcBef>
+                          <a:spcPts val="0"/>
+                        </a:spcBef>
+                        <a:spcAft>
+                          <a:spcPts val="0"/>
+                        </a:spcAft>
+                        <a:buClrTx/>
+                        <a:buSzTx/>
+                        <a:buFontTx/>
+                        <a:buNone/>
+                        <a:tabLst/>
+                        <a:defRPr/>
+                      </a:pPr>
+                      <a:r>
+                        <a:rPr lang="fr-FR" sz="1600" b="0" dirty="0" smtClean="0"/>
+                        <a:t>Géant</a:t>
+                      </a:r>
+                    </a:p>
+                  </a:txBody>
+                  <a:tcPr marL="83838" marR="83838"/>
+                </a:tc>
+                <a:tc>
+                  <a:txBody>
+                    <a:bodyPr/>
+                    <a:lstStyle/>
+                    <a:p>
+                      <a:pPr marL="0" marR="0" lvl="0" indent="0" algn="l" defTabSz="914400" rtl="0" eaLnBrk="1" fontAlgn="auto" latinLnBrk="0" hangingPunct="1">
+                        <a:lnSpc>
+                          <a:spcPct val="100000"/>
+                        </a:lnSpc>
+                        <a:spcBef>
+                          <a:spcPts val="0"/>
+                        </a:spcBef>
+                        <a:spcAft>
+                          <a:spcPts val="0"/>
+                        </a:spcAft>
+                        <a:buClrTx/>
+                        <a:buSzTx/>
+                        <a:buFontTx/>
+                        <a:buNone/>
+                        <a:tabLst/>
+                        <a:defRPr/>
+                      </a:pPr>
+                      <a:r>
+                        <a:rPr lang="fr-FR" sz="1600" b="0" dirty="0" smtClean="0"/>
+                        <a:t>Vivants</a:t>
+                      </a:r>
+                    </a:p>
+                  </a:txBody>
+                  <a:tcPr marL="83838" marR="83838"/>
+                </a:tc>
+              </a:tr>
+              <a:tr h="370840">
+                <a:tc>
+                  <a:txBody>
+                    <a:bodyPr/>
+                    <a:lstStyle/>
+                    <a:p>
+                      <a:r>
+                        <a:rPr lang="fr-FR" dirty="0" smtClean="0"/>
+                        <a:t>Bannis</a:t>
+                      </a:r>
+                      <a:endParaRPr lang="fr-FR" dirty="0"/>
+                    </a:p>
+                  </a:txBody>
+                  <a:tcPr marL="83838" marR="83838"/>
+                </a:tc>
+                <a:tc>
+                  <a:txBody>
+                    <a:bodyPr/>
+                    <a:lstStyle/>
+                    <a:p>
+                      <a:r>
+                        <a:rPr lang="fr-FR" dirty="0" smtClean="0"/>
+                        <a:t>Morts</a:t>
+                      </a:r>
+                      <a:endParaRPr lang="fr-FR" dirty="0"/>
+                    </a:p>
+                  </a:txBody>
+                  <a:tcPr marL="83838" marR="83838"/>
+                </a:tc>
+              </a:tr>
+            </a:tbl>
+          </a:graphicData>
+        </a:graphic>
+      </p:graphicFrame>
+    </p:spTree>
+    <p:extLst>
+      <p:ext uri="{BB962C8B-B14F-4D97-AF65-F5344CB8AC3E}">
+        <p14:creationId xmlns:p14="http://schemas.microsoft.com/office/powerpoint/2010/main" val="2996179661"/>
+      </p:ext>
+    </p:extLst>
+  </p:cSld>
+  <p:clrMapOvr>
+    <a:masterClrMapping/>
+  </p:clrMapOvr>
+  <p:timing>
+    <p:tnLst>
+      <p:par>
+        <p:cTn id="1" dur="indefinite" restart="never" nodeType="tmRoot"/>
+      </p:par>
+    </p:tnLst>
+  </p:timing>
+</p:sld>
+</file>
+
+<file path=ppt/slides/slide11.xml><?xml version="1.0" encoding="utf-8"?>
+<p:sld xmlns:a="http://schemas.openxmlformats.org/drawingml/2006/main" xmlns:r="http://schemas.openxmlformats.org/officeDocument/2006/relationships" xmlns:p="http://schemas.openxmlformats.org/presentationml/2006/main">
+  <p:cSld>
+    <p:spTree>
+      <p:nvGrpSpPr>
+        <p:cNvPr id="1" name=""/>
+        <p:cNvGrpSpPr/>
+        <p:nvPr/>
+      </p:nvGrpSpPr>
+      <p:grpSpPr>
+        <a:xfrm>
+          <a:off x="0" y="0"/>
+          <a:ext cx="0" cy="0"/>
+          <a:chOff x="0" y="0"/>
+          <a:chExt cx="0" cy="0"/>
+        </a:xfrm>
+      </p:grpSpPr>
+      <p:sp>
+        <p:nvSpPr>
+          <p:cNvPr id="4" name="Titre 3"/>
+          <p:cNvSpPr>
+            <a:spLocks noGrp="1"/>
+          </p:cNvSpPr>
+          <p:nvPr>
+            <p:ph type="title"/>
+          </p:nvPr>
+        </p:nvSpPr>
+        <p:spPr/>
+        <p:txBody>
+          <a:bodyPr/>
+          <a:lstStyle/>
+          <a:p>
+            <a:r>
+              <a:rPr lang="fr-FR" dirty="0" smtClean="0"/>
+              <a:t>Tests</a:t>
+            </a:r>
+            <a:endParaRPr lang="fr-FR" dirty="0"/>
+          </a:p>
+        </p:txBody>
+      </p:sp>
+      <p:sp>
+        <p:nvSpPr>
+          <p:cNvPr id="5" name="Espace réservé du contenu 4"/>
+          <p:cNvSpPr>
+            <a:spLocks noGrp="1"/>
+          </p:cNvSpPr>
+          <p:nvPr>
+            <p:ph sz="half" idx="1"/>
+          </p:nvPr>
+        </p:nvSpPr>
+        <p:spPr/>
+        <p:txBody>
+          <a:bodyPr/>
+          <a:lstStyle/>
+          <a:p>
+            <a:r>
+              <a:rPr lang="fr-FR" dirty="0" smtClean="0"/>
+              <a:t>Les ennemis sont aussi nombreux que les alliés. Les elfes sont agressifs et isoles, ils communiquent et échanges très peu avec les autres races. Les </a:t>
+            </a:r>
+            <a:r>
+              <a:rPr lang="fr-FR" dirty="0" err="1" smtClean="0"/>
+              <a:t>Duergar</a:t>
+            </a:r>
+            <a:r>
+              <a:rPr lang="fr-FR" dirty="0" smtClean="0"/>
+              <a:t>(Nains noirs) et les Géant cohabitent ensemble et travaille main dans la main pour l’amélioration de leurs conditions de vie. Les Bannis sont en vérité d’ancien Damnés ayant trahis les leurs.</a:t>
+            </a:r>
+            <a:endParaRPr lang="fr-FR" dirty="0"/>
+          </a:p>
+        </p:txBody>
+      </p:sp>
+      <p:graphicFrame>
+        <p:nvGraphicFramePr>
+          <p:cNvPr id="9" name="Espace réservé du contenu 8"/>
+          <p:cNvGraphicFramePr>
+            <a:graphicFrameLocks noGrp="1"/>
+          </p:cNvGraphicFramePr>
+          <p:nvPr>
+            <p:ph sz="half" idx="2"/>
+            <p:extLst>
+              <p:ext uri="{D42A27DB-BD31-4B8C-83A1-F6EECF244321}">
+                <p14:modId xmlns:p14="http://schemas.microsoft.com/office/powerpoint/2010/main" val="2713145883"/>
+              </p:ext>
+            </p:extLst>
+          </p:nvPr>
+        </p:nvGraphicFramePr>
+        <p:xfrm>
+          <a:off x="6035036" y="1846263"/>
+          <a:ext cx="3775320" cy="1818640"/>
+        </p:xfrm>
+        <a:graphic>
+          <a:graphicData uri="http://schemas.openxmlformats.org/drawingml/2006/table">
+            <a:tbl>
+              <a:tblPr firstRow="1" bandRow="1">
+                <a:tableStyleId>{5C22544A-7EE6-4342-B048-85BDC9FD1C3A}</a:tableStyleId>
+              </a:tblPr>
+              <a:tblGrid>
+                <a:gridCol w="1887660"/>
+                <a:gridCol w="1887660"/>
+              </a:tblGrid>
+              <a:tr h="332394">
+                <a:tc>
+                  <a:txBody>
+                    <a:bodyPr/>
+                    <a:lstStyle/>
+                    <a:p>
+                      <a:r>
+                        <a:rPr lang="fr-FR" sz="1600" dirty="0" smtClean="0"/>
+                        <a:t>Ennemis</a:t>
+                      </a:r>
+                    </a:p>
+                  </a:txBody>
+                  <a:tcPr marL="83838" marR="83838"/>
+                </a:tc>
+                <a:tc>
+                  <a:txBody>
+                    <a:bodyPr/>
+                    <a:lstStyle/>
+                    <a:p>
+                      <a:endParaRPr lang="fr-FR" sz="1600" dirty="0" smtClean="0"/>
+                    </a:p>
+                  </a:txBody>
+                  <a:tcPr marL="83838" marR="83838"/>
+                </a:tc>
+              </a:tr>
+              <a:tr h="370840">
+                <a:tc>
+                  <a:txBody>
+                    <a:bodyPr/>
+                    <a:lstStyle/>
+                    <a:p>
+                      <a:r>
+                        <a:rPr lang="fr-FR" sz="1600" dirty="0" smtClean="0"/>
+                        <a:t>Elfe</a:t>
+                      </a:r>
+                      <a:endParaRPr lang="fr-FR" sz="1600" dirty="0"/>
+                    </a:p>
+                  </a:txBody>
+                  <a:tcPr marL="83838" marR="83838"/>
+                </a:tc>
+                <a:tc>
+                  <a:txBody>
+                    <a:bodyPr/>
+                    <a:lstStyle/>
+                    <a:p>
+                      <a:r>
+                        <a:rPr lang="fr-FR" sz="1600" dirty="0" smtClean="0"/>
+                        <a:t>Vivants</a:t>
+                      </a:r>
+                      <a:endParaRPr lang="fr-FR" sz="1600" dirty="0"/>
+                    </a:p>
+                  </a:txBody>
+                  <a:tcPr marL="83838" marR="83838"/>
+                </a:tc>
+              </a:tr>
+              <a:tr h="370840">
+                <a:tc>
+                  <a:txBody>
+                    <a:bodyPr/>
+                    <a:lstStyle/>
+                    <a:p>
+                      <a:pPr marL="0" marR="0" lvl="0" indent="0" algn="l" defTabSz="914400" rtl="0" eaLnBrk="1" fontAlgn="auto" latinLnBrk="0" hangingPunct="1">
+                        <a:lnSpc>
+                          <a:spcPct val="100000"/>
+                        </a:lnSpc>
+                        <a:spcBef>
+                          <a:spcPts val="0"/>
+                        </a:spcBef>
+                        <a:spcAft>
+                          <a:spcPts val="0"/>
+                        </a:spcAft>
+                        <a:buClrTx/>
+                        <a:buSzTx/>
+                        <a:buFontTx/>
+                        <a:buNone/>
+                        <a:tabLst/>
+                        <a:defRPr/>
+                      </a:pPr>
+                      <a:r>
+                        <a:rPr lang="fr-FR" sz="1600" b="0" dirty="0" err="1" smtClean="0"/>
+                        <a:t>Duergar</a:t>
+                      </a:r>
+                      <a:endParaRPr lang="fr-FR" sz="1600" b="0" dirty="0" smtClean="0"/>
+                    </a:p>
+                  </a:txBody>
+                  <a:tcPr marL="83838" marR="83838"/>
+                </a:tc>
+                <a:tc>
+                  <a:txBody>
+                    <a:bodyPr/>
+                    <a:lstStyle/>
+                    <a:p>
+                      <a:r>
+                        <a:rPr lang="fr-FR" sz="1600" dirty="0" smtClean="0"/>
+                        <a:t>Vivants</a:t>
+                      </a:r>
+                      <a:endParaRPr lang="fr-FR" sz="1600" dirty="0"/>
+                    </a:p>
+                  </a:txBody>
+                  <a:tcPr marL="83838" marR="83838"/>
+                </a:tc>
+              </a:tr>
+              <a:tr h="370840">
+                <a:tc>
+                  <a:txBody>
+                    <a:bodyPr/>
+                    <a:lstStyle/>
+                    <a:p>
+                      <a:pPr marL="0" marR="0" lvl="0" indent="0" algn="l" defTabSz="914400" rtl="0" eaLnBrk="1" fontAlgn="auto" latinLnBrk="0" hangingPunct="1">
+                        <a:lnSpc>
+                          <a:spcPct val="100000"/>
+                        </a:lnSpc>
+                        <a:spcBef>
+                          <a:spcPts val="0"/>
+                        </a:spcBef>
+                        <a:spcAft>
+                          <a:spcPts val="0"/>
+                        </a:spcAft>
+                        <a:buClrTx/>
+                        <a:buSzTx/>
+                        <a:buFontTx/>
+                        <a:buNone/>
+                        <a:tabLst/>
+                        <a:defRPr/>
+                      </a:pPr>
+                      <a:r>
+                        <a:rPr lang="fr-FR" sz="1600" b="0" dirty="0" smtClean="0"/>
+                        <a:t>Géant</a:t>
+                      </a:r>
+                    </a:p>
+                  </a:txBody>
+                  <a:tcPr marL="83838" marR="83838"/>
+                </a:tc>
+                <a:tc>
+                  <a:txBody>
+                    <a:bodyPr/>
+                    <a:lstStyle/>
+                    <a:p>
+                      <a:pPr marL="0" marR="0" lvl="0" indent="0" algn="l" defTabSz="914400" rtl="0" eaLnBrk="1" fontAlgn="auto" latinLnBrk="0" hangingPunct="1">
+                        <a:lnSpc>
+                          <a:spcPct val="100000"/>
+                        </a:lnSpc>
+                        <a:spcBef>
+                          <a:spcPts val="0"/>
+                        </a:spcBef>
+                        <a:spcAft>
+                          <a:spcPts val="0"/>
+                        </a:spcAft>
+                        <a:buClrTx/>
+                        <a:buSzTx/>
+                        <a:buFontTx/>
+                        <a:buNone/>
+                        <a:tabLst/>
+                        <a:defRPr/>
+                      </a:pPr>
+                      <a:r>
+                        <a:rPr lang="fr-FR" sz="1600" b="0" dirty="0" smtClean="0"/>
+                        <a:t>Vivants</a:t>
+                      </a:r>
+                    </a:p>
+                  </a:txBody>
+                  <a:tcPr marL="83838" marR="83838"/>
+                </a:tc>
+              </a:tr>
+              <a:tr h="370840">
+                <a:tc>
+                  <a:txBody>
+                    <a:bodyPr/>
+                    <a:lstStyle/>
+                    <a:p>
+                      <a:r>
+                        <a:rPr lang="fr-FR" dirty="0" smtClean="0"/>
+                        <a:t>Bannis</a:t>
+                      </a:r>
+                      <a:endParaRPr lang="fr-FR" dirty="0"/>
+                    </a:p>
+                  </a:txBody>
+                  <a:tcPr marL="83838" marR="83838"/>
+                </a:tc>
+                <a:tc>
+                  <a:txBody>
+                    <a:bodyPr/>
+                    <a:lstStyle/>
+                    <a:p>
+                      <a:r>
+                        <a:rPr lang="fr-FR" dirty="0" smtClean="0"/>
+                        <a:t>Morts</a:t>
+                      </a:r>
+                      <a:endParaRPr lang="fr-FR" dirty="0"/>
+                    </a:p>
+                  </a:txBody>
+                  <a:tcPr marL="83838" marR="83838"/>
+                </a:tc>
+              </a:tr>
+            </a:tbl>
+          </a:graphicData>
+        </a:graphic>
+      </p:graphicFrame>
+    </p:spTree>
+    <p:extLst>
+      <p:ext uri="{BB962C8B-B14F-4D97-AF65-F5344CB8AC3E}">
+        <p14:creationId xmlns:p14="http://schemas.microsoft.com/office/powerpoint/2010/main" val="2157902777"/>
+      </p:ext>
+    </p:extLst>
+  </p:cSld>
+  <p:clrMapOvr>
+    <a:masterClrMapping/>
+  </p:clrMapOvr>
+  <p:timing>
+    <p:tnLst>
+      <p:par>
+        <p:cTn id="1" dur="indefinite" restart="never" nodeType="tmRoot"/>
+      </p:par>
+    </p:tnLst>
+  </p:timing>
+</p:sld>
+</file>
+
+<file path=ppt/slides/slide12.xml><?xml version="1.0" encoding="utf-8"?>
+<p:sld xmlns:a="http://schemas.openxmlformats.org/drawingml/2006/main" xmlns:r="http://schemas.openxmlformats.org/officeDocument/2006/relationships" xmlns:p="http://schemas.openxmlformats.org/presentationml/2006/main">
+  <p:cSld>
+    <p:spTree>
+      <p:nvGrpSpPr>
+        <p:cNvPr id="1" name=""/>
+        <p:cNvGrpSpPr/>
+        <p:nvPr/>
+      </p:nvGrpSpPr>
+      <p:grpSpPr>
+        <a:xfrm>
+          <a:off x="0" y="0"/>
+          <a:ext cx="0" cy="0"/>
+          <a:chOff x="0" y="0"/>
+          <a:chExt cx="0" cy="0"/>
+        </a:xfrm>
+      </p:grpSpPr>
+      <p:sp>
+        <p:nvSpPr>
+          <p:cNvPr id="4" name="Titre 3"/>
+          <p:cNvSpPr>
+            <a:spLocks noGrp="1"/>
+          </p:cNvSpPr>
+          <p:nvPr>
+            <p:ph type="title"/>
+          </p:nvPr>
+        </p:nvSpPr>
+        <p:spPr/>
+        <p:txBody>
+          <a:bodyPr/>
+          <a:lstStyle/>
+          <a:p>
+            <a:r>
+              <a:rPr lang="fr-FR" dirty="0" smtClean="0"/>
+              <a:t>Mouvements</a:t>
+            </a:r>
+            <a:endParaRPr lang="fr-FR" dirty="0"/>
+          </a:p>
+        </p:txBody>
+      </p:sp>
+      <p:sp>
+        <p:nvSpPr>
+          <p:cNvPr id="5" name="Espace réservé du contenu 4"/>
+          <p:cNvSpPr>
+            <a:spLocks noGrp="1"/>
+          </p:cNvSpPr>
+          <p:nvPr>
+            <p:ph sz="half" idx="1"/>
+          </p:nvPr>
+        </p:nvSpPr>
+        <p:spPr/>
+        <p:txBody>
+          <a:bodyPr/>
+          <a:lstStyle/>
+          <a:p>
+            <a:r>
+              <a:rPr lang="fr-FR" dirty="0" smtClean="0"/>
+              <a:t>Les ennemis sont aussi nombreux que les alliés. Les elfes sont agressifs et isoles, ils communiquent et échanges très peu avec les autres races. Les </a:t>
+            </a:r>
+            <a:r>
+              <a:rPr lang="fr-FR" dirty="0" err="1" smtClean="0"/>
+              <a:t>Duergar</a:t>
+            </a:r>
+            <a:r>
+              <a:rPr lang="fr-FR" dirty="0" smtClean="0"/>
+              <a:t>(Nains noirs) et les Géant cohabitent ensemble et travaille main dans la main pour l’amélioration de leurs conditions de vie. Les Bannis sont en vérité d’ancien Damnés ayant trahis les leurs.</a:t>
+            </a:r>
+            <a:endParaRPr lang="fr-FR" dirty="0"/>
+          </a:p>
+        </p:txBody>
+      </p:sp>
+      <p:graphicFrame>
+        <p:nvGraphicFramePr>
+          <p:cNvPr id="9" name="Espace réservé du contenu 8"/>
+          <p:cNvGraphicFramePr>
+            <a:graphicFrameLocks noGrp="1"/>
+          </p:cNvGraphicFramePr>
+          <p:nvPr>
+            <p:ph sz="half" idx="2"/>
+            <p:extLst>
+              <p:ext uri="{D42A27DB-BD31-4B8C-83A1-F6EECF244321}">
+                <p14:modId xmlns:p14="http://schemas.microsoft.com/office/powerpoint/2010/main" val="2713145883"/>
+              </p:ext>
+            </p:extLst>
+          </p:nvPr>
+        </p:nvGraphicFramePr>
+        <p:xfrm>
+          <a:off x="6035036" y="1846263"/>
+          <a:ext cx="3775320" cy="1818640"/>
+        </p:xfrm>
+        <a:graphic>
+          <a:graphicData uri="http://schemas.openxmlformats.org/drawingml/2006/table">
+            <a:tbl>
+              <a:tblPr firstRow="1" bandRow="1">
+                <a:tableStyleId>{5C22544A-7EE6-4342-B048-85BDC9FD1C3A}</a:tableStyleId>
+              </a:tblPr>
+              <a:tblGrid>
+                <a:gridCol w="1887660"/>
+                <a:gridCol w="1887660"/>
+              </a:tblGrid>
+              <a:tr h="332394">
+                <a:tc>
+                  <a:txBody>
+                    <a:bodyPr/>
+                    <a:lstStyle/>
+                    <a:p>
+                      <a:r>
+                        <a:rPr lang="fr-FR" sz="1600" dirty="0" smtClean="0"/>
+                        <a:t>Ennemis</a:t>
+                      </a:r>
+                    </a:p>
+                  </a:txBody>
+                  <a:tcPr marL="83838" marR="83838"/>
+                </a:tc>
+                <a:tc>
+                  <a:txBody>
+                    <a:bodyPr/>
+                    <a:lstStyle/>
+                    <a:p>
+                      <a:endParaRPr lang="fr-FR" sz="1600" dirty="0" smtClean="0"/>
+                    </a:p>
+                  </a:txBody>
+                  <a:tcPr marL="83838" marR="83838"/>
+                </a:tc>
+              </a:tr>
+              <a:tr h="370840">
+                <a:tc>
+                  <a:txBody>
+                    <a:bodyPr/>
+                    <a:lstStyle/>
+                    <a:p>
+                      <a:r>
+                        <a:rPr lang="fr-FR" sz="1600" dirty="0" smtClean="0"/>
+                        <a:t>Elfe</a:t>
+                      </a:r>
+                      <a:endParaRPr lang="fr-FR" sz="1600" dirty="0"/>
+                    </a:p>
+                  </a:txBody>
+                  <a:tcPr marL="83838" marR="83838"/>
+                </a:tc>
+                <a:tc>
+                  <a:txBody>
+                    <a:bodyPr/>
+                    <a:lstStyle/>
+                    <a:p>
+                      <a:r>
+                        <a:rPr lang="fr-FR" sz="1600" dirty="0" smtClean="0"/>
+                        <a:t>Vivants</a:t>
+                      </a:r>
+                      <a:endParaRPr lang="fr-FR" sz="1600" dirty="0"/>
+                    </a:p>
+                  </a:txBody>
+                  <a:tcPr marL="83838" marR="83838"/>
+                </a:tc>
+              </a:tr>
+              <a:tr h="370840">
+                <a:tc>
+                  <a:txBody>
+                    <a:bodyPr/>
+                    <a:lstStyle/>
+                    <a:p>
+                      <a:pPr marL="0" marR="0" lvl="0" indent="0" algn="l" defTabSz="914400" rtl="0" eaLnBrk="1" fontAlgn="auto" latinLnBrk="0" hangingPunct="1">
+                        <a:lnSpc>
+                          <a:spcPct val="100000"/>
+                        </a:lnSpc>
+                        <a:spcBef>
+                          <a:spcPts val="0"/>
+                        </a:spcBef>
+                        <a:spcAft>
+                          <a:spcPts val="0"/>
+                        </a:spcAft>
+                        <a:buClrTx/>
+                        <a:buSzTx/>
+                        <a:buFontTx/>
+                        <a:buNone/>
+                        <a:tabLst/>
+                        <a:defRPr/>
+                      </a:pPr>
+                      <a:r>
+                        <a:rPr lang="fr-FR" sz="1600" b="0" dirty="0" err="1" smtClean="0"/>
+                        <a:t>Duergar</a:t>
+                      </a:r>
+                      <a:endParaRPr lang="fr-FR" sz="1600" b="0" dirty="0" smtClean="0"/>
+                    </a:p>
+                  </a:txBody>
+                  <a:tcPr marL="83838" marR="83838"/>
+                </a:tc>
+                <a:tc>
+                  <a:txBody>
+                    <a:bodyPr/>
+                    <a:lstStyle/>
+                    <a:p>
+                      <a:r>
+                        <a:rPr lang="fr-FR" sz="1600" dirty="0" smtClean="0"/>
+                        <a:t>Vivants</a:t>
+                      </a:r>
+                      <a:endParaRPr lang="fr-FR" sz="1600" dirty="0"/>
+                    </a:p>
+                  </a:txBody>
+                  <a:tcPr marL="83838" marR="83838"/>
+                </a:tc>
+              </a:tr>
+              <a:tr h="370840">
+                <a:tc>
+                  <a:txBody>
+                    <a:bodyPr/>
+                    <a:lstStyle/>
+                    <a:p>
+                      <a:pPr marL="0" marR="0" lvl="0" indent="0" algn="l" defTabSz="914400" rtl="0" eaLnBrk="1" fontAlgn="auto" latinLnBrk="0" hangingPunct="1">
+                        <a:lnSpc>
+                          <a:spcPct val="100000"/>
+                        </a:lnSpc>
+                        <a:spcBef>
+                          <a:spcPts val="0"/>
+                        </a:spcBef>
+                        <a:spcAft>
+                          <a:spcPts val="0"/>
+                        </a:spcAft>
+                        <a:buClrTx/>
+                        <a:buSzTx/>
+                        <a:buFontTx/>
+                        <a:buNone/>
+                        <a:tabLst/>
+                        <a:defRPr/>
+                      </a:pPr>
+                      <a:r>
+                        <a:rPr lang="fr-FR" sz="1600" b="0" dirty="0" smtClean="0"/>
+                        <a:t>Géant</a:t>
+                      </a:r>
+                    </a:p>
+                  </a:txBody>
+                  <a:tcPr marL="83838" marR="83838"/>
+                </a:tc>
+                <a:tc>
+                  <a:txBody>
+                    <a:bodyPr/>
+                    <a:lstStyle/>
+                    <a:p>
+                      <a:pPr marL="0" marR="0" lvl="0" indent="0" algn="l" defTabSz="914400" rtl="0" eaLnBrk="1" fontAlgn="auto" latinLnBrk="0" hangingPunct="1">
+                        <a:lnSpc>
+                          <a:spcPct val="100000"/>
+                        </a:lnSpc>
+                        <a:spcBef>
+                          <a:spcPts val="0"/>
+                        </a:spcBef>
+                        <a:spcAft>
+                          <a:spcPts val="0"/>
+                        </a:spcAft>
+                        <a:buClrTx/>
+                        <a:buSzTx/>
+                        <a:buFontTx/>
+                        <a:buNone/>
+                        <a:tabLst/>
+                        <a:defRPr/>
+                      </a:pPr>
+                      <a:r>
+                        <a:rPr lang="fr-FR" sz="1600" b="0" dirty="0" smtClean="0"/>
+                        <a:t>Vivants</a:t>
+                      </a:r>
+                    </a:p>
+                  </a:txBody>
+                  <a:tcPr marL="83838" marR="83838"/>
+                </a:tc>
+              </a:tr>
+              <a:tr h="370840">
+                <a:tc>
+                  <a:txBody>
+                    <a:bodyPr/>
+                    <a:lstStyle/>
+                    <a:p>
+                      <a:r>
+                        <a:rPr lang="fr-FR" dirty="0" smtClean="0"/>
+                        <a:t>Bannis</a:t>
+                      </a:r>
+                      <a:endParaRPr lang="fr-FR" dirty="0"/>
+                    </a:p>
+                  </a:txBody>
+                  <a:tcPr marL="83838" marR="83838"/>
+                </a:tc>
+                <a:tc>
+                  <a:txBody>
+                    <a:bodyPr/>
+                    <a:lstStyle/>
+                    <a:p>
+                      <a:r>
+                        <a:rPr lang="fr-FR" dirty="0" smtClean="0"/>
+                        <a:t>Morts</a:t>
+                      </a:r>
+                      <a:endParaRPr lang="fr-FR" dirty="0"/>
+                    </a:p>
+                  </a:txBody>
+                  <a:tcPr marL="83838" marR="83838"/>
+                </a:tc>
+              </a:tr>
+            </a:tbl>
+          </a:graphicData>
+        </a:graphic>
+      </p:graphicFrame>
+    </p:spTree>
+    <p:extLst>
+      <p:ext uri="{BB962C8B-B14F-4D97-AF65-F5344CB8AC3E}">
+        <p14:creationId xmlns:p14="http://schemas.microsoft.com/office/powerpoint/2010/main" val="3431503352"/>
+      </p:ext>
+    </p:extLst>
+  </p:cSld>
+  <p:clrMapOvr>
+    <a:masterClrMapping/>
+  </p:clrMapOvr>
+  <p:timing>
+    <p:tnLst>
+      <p:par>
+        <p:cTn id="1" dur="indefinite" restart="never" nodeType="tmRoot"/>
+      </p:par>
+    </p:tnLst>
+  </p:timing>
+</p:sld>
+</file>
+
+<file path=ppt/slides/slide13.xml><?xml version="1.0" encoding="utf-8"?>
+<p:sld xmlns:a="http://schemas.openxmlformats.org/drawingml/2006/main" xmlns:r="http://schemas.openxmlformats.org/officeDocument/2006/relationships" xmlns:p="http://schemas.openxmlformats.org/presentationml/2006/main">
+  <p:cSld>
+    <p:spTree>
+      <p:nvGrpSpPr>
+        <p:cNvPr id="1" name=""/>
+        <p:cNvGrpSpPr/>
+        <p:nvPr/>
+      </p:nvGrpSpPr>
+      <p:grpSpPr>
+        <a:xfrm>
+          <a:off x="0" y="0"/>
+          <a:ext cx="0" cy="0"/>
+          <a:chOff x="0" y="0"/>
+          <a:chExt cx="0" cy="0"/>
+        </a:xfrm>
+      </p:grpSpPr>
+      <p:sp>
+        <p:nvSpPr>
+          <p:cNvPr id="4" name="Titre 3"/>
+          <p:cNvSpPr>
+            <a:spLocks noGrp="1"/>
+          </p:cNvSpPr>
+          <p:nvPr>
+            <p:ph type="title"/>
+          </p:nvPr>
+        </p:nvSpPr>
+        <p:spPr/>
+        <p:txBody>
+          <a:bodyPr/>
+          <a:lstStyle/>
+          <a:p>
+            <a:r>
+              <a:rPr lang="fr-FR" dirty="0" smtClean="0"/>
+              <a:t>Attaques</a:t>
+            </a:r>
+            <a:endParaRPr lang="fr-FR" dirty="0"/>
+          </a:p>
+        </p:txBody>
+      </p:sp>
+      <p:sp>
+        <p:nvSpPr>
+          <p:cNvPr id="5" name="Espace réservé du contenu 4"/>
+          <p:cNvSpPr>
+            <a:spLocks noGrp="1"/>
+          </p:cNvSpPr>
+          <p:nvPr>
+            <p:ph sz="half" idx="1"/>
+          </p:nvPr>
+        </p:nvSpPr>
+        <p:spPr/>
+        <p:txBody>
+          <a:bodyPr/>
+          <a:lstStyle/>
+          <a:p>
+            <a:r>
+              <a:rPr lang="fr-FR" dirty="0" smtClean="0"/>
+              <a:t>Les ennemis sont aussi nombreux que les alliés. Les elfes sont agressifs et isoles, ils communiquent et échanges très peu avec les autres races. Les </a:t>
+            </a:r>
+            <a:r>
+              <a:rPr lang="fr-FR" dirty="0" err="1" smtClean="0"/>
+              <a:t>Duergar</a:t>
+            </a:r>
+            <a:r>
+              <a:rPr lang="fr-FR" dirty="0" smtClean="0"/>
+              <a:t>(Nains noirs) et les Géant cohabitent ensemble et travaille main dans la main pour l’amélioration de leurs conditions de vie. Les Bannis sont en vérité d’ancien Damnés ayant trahis les leurs.</a:t>
+            </a:r>
+            <a:endParaRPr lang="fr-FR" dirty="0"/>
+          </a:p>
+        </p:txBody>
+      </p:sp>
+      <p:graphicFrame>
+        <p:nvGraphicFramePr>
+          <p:cNvPr id="9" name="Espace réservé du contenu 8"/>
+          <p:cNvGraphicFramePr>
+            <a:graphicFrameLocks noGrp="1"/>
+          </p:cNvGraphicFramePr>
+          <p:nvPr>
+            <p:ph sz="half" idx="2"/>
+            <p:extLst>
+              <p:ext uri="{D42A27DB-BD31-4B8C-83A1-F6EECF244321}">
+                <p14:modId xmlns:p14="http://schemas.microsoft.com/office/powerpoint/2010/main" val="2713145883"/>
+              </p:ext>
+            </p:extLst>
+          </p:nvPr>
+        </p:nvGraphicFramePr>
+        <p:xfrm>
+          <a:off x="6035036" y="1846263"/>
+          <a:ext cx="3775320" cy="1818640"/>
+        </p:xfrm>
+        <a:graphic>
+          <a:graphicData uri="http://schemas.openxmlformats.org/drawingml/2006/table">
+            <a:tbl>
+              <a:tblPr firstRow="1" bandRow="1">
+                <a:tableStyleId>{5C22544A-7EE6-4342-B048-85BDC9FD1C3A}</a:tableStyleId>
+              </a:tblPr>
+              <a:tblGrid>
+                <a:gridCol w="1887660"/>
+                <a:gridCol w="1887660"/>
+              </a:tblGrid>
+              <a:tr h="332394">
+                <a:tc>
+                  <a:txBody>
+                    <a:bodyPr/>
+                    <a:lstStyle/>
+                    <a:p>
+                      <a:r>
+                        <a:rPr lang="fr-FR" sz="1600" dirty="0" smtClean="0"/>
+                        <a:t>Ennemis</a:t>
+                      </a:r>
+                    </a:p>
+                  </a:txBody>
+                  <a:tcPr marL="83838" marR="83838"/>
+                </a:tc>
+                <a:tc>
+                  <a:txBody>
+                    <a:bodyPr/>
+                    <a:lstStyle/>
+                    <a:p>
+                      <a:endParaRPr lang="fr-FR" sz="1600" dirty="0" smtClean="0"/>
+                    </a:p>
+                  </a:txBody>
+                  <a:tcPr marL="83838" marR="83838"/>
+                </a:tc>
+              </a:tr>
+              <a:tr h="370840">
+                <a:tc>
+                  <a:txBody>
+                    <a:bodyPr/>
+                    <a:lstStyle/>
+                    <a:p>
+                      <a:r>
+                        <a:rPr lang="fr-FR" sz="1600" dirty="0" smtClean="0"/>
+                        <a:t>Elfe</a:t>
+                      </a:r>
+                      <a:endParaRPr lang="fr-FR" sz="1600" dirty="0"/>
+                    </a:p>
+                  </a:txBody>
+                  <a:tcPr marL="83838" marR="83838"/>
+                </a:tc>
+                <a:tc>
+                  <a:txBody>
+                    <a:bodyPr/>
+                    <a:lstStyle/>
+                    <a:p>
+                      <a:r>
+                        <a:rPr lang="fr-FR" sz="1600" dirty="0" smtClean="0"/>
+                        <a:t>Vivants</a:t>
+                      </a:r>
+                      <a:endParaRPr lang="fr-FR" sz="1600" dirty="0"/>
+                    </a:p>
+                  </a:txBody>
+                  <a:tcPr marL="83838" marR="83838"/>
+                </a:tc>
+              </a:tr>
+              <a:tr h="370840">
+                <a:tc>
+                  <a:txBody>
+                    <a:bodyPr/>
+                    <a:lstStyle/>
+                    <a:p>
+                      <a:pPr marL="0" marR="0" lvl="0" indent="0" algn="l" defTabSz="914400" rtl="0" eaLnBrk="1" fontAlgn="auto" latinLnBrk="0" hangingPunct="1">
+                        <a:lnSpc>
+                          <a:spcPct val="100000"/>
+                        </a:lnSpc>
+                        <a:spcBef>
+                          <a:spcPts val="0"/>
+                        </a:spcBef>
+                        <a:spcAft>
+                          <a:spcPts val="0"/>
+                        </a:spcAft>
+                        <a:buClrTx/>
+                        <a:buSzTx/>
+                        <a:buFontTx/>
+                        <a:buNone/>
+                        <a:tabLst/>
+                        <a:defRPr/>
+                      </a:pPr>
+                      <a:r>
+                        <a:rPr lang="fr-FR" sz="1600" b="0" dirty="0" err="1" smtClean="0"/>
+                        <a:t>Duergar</a:t>
+                      </a:r>
+                      <a:endParaRPr lang="fr-FR" sz="1600" b="0" dirty="0" smtClean="0"/>
+                    </a:p>
+                  </a:txBody>
+                  <a:tcPr marL="83838" marR="83838"/>
+                </a:tc>
+                <a:tc>
+                  <a:txBody>
+                    <a:bodyPr/>
+                    <a:lstStyle/>
+                    <a:p>
+                      <a:r>
+                        <a:rPr lang="fr-FR" sz="1600" dirty="0" smtClean="0"/>
+                        <a:t>Vivants</a:t>
+                      </a:r>
+                      <a:endParaRPr lang="fr-FR" sz="1600" dirty="0"/>
+                    </a:p>
+                  </a:txBody>
+                  <a:tcPr marL="83838" marR="83838"/>
+                </a:tc>
+              </a:tr>
+              <a:tr h="370840">
+                <a:tc>
+                  <a:txBody>
+                    <a:bodyPr/>
+                    <a:lstStyle/>
+                    <a:p>
+                      <a:pPr marL="0" marR="0" lvl="0" indent="0" algn="l" defTabSz="914400" rtl="0" eaLnBrk="1" fontAlgn="auto" latinLnBrk="0" hangingPunct="1">
+                        <a:lnSpc>
+                          <a:spcPct val="100000"/>
+                        </a:lnSpc>
+                        <a:spcBef>
+                          <a:spcPts val="0"/>
+                        </a:spcBef>
+                        <a:spcAft>
+                          <a:spcPts val="0"/>
+                        </a:spcAft>
+                        <a:buClrTx/>
+                        <a:buSzTx/>
+                        <a:buFontTx/>
+                        <a:buNone/>
+                        <a:tabLst/>
+                        <a:defRPr/>
+                      </a:pPr>
+                      <a:r>
+                        <a:rPr lang="fr-FR" sz="1600" b="0" dirty="0" smtClean="0"/>
+                        <a:t>Géant</a:t>
+                      </a:r>
+                    </a:p>
+                  </a:txBody>
+                  <a:tcPr marL="83838" marR="83838"/>
+                </a:tc>
+                <a:tc>
+                  <a:txBody>
+                    <a:bodyPr/>
+                    <a:lstStyle/>
+                    <a:p>
+                      <a:pPr marL="0" marR="0" lvl="0" indent="0" algn="l" defTabSz="914400" rtl="0" eaLnBrk="1" fontAlgn="auto" latinLnBrk="0" hangingPunct="1">
+                        <a:lnSpc>
+                          <a:spcPct val="100000"/>
+                        </a:lnSpc>
+                        <a:spcBef>
+                          <a:spcPts val="0"/>
+                        </a:spcBef>
+                        <a:spcAft>
+                          <a:spcPts val="0"/>
+                        </a:spcAft>
+                        <a:buClrTx/>
+                        <a:buSzTx/>
+                        <a:buFontTx/>
+                        <a:buNone/>
+                        <a:tabLst/>
+                        <a:defRPr/>
+                      </a:pPr>
+                      <a:r>
+                        <a:rPr lang="fr-FR" sz="1600" b="0" dirty="0" smtClean="0"/>
+                        <a:t>Vivants</a:t>
+                      </a:r>
+                    </a:p>
+                  </a:txBody>
+                  <a:tcPr marL="83838" marR="83838"/>
+                </a:tc>
+              </a:tr>
+              <a:tr h="370840">
+                <a:tc>
+                  <a:txBody>
+                    <a:bodyPr/>
+                    <a:lstStyle/>
+                    <a:p>
+                      <a:r>
+                        <a:rPr lang="fr-FR" dirty="0" smtClean="0"/>
+                        <a:t>Bannis</a:t>
+                      </a:r>
+                      <a:endParaRPr lang="fr-FR" dirty="0"/>
+                    </a:p>
+                  </a:txBody>
+                  <a:tcPr marL="83838" marR="83838"/>
+                </a:tc>
+                <a:tc>
+                  <a:txBody>
+                    <a:bodyPr/>
+                    <a:lstStyle/>
+                    <a:p>
+                      <a:r>
+                        <a:rPr lang="fr-FR" dirty="0" smtClean="0"/>
+                        <a:t>Morts</a:t>
+                      </a:r>
+                      <a:endParaRPr lang="fr-FR" dirty="0"/>
+                    </a:p>
+                  </a:txBody>
+                  <a:tcPr marL="83838" marR="83838"/>
+                </a:tc>
+              </a:tr>
+            </a:tbl>
+          </a:graphicData>
+        </a:graphic>
+      </p:graphicFrame>
+    </p:spTree>
+    <p:extLst>
+      <p:ext uri="{BB962C8B-B14F-4D97-AF65-F5344CB8AC3E}">
+        <p14:creationId xmlns:p14="http://schemas.microsoft.com/office/powerpoint/2010/main" val="2234008177"/>
+      </p:ext>
+    </p:extLst>
+  </p:cSld>
+  <p:clrMapOvr>
+    <a:masterClrMapping/>
+  </p:clrMapOvr>
+  <p:timing>
+    <p:tnLst>
+      <p:par>
+        <p:cTn id="1" dur="indefinite" restart="never" nodeType="tmRoot"/>
+      </p:par>
+    </p:tnLst>
+  </p:timing>
+</p:sld>
+</file>
+
+<file path=ppt/slides/slide14.xml><?xml version="1.0" encoding="utf-8"?>
+<p:sld xmlns:a="http://schemas.openxmlformats.org/drawingml/2006/main" xmlns:r="http://schemas.openxmlformats.org/officeDocument/2006/relationships" xmlns:p="http://schemas.openxmlformats.org/presentationml/2006/main">
+  <p:cSld>
+    <p:spTree>
+      <p:nvGrpSpPr>
+        <p:cNvPr id="1" name=""/>
+        <p:cNvGrpSpPr/>
+        <p:nvPr/>
+      </p:nvGrpSpPr>
+      <p:grpSpPr>
+        <a:xfrm>
+          <a:off x="0" y="0"/>
+          <a:ext cx="0" cy="0"/>
+          <a:chOff x="0" y="0"/>
+          <a:chExt cx="0" cy="0"/>
+        </a:xfrm>
+      </p:grpSpPr>
+      <p:sp>
+        <p:nvSpPr>
+          <p:cNvPr id="4" name="Titre 3"/>
+          <p:cNvSpPr>
+            <a:spLocks noGrp="1"/>
+          </p:cNvSpPr>
+          <p:nvPr>
+            <p:ph type="title"/>
+          </p:nvPr>
+        </p:nvSpPr>
+        <p:spPr/>
+        <p:txBody>
+          <a:bodyPr/>
+          <a:lstStyle/>
+          <a:p>
+            <a:r>
+              <a:rPr lang="fr-FR" dirty="0" err="1" smtClean="0"/>
+              <a:t>Degats</a:t>
+            </a:r>
+            <a:endParaRPr lang="fr-FR" dirty="0"/>
+          </a:p>
+        </p:txBody>
+      </p:sp>
+      <p:sp>
+        <p:nvSpPr>
+          <p:cNvPr id="5" name="Espace réservé du contenu 4"/>
+          <p:cNvSpPr>
+            <a:spLocks noGrp="1"/>
+          </p:cNvSpPr>
+          <p:nvPr>
+            <p:ph sz="half" idx="1"/>
+          </p:nvPr>
+        </p:nvSpPr>
+        <p:spPr/>
+        <p:txBody>
+          <a:bodyPr/>
+          <a:lstStyle/>
+          <a:p>
+            <a:r>
+              <a:rPr lang="fr-FR" dirty="0" smtClean="0"/>
+              <a:t>Les ennemis sont aussi nombreux que les alliés. Les elfes sont agressifs et isoles, ils communiquent et échanges très peu avec les autres races. Les </a:t>
+            </a:r>
+            <a:r>
+              <a:rPr lang="fr-FR" dirty="0" err="1" smtClean="0"/>
+              <a:t>Duergar</a:t>
+            </a:r>
+            <a:r>
+              <a:rPr lang="fr-FR" dirty="0" smtClean="0"/>
+              <a:t>(Nains noirs) et les Géant cohabitent ensemble et travaille main dans la main pour l’amélioration de leurs conditions de vie. Les Bannis sont en vérité d’ancien Damnés ayant trahis les leurs.</a:t>
+            </a:r>
+            <a:endParaRPr lang="fr-FR" dirty="0"/>
+          </a:p>
+        </p:txBody>
+      </p:sp>
+      <p:graphicFrame>
+        <p:nvGraphicFramePr>
+          <p:cNvPr id="9" name="Espace réservé du contenu 8"/>
+          <p:cNvGraphicFramePr>
+            <a:graphicFrameLocks noGrp="1"/>
+          </p:cNvGraphicFramePr>
+          <p:nvPr>
+            <p:ph sz="half" idx="2"/>
+            <p:extLst>
+              <p:ext uri="{D42A27DB-BD31-4B8C-83A1-F6EECF244321}">
+                <p14:modId xmlns:p14="http://schemas.microsoft.com/office/powerpoint/2010/main" val="2713145883"/>
+              </p:ext>
+            </p:extLst>
+          </p:nvPr>
+        </p:nvGraphicFramePr>
+        <p:xfrm>
+          <a:off x="6035036" y="1846263"/>
+          <a:ext cx="3775320" cy="1818640"/>
+        </p:xfrm>
+        <a:graphic>
+          <a:graphicData uri="http://schemas.openxmlformats.org/drawingml/2006/table">
+            <a:tbl>
+              <a:tblPr firstRow="1" bandRow="1">
+                <a:tableStyleId>{5C22544A-7EE6-4342-B048-85BDC9FD1C3A}</a:tableStyleId>
+              </a:tblPr>
+              <a:tblGrid>
+                <a:gridCol w="1887660"/>
+                <a:gridCol w="1887660"/>
+              </a:tblGrid>
+              <a:tr h="332394">
+                <a:tc>
+                  <a:txBody>
+                    <a:bodyPr/>
+                    <a:lstStyle/>
+                    <a:p>
+                      <a:r>
+                        <a:rPr lang="fr-FR" sz="1600" dirty="0" smtClean="0"/>
+                        <a:t>Ennemis</a:t>
+                      </a:r>
+                    </a:p>
+                  </a:txBody>
+                  <a:tcPr marL="83838" marR="83838"/>
+                </a:tc>
+                <a:tc>
+                  <a:txBody>
+                    <a:bodyPr/>
+                    <a:lstStyle/>
+                    <a:p>
+                      <a:endParaRPr lang="fr-FR" sz="1600" dirty="0" smtClean="0"/>
+                    </a:p>
+                  </a:txBody>
+                  <a:tcPr marL="83838" marR="83838"/>
+                </a:tc>
+              </a:tr>
+              <a:tr h="370840">
+                <a:tc>
+                  <a:txBody>
+                    <a:bodyPr/>
+                    <a:lstStyle/>
+                    <a:p>
+                      <a:r>
+                        <a:rPr lang="fr-FR" sz="1600" dirty="0" smtClean="0"/>
+                        <a:t>Elfe</a:t>
+                      </a:r>
+                      <a:endParaRPr lang="fr-FR" sz="1600" dirty="0"/>
+                    </a:p>
+                  </a:txBody>
+                  <a:tcPr marL="83838" marR="83838"/>
+                </a:tc>
+                <a:tc>
+                  <a:txBody>
+                    <a:bodyPr/>
+                    <a:lstStyle/>
+                    <a:p>
+                      <a:r>
+                        <a:rPr lang="fr-FR" sz="1600" dirty="0" smtClean="0"/>
+                        <a:t>Vivants</a:t>
+                      </a:r>
+                      <a:endParaRPr lang="fr-FR" sz="1600" dirty="0"/>
+                    </a:p>
+                  </a:txBody>
+                  <a:tcPr marL="83838" marR="83838"/>
+                </a:tc>
+              </a:tr>
+              <a:tr h="370840">
+                <a:tc>
+                  <a:txBody>
+                    <a:bodyPr/>
+                    <a:lstStyle/>
+                    <a:p>
+                      <a:pPr marL="0" marR="0" lvl="0" indent="0" algn="l" defTabSz="914400" rtl="0" eaLnBrk="1" fontAlgn="auto" latinLnBrk="0" hangingPunct="1">
+                        <a:lnSpc>
+                          <a:spcPct val="100000"/>
+                        </a:lnSpc>
+                        <a:spcBef>
+                          <a:spcPts val="0"/>
+                        </a:spcBef>
+                        <a:spcAft>
+                          <a:spcPts val="0"/>
+                        </a:spcAft>
+                        <a:buClrTx/>
+                        <a:buSzTx/>
+                        <a:buFontTx/>
+                        <a:buNone/>
+                        <a:tabLst/>
+                        <a:defRPr/>
+                      </a:pPr>
+                      <a:r>
+                        <a:rPr lang="fr-FR" sz="1600" b="0" dirty="0" err="1" smtClean="0"/>
+                        <a:t>Duergar</a:t>
+                      </a:r>
+                      <a:endParaRPr lang="fr-FR" sz="1600" b="0" dirty="0" smtClean="0"/>
+                    </a:p>
+                  </a:txBody>
+                  <a:tcPr marL="83838" marR="83838"/>
+                </a:tc>
+                <a:tc>
+                  <a:txBody>
+                    <a:bodyPr/>
+                    <a:lstStyle/>
+                    <a:p>
+                      <a:r>
+                        <a:rPr lang="fr-FR" sz="1600" dirty="0" smtClean="0"/>
+                        <a:t>Vivants</a:t>
+                      </a:r>
+                      <a:endParaRPr lang="fr-FR" sz="1600" dirty="0"/>
+                    </a:p>
+                  </a:txBody>
+                  <a:tcPr marL="83838" marR="83838"/>
+                </a:tc>
+              </a:tr>
+              <a:tr h="370840">
+                <a:tc>
+                  <a:txBody>
+                    <a:bodyPr/>
+                    <a:lstStyle/>
+                    <a:p>
+                      <a:pPr marL="0" marR="0" lvl="0" indent="0" algn="l" defTabSz="914400" rtl="0" eaLnBrk="1" fontAlgn="auto" latinLnBrk="0" hangingPunct="1">
+                        <a:lnSpc>
+                          <a:spcPct val="100000"/>
+                        </a:lnSpc>
+                        <a:spcBef>
+                          <a:spcPts val="0"/>
+                        </a:spcBef>
+                        <a:spcAft>
+                          <a:spcPts val="0"/>
+                        </a:spcAft>
+                        <a:buClrTx/>
+                        <a:buSzTx/>
+                        <a:buFontTx/>
+                        <a:buNone/>
+                        <a:tabLst/>
+                        <a:defRPr/>
+                      </a:pPr>
+                      <a:r>
+                        <a:rPr lang="fr-FR" sz="1600" b="0" dirty="0" smtClean="0"/>
+                        <a:t>Géant</a:t>
+                      </a:r>
+                    </a:p>
+                  </a:txBody>
+                  <a:tcPr marL="83838" marR="83838"/>
+                </a:tc>
+                <a:tc>
+                  <a:txBody>
+                    <a:bodyPr/>
+                    <a:lstStyle/>
+                    <a:p>
+                      <a:pPr marL="0" marR="0" lvl="0" indent="0" algn="l" defTabSz="914400" rtl="0" eaLnBrk="1" fontAlgn="auto" latinLnBrk="0" hangingPunct="1">
+                        <a:lnSpc>
+                          <a:spcPct val="100000"/>
+                        </a:lnSpc>
+                        <a:spcBef>
+                          <a:spcPts val="0"/>
+                        </a:spcBef>
+                        <a:spcAft>
+                          <a:spcPts val="0"/>
+                        </a:spcAft>
+                        <a:buClrTx/>
+                        <a:buSzTx/>
+                        <a:buFontTx/>
+                        <a:buNone/>
+                        <a:tabLst/>
+                        <a:defRPr/>
+                      </a:pPr>
+                      <a:r>
+                        <a:rPr lang="fr-FR" sz="1600" b="0" dirty="0" smtClean="0"/>
+                        <a:t>Vivants</a:t>
+                      </a:r>
+                    </a:p>
+                  </a:txBody>
+                  <a:tcPr marL="83838" marR="83838"/>
+                </a:tc>
+              </a:tr>
+              <a:tr h="370840">
+                <a:tc>
+                  <a:txBody>
+                    <a:bodyPr/>
+                    <a:lstStyle/>
+                    <a:p>
+                      <a:r>
+                        <a:rPr lang="fr-FR" dirty="0" smtClean="0"/>
+                        <a:t>Bannis</a:t>
+                      </a:r>
+                      <a:endParaRPr lang="fr-FR" dirty="0"/>
+                    </a:p>
+                  </a:txBody>
+                  <a:tcPr marL="83838" marR="83838"/>
+                </a:tc>
+                <a:tc>
+                  <a:txBody>
+                    <a:bodyPr/>
+                    <a:lstStyle/>
+                    <a:p>
+                      <a:r>
+                        <a:rPr lang="fr-FR" dirty="0" smtClean="0"/>
+                        <a:t>Morts</a:t>
+                      </a:r>
+                      <a:endParaRPr lang="fr-FR" dirty="0"/>
+                    </a:p>
+                  </a:txBody>
+                  <a:tcPr marL="83838" marR="83838"/>
+                </a:tc>
+              </a:tr>
+            </a:tbl>
+          </a:graphicData>
+        </a:graphic>
+      </p:graphicFrame>
+    </p:spTree>
+    <p:extLst>
+      <p:ext uri="{BB962C8B-B14F-4D97-AF65-F5344CB8AC3E}">
+        <p14:creationId xmlns:p14="http://schemas.microsoft.com/office/powerpoint/2010/main" val="1282100186"/>
+      </p:ext>
+    </p:extLst>
+  </p:cSld>
+  <p:clrMapOvr>
+    <a:masterClrMapping/>
+  </p:clrMapOvr>
+  <p:timing>
+    <p:tnLst>
+      <p:par>
+        <p:cTn id="1" dur="indefinite" restart="never" nodeType="tmRoot"/>
+      </p:par>
+    </p:tnLst>
+  </p:timing>
+</p:sld>
+</file>
+
+<file path=ppt/slides/slide15.xml><?xml version="1.0" encoding="utf-8"?>
+<p:sld xmlns:a="http://schemas.openxmlformats.org/drawingml/2006/main" xmlns:r="http://schemas.openxmlformats.org/officeDocument/2006/relationships" xmlns:p="http://schemas.openxmlformats.org/presentationml/2006/main">
+  <p:cSld>
+    <p:spTree>
+      <p:nvGrpSpPr>
+        <p:cNvPr id="1" name=""/>
+        <p:cNvGrpSpPr/>
+        <p:nvPr/>
+      </p:nvGrpSpPr>
+      <p:grpSpPr>
+        <a:xfrm>
+          <a:off x="0" y="0"/>
+          <a:ext cx="0" cy="0"/>
+          <a:chOff x="0" y="0"/>
+          <a:chExt cx="0" cy="0"/>
+        </a:xfrm>
+      </p:grpSpPr>
+      <p:sp>
+        <p:nvSpPr>
+          <p:cNvPr id="4" name="Titre 3"/>
+          <p:cNvSpPr>
+            <a:spLocks noGrp="1"/>
+          </p:cNvSpPr>
+          <p:nvPr>
+            <p:ph type="title"/>
+          </p:nvPr>
+        </p:nvSpPr>
+        <p:spPr/>
+        <p:txBody>
+          <a:bodyPr/>
+          <a:lstStyle/>
+          <a:p>
+            <a:r>
+              <a:rPr lang="fr-FR" dirty="0" err="1" smtClean="0"/>
+              <a:t>Defenses</a:t>
+            </a:r>
+            <a:endParaRPr lang="fr-FR" dirty="0"/>
+          </a:p>
+        </p:txBody>
+      </p:sp>
+      <p:sp>
+        <p:nvSpPr>
+          <p:cNvPr id="5" name="Espace réservé du contenu 4"/>
+          <p:cNvSpPr>
+            <a:spLocks noGrp="1"/>
+          </p:cNvSpPr>
+          <p:nvPr>
+            <p:ph sz="half" idx="1"/>
+          </p:nvPr>
+        </p:nvSpPr>
+        <p:spPr/>
+        <p:txBody>
+          <a:bodyPr/>
+          <a:lstStyle/>
+          <a:p>
+            <a:r>
+              <a:rPr lang="fr-FR" dirty="0" smtClean="0"/>
+              <a:t>Les ennemis sont aussi nombreux que les alliés. Les elfes sont agressifs et isoles, ils communiquent et échanges très peu avec les autres races. Les </a:t>
+            </a:r>
+            <a:r>
+              <a:rPr lang="fr-FR" dirty="0" err="1" smtClean="0"/>
+              <a:t>Duergar</a:t>
+            </a:r>
+            <a:r>
+              <a:rPr lang="fr-FR" dirty="0" smtClean="0"/>
+              <a:t>(Nains noirs) et les Géant cohabitent ensemble et travaille main dans la main pour l’amélioration de leurs conditions de vie. Les Bannis sont en vérité d’ancien Damnés ayant trahis les leurs.</a:t>
+            </a:r>
+            <a:endParaRPr lang="fr-FR" dirty="0"/>
+          </a:p>
+        </p:txBody>
+      </p:sp>
+      <p:graphicFrame>
+        <p:nvGraphicFramePr>
+          <p:cNvPr id="9" name="Espace réservé du contenu 8"/>
+          <p:cNvGraphicFramePr>
+            <a:graphicFrameLocks noGrp="1"/>
+          </p:cNvGraphicFramePr>
+          <p:nvPr>
+            <p:ph sz="half" idx="2"/>
+            <p:extLst>
+              <p:ext uri="{D42A27DB-BD31-4B8C-83A1-F6EECF244321}">
+                <p14:modId xmlns:p14="http://schemas.microsoft.com/office/powerpoint/2010/main" val="2713145883"/>
+              </p:ext>
+            </p:extLst>
+          </p:nvPr>
+        </p:nvGraphicFramePr>
+        <p:xfrm>
+          <a:off x="6035036" y="1846263"/>
+          <a:ext cx="3775320" cy="1818640"/>
+        </p:xfrm>
+        <a:graphic>
+          <a:graphicData uri="http://schemas.openxmlformats.org/drawingml/2006/table">
+            <a:tbl>
+              <a:tblPr firstRow="1" bandRow="1">
+                <a:tableStyleId>{5C22544A-7EE6-4342-B048-85BDC9FD1C3A}</a:tableStyleId>
+              </a:tblPr>
+              <a:tblGrid>
+                <a:gridCol w="1887660"/>
+                <a:gridCol w="1887660"/>
+              </a:tblGrid>
+              <a:tr h="332394">
+                <a:tc>
+                  <a:txBody>
+                    <a:bodyPr/>
+                    <a:lstStyle/>
+                    <a:p>
+                      <a:r>
+                        <a:rPr lang="fr-FR" sz="1600" dirty="0" smtClean="0"/>
+                        <a:t>Ennemis</a:t>
+                      </a:r>
+                    </a:p>
+                  </a:txBody>
+                  <a:tcPr marL="83838" marR="83838"/>
+                </a:tc>
+                <a:tc>
+                  <a:txBody>
+                    <a:bodyPr/>
+                    <a:lstStyle/>
+                    <a:p>
+                      <a:endParaRPr lang="fr-FR" sz="1600" dirty="0" smtClean="0"/>
+                    </a:p>
+                  </a:txBody>
+                  <a:tcPr marL="83838" marR="83838"/>
+                </a:tc>
+              </a:tr>
+              <a:tr h="370840">
+                <a:tc>
+                  <a:txBody>
+                    <a:bodyPr/>
+                    <a:lstStyle/>
+                    <a:p>
+                      <a:r>
+                        <a:rPr lang="fr-FR" sz="1600" dirty="0" smtClean="0"/>
+                        <a:t>Elfe</a:t>
+                      </a:r>
+                      <a:endParaRPr lang="fr-FR" sz="1600" dirty="0"/>
+                    </a:p>
+                  </a:txBody>
+                  <a:tcPr marL="83838" marR="83838"/>
+                </a:tc>
+                <a:tc>
+                  <a:txBody>
+                    <a:bodyPr/>
+                    <a:lstStyle/>
+                    <a:p>
+                      <a:r>
+                        <a:rPr lang="fr-FR" sz="1600" dirty="0" smtClean="0"/>
+                        <a:t>Vivants</a:t>
+                      </a:r>
+                      <a:endParaRPr lang="fr-FR" sz="1600" dirty="0"/>
+                    </a:p>
+                  </a:txBody>
+                  <a:tcPr marL="83838" marR="83838"/>
+                </a:tc>
+              </a:tr>
+              <a:tr h="370840">
+                <a:tc>
+                  <a:txBody>
+                    <a:bodyPr/>
+                    <a:lstStyle/>
+                    <a:p>
+                      <a:pPr marL="0" marR="0" lvl="0" indent="0" algn="l" defTabSz="914400" rtl="0" eaLnBrk="1" fontAlgn="auto" latinLnBrk="0" hangingPunct="1">
+                        <a:lnSpc>
+                          <a:spcPct val="100000"/>
+                        </a:lnSpc>
+                        <a:spcBef>
+                          <a:spcPts val="0"/>
+                        </a:spcBef>
+                        <a:spcAft>
+                          <a:spcPts val="0"/>
+                        </a:spcAft>
+                        <a:buClrTx/>
+                        <a:buSzTx/>
+                        <a:buFontTx/>
+                        <a:buNone/>
+                        <a:tabLst/>
+                        <a:defRPr/>
+                      </a:pPr>
+                      <a:r>
+                        <a:rPr lang="fr-FR" sz="1600" b="0" dirty="0" err="1" smtClean="0"/>
+                        <a:t>Duergar</a:t>
+                      </a:r>
+                      <a:endParaRPr lang="fr-FR" sz="1600" b="0" dirty="0" smtClean="0"/>
+                    </a:p>
+                  </a:txBody>
+                  <a:tcPr marL="83838" marR="83838"/>
+                </a:tc>
+                <a:tc>
+                  <a:txBody>
+                    <a:bodyPr/>
+                    <a:lstStyle/>
+                    <a:p>
+                      <a:r>
+                        <a:rPr lang="fr-FR" sz="1600" dirty="0" smtClean="0"/>
+                        <a:t>Vivants</a:t>
+                      </a:r>
+                      <a:endParaRPr lang="fr-FR" sz="1600" dirty="0"/>
+                    </a:p>
+                  </a:txBody>
+                  <a:tcPr marL="83838" marR="83838"/>
+                </a:tc>
+              </a:tr>
+              <a:tr h="370840">
+                <a:tc>
+                  <a:txBody>
+                    <a:bodyPr/>
+                    <a:lstStyle/>
+                    <a:p>
+                      <a:pPr marL="0" marR="0" lvl="0" indent="0" algn="l" defTabSz="914400" rtl="0" eaLnBrk="1" fontAlgn="auto" latinLnBrk="0" hangingPunct="1">
+                        <a:lnSpc>
+                          <a:spcPct val="100000"/>
+                        </a:lnSpc>
+                        <a:spcBef>
+                          <a:spcPts val="0"/>
+                        </a:spcBef>
+                        <a:spcAft>
+                          <a:spcPts val="0"/>
+                        </a:spcAft>
+                        <a:buClrTx/>
+                        <a:buSzTx/>
+                        <a:buFontTx/>
+                        <a:buNone/>
+                        <a:tabLst/>
+                        <a:defRPr/>
+                      </a:pPr>
+                      <a:r>
+                        <a:rPr lang="fr-FR" sz="1600" b="0" dirty="0" smtClean="0"/>
+                        <a:t>Géant</a:t>
+                      </a:r>
+                    </a:p>
+                  </a:txBody>
+                  <a:tcPr marL="83838" marR="83838"/>
+                </a:tc>
+                <a:tc>
+                  <a:txBody>
+                    <a:bodyPr/>
+                    <a:lstStyle/>
+                    <a:p>
+                      <a:pPr marL="0" marR="0" lvl="0" indent="0" algn="l" defTabSz="914400" rtl="0" eaLnBrk="1" fontAlgn="auto" latinLnBrk="0" hangingPunct="1">
+                        <a:lnSpc>
+                          <a:spcPct val="100000"/>
+                        </a:lnSpc>
+                        <a:spcBef>
+                          <a:spcPts val="0"/>
+                        </a:spcBef>
+                        <a:spcAft>
+                          <a:spcPts val="0"/>
+                        </a:spcAft>
+                        <a:buClrTx/>
+                        <a:buSzTx/>
+                        <a:buFontTx/>
+                        <a:buNone/>
+                        <a:tabLst/>
+                        <a:defRPr/>
+                      </a:pPr>
+                      <a:r>
+                        <a:rPr lang="fr-FR" sz="1600" b="0" dirty="0" smtClean="0"/>
+                        <a:t>Vivants</a:t>
+                      </a:r>
+                    </a:p>
+                  </a:txBody>
+                  <a:tcPr marL="83838" marR="83838"/>
+                </a:tc>
+              </a:tr>
+              <a:tr h="370840">
+                <a:tc>
+                  <a:txBody>
+                    <a:bodyPr/>
+                    <a:lstStyle/>
+                    <a:p>
+                      <a:r>
+                        <a:rPr lang="fr-FR" dirty="0" smtClean="0"/>
+                        <a:t>Bannis</a:t>
+                      </a:r>
+                      <a:endParaRPr lang="fr-FR" dirty="0"/>
+                    </a:p>
+                  </a:txBody>
+                  <a:tcPr marL="83838" marR="83838"/>
+                </a:tc>
+                <a:tc>
+                  <a:txBody>
+                    <a:bodyPr/>
+                    <a:lstStyle/>
+                    <a:p>
+                      <a:r>
+                        <a:rPr lang="fr-FR" dirty="0" smtClean="0"/>
+                        <a:t>Morts</a:t>
+                      </a:r>
+                      <a:endParaRPr lang="fr-FR" dirty="0"/>
+                    </a:p>
+                  </a:txBody>
+                  <a:tcPr marL="83838" marR="83838"/>
+                </a:tc>
+              </a:tr>
+            </a:tbl>
+          </a:graphicData>
+        </a:graphic>
+      </p:graphicFrame>
+    </p:spTree>
+    <p:extLst>
+      <p:ext uri="{BB962C8B-B14F-4D97-AF65-F5344CB8AC3E}">
+        <p14:creationId xmlns:p14="http://schemas.microsoft.com/office/powerpoint/2010/main" val="1166289913"/>
+      </p:ext>
+    </p:extLst>
+  </p:cSld>
+  <p:clrMapOvr>
+    <a:masterClrMapping/>
+  </p:clrMapOvr>
+  <p:timing>
+    <p:tnLst>
+      <p:par>
+        <p:cTn id="1" dur="indefinite" restart="never" nodeType="tmRoot"/>
+      </p:par>
+    </p:tnLst>
+  </p:timing>
+</p:sld>
+</file>
+
 <file path=ppt/slides/slide2.xml><?xml version="1.0" encoding="utf-8"?>
 <p:sld xmlns:a="http://schemas.openxmlformats.org/drawingml/2006/main" xmlns:r="http://schemas.openxmlformats.org/officeDocument/2006/relationships" xmlns:p="http://schemas.openxmlformats.org/presentationml/2006/main">
   <p:cSld>
@@ -13320,11 +15258,7 @@
           <a:p>
             <a:r>
               <a:rPr lang="fr-FR" sz="2400" dirty="0" smtClean="0"/>
-              <a:t>Chaque </a:t>
-            </a:r>
-            <a:r>
-              <a:rPr lang="fr-FR" sz="2400" dirty="0" smtClean="0"/>
-              <a:t>classes a ses particularités. </a:t>
+              <a:t>Chaque classes a ses particularités. </a:t>
             </a:r>
           </a:p>
           <a:p>
@@ -13696,13 +15630,8 @@
           <a:p>
             <a:r>
               <a:rPr lang="fr-FR" sz="2400" dirty="0" smtClean="0"/>
-              <a:t>Les éléments sont des bonus accordes aux joueurs, ceux-ci définissent les affinités du joueur avec son environnement, mais également lui accorde une gamme de compétences déblocable pa</a:t>
-            </a:r>
-            <a:r>
-              <a:rPr lang="fr-FR" sz="2400" dirty="0" smtClean="0"/>
-              <a:t>r niveau.</a:t>
-            </a:r>
-            <a:endParaRPr lang="fr-FR" sz="2400" dirty="0" smtClean="0"/>
+              <a:t>Les éléments sont des bonus accordes aux joueurs, ceux-ci définissent les affinités du joueur avec son environnement, mais également lui accorde une gamme de compétences déblocable par niveau.</a:t>
+            </a:r>
           </a:p>
         </p:txBody>
       </p:sp>
@@ -14084,6 +16013,13 @@
   <p:clrMapOvr>
     <a:masterClrMapping/>
   </p:clrMapOvr>
+  <p:timing>
+    <p:tnLst>
+      <p:par>
+        <p:cTn id="1" dur="indefinite" restart="never" nodeType="tmRoot"/>
+      </p:par>
+    </p:tnLst>
+  </p:timing>
 </p:sld>
 </file>
 
@@ -14165,20 +16101,12 @@
               <a:rPr lang="fr-FR" sz="2400" dirty="0" smtClean="0"/>
               <a:t>Chaque joueur peux manier deux armes au maximum </a:t>
             </a:r>
-            <a:r>
-              <a:rPr lang="fr-FR" sz="2400" dirty="0" smtClean="0"/>
-              <a:t/>
-            </a:r>
             <a:br>
               <a:rPr lang="fr-FR" sz="2400" dirty="0" smtClean="0"/>
             </a:br>
             <a:r>
               <a:rPr lang="fr-FR" sz="2400" dirty="0" smtClean="0"/>
-              <a:t>(</a:t>
-            </a:r>
-            <a:r>
-              <a:rPr lang="fr-FR" sz="2400" dirty="0" smtClean="0"/>
-              <a:t>Un bonus à la fois)</a:t>
+              <a:t>(Un bonus à la fois)</a:t>
             </a:r>
             <a:endParaRPr lang="fr-FR" dirty="0"/>
           </a:p>
@@ -14574,6 +16502,1669 @@
   <p:clrMapOvr>
     <a:masterClrMapping/>
   </p:clrMapOvr>
+  <p:timing>
+    <p:tnLst>
+      <p:par>
+        <p:cTn id="1" dur="indefinite" restart="never" nodeType="tmRoot"/>
+      </p:par>
+    </p:tnLst>
+  </p:timing>
+</p:sld>
+</file>
+
+<file path=ppt/slides/slide5.xml><?xml version="1.0" encoding="utf-8"?>
+<p:sld xmlns:a="http://schemas.openxmlformats.org/drawingml/2006/main" xmlns:r="http://schemas.openxmlformats.org/officeDocument/2006/relationships" xmlns:p="http://schemas.openxmlformats.org/presentationml/2006/main">
+  <p:cSld>
+    <p:spTree>
+      <p:nvGrpSpPr>
+        <p:cNvPr id="1" name=""/>
+        <p:cNvGrpSpPr/>
+        <p:nvPr/>
+      </p:nvGrpSpPr>
+      <p:grpSpPr>
+        <a:xfrm>
+          <a:off x="0" y="0"/>
+          <a:ext cx="0" cy="0"/>
+          <a:chOff x="0" y="0"/>
+          <a:chExt cx="0" cy="0"/>
+        </a:xfrm>
+      </p:grpSpPr>
+      <p:sp>
+        <p:nvSpPr>
+          <p:cNvPr id="4" name="Titre 3"/>
+          <p:cNvSpPr>
+            <a:spLocks noGrp="1"/>
+          </p:cNvSpPr>
+          <p:nvPr>
+            <p:ph type="title"/>
+          </p:nvPr>
+        </p:nvSpPr>
+        <p:spPr/>
+        <p:txBody>
+          <a:bodyPr/>
+          <a:lstStyle/>
+          <a:p>
+            <a:r>
+              <a:rPr lang="fr-FR" dirty="0" err="1" smtClean="0"/>
+              <a:t>Xendera</a:t>
+            </a:r>
+            <a:endParaRPr lang="fr-FR" dirty="0"/>
+          </a:p>
+        </p:txBody>
+      </p:sp>
+      <p:sp>
+        <p:nvSpPr>
+          <p:cNvPr id="5" name="Espace réservé du contenu 4"/>
+          <p:cNvSpPr>
+            <a:spLocks noGrp="1"/>
+          </p:cNvSpPr>
+          <p:nvPr>
+            <p:ph sz="half" idx="1"/>
+          </p:nvPr>
+        </p:nvSpPr>
+        <p:spPr/>
+        <p:txBody>
+          <a:bodyPr/>
+          <a:lstStyle/>
+          <a:p>
+            <a:r>
+              <a:rPr lang="fr-FR" dirty="0" smtClean="0"/>
+              <a:t>Autrefois </a:t>
+            </a:r>
+            <a:r>
+              <a:rPr lang="fr-FR" dirty="0"/>
+              <a:t>appelé Paradis par les </a:t>
+            </a:r>
+            <a:r>
+              <a:rPr lang="fr-FR" dirty="0" smtClean="0"/>
+              <a:t>vivants, ce monde correspond maintenant a l’enfer.</a:t>
+            </a:r>
+          </a:p>
+          <a:p>
+            <a:r>
+              <a:rPr lang="fr-FR" dirty="0" smtClean="0"/>
+              <a:t>Ce monde est peuple de Damnes, d’ancien humains morts. Ces derniers formes une nouvelle civilisation, immortels, et stériles, la population ne grandit qu’a la mort d’un humain.</a:t>
+            </a:r>
+          </a:p>
+          <a:p>
+            <a:r>
+              <a:rPr lang="fr-FR" dirty="0" smtClean="0"/>
+              <a:t>Malgré de nombreuses expéditions et des explorations continues, ce monde n’a pas encore de fin.</a:t>
+            </a:r>
+            <a:endParaRPr lang="fr-FR" dirty="0"/>
+          </a:p>
+        </p:txBody>
+      </p:sp>
+      <p:graphicFrame>
+        <p:nvGraphicFramePr>
+          <p:cNvPr id="9" name="Espace réservé du contenu 8"/>
+          <p:cNvGraphicFramePr>
+            <a:graphicFrameLocks noGrp="1"/>
+          </p:cNvGraphicFramePr>
+          <p:nvPr>
+            <p:ph sz="half" idx="2"/>
+            <p:extLst>
+              <p:ext uri="{D42A27DB-BD31-4B8C-83A1-F6EECF244321}">
+                <p14:modId xmlns:p14="http://schemas.microsoft.com/office/powerpoint/2010/main" val="3055543128"/>
+              </p:ext>
+            </p:extLst>
+          </p:nvPr>
+        </p:nvGraphicFramePr>
+        <p:xfrm>
+          <a:off x="7919498" y="1846263"/>
+          <a:ext cx="3236182" cy="1844588"/>
+        </p:xfrm>
+        <a:graphic>
+          <a:graphicData uri="http://schemas.openxmlformats.org/drawingml/2006/table">
+            <a:tbl>
+              <a:tblPr firstRow="1" bandRow="1">
+                <a:tableStyleId>{5C22544A-7EE6-4342-B048-85BDC9FD1C3A}</a:tableStyleId>
+              </a:tblPr>
+              <a:tblGrid>
+                <a:gridCol w="1618091"/>
+                <a:gridCol w="1618091"/>
+              </a:tblGrid>
+              <a:tr h="361228">
+                <a:tc>
+                  <a:txBody>
+                    <a:bodyPr/>
+                    <a:lstStyle/>
+                    <a:p>
+                      <a:r>
+                        <a:rPr lang="fr-FR" sz="1600" dirty="0" smtClean="0"/>
+                        <a:t>Grandes Villes</a:t>
+                      </a:r>
+                      <a:endParaRPr lang="fr-FR" sz="1600" dirty="0"/>
+                    </a:p>
+                  </a:txBody>
+                  <a:tcPr marL="83838" marR="83838"/>
+                </a:tc>
+                <a:tc>
+                  <a:txBody>
+                    <a:bodyPr/>
+                    <a:lstStyle/>
+                    <a:p>
+                      <a:endParaRPr lang="fr-FR" sz="1600" dirty="0"/>
+                    </a:p>
+                  </a:txBody>
+                  <a:tcPr marL="83838" marR="83838">
+                    <a:noFill/>
+                  </a:tcPr>
+                </a:tc>
+              </a:tr>
+              <a:tr h="370840">
+                <a:tc>
+                  <a:txBody>
+                    <a:bodyPr/>
+                    <a:lstStyle/>
+                    <a:p>
+                      <a:pPr marL="0" marR="0" lvl="0" indent="0" algn="l" defTabSz="914400" rtl="0" eaLnBrk="1" fontAlgn="auto" latinLnBrk="0" hangingPunct="1">
+                        <a:lnSpc>
+                          <a:spcPct val="100000"/>
+                        </a:lnSpc>
+                        <a:spcBef>
+                          <a:spcPts val="0"/>
+                        </a:spcBef>
+                        <a:spcAft>
+                          <a:spcPts val="0"/>
+                        </a:spcAft>
+                        <a:buClrTx/>
+                        <a:buSzTx/>
+                        <a:buFontTx/>
+                        <a:buNone/>
+                        <a:tabLst/>
+                        <a:defRPr/>
+                      </a:pPr>
+                      <a:r>
+                        <a:rPr lang="fr-FR" sz="1800" kern="1200" dirty="0" err="1" smtClean="0">
+                          <a:solidFill>
+                            <a:schemeClr val="dk1"/>
+                          </a:solidFill>
+                          <a:effectLst/>
+                          <a:latin typeface="+mn-lt"/>
+                          <a:ea typeface="+mn-ea"/>
+                          <a:cs typeface="+mn-cs"/>
+                        </a:rPr>
+                        <a:t>Klaéros</a:t>
+                      </a:r>
+                      <a:endParaRPr lang="fr-FR" sz="1600" dirty="0"/>
+                    </a:p>
+                  </a:txBody>
+                  <a:tcPr marL="83838" marR="83838"/>
+                </a:tc>
+                <a:tc>
+                  <a:txBody>
+                    <a:bodyPr/>
+                    <a:lstStyle/>
+                    <a:p>
+                      <a:pPr marL="0" marR="0" lvl="0" indent="0" algn="l" defTabSz="914400" rtl="0" eaLnBrk="1" fontAlgn="auto" latinLnBrk="0" hangingPunct="1">
+                        <a:lnSpc>
+                          <a:spcPct val="100000"/>
+                        </a:lnSpc>
+                        <a:spcBef>
+                          <a:spcPts val="0"/>
+                        </a:spcBef>
+                        <a:spcAft>
+                          <a:spcPts val="0"/>
+                        </a:spcAft>
+                        <a:buClrTx/>
+                        <a:buSzTx/>
+                        <a:buFontTx/>
+                        <a:buNone/>
+                        <a:tabLst/>
+                        <a:defRPr/>
+                      </a:pPr>
+                      <a:r>
+                        <a:rPr lang="fr-FR" sz="1600" dirty="0" smtClean="0"/>
+                        <a:t>Capitale</a:t>
+                      </a:r>
+                      <a:endParaRPr lang="fr-FR" sz="1600" dirty="0"/>
+                    </a:p>
+                  </a:txBody>
+                  <a:tcPr marL="83838" marR="83838"/>
+                </a:tc>
+              </a:tr>
+              <a:tr h="370840">
+                <a:tc>
+                  <a:txBody>
+                    <a:bodyPr/>
+                    <a:lstStyle/>
+                    <a:p>
+                      <a:endParaRPr lang="fr-FR" sz="1600" dirty="0"/>
+                    </a:p>
+                  </a:txBody>
+                  <a:tcPr marL="83838" marR="83838"/>
+                </a:tc>
+                <a:tc>
+                  <a:txBody>
+                    <a:bodyPr/>
+                    <a:lstStyle/>
+                    <a:p>
+                      <a:endParaRPr lang="fr-FR" sz="1600" dirty="0"/>
+                    </a:p>
+                  </a:txBody>
+                  <a:tcPr marL="83838" marR="83838"/>
+                </a:tc>
+              </a:tr>
+              <a:tr h="370840">
+                <a:tc>
+                  <a:txBody>
+                    <a:bodyPr/>
+                    <a:lstStyle/>
+                    <a:p>
+                      <a:endParaRPr lang="fr-FR" sz="1600" b="0" dirty="0" smtClean="0"/>
+                    </a:p>
+                  </a:txBody>
+                  <a:tcPr marL="83838" marR="83838"/>
+                </a:tc>
+                <a:tc>
+                  <a:txBody>
+                    <a:bodyPr/>
+                    <a:lstStyle/>
+                    <a:p>
+                      <a:endParaRPr lang="fr-FR" sz="1600" b="0" dirty="0" smtClean="0"/>
+                    </a:p>
+                  </a:txBody>
+                  <a:tcPr marL="83838" marR="83838"/>
+                </a:tc>
+              </a:tr>
+              <a:tr h="370840">
+                <a:tc>
+                  <a:txBody>
+                    <a:bodyPr/>
+                    <a:lstStyle/>
+                    <a:p>
+                      <a:endParaRPr lang="fr-FR" dirty="0"/>
+                    </a:p>
+                  </a:txBody>
+                  <a:tcPr marL="83838" marR="83838"/>
+                </a:tc>
+                <a:tc>
+                  <a:txBody>
+                    <a:bodyPr/>
+                    <a:lstStyle/>
+                    <a:p>
+                      <a:endParaRPr lang="fr-FR" dirty="0"/>
+                    </a:p>
+                  </a:txBody>
+                  <a:tcPr marL="83838" marR="83838"/>
+                </a:tc>
+              </a:tr>
+            </a:tbl>
+          </a:graphicData>
+        </a:graphic>
+      </p:graphicFrame>
+    </p:spTree>
+    <p:extLst>
+      <p:ext uri="{BB962C8B-B14F-4D97-AF65-F5344CB8AC3E}">
+        <p14:creationId xmlns:p14="http://schemas.microsoft.com/office/powerpoint/2010/main" val="1828129002"/>
+      </p:ext>
+    </p:extLst>
+  </p:cSld>
+  <p:clrMapOvr>
+    <a:masterClrMapping/>
+  </p:clrMapOvr>
+  <p:timing>
+    <p:tnLst>
+      <p:par>
+        <p:cTn id="1" dur="indefinite" restart="never" nodeType="tmRoot"/>
+      </p:par>
+    </p:tnLst>
+  </p:timing>
+</p:sld>
+</file>
+
+<file path=ppt/slides/slide6.xml><?xml version="1.0" encoding="utf-8"?>
+<p:sld xmlns:a="http://schemas.openxmlformats.org/drawingml/2006/main" xmlns:r="http://schemas.openxmlformats.org/officeDocument/2006/relationships" xmlns:p="http://schemas.openxmlformats.org/presentationml/2006/main">
+  <p:cSld>
+    <p:spTree>
+      <p:nvGrpSpPr>
+        <p:cNvPr id="1" name=""/>
+        <p:cNvGrpSpPr/>
+        <p:nvPr/>
+      </p:nvGrpSpPr>
+      <p:grpSpPr>
+        <a:xfrm>
+          <a:off x="0" y="0"/>
+          <a:ext cx="0" cy="0"/>
+          <a:chOff x="0" y="0"/>
+          <a:chExt cx="0" cy="0"/>
+        </a:xfrm>
+      </p:grpSpPr>
+      <p:sp>
+        <p:nvSpPr>
+          <p:cNvPr id="4" name="Titre 3"/>
+          <p:cNvSpPr>
+            <a:spLocks noGrp="1"/>
+          </p:cNvSpPr>
+          <p:nvPr>
+            <p:ph type="title"/>
+          </p:nvPr>
+        </p:nvSpPr>
+        <p:spPr/>
+        <p:txBody>
+          <a:bodyPr/>
+          <a:lstStyle/>
+          <a:p>
+            <a:r>
+              <a:rPr lang="fr-FR" dirty="0" smtClean="0"/>
+              <a:t>Peuples</a:t>
+            </a:r>
+            <a:endParaRPr lang="fr-FR" dirty="0"/>
+          </a:p>
+        </p:txBody>
+      </p:sp>
+      <p:sp>
+        <p:nvSpPr>
+          <p:cNvPr id="5" name="Espace réservé du contenu 4"/>
+          <p:cNvSpPr>
+            <a:spLocks noGrp="1"/>
+          </p:cNvSpPr>
+          <p:nvPr>
+            <p:ph sz="half" idx="1"/>
+          </p:nvPr>
+        </p:nvSpPr>
+        <p:spPr/>
+        <p:txBody>
+          <a:bodyPr/>
+          <a:lstStyle/>
+          <a:p>
+            <a:r>
+              <a:rPr lang="fr-FR" dirty="0" smtClean="0"/>
+              <a:t>Les races présentent sont nombreuses,</a:t>
+            </a:r>
+            <a:br>
+              <a:rPr lang="fr-FR" dirty="0" smtClean="0"/>
+            </a:br>
+            <a:r>
+              <a:rPr lang="fr-FR" dirty="0" smtClean="0"/>
+              <a:t>chacune d’elle s’est appropriée un territoire.</a:t>
+            </a:r>
+            <a:br>
+              <a:rPr lang="fr-FR" dirty="0" smtClean="0"/>
+            </a:br>
+            <a:r>
+              <a:rPr lang="fr-FR" dirty="0" smtClean="0"/>
+              <a:t>Les Nains malgré leur habitude a rester regroupes ensemble, côtoient les Damnés.</a:t>
+            </a:r>
+            <a:br>
+              <a:rPr lang="fr-FR" dirty="0" smtClean="0"/>
+            </a:br>
+            <a:r>
+              <a:rPr lang="fr-FR" dirty="0" smtClean="0"/>
+              <a:t>Les Valkyries, gardiennes des Damnés patrouillent en permanence en guettant le danger. Les </a:t>
+            </a:r>
+            <a:r>
+              <a:rPr lang="fr-FR" dirty="0" err="1" smtClean="0"/>
+              <a:t>Nornes</a:t>
+            </a:r>
+            <a:r>
+              <a:rPr lang="fr-FR" dirty="0" smtClean="0"/>
+              <a:t>, quand a elles sont isolées et renseignent les courageux qui viennent leurs demander leur destin.</a:t>
+            </a:r>
+            <a:endParaRPr lang="fr-FR" dirty="0"/>
+          </a:p>
+        </p:txBody>
+      </p:sp>
+      <p:graphicFrame>
+        <p:nvGraphicFramePr>
+          <p:cNvPr id="9" name="Espace réservé du contenu 8"/>
+          <p:cNvGraphicFramePr>
+            <a:graphicFrameLocks noGrp="1"/>
+          </p:cNvGraphicFramePr>
+          <p:nvPr>
+            <p:ph sz="half" idx="2"/>
+            <p:extLst>
+              <p:ext uri="{D42A27DB-BD31-4B8C-83A1-F6EECF244321}">
+                <p14:modId xmlns:p14="http://schemas.microsoft.com/office/powerpoint/2010/main" val="2679475955"/>
+              </p:ext>
+            </p:extLst>
+          </p:nvPr>
+        </p:nvGraphicFramePr>
+        <p:xfrm>
+          <a:off x="6035036" y="1846263"/>
+          <a:ext cx="3775320" cy="1818640"/>
+        </p:xfrm>
+        <a:graphic>
+          <a:graphicData uri="http://schemas.openxmlformats.org/drawingml/2006/table">
+            <a:tbl>
+              <a:tblPr firstRow="1" bandRow="1">
+                <a:tableStyleId>{5C22544A-7EE6-4342-B048-85BDC9FD1C3A}</a:tableStyleId>
+              </a:tblPr>
+              <a:tblGrid>
+                <a:gridCol w="1887660"/>
+                <a:gridCol w="1887660"/>
+              </a:tblGrid>
+              <a:tr h="332394">
+                <a:tc>
+                  <a:txBody>
+                    <a:bodyPr/>
+                    <a:lstStyle/>
+                    <a:p>
+                      <a:r>
+                        <a:rPr lang="fr-FR" sz="1600" dirty="0" smtClean="0"/>
+                        <a:t>Allies</a:t>
+                      </a:r>
+                      <a:endParaRPr lang="fr-FR" sz="1600" dirty="0"/>
+                    </a:p>
+                  </a:txBody>
+                  <a:tcPr marL="83838" marR="83838"/>
+                </a:tc>
+                <a:tc>
+                  <a:txBody>
+                    <a:bodyPr/>
+                    <a:lstStyle/>
+                    <a:p>
+                      <a:endParaRPr lang="fr-FR" sz="1600" dirty="0" smtClean="0"/>
+                    </a:p>
+                  </a:txBody>
+                  <a:tcPr marL="83838" marR="83838"/>
+                </a:tc>
+              </a:tr>
+              <a:tr h="370840">
+                <a:tc>
+                  <a:txBody>
+                    <a:bodyPr/>
+                    <a:lstStyle/>
+                    <a:p>
+                      <a:pPr marL="0" marR="0" lvl="0" indent="0" algn="l" defTabSz="914400" rtl="0" eaLnBrk="1" fontAlgn="auto" latinLnBrk="0" hangingPunct="1">
+                        <a:lnSpc>
+                          <a:spcPct val="100000"/>
+                        </a:lnSpc>
+                        <a:spcBef>
+                          <a:spcPts val="0"/>
+                        </a:spcBef>
+                        <a:spcAft>
+                          <a:spcPts val="0"/>
+                        </a:spcAft>
+                        <a:buClrTx/>
+                        <a:buSzTx/>
+                        <a:buFontTx/>
+                        <a:buNone/>
+                        <a:tabLst/>
+                        <a:defRPr/>
+                      </a:pPr>
+                      <a:r>
+                        <a:rPr lang="fr-FR" b="0" dirty="0" smtClean="0"/>
+                        <a:t>Valkyrie</a:t>
+                      </a:r>
+                    </a:p>
+                  </a:txBody>
+                  <a:tcPr marL="83838" marR="83838"/>
+                </a:tc>
+                <a:tc>
+                  <a:txBody>
+                    <a:bodyPr/>
+                    <a:lstStyle/>
+                    <a:p>
+                      <a:r>
+                        <a:rPr lang="fr-FR" sz="1600" dirty="0" smtClean="0"/>
+                        <a:t>Vivants</a:t>
+                      </a:r>
+                      <a:endParaRPr lang="fr-FR" sz="1600" dirty="0"/>
+                    </a:p>
+                  </a:txBody>
+                  <a:tcPr marL="83838" marR="83838"/>
+                </a:tc>
+              </a:tr>
+              <a:tr h="370840">
+                <a:tc>
+                  <a:txBody>
+                    <a:bodyPr/>
+                    <a:lstStyle/>
+                    <a:p>
+                      <a:r>
+                        <a:rPr lang="fr-FR" dirty="0" smtClean="0"/>
+                        <a:t>Nain</a:t>
+                      </a:r>
+                      <a:endParaRPr lang="fr-FR" dirty="0"/>
+                    </a:p>
+                  </a:txBody>
+                  <a:tcPr marL="83838" marR="83838"/>
+                </a:tc>
+                <a:tc>
+                  <a:txBody>
+                    <a:bodyPr/>
+                    <a:lstStyle/>
+                    <a:p>
+                      <a:r>
+                        <a:rPr lang="fr-FR" sz="1600" dirty="0" smtClean="0"/>
+                        <a:t>Vivants</a:t>
+                      </a:r>
+                      <a:endParaRPr lang="fr-FR" sz="1600" dirty="0"/>
+                    </a:p>
+                  </a:txBody>
+                  <a:tcPr marL="83838" marR="83838"/>
+                </a:tc>
+              </a:tr>
+              <a:tr h="370840">
+                <a:tc>
+                  <a:txBody>
+                    <a:bodyPr/>
+                    <a:lstStyle/>
+                    <a:p>
+                      <a:r>
+                        <a:rPr lang="fr-FR" sz="1600" dirty="0" err="1" smtClean="0"/>
+                        <a:t>Norne</a:t>
+                      </a:r>
+                      <a:endParaRPr lang="fr-FR" sz="1600" dirty="0"/>
+                    </a:p>
+                  </a:txBody>
+                  <a:tcPr marL="83838" marR="83838"/>
+                </a:tc>
+                <a:tc>
+                  <a:txBody>
+                    <a:bodyPr/>
+                    <a:lstStyle/>
+                    <a:p>
+                      <a:pPr marL="0" marR="0" lvl="0" indent="0" algn="l" defTabSz="914400" rtl="0" eaLnBrk="1" fontAlgn="auto" latinLnBrk="0" hangingPunct="1">
+                        <a:lnSpc>
+                          <a:spcPct val="100000"/>
+                        </a:lnSpc>
+                        <a:spcBef>
+                          <a:spcPts val="0"/>
+                        </a:spcBef>
+                        <a:spcAft>
+                          <a:spcPts val="0"/>
+                        </a:spcAft>
+                        <a:buClrTx/>
+                        <a:buSzTx/>
+                        <a:buFontTx/>
+                        <a:buNone/>
+                        <a:tabLst/>
+                        <a:defRPr/>
+                      </a:pPr>
+                      <a:r>
+                        <a:rPr lang="fr-FR" sz="1600" b="0" dirty="0" smtClean="0"/>
+                        <a:t>Morts</a:t>
+                      </a:r>
+                    </a:p>
+                  </a:txBody>
+                  <a:tcPr marL="83838" marR="83838"/>
+                </a:tc>
+              </a:tr>
+              <a:tr h="370840">
+                <a:tc>
+                  <a:txBody>
+                    <a:bodyPr/>
+                    <a:lstStyle/>
+                    <a:p>
+                      <a:r>
+                        <a:rPr lang="fr-FR" sz="1600" dirty="0" smtClean="0"/>
+                        <a:t>Damné</a:t>
+                      </a:r>
+                      <a:endParaRPr lang="fr-FR" sz="1600" dirty="0"/>
+                    </a:p>
+                  </a:txBody>
+                  <a:tcPr marL="83838" marR="83838"/>
+                </a:tc>
+                <a:tc>
+                  <a:txBody>
+                    <a:bodyPr/>
+                    <a:lstStyle/>
+                    <a:p>
+                      <a:r>
+                        <a:rPr lang="fr-FR" dirty="0" smtClean="0"/>
+                        <a:t>Morts</a:t>
+                      </a:r>
+                      <a:endParaRPr lang="fr-FR" dirty="0"/>
+                    </a:p>
+                  </a:txBody>
+                  <a:tcPr marL="83838" marR="83838"/>
+                </a:tc>
+              </a:tr>
+            </a:tbl>
+          </a:graphicData>
+        </a:graphic>
+      </p:graphicFrame>
+    </p:spTree>
+    <p:extLst>
+      <p:ext uri="{BB962C8B-B14F-4D97-AF65-F5344CB8AC3E}">
+        <p14:creationId xmlns:p14="http://schemas.microsoft.com/office/powerpoint/2010/main" val="1091367176"/>
+      </p:ext>
+    </p:extLst>
+  </p:cSld>
+  <p:clrMapOvr>
+    <a:masterClrMapping/>
+  </p:clrMapOvr>
+  <p:timing>
+    <p:tnLst>
+      <p:par>
+        <p:cTn id="1" dur="indefinite" restart="never" nodeType="tmRoot"/>
+      </p:par>
+    </p:tnLst>
+  </p:timing>
+</p:sld>
+</file>
+
+<file path=ppt/slides/slide7.xml><?xml version="1.0" encoding="utf-8"?>
+<p:sld xmlns:a="http://schemas.openxmlformats.org/drawingml/2006/main" xmlns:r="http://schemas.openxmlformats.org/officeDocument/2006/relationships" xmlns:p="http://schemas.openxmlformats.org/presentationml/2006/main">
+  <p:cSld>
+    <p:spTree>
+      <p:nvGrpSpPr>
+        <p:cNvPr id="1" name=""/>
+        <p:cNvGrpSpPr/>
+        <p:nvPr/>
+      </p:nvGrpSpPr>
+      <p:grpSpPr>
+        <a:xfrm>
+          <a:off x="0" y="0"/>
+          <a:ext cx="0" cy="0"/>
+          <a:chOff x="0" y="0"/>
+          <a:chExt cx="0" cy="0"/>
+        </a:xfrm>
+      </p:grpSpPr>
+      <p:sp>
+        <p:nvSpPr>
+          <p:cNvPr id="4" name="Titre 3"/>
+          <p:cNvSpPr>
+            <a:spLocks noGrp="1"/>
+          </p:cNvSpPr>
+          <p:nvPr>
+            <p:ph type="title"/>
+          </p:nvPr>
+        </p:nvSpPr>
+        <p:spPr/>
+        <p:txBody>
+          <a:bodyPr/>
+          <a:lstStyle/>
+          <a:p>
+            <a:r>
+              <a:rPr lang="fr-FR" dirty="0" smtClean="0"/>
+              <a:t>Peuples</a:t>
+            </a:r>
+            <a:endParaRPr lang="fr-FR" dirty="0"/>
+          </a:p>
+        </p:txBody>
+      </p:sp>
+      <p:sp>
+        <p:nvSpPr>
+          <p:cNvPr id="5" name="Espace réservé du contenu 4"/>
+          <p:cNvSpPr>
+            <a:spLocks noGrp="1"/>
+          </p:cNvSpPr>
+          <p:nvPr>
+            <p:ph sz="half" idx="1"/>
+          </p:nvPr>
+        </p:nvSpPr>
+        <p:spPr/>
+        <p:txBody>
+          <a:bodyPr/>
+          <a:lstStyle/>
+          <a:p>
+            <a:r>
+              <a:rPr lang="fr-FR" dirty="0" smtClean="0"/>
+              <a:t>Les ennemis sont aussi nombreux que les alliés. Les elfes sont agressifs et isoles, ils communiquent et échanges très peu avec les autres races. Les </a:t>
+            </a:r>
+            <a:r>
+              <a:rPr lang="fr-FR" dirty="0" err="1" smtClean="0"/>
+              <a:t>Duergar</a:t>
+            </a:r>
+            <a:r>
+              <a:rPr lang="fr-FR" dirty="0" smtClean="0"/>
+              <a:t>(Nains noirs) et les Géant cohabitent ensemble et travaille main dans la main pour l’amélioration de leurs conditions de vie. Les Bannis sont en vérité d’ancien Damnés ayant trahis les leurs.</a:t>
+            </a:r>
+            <a:endParaRPr lang="fr-FR" dirty="0"/>
+          </a:p>
+        </p:txBody>
+      </p:sp>
+      <p:graphicFrame>
+        <p:nvGraphicFramePr>
+          <p:cNvPr id="9" name="Espace réservé du contenu 8"/>
+          <p:cNvGraphicFramePr>
+            <a:graphicFrameLocks noGrp="1"/>
+          </p:cNvGraphicFramePr>
+          <p:nvPr>
+            <p:ph sz="half" idx="2"/>
+            <p:extLst>
+              <p:ext uri="{D42A27DB-BD31-4B8C-83A1-F6EECF244321}">
+                <p14:modId xmlns:p14="http://schemas.microsoft.com/office/powerpoint/2010/main" val="2713145883"/>
+              </p:ext>
+            </p:extLst>
+          </p:nvPr>
+        </p:nvGraphicFramePr>
+        <p:xfrm>
+          <a:off x="6035036" y="1846263"/>
+          <a:ext cx="3775320" cy="1818640"/>
+        </p:xfrm>
+        <a:graphic>
+          <a:graphicData uri="http://schemas.openxmlformats.org/drawingml/2006/table">
+            <a:tbl>
+              <a:tblPr firstRow="1" bandRow="1">
+                <a:tableStyleId>{5C22544A-7EE6-4342-B048-85BDC9FD1C3A}</a:tableStyleId>
+              </a:tblPr>
+              <a:tblGrid>
+                <a:gridCol w="1887660"/>
+                <a:gridCol w="1887660"/>
+              </a:tblGrid>
+              <a:tr h="332394">
+                <a:tc>
+                  <a:txBody>
+                    <a:bodyPr/>
+                    <a:lstStyle/>
+                    <a:p>
+                      <a:r>
+                        <a:rPr lang="fr-FR" sz="1600" dirty="0" smtClean="0"/>
+                        <a:t>Ennemis</a:t>
+                      </a:r>
+                    </a:p>
+                  </a:txBody>
+                  <a:tcPr marL="83838" marR="83838"/>
+                </a:tc>
+                <a:tc>
+                  <a:txBody>
+                    <a:bodyPr/>
+                    <a:lstStyle/>
+                    <a:p>
+                      <a:endParaRPr lang="fr-FR" sz="1600" dirty="0" smtClean="0"/>
+                    </a:p>
+                  </a:txBody>
+                  <a:tcPr marL="83838" marR="83838"/>
+                </a:tc>
+              </a:tr>
+              <a:tr h="370840">
+                <a:tc>
+                  <a:txBody>
+                    <a:bodyPr/>
+                    <a:lstStyle/>
+                    <a:p>
+                      <a:r>
+                        <a:rPr lang="fr-FR" sz="1600" dirty="0" smtClean="0"/>
+                        <a:t>Elfe</a:t>
+                      </a:r>
+                      <a:endParaRPr lang="fr-FR" sz="1600" dirty="0"/>
+                    </a:p>
+                  </a:txBody>
+                  <a:tcPr marL="83838" marR="83838"/>
+                </a:tc>
+                <a:tc>
+                  <a:txBody>
+                    <a:bodyPr/>
+                    <a:lstStyle/>
+                    <a:p>
+                      <a:r>
+                        <a:rPr lang="fr-FR" sz="1600" dirty="0" smtClean="0"/>
+                        <a:t>Vivants</a:t>
+                      </a:r>
+                      <a:endParaRPr lang="fr-FR" sz="1600" dirty="0"/>
+                    </a:p>
+                  </a:txBody>
+                  <a:tcPr marL="83838" marR="83838"/>
+                </a:tc>
+              </a:tr>
+              <a:tr h="370840">
+                <a:tc>
+                  <a:txBody>
+                    <a:bodyPr/>
+                    <a:lstStyle/>
+                    <a:p>
+                      <a:pPr marL="0" marR="0" lvl="0" indent="0" algn="l" defTabSz="914400" rtl="0" eaLnBrk="1" fontAlgn="auto" latinLnBrk="0" hangingPunct="1">
+                        <a:lnSpc>
+                          <a:spcPct val="100000"/>
+                        </a:lnSpc>
+                        <a:spcBef>
+                          <a:spcPts val="0"/>
+                        </a:spcBef>
+                        <a:spcAft>
+                          <a:spcPts val="0"/>
+                        </a:spcAft>
+                        <a:buClrTx/>
+                        <a:buSzTx/>
+                        <a:buFontTx/>
+                        <a:buNone/>
+                        <a:tabLst/>
+                        <a:defRPr/>
+                      </a:pPr>
+                      <a:r>
+                        <a:rPr lang="fr-FR" sz="1600" b="0" dirty="0" err="1" smtClean="0"/>
+                        <a:t>Duergar</a:t>
+                      </a:r>
+                      <a:endParaRPr lang="fr-FR" sz="1600" b="0" dirty="0" smtClean="0"/>
+                    </a:p>
+                  </a:txBody>
+                  <a:tcPr marL="83838" marR="83838"/>
+                </a:tc>
+                <a:tc>
+                  <a:txBody>
+                    <a:bodyPr/>
+                    <a:lstStyle/>
+                    <a:p>
+                      <a:r>
+                        <a:rPr lang="fr-FR" sz="1600" dirty="0" smtClean="0"/>
+                        <a:t>Vivants</a:t>
+                      </a:r>
+                      <a:endParaRPr lang="fr-FR" sz="1600" dirty="0"/>
+                    </a:p>
+                  </a:txBody>
+                  <a:tcPr marL="83838" marR="83838"/>
+                </a:tc>
+              </a:tr>
+              <a:tr h="370840">
+                <a:tc>
+                  <a:txBody>
+                    <a:bodyPr/>
+                    <a:lstStyle/>
+                    <a:p>
+                      <a:pPr marL="0" marR="0" lvl="0" indent="0" algn="l" defTabSz="914400" rtl="0" eaLnBrk="1" fontAlgn="auto" latinLnBrk="0" hangingPunct="1">
+                        <a:lnSpc>
+                          <a:spcPct val="100000"/>
+                        </a:lnSpc>
+                        <a:spcBef>
+                          <a:spcPts val="0"/>
+                        </a:spcBef>
+                        <a:spcAft>
+                          <a:spcPts val="0"/>
+                        </a:spcAft>
+                        <a:buClrTx/>
+                        <a:buSzTx/>
+                        <a:buFontTx/>
+                        <a:buNone/>
+                        <a:tabLst/>
+                        <a:defRPr/>
+                      </a:pPr>
+                      <a:r>
+                        <a:rPr lang="fr-FR" sz="1600" b="0" dirty="0" smtClean="0"/>
+                        <a:t>Géant</a:t>
+                      </a:r>
+                    </a:p>
+                  </a:txBody>
+                  <a:tcPr marL="83838" marR="83838"/>
+                </a:tc>
+                <a:tc>
+                  <a:txBody>
+                    <a:bodyPr/>
+                    <a:lstStyle/>
+                    <a:p>
+                      <a:pPr marL="0" marR="0" lvl="0" indent="0" algn="l" defTabSz="914400" rtl="0" eaLnBrk="1" fontAlgn="auto" latinLnBrk="0" hangingPunct="1">
+                        <a:lnSpc>
+                          <a:spcPct val="100000"/>
+                        </a:lnSpc>
+                        <a:spcBef>
+                          <a:spcPts val="0"/>
+                        </a:spcBef>
+                        <a:spcAft>
+                          <a:spcPts val="0"/>
+                        </a:spcAft>
+                        <a:buClrTx/>
+                        <a:buSzTx/>
+                        <a:buFontTx/>
+                        <a:buNone/>
+                        <a:tabLst/>
+                        <a:defRPr/>
+                      </a:pPr>
+                      <a:r>
+                        <a:rPr lang="fr-FR" sz="1600" b="0" dirty="0" smtClean="0"/>
+                        <a:t>Vivants</a:t>
+                      </a:r>
+                    </a:p>
+                  </a:txBody>
+                  <a:tcPr marL="83838" marR="83838"/>
+                </a:tc>
+              </a:tr>
+              <a:tr h="370840">
+                <a:tc>
+                  <a:txBody>
+                    <a:bodyPr/>
+                    <a:lstStyle/>
+                    <a:p>
+                      <a:r>
+                        <a:rPr lang="fr-FR" dirty="0" smtClean="0"/>
+                        <a:t>Bannis</a:t>
+                      </a:r>
+                      <a:endParaRPr lang="fr-FR" dirty="0"/>
+                    </a:p>
+                  </a:txBody>
+                  <a:tcPr marL="83838" marR="83838"/>
+                </a:tc>
+                <a:tc>
+                  <a:txBody>
+                    <a:bodyPr/>
+                    <a:lstStyle/>
+                    <a:p>
+                      <a:r>
+                        <a:rPr lang="fr-FR" dirty="0" smtClean="0"/>
+                        <a:t>Morts</a:t>
+                      </a:r>
+                      <a:endParaRPr lang="fr-FR" dirty="0"/>
+                    </a:p>
+                  </a:txBody>
+                  <a:tcPr marL="83838" marR="83838"/>
+                </a:tc>
+              </a:tr>
+            </a:tbl>
+          </a:graphicData>
+        </a:graphic>
+      </p:graphicFrame>
+    </p:spTree>
+    <p:extLst>
+      <p:ext uri="{BB962C8B-B14F-4D97-AF65-F5344CB8AC3E}">
+        <p14:creationId xmlns:p14="http://schemas.microsoft.com/office/powerpoint/2010/main" val="1912953451"/>
+      </p:ext>
+    </p:extLst>
+  </p:cSld>
+  <p:clrMapOvr>
+    <a:masterClrMapping/>
+  </p:clrMapOvr>
+  <p:timing>
+    <p:tnLst>
+      <p:par>
+        <p:cTn id="1" dur="indefinite" restart="never" nodeType="tmRoot"/>
+      </p:par>
+    </p:tnLst>
+  </p:timing>
+</p:sld>
+</file>
+
+<file path=ppt/slides/slide8.xml><?xml version="1.0" encoding="utf-8"?>
+<p:sld xmlns:a="http://schemas.openxmlformats.org/drawingml/2006/main" xmlns:r="http://schemas.openxmlformats.org/officeDocument/2006/relationships" xmlns:p="http://schemas.openxmlformats.org/presentationml/2006/main">
+  <p:cSld>
+    <p:spTree>
+      <p:nvGrpSpPr>
+        <p:cNvPr id="1" name=""/>
+        <p:cNvGrpSpPr/>
+        <p:nvPr/>
+      </p:nvGrpSpPr>
+      <p:grpSpPr>
+        <a:xfrm>
+          <a:off x="0" y="0"/>
+          <a:ext cx="0" cy="0"/>
+          <a:chOff x="0" y="0"/>
+          <a:chExt cx="0" cy="0"/>
+        </a:xfrm>
+      </p:grpSpPr>
+      <p:sp>
+        <p:nvSpPr>
+          <p:cNvPr id="4" name="Titre 3"/>
+          <p:cNvSpPr>
+            <a:spLocks noGrp="1"/>
+          </p:cNvSpPr>
+          <p:nvPr>
+            <p:ph type="title"/>
+          </p:nvPr>
+        </p:nvSpPr>
+        <p:spPr/>
+        <p:txBody>
+          <a:bodyPr/>
+          <a:lstStyle/>
+          <a:p>
+            <a:r>
+              <a:rPr lang="fr-FR" dirty="0" err="1" smtClean="0"/>
+              <a:t>Systeme</a:t>
+            </a:r>
+            <a:endParaRPr lang="fr-FR" dirty="0"/>
+          </a:p>
+        </p:txBody>
+      </p:sp>
+      <p:sp>
+        <p:nvSpPr>
+          <p:cNvPr id="5" name="Espace réservé du contenu 4"/>
+          <p:cNvSpPr>
+            <a:spLocks noGrp="1"/>
+          </p:cNvSpPr>
+          <p:nvPr>
+            <p:ph sz="half" idx="1"/>
+          </p:nvPr>
+        </p:nvSpPr>
+        <p:spPr/>
+        <p:txBody>
+          <a:bodyPr/>
+          <a:lstStyle/>
+          <a:p>
+            <a:r>
+              <a:rPr lang="fr-FR" dirty="0" smtClean="0"/>
+              <a:t>Le système de jeu est inspire de P.T.U. (</a:t>
+            </a:r>
+            <a:r>
+              <a:rPr lang="fr-FR" dirty="0" err="1" smtClean="0"/>
+              <a:t>Pokemon</a:t>
+            </a:r>
+            <a:r>
+              <a:rPr lang="fr-FR" dirty="0" smtClean="0"/>
+              <a:t> </a:t>
+            </a:r>
+            <a:r>
+              <a:rPr lang="fr-FR" dirty="0" err="1" smtClean="0"/>
+              <a:t>Tabletop</a:t>
+            </a:r>
+            <a:r>
+              <a:rPr lang="fr-FR" dirty="0" smtClean="0"/>
+              <a:t> United)</a:t>
+            </a:r>
+            <a:br>
+              <a:rPr lang="fr-FR" dirty="0" smtClean="0"/>
+            </a:br>
+            <a:r>
+              <a:rPr lang="fr-FR" dirty="0" smtClean="0"/>
+              <a:t>Ainsi, les tests s’effectuerons généralement à l’aide de dés de 4.</a:t>
+            </a:r>
+            <a:endParaRPr lang="fr-FR" dirty="0"/>
+          </a:p>
+        </p:txBody>
+      </p:sp>
+      <p:graphicFrame>
+        <p:nvGraphicFramePr>
+          <p:cNvPr id="9" name="Espace réservé du contenu 8"/>
+          <p:cNvGraphicFramePr>
+            <a:graphicFrameLocks noGrp="1"/>
+          </p:cNvGraphicFramePr>
+          <p:nvPr>
+            <p:ph sz="half" idx="2"/>
+            <p:extLst>
+              <p:ext uri="{D42A27DB-BD31-4B8C-83A1-F6EECF244321}">
+                <p14:modId xmlns:p14="http://schemas.microsoft.com/office/powerpoint/2010/main" val="2713145883"/>
+              </p:ext>
+            </p:extLst>
+          </p:nvPr>
+        </p:nvGraphicFramePr>
+        <p:xfrm>
+          <a:off x="6035036" y="1846263"/>
+          <a:ext cx="3775320" cy="1818640"/>
+        </p:xfrm>
+        <a:graphic>
+          <a:graphicData uri="http://schemas.openxmlformats.org/drawingml/2006/table">
+            <a:tbl>
+              <a:tblPr firstRow="1" bandRow="1">
+                <a:tableStyleId>{5C22544A-7EE6-4342-B048-85BDC9FD1C3A}</a:tableStyleId>
+              </a:tblPr>
+              <a:tblGrid>
+                <a:gridCol w="1887660"/>
+                <a:gridCol w="1887660"/>
+              </a:tblGrid>
+              <a:tr h="332394">
+                <a:tc>
+                  <a:txBody>
+                    <a:bodyPr/>
+                    <a:lstStyle/>
+                    <a:p>
+                      <a:r>
+                        <a:rPr lang="fr-FR" sz="1600" dirty="0" smtClean="0"/>
+                        <a:t>Ennemis</a:t>
+                      </a:r>
+                    </a:p>
+                  </a:txBody>
+                  <a:tcPr marL="83838" marR="83838"/>
+                </a:tc>
+                <a:tc>
+                  <a:txBody>
+                    <a:bodyPr/>
+                    <a:lstStyle/>
+                    <a:p>
+                      <a:endParaRPr lang="fr-FR" sz="1600" dirty="0" smtClean="0"/>
+                    </a:p>
+                  </a:txBody>
+                  <a:tcPr marL="83838" marR="83838"/>
+                </a:tc>
+              </a:tr>
+              <a:tr h="370840">
+                <a:tc>
+                  <a:txBody>
+                    <a:bodyPr/>
+                    <a:lstStyle/>
+                    <a:p>
+                      <a:r>
+                        <a:rPr lang="fr-FR" sz="1600" dirty="0" smtClean="0"/>
+                        <a:t>Elfe</a:t>
+                      </a:r>
+                      <a:endParaRPr lang="fr-FR" sz="1600" dirty="0"/>
+                    </a:p>
+                  </a:txBody>
+                  <a:tcPr marL="83838" marR="83838"/>
+                </a:tc>
+                <a:tc>
+                  <a:txBody>
+                    <a:bodyPr/>
+                    <a:lstStyle/>
+                    <a:p>
+                      <a:r>
+                        <a:rPr lang="fr-FR" sz="1600" dirty="0" smtClean="0"/>
+                        <a:t>Vivants</a:t>
+                      </a:r>
+                      <a:endParaRPr lang="fr-FR" sz="1600" dirty="0"/>
+                    </a:p>
+                  </a:txBody>
+                  <a:tcPr marL="83838" marR="83838"/>
+                </a:tc>
+              </a:tr>
+              <a:tr h="370840">
+                <a:tc>
+                  <a:txBody>
+                    <a:bodyPr/>
+                    <a:lstStyle/>
+                    <a:p>
+                      <a:pPr marL="0" marR="0" lvl="0" indent="0" algn="l" defTabSz="914400" rtl="0" eaLnBrk="1" fontAlgn="auto" latinLnBrk="0" hangingPunct="1">
+                        <a:lnSpc>
+                          <a:spcPct val="100000"/>
+                        </a:lnSpc>
+                        <a:spcBef>
+                          <a:spcPts val="0"/>
+                        </a:spcBef>
+                        <a:spcAft>
+                          <a:spcPts val="0"/>
+                        </a:spcAft>
+                        <a:buClrTx/>
+                        <a:buSzTx/>
+                        <a:buFontTx/>
+                        <a:buNone/>
+                        <a:tabLst/>
+                        <a:defRPr/>
+                      </a:pPr>
+                      <a:r>
+                        <a:rPr lang="fr-FR" sz="1600" b="0" dirty="0" err="1" smtClean="0"/>
+                        <a:t>Duergar</a:t>
+                      </a:r>
+                      <a:endParaRPr lang="fr-FR" sz="1600" b="0" dirty="0" smtClean="0"/>
+                    </a:p>
+                  </a:txBody>
+                  <a:tcPr marL="83838" marR="83838"/>
+                </a:tc>
+                <a:tc>
+                  <a:txBody>
+                    <a:bodyPr/>
+                    <a:lstStyle/>
+                    <a:p>
+                      <a:r>
+                        <a:rPr lang="fr-FR" sz="1600" dirty="0" smtClean="0"/>
+                        <a:t>Vivants</a:t>
+                      </a:r>
+                      <a:endParaRPr lang="fr-FR" sz="1600" dirty="0"/>
+                    </a:p>
+                  </a:txBody>
+                  <a:tcPr marL="83838" marR="83838"/>
+                </a:tc>
+              </a:tr>
+              <a:tr h="370840">
+                <a:tc>
+                  <a:txBody>
+                    <a:bodyPr/>
+                    <a:lstStyle/>
+                    <a:p>
+                      <a:pPr marL="0" marR="0" lvl="0" indent="0" algn="l" defTabSz="914400" rtl="0" eaLnBrk="1" fontAlgn="auto" latinLnBrk="0" hangingPunct="1">
+                        <a:lnSpc>
+                          <a:spcPct val="100000"/>
+                        </a:lnSpc>
+                        <a:spcBef>
+                          <a:spcPts val="0"/>
+                        </a:spcBef>
+                        <a:spcAft>
+                          <a:spcPts val="0"/>
+                        </a:spcAft>
+                        <a:buClrTx/>
+                        <a:buSzTx/>
+                        <a:buFontTx/>
+                        <a:buNone/>
+                        <a:tabLst/>
+                        <a:defRPr/>
+                      </a:pPr>
+                      <a:r>
+                        <a:rPr lang="fr-FR" sz="1600" b="0" dirty="0" smtClean="0"/>
+                        <a:t>Géant</a:t>
+                      </a:r>
+                    </a:p>
+                  </a:txBody>
+                  <a:tcPr marL="83838" marR="83838"/>
+                </a:tc>
+                <a:tc>
+                  <a:txBody>
+                    <a:bodyPr/>
+                    <a:lstStyle/>
+                    <a:p>
+                      <a:pPr marL="0" marR="0" lvl="0" indent="0" algn="l" defTabSz="914400" rtl="0" eaLnBrk="1" fontAlgn="auto" latinLnBrk="0" hangingPunct="1">
+                        <a:lnSpc>
+                          <a:spcPct val="100000"/>
+                        </a:lnSpc>
+                        <a:spcBef>
+                          <a:spcPts val="0"/>
+                        </a:spcBef>
+                        <a:spcAft>
+                          <a:spcPts val="0"/>
+                        </a:spcAft>
+                        <a:buClrTx/>
+                        <a:buSzTx/>
+                        <a:buFontTx/>
+                        <a:buNone/>
+                        <a:tabLst/>
+                        <a:defRPr/>
+                      </a:pPr>
+                      <a:r>
+                        <a:rPr lang="fr-FR" sz="1600" b="0" dirty="0" smtClean="0"/>
+                        <a:t>Vivants</a:t>
+                      </a:r>
+                    </a:p>
+                  </a:txBody>
+                  <a:tcPr marL="83838" marR="83838"/>
+                </a:tc>
+              </a:tr>
+              <a:tr h="370840">
+                <a:tc>
+                  <a:txBody>
+                    <a:bodyPr/>
+                    <a:lstStyle/>
+                    <a:p>
+                      <a:r>
+                        <a:rPr lang="fr-FR" dirty="0" smtClean="0"/>
+                        <a:t>Bannis</a:t>
+                      </a:r>
+                      <a:endParaRPr lang="fr-FR" dirty="0"/>
+                    </a:p>
+                  </a:txBody>
+                  <a:tcPr marL="83838" marR="83838"/>
+                </a:tc>
+                <a:tc>
+                  <a:txBody>
+                    <a:bodyPr/>
+                    <a:lstStyle/>
+                    <a:p>
+                      <a:r>
+                        <a:rPr lang="fr-FR" dirty="0" smtClean="0"/>
+                        <a:t>Morts</a:t>
+                      </a:r>
+                      <a:endParaRPr lang="fr-FR" dirty="0"/>
+                    </a:p>
+                  </a:txBody>
+                  <a:tcPr marL="83838" marR="83838"/>
+                </a:tc>
+              </a:tr>
+            </a:tbl>
+          </a:graphicData>
+        </a:graphic>
+      </p:graphicFrame>
+    </p:spTree>
+    <p:extLst>
+      <p:ext uri="{BB962C8B-B14F-4D97-AF65-F5344CB8AC3E}">
+        <p14:creationId xmlns:p14="http://schemas.microsoft.com/office/powerpoint/2010/main" val="1335042506"/>
+      </p:ext>
+    </p:extLst>
+  </p:cSld>
+  <p:clrMapOvr>
+    <a:masterClrMapping/>
+  </p:clrMapOvr>
+  <p:timing>
+    <p:tnLst>
+      <p:par>
+        <p:cTn id="1" dur="indefinite" restart="never" nodeType="tmRoot"/>
+      </p:par>
+    </p:tnLst>
+  </p:timing>
+</p:sld>
+</file>
+
+<file path=ppt/slides/slide9.xml><?xml version="1.0" encoding="utf-8"?>
+<p:sld xmlns:a="http://schemas.openxmlformats.org/drawingml/2006/main" xmlns:r="http://schemas.openxmlformats.org/officeDocument/2006/relationships" xmlns:p="http://schemas.openxmlformats.org/presentationml/2006/main">
+  <p:cSld>
+    <p:spTree>
+      <p:nvGrpSpPr>
+        <p:cNvPr id="1" name=""/>
+        <p:cNvGrpSpPr/>
+        <p:nvPr/>
+      </p:nvGrpSpPr>
+      <p:grpSpPr>
+        <a:xfrm>
+          <a:off x="0" y="0"/>
+          <a:ext cx="0" cy="0"/>
+          <a:chOff x="0" y="0"/>
+          <a:chExt cx="0" cy="0"/>
+        </a:xfrm>
+      </p:grpSpPr>
+      <p:sp>
+        <p:nvSpPr>
+          <p:cNvPr id="4" name="Titre 3"/>
+          <p:cNvSpPr>
+            <a:spLocks noGrp="1"/>
+          </p:cNvSpPr>
+          <p:nvPr>
+            <p:ph type="title"/>
+          </p:nvPr>
+        </p:nvSpPr>
+        <p:spPr/>
+        <p:txBody>
+          <a:bodyPr/>
+          <a:lstStyle/>
+          <a:p>
+            <a:r>
+              <a:rPr lang="fr-FR" dirty="0" err="1" smtClean="0"/>
+              <a:t>Caracteristiques</a:t>
+            </a:r>
+            <a:endParaRPr lang="fr-FR" dirty="0"/>
+          </a:p>
+        </p:txBody>
+      </p:sp>
+      <p:sp>
+        <p:nvSpPr>
+          <p:cNvPr id="5" name="Espace réservé du contenu 4"/>
+          <p:cNvSpPr>
+            <a:spLocks noGrp="1"/>
+          </p:cNvSpPr>
+          <p:nvPr>
+            <p:ph sz="half" idx="1"/>
+          </p:nvPr>
+        </p:nvSpPr>
+        <p:spPr/>
+        <p:txBody>
+          <a:bodyPr/>
+          <a:lstStyle/>
+          <a:p>
+            <a:r>
+              <a:rPr lang="fr-FR" dirty="0" smtClean="0"/>
+              <a:t>Les caractéristiques des personnages sont simplistes, de manière a faciliter les actions effectuées par les joueurs, cela permet également de générer des fiches aisément.</a:t>
+            </a:r>
+            <a:br>
+              <a:rPr lang="fr-FR" dirty="0" smtClean="0"/>
+            </a:br>
+            <a:r>
+              <a:rPr lang="fr-FR" dirty="0" smtClean="0"/>
+              <a:t/>
+            </a:r>
+            <a:br>
+              <a:rPr lang="fr-FR" dirty="0" smtClean="0"/>
+            </a:br>
+            <a:r>
+              <a:rPr lang="fr-FR" dirty="0" smtClean="0"/>
+              <a:t>De base chacune des statistiques est a 5, le joueur reçoit 10 points a dépenser lors de la création</a:t>
+            </a:r>
+            <a:endParaRPr lang="fr-FR" dirty="0"/>
+          </a:p>
+        </p:txBody>
+      </p:sp>
+      <p:graphicFrame>
+        <p:nvGraphicFramePr>
+          <p:cNvPr id="3" name="Espace réservé du contenu 2"/>
+          <p:cNvGraphicFramePr>
+            <a:graphicFrameLocks noGrp="1"/>
+          </p:cNvGraphicFramePr>
+          <p:nvPr>
+            <p:ph sz="half" idx="2"/>
+            <p:extLst>
+              <p:ext uri="{D42A27DB-BD31-4B8C-83A1-F6EECF244321}">
+                <p14:modId xmlns:p14="http://schemas.microsoft.com/office/powerpoint/2010/main" val="334121036"/>
+              </p:ext>
+            </p:extLst>
+          </p:nvPr>
+        </p:nvGraphicFramePr>
+        <p:xfrm>
+          <a:off x="6035040" y="1846263"/>
+          <a:ext cx="5120324" cy="2595880"/>
+        </p:xfrm>
+        <a:graphic>
+          <a:graphicData uri="http://schemas.openxmlformats.org/drawingml/2006/table">
+            <a:tbl>
+              <a:tblPr firstRow="1" bandRow="1">
+                <a:tableStyleId>{5C22544A-7EE6-4342-B048-85BDC9FD1C3A}</a:tableStyleId>
+              </a:tblPr>
+              <a:tblGrid>
+                <a:gridCol w="2560162"/>
+                <a:gridCol w="2560162"/>
+              </a:tblGrid>
+              <a:tr h="370840">
+                <a:tc>
+                  <a:txBody>
+                    <a:bodyPr/>
+                    <a:lstStyle/>
+                    <a:p>
+                      <a:r>
+                        <a:rPr lang="fr-FR" dirty="0" smtClean="0"/>
+                        <a:t>Caractéristiques</a:t>
+                      </a:r>
+                      <a:endParaRPr lang="fr-FR" dirty="0"/>
+                    </a:p>
+                  </a:txBody>
+                  <a:tcPr/>
+                </a:tc>
+                <a:tc>
+                  <a:txBody>
+                    <a:bodyPr/>
+                    <a:lstStyle/>
+                    <a:p>
+                      <a:r>
+                        <a:rPr lang="fr-FR" dirty="0" smtClean="0"/>
+                        <a:t>Base</a:t>
+                      </a:r>
+                      <a:endParaRPr lang="fr-FR" dirty="0"/>
+                    </a:p>
+                  </a:txBody>
+                  <a:tcPr/>
+                </a:tc>
+              </a:tr>
+              <a:tr h="370840">
+                <a:tc>
+                  <a:txBody>
+                    <a:bodyPr/>
+                    <a:lstStyle/>
+                    <a:p>
+                      <a:r>
+                        <a:rPr lang="fr-FR" dirty="0" smtClean="0"/>
+                        <a:t>PV</a:t>
+                      </a:r>
+                      <a:endParaRPr lang="fr-FR" dirty="0"/>
+                    </a:p>
+                  </a:txBody>
+                  <a:tcPr/>
+                </a:tc>
+                <a:tc>
+                  <a:txBody>
+                    <a:bodyPr/>
+                    <a:lstStyle/>
+                    <a:p>
+                      <a:r>
+                        <a:rPr lang="fr-FR" dirty="0" smtClean="0"/>
+                        <a:t>10</a:t>
+                      </a:r>
+                      <a:endParaRPr lang="fr-FR" dirty="0"/>
+                    </a:p>
+                  </a:txBody>
+                  <a:tcPr/>
+                </a:tc>
+              </a:tr>
+              <a:tr h="370840">
+                <a:tc>
+                  <a:txBody>
+                    <a:bodyPr/>
+                    <a:lstStyle/>
+                    <a:p>
+                      <a:r>
+                        <a:rPr lang="fr-FR" dirty="0" err="1" smtClean="0"/>
+                        <a:t>Atk</a:t>
+                      </a:r>
+                      <a:r>
+                        <a:rPr lang="fr-FR" dirty="0" smtClean="0"/>
+                        <a:t>. </a:t>
+                      </a:r>
+                      <a:r>
+                        <a:rPr lang="fr-FR" dirty="0" err="1" smtClean="0"/>
+                        <a:t>Phy</a:t>
+                      </a:r>
+                      <a:endParaRPr lang="fr-FR" dirty="0"/>
+                    </a:p>
+                  </a:txBody>
+                  <a:tcPr/>
+                </a:tc>
+                <a:tc>
+                  <a:txBody>
+                    <a:bodyPr/>
+                    <a:lstStyle/>
+                    <a:p>
+                      <a:r>
+                        <a:rPr lang="fr-FR" dirty="0" smtClean="0"/>
+                        <a:t>5</a:t>
+                      </a:r>
+                      <a:endParaRPr lang="fr-FR" dirty="0"/>
+                    </a:p>
+                  </a:txBody>
+                  <a:tcPr/>
+                </a:tc>
+              </a:tr>
+              <a:tr h="370840">
+                <a:tc>
+                  <a:txBody>
+                    <a:bodyPr/>
+                    <a:lstStyle/>
+                    <a:p>
+                      <a:r>
+                        <a:rPr lang="fr-FR" dirty="0" err="1" smtClean="0"/>
+                        <a:t>Def</a:t>
+                      </a:r>
+                      <a:r>
+                        <a:rPr lang="fr-FR" dirty="0" smtClean="0"/>
+                        <a:t>.</a:t>
+                      </a:r>
+                      <a:r>
+                        <a:rPr lang="fr-FR" baseline="0" dirty="0" smtClean="0"/>
+                        <a:t> </a:t>
+                      </a:r>
+                      <a:r>
+                        <a:rPr lang="fr-FR" baseline="0" dirty="0" err="1" smtClean="0"/>
+                        <a:t>Phy</a:t>
+                      </a:r>
+                      <a:endParaRPr lang="fr-FR" dirty="0"/>
+                    </a:p>
+                  </a:txBody>
+                  <a:tcPr/>
+                </a:tc>
+                <a:tc>
+                  <a:txBody>
+                    <a:bodyPr/>
+                    <a:lstStyle/>
+                    <a:p>
+                      <a:r>
+                        <a:rPr lang="fr-FR" dirty="0" smtClean="0"/>
+                        <a:t>5</a:t>
+                      </a:r>
+                      <a:endParaRPr lang="fr-FR" dirty="0"/>
+                    </a:p>
+                  </a:txBody>
+                  <a:tcPr/>
+                </a:tc>
+              </a:tr>
+              <a:tr h="370840">
+                <a:tc>
+                  <a:txBody>
+                    <a:bodyPr/>
+                    <a:lstStyle/>
+                    <a:p>
+                      <a:r>
+                        <a:rPr lang="fr-FR" dirty="0" err="1" smtClean="0"/>
+                        <a:t>Atk</a:t>
+                      </a:r>
+                      <a:r>
+                        <a:rPr lang="fr-FR" dirty="0" smtClean="0"/>
+                        <a:t>. </a:t>
+                      </a:r>
+                      <a:r>
+                        <a:rPr lang="fr-FR" dirty="0" err="1" smtClean="0"/>
+                        <a:t>Spe</a:t>
+                      </a:r>
+                      <a:endParaRPr lang="fr-FR" dirty="0"/>
+                    </a:p>
+                  </a:txBody>
+                  <a:tcPr/>
+                </a:tc>
+                <a:tc>
+                  <a:txBody>
+                    <a:bodyPr/>
+                    <a:lstStyle/>
+                    <a:p>
+                      <a:r>
+                        <a:rPr lang="fr-FR" dirty="0" smtClean="0"/>
+                        <a:t>5</a:t>
+                      </a:r>
+                      <a:endParaRPr lang="fr-FR" dirty="0"/>
+                    </a:p>
+                  </a:txBody>
+                  <a:tcPr/>
+                </a:tc>
+              </a:tr>
+              <a:tr h="370840">
+                <a:tc>
+                  <a:txBody>
+                    <a:bodyPr/>
+                    <a:lstStyle/>
+                    <a:p>
+                      <a:r>
+                        <a:rPr lang="fr-FR" dirty="0" err="1" smtClean="0"/>
+                        <a:t>Def</a:t>
+                      </a:r>
+                      <a:r>
+                        <a:rPr lang="fr-FR" dirty="0" smtClean="0"/>
+                        <a:t>.</a:t>
+                      </a:r>
+                      <a:r>
+                        <a:rPr lang="fr-FR" baseline="0" dirty="0" smtClean="0"/>
+                        <a:t> </a:t>
+                      </a:r>
+                      <a:r>
+                        <a:rPr lang="fr-FR" baseline="0" dirty="0" err="1" smtClean="0"/>
+                        <a:t>Spe</a:t>
+                      </a:r>
+                      <a:endParaRPr lang="fr-FR" dirty="0"/>
+                    </a:p>
+                  </a:txBody>
+                  <a:tcPr/>
+                </a:tc>
+                <a:tc>
+                  <a:txBody>
+                    <a:bodyPr/>
+                    <a:lstStyle/>
+                    <a:p>
+                      <a:r>
+                        <a:rPr lang="fr-FR" dirty="0" smtClean="0"/>
+                        <a:t>5</a:t>
+                      </a:r>
+                      <a:endParaRPr lang="fr-FR" dirty="0"/>
+                    </a:p>
+                  </a:txBody>
+                  <a:tcPr/>
+                </a:tc>
+              </a:tr>
+              <a:tr h="370840">
+                <a:tc>
+                  <a:txBody>
+                    <a:bodyPr/>
+                    <a:lstStyle/>
+                    <a:p>
+                      <a:r>
+                        <a:rPr lang="fr-FR" dirty="0" smtClean="0"/>
+                        <a:t>Vitesse</a:t>
+                      </a:r>
+                      <a:endParaRPr lang="fr-FR" dirty="0"/>
+                    </a:p>
+                  </a:txBody>
+                  <a:tcPr/>
+                </a:tc>
+                <a:tc>
+                  <a:txBody>
+                    <a:bodyPr/>
+                    <a:lstStyle/>
+                    <a:p>
+                      <a:r>
+                        <a:rPr lang="fr-FR" dirty="0" smtClean="0"/>
+                        <a:t>5</a:t>
+                      </a:r>
+                      <a:endParaRPr lang="fr-FR" dirty="0"/>
+                    </a:p>
+                  </a:txBody>
+                  <a:tcPr/>
+                </a:tc>
+              </a:tr>
+            </a:tbl>
+          </a:graphicData>
+        </a:graphic>
+      </p:graphicFrame>
+    </p:spTree>
+    <p:extLst>
+      <p:ext uri="{BB962C8B-B14F-4D97-AF65-F5344CB8AC3E}">
+        <p14:creationId xmlns:p14="http://schemas.microsoft.com/office/powerpoint/2010/main" val="3641613322"/>
+      </p:ext>
+    </p:extLst>
+  </p:cSld>
+  <p:clrMapOvr>
+    <a:masterClrMapping/>
+  </p:clrMapOvr>
+  <p:timing>
+    <p:tnLst>
+      <p:par>
+        <p:cTn id="1" dur="indefinite" restart="never" nodeType="tmRoot"/>
+      </p:par>
+    </p:tnLst>
+  </p:timing>
 </p:sld>
 </file>
 

--- a/00 - Presentation.pptx
+++ b/00 - Presentation.pptx
@@ -7,20 +7,21 @@
   </p:sldMasterIdLst>
   <p:sldIdLst>
     <p:sldId id="256" r:id="rId3"/>
-    <p:sldId id="258" r:id="rId4"/>
-    <p:sldId id="259" r:id="rId5"/>
-    <p:sldId id="257" r:id="rId6"/>
-    <p:sldId id="260" r:id="rId7"/>
-    <p:sldId id="262" r:id="rId8"/>
-    <p:sldId id="261" r:id="rId9"/>
-    <p:sldId id="263" r:id="rId10"/>
-    <p:sldId id="270" r:id="rId11"/>
-    <p:sldId id="264" r:id="rId12"/>
-    <p:sldId id="265" r:id="rId13"/>
-    <p:sldId id="269" r:id="rId14"/>
-    <p:sldId id="266" r:id="rId15"/>
-    <p:sldId id="267" r:id="rId16"/>
-    <p:sldId id="268" r:id="rId17"/>
+    <p:sldId id="263" r:id="rId4"/>
+    <p:sldId id="271" r:id="rId5"/>
+    <p:sldId id="258" r:id="rId6"/>
+    <p:sldId id="259" r:id="rId7"/>
+    <p:sldId id="257" r:id="rId8"/>
+    <p:sldId id="260" r:id="rId9"/>
+    <p:sldId id="262" r:id="rId10"/>
+    <p:sldId id="272" r:id="rId11"/>
+    <p:sldId id="261" r:id="rId12"/>
+    <p:sldId id="273" r:id="rId13"/>
+    <p:sldId id="265" r:id="rId14"/>
+    <p:sldId id="269" r:id="rId15"/>
+    <p:sldId id="266" r:id="rId16"/>
+    <p:sldId id="267" r:id="rId17"/>
+    <p:sldId id="268" r:id="rId18"/>
   </p:sldIdLst>
   <p:sldSz cx="12192000" cy="6858000"/>
   <p:notesSz cx="6858000" cy="9144000"/>
@@ -129,6 +130,8 @@
         </p14:section>
         <p14:section name="Heros" id="{2D972146-3EEC-4426-AEA8-E8F5E5F19DEB}">
           <p14:sldIdLst>
+            <p14:sldId id="263"/>
+            <p14:sldId id="271"/>
             <p14:sldId id="258"/>
             <p14:sldId id="259"/>
             <p14:sldId id="257"/>
@@ -138,14 +141,13 @@
           <p14:sldIdLst>
             <p14:sldId id="260"/>
             <p14:sldId id="262"/>
+            <p14:sldId id="272"/>
             <p14:sldId id="261"/>
+            <p14:sldId id="273"/>
           </p14:sldIdLst>
         </p14:section>
         <p14:section name="Systeme de jeu" id="{AA84A465-ADB9-40E7-AF15-12C051DA4139}">
           <p14:sldIdLst>
-            <p14:sldId id="263"/>
-            <p14:sldId id="270"/>
-            <p14:sldId id="264"/>
             <p14:sldId id="265"/>
             <p14:sldId id="269"/>
             <p14:sldId id="266"/>
@@ -13318,8 +13320,8 @@
           <a:lstStyle/>
           <a:p>
             <a:r>
-              <a:rPr lang="fr-FR" dirty="0" err="1" smtClean="0"/>
-              <a:t>Competences</a:t>
+              <a:rPr lang="fr-FR" dirty="0" smtClean="0"/>
+              <a:t>Peuples Ennemis</a:t>
             </a:r>
             <a:endParaRPr lang="fr-FR" dirty="0"/>
           </a:p>
@@ -13366,7 +13368,7 @@
             <p:ph sz="half" idx="2"/>
             <p:extLst>
               <p:ext uri="{D42A27DB-BD31-4B8C-83A1-F6EECF244321}">
-                <p14:modId xmlns:p14="http://schemas.microsoft.com/office/powerpoint/2010/main" val="2713145883"/>
+                <p14:modId xmlns:p14="http://schemas.microsoft.com/office/powerpoint/2010/main" val="2814762954"/>
               </p:ext>
             </p:extLst>
           </p:nvPr>
@@ -13570,10 +13572,10 @@
                     <a:lstStyle/>
                     <a:p>
                       <a:r>
-                        <a:rPr lang="fr-FR" dirty="0" smtClean="0"/>
+                        <a:rPr lang="fr-FR" sz="1600" dirty="0" smtClean="0"/>
                         <a:t>Morts</a:t>
                       </a:r>
-                      <a:endParaRPr lang="fr-FR" dirty="0"/>
+                      <a:endParaRPr lang="fr-FR" sz="1600" dirty="0"/>
                     </a:p>
                   </a:txBody>
                   <a:tcPr marL="83838" marR="83838"/>
@@ -13586,7 +13588,7 @@
     </p:spTree>
     <p:extLst>
       <p:ext uri="{BB962C8B-B14F-4D97-AF65-F5344CB8AC3E}">
-        <p14:creationId xmlns:p14="http://schemas.microsoft.com/office/powerpoint/2010/main" val="2996179661"/>
+        <p14:creationId xmlns:p14="http://schemas.microsoft.com/office/powerpoint/2010/main" val="1912953451"/>
       </p:ext>
     </p:extLst>
   </p:cSld>
@@ -13637,7 +13639,7 @@
           <a:p>
             <a:r>
               <a:rPr lang="fr-FR" dirty="0" smtClean="0"/>
-              <a:t>Tests</a:t>
+              <a:t>Peuples Monstres</a:t>
             </a:r>
             <a:endParaRPr lang="fr-FR" dirty="0"/>
           </a:p>
@@ -13660,15 +13662,39 @@
           <a:p>
             <a:r>
               <a:rPr lang="fr-FR" dirty="0" smtClean="0"/>
-              <a:t>Les ennemis sont aussi nombreux que les alliés. Les elfes sont agressifs et isoles, ils communiquent et échanges très peu avec les autres races. Les </a:t>
+              <a:t>Les </a:t>
             </a:r>
             <a:r>
               <a:rPr lang="fr-FR" dirty="0" err="1" smtClean="0"/>
-              <a:t>Duergar</a:t>
+              <a:t>bobelins</a:t>
             </a:r>
             <a:r>
               <a:rPr lang="fr-FR" dirty="0" smtClean="0"/>
-              <a:t>(Nains noirs) et les Géant cohabitent ensemble et travaille main dans la main pour l’amélioration de leurs conditions de vie. Les Bannis sont en vérité d’ancien Damnés ayant trahis les leurs.</a:t>
+              <a:t> sont des montres des marais, ils attaquent sournoisement quiconque s’approche de leurs marécages. Les </a:t>
+            </a:r>
+            <a:r>
+              <a:rPr lang="fr-FR" dirty="0" err="1" smtClean="0"/>
+              <a:t>Mvend</a:t>
+            </a:r>
+            <a:r>
+              <a:rPr lang="fr-FR" dirty="0" smtClean="0"/>
+              <a:t> et les </a:t>
+            </a:r>
+            <a:r>
+              <a:rPr lang="fr-FR" dirty="0" err="1" smtClean="0"/>
+              <a:t>Karln</a:t>
+            </a:r>
+            <a:r>
+              <a:rPr lang="fr-FR" dirty="0" smtClean="0"/>
+              <a:t> sont des peuples qui sont en guerre depuis plusieurs décennies, au fur et à mesure du temps, ils se sont éloignés des villes, et entretués. Il arrive encore d’en voir de temps à autres, mais ce sont des rescapés de guerre. Le </a:t>
+            </a:r>
+            <a:r>
+              <a:rPr lang="fr-FR" dirty="0" err="1" smtClean="0"/>
+              <a:t>Midaque</a:t>
+            </a:r>
+            <a:r>
+              <a:rPr lang="fr-FR" dirty="0" smtClean="0"/>
+              <a:t> est un groupement de créatures étranges, on y trouve surtout des créatures uniques et sans formes.</a:t>
             </a:r>
             <a:endParaRPr lang="fr-FR" dirty="0"/>
           </a:p>
@@ -13684,7 +13710,7 @@
             <p:ph sz="half" idx="2"/>
             <p:extLst>
               <p:ext uri="{D42A27DB-BD31-4B8C-83A1-F6EECF244321}">
-                <p14:modId xmlns:p14="http://schemas.microsoft.com/office/powerpoint/2010/main" val="2713145883"/>
+                <p14:modId xmlns:p14="http://schemas.microsoft.com/office/powerpoint/2010/main" val="2613087130"/>
               </p:ext>
             </p:extLst>
           </p:nvPr>
@@ -13711,8 +13737,9 @@
                     <a:p>
                       <a:r>
                         <a:rPr lang="fr-FR" sz="1600" dirty="0" smtClean="0"/>
-                        <a:t>Ennemis</a:t>
+                        <a:t>Monstres</a:t>
                       </a:r>
+                      <a:endParaRPr lang="fr-FR" sz="1600" dirty="0" smtClean="0"/>
                     </a:p>
                   </a:txBody>
                   <a:tcPr marL="83838" marR="83838"/>
@@ -13735,8 +13762,8 @@
                     <a:lstStyle/>
                     <a:p>
                       <a:r>
-                        <a:rPr lang="fr-FR" sz="1600" dirty="0" smtClean="0"/>
-                        <a:t>Elfe</a:t>
+                        <a:rPr lang="fr-FR" sz="1600" dirty="0" err="1" smtClean="0"/>
+                        <a:t>Bobelin</a:t>
                       </a:r>
                       <a:endParaRPr lang="fr-FR" sz="1600" dirty="0"/>
                     </a:p>
@@ -13750,7 +13777,7 @@
                     <a:p>
                       <a:r>
                         <a:rPr lang="fr-FR" sz="1600" dirty="0" smtClean="0"/>
-                        <a:t>Vivants</a:t>
+                        <a:t>Morts</a:t>
                       </a:r>
                       <a:endParaRPr lang="fr-FR" sz="1600" dirty="0"/>
                     </a:p>
@@ -13783,7 +13810,7 @@
                       </a:pPr>
                       <a:r>
                         <a:rPr lang="fr-FR" sz="1600" b="0" dirty="0" err="1" smtClean="0"/>
-                        <a:t>Duergar</a:t>
+                        <a:t>Mvend</a:t>
                       </a:r>
                       <a:endParaRPr lang="fr-FR" sz="1600" b="0" dirty="0" smtClean="0"/>
                     </a:p>
@@ -13829,9 +13856,10 @@
                         <a:defRPr/>
                       </a:pPr>
                       <a:r>
-                        <a:rPr lang="fr-FR" sz="1600" b="0" dirty="0" smtClean="0"/>
-                        <a:t>Géant</a:t>
+                        <a:rPr lang="fr-FR" sz="1600" b="0" dirty="0" err="1" smtClean="0"/>
+                        <a:t>Karln</a:t>
                       </a:r>
+                      <a:endParaRPr lang="fr-FR" sz="1600" b="0" dirty="0" smtClean="0"/>
                     </a:p>
                   </a:txBody>
                   <a:tcPr marL="83838" marR="83838"/>
@@ -13874,8 +13902,8 @@
                     <a:lstStyle/>
                     <a:p>
                       <a:r>
-                        <a:rPr lang="fr-FR" dirty="0" smtClean="0"/>
-                        <a:t>Bannis</a:t>
+                        <a:rPr lang="fr-FR" dirty="0" err="1" smtClean="0"/>
+                        <a:t>Midaque</a:t>
                       </a:r>
                       <a:endParaRPr lang="fr-FR" dirty="0"/>
                     </a:p>
@@ -13888,10 +13916,10 @@
                     <a:lstStyle/>
                     <a:p>
                       <a:r>
-                        <a:rPr lang="fr-FR" dirty="0" smtClean="0"/>
-                        <a:t>Morts</a:t>
+                        <a:rPr lang="fr-FR" sz="1600" dirty="0" smtClean="0"/>
+                        <a:t>Vivants</a:t>
                       </a:r>
-                      <a:endParaRPr lang="fr-FR" dirty="0"/>
+                      <a:endParaRPr lang="fr-FR" sz="1600" dirty="0"/>
                     </a:p>
                   </a:txBody>
                   <a:tcPr marL="83838" marR="83838"/>
@@ -13904,7 +13932,7 @@
     </p:spTree>
     <p:extLst>
       <p:ext uri="{BB962C8B-B14F-4D97-AF65-F5344CB8AC3E}">
-        <p14:creationId xmlns:p14="http://schemas.microsoft.com/office/powerpoint/2010/main" val="2157902777"/>
+        <p14:creationId xmlns:p14="http://schemas.microsoft.com/office/powerpoint/2010/main" val="1596898609"/>
       </p:ext>
     </p:extLst>
   </p:cSld>
@@ -13955,7 +13983,7 @@
           <a:p>
             <a:r>
               <a:rPr lang="fr-FR" dirty="0" smtClean="0"/>
-              <a:t>Mouvements</a:t>
+              <a:t>Tests de compétences</a:t>
             </a:r>
             <a:endParaRPr lang="fr-FR" dirty="0"/>
           </a:p>
@@ -13976,33 +14004,73 @@
           <a:bodyPr/>
           <a:lstStyle/>
           <a:p>
+            <a:pPr algn="just"/>
+            <a:r>
+              <a:rPr lang="fr-FR" dirty="0"/>
+              <a:t>Les tests de compétences définissent l’habilité du joueur à effectuer des actions qu’il ne peut effectuer nativement</a:t>
+            </a:r>
             <a:r>
               <a:rPr lang="fr-FR" dirty="0" smtClean="0"/>
-              <a:t>Les ennemis sont aussi nombreux que les alliés. Les elfes sont agressifs et isoles, ils communiquent et échanges très peu avec les autres races. Les </a:t>
-            </a:r>
-            <a:r>
-              <a:rPr lang="fr-FR" dirty="0" err="1" smtClean="0"/>
-              <a:t>Duergar</a:t>
-            </a:r>
+              <a:t>.</a:t>
+            </a:r>
+          </a:p>
+          <a:p>
             <a:r>
               <a:rPr lang="fr-FR" dirty="0" smtClean="0"/>
-              <a:t>(Nains noirs) et les Géant cohabitent ensemble et travaille main dans la main pour l’amélioration de leurs conditions de vie. Les Bannis sont en vérité d’ancien Damnés ayant trahis les leurs.</a:t>
-            </a:r>
+              <a:t>(</a:t>
+            </a:r>
+            <a:r>
+              <a:rPr lang="fr-FR" dirty="0"/>
+              <a:t>Exemple : escalader n’est pas « natif », </a:t>
+            </a:r>
+            <a:r>
+              <a:rPr lang="fr-FR" dirty="0" smtClean="0"/>
+              <a:t/>
+            </a:r>
+            <a:br>
+              <a:rPr lang="fr-FR" dirty="0" smtClean="0"/>
+            </a:br>
+            <a:r>
+              <a:rPr lang="fr-FR" dirty="0" smtClean="0"/>
+              <a:t>le </a:t>
+            </a:r>
+            <a:r>
+              <a:rPr lang="fr-FR" dirty="0"/>
+              <a:t>joueur l’apprend lorsqu’il grimpe)</a:t>
+            </a:r>
+            <a:endParaRPr lang="fr-FR" dirty="0"/>
+          </a:p>
+        </p:txBody>
+      </p:sp>
+      <p:sp>
+        <p:nvSpPr>
+          <p:cNvPr id="2" name="Espace réservé du contenu 1"/>
+          <p:cNvSpPr>
+            <a:spLocks noGrp="1"/>
+          </p:cNvSpPr>
+          <p:nvPr>
+            <p:ph sz="half" idx="2"/>
+          </p:nvPr>
+        </p:nvSpPr>
+        <p:spPr/>
+        <p:txBody>
+          <a:bodyPr/>
+          <a:lstStyle/>
+          <a:p>
             <a:endParaRPr lang="fr-FR" dirty="0"/>
           </a:p>
         </p:txBody>
       </p:sp>
       <p:graphicFrame>
         <p:nvGraphicFramePr>
-          <p:cNvPr id="9" name="Espace réservé du contenu 8"/>
+          <p:cNvPr id="7" name="Espace réservé du contenu 8"/>
           <p:cNvGraphicFramePr>
-            <a:graphicFrameLocks noGrp="1"/>
+            <a:graphicFrameLocks/>
           </p:cNvGraphicFramePr>
           <p:nvPr>
-            <p:ph sz="half" idx="2"/>
             <p:extLst>
               <p:ext uri="{D42A27DB-BD31-4B8C-83A1-F6EECF244321}">
-                <p14:modId xmlns:p14="http://schemas.microsoft.com/office/powerpoint/2010/main" val="2713145883"/>
+                <p14:modId xmlns:p14="http://schemas.microsoft.com/office/powerpoint/2010/main" val="2554246192"/>
               </p:ext>
             </p:extLst>
           </p:nvPr>
@@ -14029,8 +14097,9 @@
                     <a:p>
                       <a:r>
                         <a:rPr lang="fr-FR" sz="1600" dirty="0" smtClean="0"/>
-                        <a:t>Ennemis</a:t>
+                        <a:t>Difficulté</a:t>
                       </a:r>
+                      <a:endParaRPr lang="fr-FR" sz="1600" dirty="0" smtClean="0"/>
                     </a:p>
                   </a:txBody>
                   <a:tcPr marL="83838" marR="83838"/>
@@ -14043,7 +14112,9 @@
                       <a:endParaRPr lang="fr-FR" sz="1600" dirty="0" smtClean="0"/>
                     </a:p>
                   </a:txBody>
-                  <a:tcPr marL="83838" marR="83838"/>
+                  <a:tcPr marL="83838" marR="83838">
+                    <a:noFill/>
+                  </a:tcPr>
                 </a:tc>
               </a:tr>
               <a:tr h="370840">
@@ -14054,7 +14125,7 @@
                     <a:p>
                       <a:r>
                         <a:rPr lang="fr-FR" sz="1600" dirty="0" smtClean="0"/>
-                        <a:t>Elfe</a:t>
+                        <a:t>Simple</a:t>
                       </a:r>
                       <a:endParaRPr lang="fr-FR" sz="1600" dirty="0"/>
                     </a:p>
@@ -14068,54 +14139,7 @@
                     <a:p>
                       <a:r>
                         <a:rPr lang="fr-FR" sz="1600" dirty="0" smtClean="0"/>
-                        <a:t>Vivants</a:t>
-                      </a:r>
-                      <a:endParaRPr lang="fr-FR" sz="1600" dirty="0"/>
-                    </a:p>
-                  </a:txBody>
-                  <a:tcPr marL="83838" marR="83838"/>
-                </a:tc>
-              </a:tr>
-              <a:tr h="370840">
-                <a:tc>
-                  <a:txBody>
-                    <a:bodyPr/>
-                    <a:lstStyle/>
-                    <a:p>
-                      <a:pPr marL="0" marR="0" lvl="0" indent="0" algn="l" defTabSz="914400" rtl="0" eaLnBrk="1" fontAlgn="auto" latinLnBrk="0" hangingPunct="1">
-                        <a:lnSpc>
-                          <a:spcPct val="100000"/>
-                        </a:lnSpc>
-                        <a:spcBef>
-                          <a:spcPts val="0"/>
-                        </a:spcBef>
-                        <a:spcAft>
-                          <a:spcPts val="0"/>
-                        </a:spcAft>
-                        <a:buClrTx/>
-                        <a:buSzTx/>
-                        <a:buFontTx/>
-                        <a:buNone/>
-                        <a:tabLst/>
-                        <a:defRPr/>
-                      </a:pPr>
-                      <a:r>
-                        <a:rPr lang="fr-FR" sz="1600" b="0" dirty="0" err="1" smtClean="0"/>
-                        <a:t>Duergar</a:t>
-                      </a:r>
-                      <a:endParaRPr lang="fr-FR" sz="1600" b="0" dirty="0" smtClean="0"/>
-                    </a:p>
-                  </a:txBody>
-                  <a:tcPr marL="83838" marR="83838"/>
-                </a:tc>
-                <a:tc>
-                  <a:txBody>
-                    <a:bodyPr/>
-                    <a:lstStyle/>
-                    <a:p>
-                      <a:r>
-                        <a:rPr lang="fr-FR" sz="1600" dirty="0" smtClean="0"/>
-                        <a:t>Vivants</a:t>
+                        <a:t>5 - 7</a:t>
                       </a:r>
                       <a:endParaRPr lang="fr-FR" sz="1600" dirty="0"/>
                     </a:p>
@@ -14148,8 +14172,56 @@
                       </a:pPr>
                       <a:r>
                         <a:rPr lang="fr-FR" sz="1600" b="0" dirty="0" smtClean="0"/>
-                        <a:t>Géant</a:t>
+                        <a:t>Normale</a:t>
                       </a:r>
+                      <a:endParaRPr lang="fr-FR" sz="1600" b="0" dirty="0" smtClean="0"/>
+                    </a:p>
+                  </a:txBody>
+                  <a:tcPr marL="83838" marR="83838"/>
+                </a:tc>
+                <a:tc>
+                  <a:txBody>
+                    <a:bodyPr/>
+                    <a:lstStyle/>
+                    <a:p>
+                      <a:r>
+                        <a:rPr lang="fr-FR" sz="1600" dirty="0" smtClean="0"/>
+                        <a:t>8 - 12</a:t>
+                      </a:r>
+                      <a:endParaRPr lang="fr-FR" sz="1600" dirty="0"/>
+                    </a:p>
+                  </a:txBody>
+                  <a:tcPr marL="83838" marR="83838"/>
+                </a:tc>
+              </a:tr>
+              <a:tr h="370840">
+                <a:tc>
+                  <a:txBody>
+                    <a:bodyPr/>
+                    <a:lstStyle/>
+                    <a:p>
+                      <a:pPr marL="0" marR="0" lvl="0" indent="0" algn="l" defTabSz="914400" rtl="0" eaLnBrk="1" fontAlgn="auto" latinLnBrk="0" hangingPunct="1">
+                        <a:lnSpc>
+                          <a:spcPct val="100000"/>
+                        </a:lnSpc>
+                        <a:spcBef>
+                          <a:spcPts val="0"/>
+                        </a:spcBef>
+                        <a:spcAft>
+                          <a:spcPts val="0"/>
+                        </a:spcAft>
+                        <a:buClrTx/>
+                        <a:buSzTx/>
+                        <a:buFontTx/>
+                        <a:buNone/>
+                        <a:tabLst/>
+                        <a:defRPr/>
+                      </a:pPr>
+                      <a:r>
+                        <a:rPr lang="fr-FR" sz="1600" b="0" dirty="0" smtClean="0"/>
+                        <a:t>Elevée</a:t>
+                      </a:r>
+                      <a:endParaRPr lang="fr-FR" sz="1600" b="0" dirty="0" smtClean="0"/>
                     </a:p>
                   </a:txBody>
                   <a:tcPr marL="83838" marR="83838"/>
@@ -14178,8 +14250,9 @@
                       </a:pPr>
                       <a:r>
                         <a:rPr lang="fr-FR" sz="1600" b="0" dirty="0" smtClean="0"/>
-                        <a:t>Vivants</a:t>
+                        <a:t>13 - 15</a:t>
                       </a:r>
+                      <a:endParaRPr lang="fr-FR" sz="1600" b="0" dirty="0" smtClean="0"/>
                     </a:p>
                   </a:txBody>
                   <a:tcPr marL="83838" marR="83838"/>
@@ -14192,8 +14265,8 @@
                     <a:lstStyle/>
                     <a:p>
                       <a:r>
-                        <a:rPr lang="fr-FR" dirty="0" smtClean="0"/>
-                        <a:t>Bannis</a:t>
+                        <a:rPr lang="fr-FR" sz="1600" dirty="0" smtClean="0"/>
+                        <a:t>Impossible</a:t>
                       </a:r>
                       <a:endParaRPr lang="fr-FR" dirty="0"/>
                     </a:p>
@@ -14206,10 +14279,10 @@
                     <a:lstStyle/>
                     <a:p>
                       <a:r>
-                        <a:rPr lang="fr-FR" dirty="0" smtClean="0"/>
-                        <a:t>Morts</a:t>
+                        <a:rPr lang="fr-FR" sz="1600" dirty="0" smtClean="0"/>
+                        <a:t>16 - 20</a:t>
                       </a:r>
-                      <a:endParaRPr lang="fr-FR" dirty="0"/>
+                      <a:endParaRPr lang="fr-FR" sz="1600" dirty="0"/>
                     </a:p>
                   </a:txBody>
                   <a:tcPr marL="83838" marR="83838"/>
@@ -14222,7 +14295,7 @@
     </p:spTree>
     <p:extLst>
       <p:ext uri="{BB962C8B-B14F-4D97-AF65-F5344CB8AC3E}">
-        <p14:creationId xmlns:p14="http://schemas.microsoft.com/office/powerpoint/2010/main" val="3431503352"/>
+        <p14:creationId xmlns:p14="http://schemas.microsoft.com/office/powerpoint/2010/main" val="2157902777"/>
       </p:ext>
     </p:extLst>
   </p:cSld>
@@ -14273,7 +14346,7 @@
           <a:p>
             <a:r>
               <a:rPr lang="fr-FR" dirty="0" smtClean="0"/>
-              <a:t>Attaques</a:t>
+              <a:t>Mouvements</a:t>
             </a:r>
             <a:endParaRPr lang="fr-FR" dirty="0"/>
           </a:p>
@@ -14296,15 +14369,14 @@
           <a:p>
             <a:r>
               <a:rPr lang="fr-FR" dirty="0" smtClean="0"/>
-              <a:t>Les ennemis sont aussi nombreux que les alliés. Les elfes sont agressifs et isoles, ils communiquent et échanges très peu avec les autres races. Les </a:t>
-            </a:r>
-            <a:r>
-              <a:rPr lang="fr-FR" dirty="0" err="1" smtClean="0"/>
-              <a:t>Duergar</a:t>
-            </a:r>
-            <a:r>
+              <a:t>Les mouvements du joueurs sont définis par </a:t>
+            </a:r>
+            <a:br>
               <a:rPr lang="fr-FR" dirty="0" smtClean="0"/>
-              <a:t>(Nains noirs) et les Géant cohabitent ensemble et travaille main dans la main pour l’amélioration de leurs conditions de vie. Les Bannis sont en vérité d’ancien Damnés ayant trahis les leurs.</a:t>
+            </a:br>
+            <a:r>
+              <a:rPr lang="fr-FR" dirty="0" smtClean="0"/>
+              <a:t>sa vitesse. La vitesse divisée par 2 définie le nombre de cases de mouvement du joueur.</a:t>
             </a:r>
             <a:endParaRPr lang="fr-FR" dirty="0"/>
           </a:p>
@@ -14320,7 +14392,7 @@
             <p:ph sz="half" idx="2"/>
             <p:extLst>
               <p:ext uri="{D42A27DB-BD31-4B8C-83A1-F6EECF244321}">
-                <p14:modId xmlns:p14="http://schemas.microsoft.com/office/powerpoint/2010/main" val="2713145883"/>
+                <p14:modId xmlns:p14="http://schemas.microsoft.com/office/powerpoint/2010/main" val="3748784666"/>
               </p:ext>
             </p:extLst>
           </p:nvPr>
@@ -14347,8 +14419,9 @@
                     <a:p>
                       <a:r>
                         <a:rPr lang="fr-FR" sz="1600" dirty="0" smtClean="0"/>
-                        <a:t>Ennemis</a:t>
+                        <a:t>Déplacement</a:t>
                       </a:r>
+                      <a:endParaRPr lang="fr-FR" sz="1600" dirty="0" smtClean="0"/>
                     </a:p>
                   </a:txBody>
                   <a:tcPr marL="83838" marR="83838"/>
@@ -14361,7 +14434,9 @@
                       <a:endParaRPr lang="fr-FR" sz="1600" dirty="0" smtClean="0"/>
                     </a:p>
                   </a:txBody>
-                  <a:tcPr marL="83838" marR="83838"/>
+                  <a:tcPr marL="83838" marR="83838">
+                    <a:noFill/>
+                  </a:tcPr>
                 </a:tc>
               </a:tr>
               <a:tr h="370840">
@@ -14372,7 +14447,7 @@
                     <a:p>
                       <a:r>
                         <a:rPr lang="fr-FR" sz="1600" dirty="0" smtClean="0"/>
-                        <a:t>Elfe</a:t>
+                        <a:t>Normal</a:t>
                       </a:r>
                       <a:endParaRPr lang="fr-FR" sz="1600" dirty="0"/>
                     </a:p>
@@ -14386,54 +14461,7 @@
                     <a:p>
                       <a:r>
                         <a:rPr lang="fr-FR" sz="1600" dirty="0" smtClean="0"/>
-                        <a:t>Vivants</a:t>
-                      </a:r>
-                      <a:endParaRPr lang="fr-FR" sz="1600" dirty="0"/>
-                    </a:p>
-                  </a:txBody>
-                  <a:tcPr marL="83838" marR="83838"/>
-                </a:tc>
-              </a:tr>
-              <a:tr h="370840">
-                <a:tc>
-                  <a:txBody>
-                    <a:bodyPr/>
-                    <a:lstStyle/>
-                    <a:p>
-                      <a:pPr marL="0" marR="0" lvl="0" indent="0" algn="l" defTabSz="914400" rtl="0" eaLnBrk="1" fontAlgn="auto" latinLnBrk="0" hangingPunct="1">
-                        <a:lnSpc>
-                          <a:spcPct val="100000"/>
-                        </a:lnSpc>
-                        <a:spcBef>
-                          <a:spcPts val="0"/>
-                        </a:spcBef>
-                        <a:spcAft>
-                          <a:spcPts val="0"/>
-                        </a:spcAft>
-                        <a:buClrTx/>
-                        <a:buSzTx/>
-                        <a:buFontTx/>
-                        <a:buNone/>
-                        <a:tabLst/>
-                        <a:defRPr/>
-                      </a:pPr>
-                      <a:r>
-                        <a:rPr lang="fr-FR" sz="1600" b="0" dirty="0" err="1" smtClean="0"/>
-                        <a:t>Duergar</a:t>
-                      </a:r>
-                      <a:endParaRPr lang="fr-FR" sz="1600" b="0" dirty="0" smtClean="0"/>
-                    </a:p>
-                  </a:txBody>
-                  <a:tcPr marL="83838" marR="83838"/>
-                </a:tc>
-                <a:tc>
-                  <a:txBody>
-                    <a:bodyPr/>
-                    <a:lstStyle/>
-                    <a:p>
-                      <a:r>
-                        <a:rPr lang="fr-FR" sz="1600" dirty="0" smtClean="0"/>
-                        <a:t>Vivants</a:t>
+                        <a:t>1 / 1</a:t>
                       </a:r>
                       <a:endParaRPr lang="fr-FR" sz="1600" dirty="0"/>
                     </a:p>
@@ -14466,8 +14494,56 @@
                       </a:pPr>
                       <a:r>
                         <a:rPr lang="fr-FR" sz="1600" b="0" dirty="0" smtClean="0"/>
-                        <a:t>Géant</a:t>
+                        <a:t>Terrain encombré</a:t>
                       </a:r>
+                      <a:endParaRPr lang="fr-FR" sz="1600" b="0" dirty="0" smtClean="0"/>
+                    </a:p>
+                  </a:txBody>
+                  <a:tcPr marL="83838" marR="83838"/>
+                </a:tc>
+                <a:tc>
+                  <a:txBody>
+                    <a:bodyPr/>
+                    <a:lstStyle/>
+                    <a:p>
+                      <a:r>
+                        <a:rPr lang="fr-FR" sz="1600" dirty="0" smtClean="0"/>
+                        <a:t>1 / 2</a:t>
+                      </a:r>
+                      <a:endParaRPr lang="fr-FR" sz="1600" dirty="0"/>
+                    </a:p>
+                  </a:txBody>
+                  <a:tcPr marL="83838" marR="83838"/>
+                </a:tc>
+              </a:tr>
+              <a:tr h="370840">
+                <a:tc>
+                  <a:txBody>
+                    <a:bodyPr/>
+                    <a:lstStyle/>
+                    <a:p>
+                      <a:pPr marL="0" marR="0" lvl="0" indent="0" algn="l" defTabSz="914400" rtl="0" eaLnBrk="1" fontAlgn="auto" latinLnBrk="0" hangingPunct="1">
+                        <a:lnSpc>
+                          <a:spcPct val="100000"/>
+                        </a:lnSpc>
+                        <a:spcBef>
+                          <a:spcPts val="0"/>
+                        </a:spcBef>
+                        <a:spcAft>
+                          <a:spcPts val="0"/>
+                        </a:spcAft>
+                        <a:buClrTx/>
+                        <a:buSzTx/>
+                        <a:buFontTx/>
+                        <a:buNone/>
+                        <a:tabLst/>
+                        <a:defRPr/>
+                      </a:pPr>
+                      <a:r>
+                        <a:rPr lang="fr-FR" sz="1600" b="0" dirty="0" smtClean="0"/>
+                        <a:t>Terrain difficile</a:t>
+                      </a:r>
+                      <a:endParaRPr lang="fr-FR" sz="1600" b="0" dirty="0" smtClean="0"/>
                     </a:p>
                   </a:txBody>
                   <a:tcPr marL="83838" marR="83838"/>
@@ -14496,8 +14572,9 @@
                       </a:pPr>
                       <a:r>
                         <a:rPr lang="fr-FR" sz="1600" b="0" dirty="0" smtClean="0"/>
-                        <a:t>Vivants</a:t>
+                        <a:t>1 / 3</a:t>
                       </a:r>
+                      <a:endParaRPr lang="fr-FR" sz="1600" b="0" dirty="0" smtClean="0"/>
                     </a:p>
                   </a:txBody>
                   <a:tcPr marL="83838" marR="83838"/>
@@ -14510,10 +14587,14 @@
                     <a:lstStyle/>
                     <a:p>
                       <a:r>
-                        <a:rPr lang="fr-FR" dirty="0" smtClean="0"/>
-                        <a:t>Bannis</a:t>
+                        <a:rPr lang="fr-FR" sz="1600" dirty="0" smtClean="0"/>
+                        <a:t>Terrain</a:t>
                       </a:r>
-                      <a:endParaRPr lang="fr-FR" dirty="0"/>
+                      <a:r>
+                        <a:rPr lang="fr-FR" sz="1600" baseline="0" dirty="0" smtClean="0"/>
+                        <a:t> dangereux</a:t>
+                      </a:r>
+                      <a:endParaRPr lang="fr-FR" sz="1600" dirty="0"/>
                     </a:p>
                   </a:txBody>
                   <a:tcPr marL="83838" marR="83838"/>
@@ -14524,10 +14605,10 @@
                     <a:lstStyle/>
                     <a:p>
                       <a:r>
-                        <a:rPr lang="fr-FR" dirty="0" smtClean="0"/>
-                        <a:t>Morts</a:t>
+                        <a:rPr lang="fr-FR" sz="1600" dirty="0" smtClean="0"/>
+                        <a:t>1 / 4</a:t>
                       </a:r>
-                      <a:endParaRPr lang="fr-FR" dirty="0"/>
+                      <a:endParaRPr lang="fr-FR" sz="1600" dirty="0"/>
                     </a:p>
                   </a:txBody>
                   <a:tcPr marL="83838" marR="83838"/>
@@ -14540,7 +14621,7 @@
     </p:spTree>
     <p:extLst>
       <p:ext uri="{BB962C8B-B14F-4D97-AF65-F5344CB8AC3E}">
-        <p14:creationId xmlns:p14="http://schemas.microsoft.com/office/powerpoint/2010/main" val="2234008177"/>
+        <p14:creationId xmlns:p14="http://schemas.microsoft.com/office/powerpoint/2010/main" val="3431503352"/>
       </p:ext>
     </p:extLst>
   </p:cSld>
@@ -14590,8 +14671,8 @@
           <a:lstStyle/>
           <a:p>
             <a:r>
-              <a:rPr lang="fr-FR" dirty="0" err="1" smtClean="0"/>
-              <a:t>Degats</a:t>
+              <a:rPr lang="fr-FR" dirty="0" smtClean="0"/>
+              <a:t>Attaques</a:t>
             </a:r>
             <a:endParaRPr lang="fr-FR" dirty="0"/>
           </a:p>
@@ -14614,251 +14695,65 @@
           <a:p>
             <a:r>
               <a:rPr lang="fr-FR" dirty="0" smtClean="0"/>
-              <a:t>Les ennemis sont aussi nombreux que les alliés. Les elfes sont agressifs et isoles, ils communiquent et échanges très peu avec les autres races. Les </a:t>
+              <a:t>L’attaque correspond à la faculté du joueur à toucher son ennemi. Si la valeur d’attaque est égale ou supérieure à l’évasion de l’ennemi, l’attaque est validée. </a:t>
+            </a:r>
+            <a:r>
+              <a:rPr lang="fr-FR" dirty="0"/>
+              <a:t/>
+            </a:r>
+            <a:br>
+              <a:rPr lang="fr-FR" dirty="0"/>
+            </a:br>
+            <a:r>
+              <a:rPr lang="fr-FR" dirty="0" smtClean="0"/>
+              <a:t/>
+            </a:r>
+            <a:br>
+              <a:rPr lang="fr-FR" dirty="0" smtClean="0"/>
+            </a:br>
+            <a:r>
+              <a:rPr lang="fr-FR" dirty="0" smtClean="0"/>
+              <a:t>Attaque = (Valeur dés) + </a:t>
             </a:r>
             <a:r>
               <a:rPr lang="fr-FR" dirty="0" err="1" smtClean="0"/>
-              <a:t>Duergar</a:t>
+              <a:t>mods</a:t>
             </a:r>
             <a:r>
               <a:rPr lang="fr-FR" dirty="0" smtClean="0"/>
-              <a:t>(Nains noirs) et les Géant cohabitent ensemble et travaille main dans la main pour l’amélioration de leurs conditions de vie. Les Bannis sont en vérité d’ancien Damnés ayant trahis les leurs.</a:t>
+              <a:t> – Précision.</a:t>
             </a:r>
             <a:endParaRPr lang="fr-FR" dirty="0"/>
           </a:p>
         </p:txBody>
       </p:sp>
-      <p:graphicFrame>
-        <p:nvGraphicFramePr>
-          <p:cNvPr id="9" name="Espace réservé du contenu 8"/>
-          <p:cNvGraphicFramePr>
-            <a:graphicFrameLocks noGrp="1"/>
-          </p:cNvGraphicFramePr>
+      <p:sp>
+        <p:nvSpPr>
+          <p:cNvPr id="2" name="Espace réservé du contenu 1"/>
+          <p:cNvSpPr>
+            <a:spLocks noGrp="1"/>
+          </p:cNvSpPr>
           <p:nvPr>
             <p:ph sz="half" idx="2"/>
-            <p:extLst>
-              <p:ext uri="{D42A27DB-BD31-4B8C-83A1-F6EECF244321}">
-                <p14:modId xmlns:p14="http://schemas.microsoft.com/office/powerpoint/2010/main" val="2713145883"/>
-              </p:ext>
-            </p:extLst>
           </p:nvPr>
-        </p:nvGraphicFramePr>
-        <p:xfrm>
-          <a:off x="6035036" y="1846263"/>
-          <a:ext cx="3775320" cy="1818640"/>
-        </p:xfrm>
-        <a:graphic>
-          <a:graphicData uri="http://schemas.openxmlformats.org/drawingml/2006/table">
-            <a:tbl>
-              <a:tblPr firstRow="1" bandRow="1">
-                <a:tableStyleId>{5C22544A-7EE6-4342-B048-85BDC9FD1C3A}</a:tableStyleId>
-              </a:tblPr>
-              <a:tblGrid>
-                <a:gridCol w="1887660"/>
-                <a:gridCol w="1887660"/>
-              </a:tblGrid>
-              <a:tr h="332394">
-                <a:tc>
-                  <a:txBody>
-                    <a:bodyPr/>
-                    <a:lstStyle/>
-                    <a:p>
-                      <a:r>
-                        <a:rPr lang="fr-FR" sz="1600" dirty="0" smtClean="0"/>
-                        <a:t>Ennemis</a:t>
-                      </a:r>
-                    </a:p>
-                  </a:txBody>
-                  <a:tcPr marL="83838" marR="83838"/>
-                </a:tc>
-                <a:tc>
-                  <a:txBody>
-                    <a:bodyPr/>
-                    <a:lstStyle/>
-                    <a:p>
-                      <a:endParaRPr lang="fr-FR" sz="1600" dirty="0" smtClean="0"/>
-                    </a:p>
-                  </a:txBody>
-                  <a:tcPr marL="83838" marR="83838"/>
-                </a:tc>
-              </a:tr>
-              <a:tr h="370840">
-                <a:tc>
-                  <a:txBody>
-                    <a:bodyPr/>
-                    <a:lstStyle/>
-                    <a:p>
-                      <a:r>
-                        <a:rPr lang="fr-FR" sz="1600" dirty="0" smtClean="0"/>
-                        <a:t>Elfe</a:t>
-                      </a:r>
-                      <a:endParaRPr lang="fr-FR" sz="1600" dirty="0"/>
-                    </a:p>
-                  </a:txBody>
-                  <a:tcPr marL="83838" marR="83838"/>
-                </a:tc>
-                <a:tc>
-                  <a:txBody>
-                    <a:bodyPr/>
-                    <a:lstStyle/>
-                    <a:p>
-                      <a:r>
-                        <a:rPr lang="fr-FR" sz="1600" dirty="0" smtClean="0"/>
-                        <a:t>Vivants</a:t>
-                      </a:r>
-                      <a:endParaRPr lang="fr-FR" sz="1600" dirty="0"/>
-                    </a:p>
-                  </a:txBody>
-                  <a:tcPr marL="83838" marR="83838"/>
-                </a:tc>
-              </a:tr>
-              <a:tr h="370840">
-                <a:tc>
-                  <a:txBody>
-                    <a:bodyPr/>
-                    <a:lstStyle/>
-                    <a:p>
-                      <a:pPr marL="0" marR="0" lvl="0" indent="0" algn="l" defTabSz="914400" rtl="0" eaLnBrk="1" fontAlgn="auto" latinLnBrk="0" hangingPunct="1">
-                        <a:lnSpc>
-                          <a:spcPct val="100000"/>
-                        </a:lnSpc>
-                        <a:spcBef>
-                          <a:spcPts val="0"/>
-                        </a:spcBef>
-                        <a:spcAft>
-                          <a:spcPts val="0"/>
-                        </a:spcAft>
-                        <a:buClrTx/>
-                        <a:buSzTx/>
-                        <a:buFontTx/>
-                        <a:buNone/>
-                        <a:tabLst/>
-                        <a:defRPr/>
-                      </a:pPr>
-                      <a:r>
-                        <a:rPr lang="fr-FR" sz="1600" b="0" dirty="0" err="1" smtClean="0"/>
-                        <a:t>Duergar</a:t>
-                      </a:r>
-                      <a:endParaRPr lang="fr-FR" sz="1600" b="0" dirty="0" smtClean="0"/>
-                    </a:p>
-                  </a:txBody>
-                  <a:tcPr marL="83838" marR="83838"/>
-                </a:tc>
-                <a:tc>
-                  <a:txBody>
-                    <a:bodyPr/>
-                    <a:lstStyle/>
-                    <a:p>
-                      <a:r>
-                        <a:rPr lang="fr-FR" sz="1600" dirty="0" smtClean="0"/>
-                        <a:t>Vivants</a:t>
-                      </a:r>
-                      <a:endParaRPr lang="fr-FR" sz="1600" dirty="0"/>
-                    </a:p>
-                  </a:txBody>
-                  <a:tcPr marL="83838" marR="83838"/>
-                </a:tc>
-              </a:tr>
-              <a:tr h="370840">
-                <a:tc>
-                  <a:txBody>
-                    <a:bodyPr/>
-                    <a:lstStyle/>
-                    <a:p>
-                      <a:pPr marL="0" marR="0" lvl="0" indent="0" algn="l" defTabSz="914400" rtl="0" eaLnBrk="1" fontAlgn="auto" latinLnBrk="0" hangingPunct="1">
-                        <a:lnSpc>
-                          <a:spcPct val="100000"/>
-                        </a:lnSpc>
-                        <a:spcBef>
-                          <a:spcPts val="0"/>
-                        </a:spcBef>
-                        <a:spcAft>
-                          <a:spcPts val="0"/>
-                        </a:spcAft>
-                        <a:buClrTx/>
-                        <a:buSzTx/>
-                        <a:buFontTx/>
-                        <a:buNone/>
-                        <a:tabLst/>
-                        <a:defRPr/>
-                      </a:pPr>
-                      <a:r>
-                        <a:rPr lang="fr-FR" sz="1600" b="0" dirty="0" smtClean="0"/>
-                        <a:t>Géant</a:t>
-                      </a:r>
-                    </a:p>
-                  </a:txBody>
-                  <a:tcPr marL="83838" marR="83838"/>
-                </a:tc>
-                <a:tc>
-                  <a:txBody>
-                    <a:bodyPr/>
-                    <a:lstStyle/>
-                    <a:p>
-                      <a:pPr marL="0" marR="0" lvl="0" indent="0" algn="l" defTabSz="914400" rtl="0" eaLnBrk="1" fontAlgn="auto" latinLnBrk="0" hangingPunct="1">
-                        <a:lnSpc>
-                          <a:spcPct val="100000"/>
-                        </a:lnSpc>
-                        <a:spcBef>
-                          <a:spcPts val="0"/>
-                        </a:spcBef>
-                        <a:spcAft>
-                          <a:spcPts val="0"/>
-                        </a:spcAft>
-                        <a:buClrTx/>
-                        <a:buSzTx/>
-                        <a:buFontTx/>
-                        <a:buNone/>
-                        <a:tabLst/>
-                        <a:defRPr/>
-                      </a:pPr>
-                      <a:r>
-                        <a:rPr lang="fr-FR" sz="1600" b="0" dirty="0" smtClean="0"/>
-                        <a:t>Vivants</a:t>
-                      </a:r>
-                    </a:p>
-                  </a:txBody>
-                  <a:tcPr marL="83838" marR="83838"/>
-                </a:tc>
-              </a:tr>
-              <a:tr h="370840">
-                <a:tc>
-                  <a:txBody>
-                    <a:bodyPr/>
-                    <a:lstStyle/>
-                    <a:p>
-                      <a:r>
-                        <a:rPr lang="fr-FR" dirty="0" smtClean="0"/>
-                        <a:t>Bannis</a:t>
-                      </a:r>
-                      <a:endParaRPr lang="fr-FR" dirty="0"/>
-                    </a:p>
-                  </a:txBody>
-                  <a:tcPr marL="83838" marR="83838"/>
-                </a:tc>
-                <a:tc>
-                  <a:txBody>
-                    <a:bodyPr/>
-                    <a:lstStyle/>
-                    <a:p>
-                      <a:r>
-                        <a:rPr lang="fr-FR" dirty="0" smtClean="0"/>
-                        <a:t>Morts</a:t>
-                      </a:r>
-                      <a:endParaRPr lang="fr-FR" dirty="0"/>
-                    </a:p>
-                  </a:txBody>
-                  <a:tcPr marL="83838" marR="83838"/>
-                </a:tc>
-              </a:tr>
-            </a:tbl>
-          </a:graphicData>
-        </a:graphic>
-      </p:graphicFrame>
+        </p:nvSpPr>
+        <p:spPr/>
+        <p:txBody>
+          <a:bodyPr/>
+          <a:lstStyle/>
+          <a:p>
+            <a:r>
+              <a:rPr lang="fr-FR" dirty="0" smtClean="0"/>
+              <a:t>Si la valeur d’attaque est deux fois supérieur à l’évasion de l’adversaire, un coup critique est déclenché.</a:t>
+            </a:r>
+            <a:endParaRPr lang="fr-FR" dirty="0"/>
+          </a:p>
+        </p:txBody>
+      </p:sp>
     </p:spTree>
     <p:extLst>
       <p:ext uri="{BB962C8B-B14F-4D97-AF65-F5344CB8AC3E}">
-        <p14:creationId xmlns:p14="http://schemas.microsoft.com/office/powerpoint/2010/main" val="1282100186"/>
+        <p14:creationId xmlns:p14="http://schemas.microsoft.com/office/powerpoint/2010/main" val="2234008177"/>
       </p:ext>
     </p:extLst>
   </p:cSld>
@@ -14908,8 +14803,8 @@
           <a:lstStyle/>
           <a:p>
             <a:r>
-              <a:rPr lang="fr-FR" dirty="0" err="1" smtClean="0"/>
-              <a:t>Defenses</a:t>
+              <a:rPr lang="fr-FR" dirty="0" smtClean="0"/>
+              <a:t>Dégâts</a:t>
             </a:r>
             <a:endParaRPr lang="fr-FR" dirty="0"/>
           </a:p>
@@ -14930,18 +14825,6 @@
           <a:bodyPr/>
           <a:lstStyle/>
           <a:p>
-            <a:r>
-              <a:rPr lang="fr-FR" dirty="0" smtClean="0"/>
-              <a:t>Les ennemis sont aussi nombreux que les alliés. Les elfes sont agressifs et isoles, ils communiquent et échanges très peu avec les autres races. Les </a:t>
-            </a:r>
-            <a:r>
-              <a:rPr lang="fr-FR" dirty="0" err="1" smtClean="0"/>
-              <a:t>Duergar</a:t>
-            </a:r>
-            <a:r>
-              <a:rPr lang="fr-FR" dirty="0" smtClean="0"/>
-              <a:t>(Nains noirs) et les Géant cohabitent ensemble et travaille main dans la main pour l’amélioration de leurs conditions de vie. Les Bannis sont en vérité d’ancien Damnés ayant trahis les leurs.</a:t>
-            </a:r>
             <a:endParaRPr lang="fr-FR" dirty="0"/>
           </a:p>
         </p:txBody>
@@ -14956,7 +14839,7 @@
             <p:ph sz="half" idx="2"/>
             <p:extLst>
               <p:ext uri="{D42A27DB-BD31-4B8C-83A1-F6EECF244321}">
-                <p14:modId xmlns:p14="http://schemas.microsoft.com/office/powerpoint/2010/main" val="2713145883"/>
+                <p14:modId xmlns:p14="http://schemas.microsoft.com/office/powerpoint/2010/main" val="895344188"/>
               </p:ext>
             </p:extLst>
           </p:nvPr>
@@ -14981,10 +14864,7 @@
                     <a:bodyPr/>
                     <a:lstStyle/>
                     <a:p>
-                      <a:r>
-                        <a:rPr lang="fr-FR" sz="1600" dirty="0" smtClean="0"/>
-                        <a:t>Ennemis</a:t>
-                      </a:r>
+                      <a:endParaRPr lang="fr-FR" sz="1600" dirty="0" smtClean="0"/>
                     </a:p>
                   </a:txBody>
                   <a:tcPr marL="83838" marR="83838"/>
@@ -15006,11 +14886,7 @@
                     <a:bodyPr/>
                     <a:lstStyle/>
                     <a:p>
-                      <a:r>
-                        <a:rPr lang="fr-FR" sz="1600" dirty="0" smtClean="0"/>
-                        <a:t>Elfe</a:t>
-                      </a:r>
-                      <a:endParaRPr lang="fr-FR" sz="1600" dirty="0"/>
+                      <a:endParaRPr lang="fr-FR" dirty="0"/>
                     </a:p>
                   </a:txBody>
                   <a:tcPr marL="83838" marR="83838"/>
@@ -15020,11 +14896,7 @@
                     <a:bodyPr/>
                     <a:lstStyle/>
                     <a:p>
-                      <a:r>
-                        <a:rPr lang="fr-FR" sz="1600" dirty="0" smtClean="0"/>
-                        <a:t>Vivants</a:t>
-                      </a:r>
-                      <a:endParaRPr lang="fr-FR" sz="1600" dirty="0"/>
+                      <a:endParaRPr lang="fr-FR" dirty="0"/>
                     </a:p>
                   </a:txBody>
                   <a:tcPr marL="83838" marR="83838"/>
@@ -15036,28 +14908,7 @@
                     <a:bodyPr/>
                     <a:lstStyle/>
                     <a:p>
-                      <a:pPr marL="0" marR="0" lvl="0" indent="0" algn="l" defTabSz="914400" rtl="0" eaLnBrk="1" fontAlgn="auto" latinLnBrk="0" hangingPunct="1">
-                        <a:lnSpc>
-                          <a:spcPct val="100000"/>
-                        </a:lnSpc>
-                        <a:spcBef>
-                          <a:spcPts val="0"/>
-                        </a:spcBef>
-                        <a:spcAft>
-                          <a:spcPts val="0"/>
-                        </a:spcAft>
-                        <a:buClrTx/>
-                        <a:buSzTx/>
-                        <a:buFontTx/>
-                        <a:buNone/>
-                        <a:tabLst/>
-                        <a:defRPr/>
-                      </a:pPr>
-                      <a:r>
-                        <a:rPr lang="fr-FR" sz="1600" b="0" dirty="0" err="1" smtClean="0"/>
-                        <a:t>Duergar</a:t>
-                      </a:r>
-                      <a:endParaRPr lang="fr-FR" sz="1600" b="0" dirty="0" smtClean="0"/>
+                      <a:endParaRPr lang="fr-FR"/>
                     </a:p>
                   </a:txBody>
                   <a:tcPr marL="83838" marR="83838"/>
@@ -15067,11 +14918,7 @@
                     <a:bodyPr/>
                     <a:lstStyle/>
                     <a:p>
-                      <a:r>
-                        <a:rPr lang="fr-FR" sz="1600" dirty="0" smtClean="0"/>
-                        <a:t>Vivants</a:t>
-                      </a:r>
-                      <a:endParaRPr lang="fr-FR" sz="1600" dirty="0"/>
+                      <a:endParaRPr lang="fr-FR"/>
                     </a:p>
                   </a:txBody>
                   <a:tcPr marL="83838" marR="83838"/>
@@ -15083,27 +14930,7 @@
                     <a:bodyPr/>
                     <a:lstStyle/>
                     <a:p>
-                      <a:pPr marL="0" marR="0" lvl="0" indent="0" algn="l" defTabSz="914400" rtl="0" eaLnBrk="1" fontAlgn="auto" latinLnBrk="0" hangingPunct="1">
-                        <a:lnSpc>
-                          <a:spcPct val="100000"/>
-                        </a:lnSpc>
-                        <a:spcBef>
-                          <a:spcPts val="0"/>
-                        </a:spcBef>
-                        <a:spcAft>
-                          <a:spcPts val="0"/>
-                        </a:spcAft>
-                        <a:buClrTx/>
-                        <a:buSzTx/>
-                        <a:buFontTx/>
-                        <a:buNone/>
-                        <a:tabLst/>
-                        <a:defRPr/>
-                      </a:pPr>
-                      <a:r>
-                        <a:rPr lang="fr-FR" sz="1600" b="0" dirty="0" smtClean="0"/>
-                        <a:t>Géant</a:t>
-                      </a:r>
+                      <a:endParaRPr lang="fr-FR"/>
                     </a:p>
                   </a:txBody>
                   <a:tcPr marL="83838" marR="83838"/>
@@ -15113,27 +14940,7 @@
                     <a:bodyPr/>
                     <a:lstStyle/>
                     <a:p>
-                      <a:pPr marL="0" marR="0" lvl="0" indent="0" algn="l" defTabSz="914400" rtl="0" eaLnBrk="1" fontAlgn="auto" latinLnBrk="0" hangingPunct="1">
-                        <a:lnSpc>
-                          <a:spcPct val="100000"/>
-                        </a:lnSpc>
-                        <a:spcBef>
-                          <a:spcPts val="0"/>
-                        </a:spcBef>
-                        <a:spcAft>
-                          <a:spcPts val="0"/>
-                        </a:spcAft>
-                        <a:buClrTx/>
-                        <a:buSzTx/>
-                        <a:buFontTx/>
-                        <a:buNone/>
-                        <a:tabLst/>
-                        <a:defRPr/>
-                      </a:pPr>
-                      <a:r>
-                        <a:rPr lang="fr-FR" sz="1600" b="0" dirty="0" smtClean="0"/>
-                        <a:t>Vivants</a:t>
-                      </a:r>
+                      <a:endParaRPr lang="fr-FR"/>
                     </a:p>
                   </a:txBody>
                   <a:tcPr marL="83838" marR="83838"/>
@@ -15145,10 +14952,6 @@
                     <a:bodyPr/>
                     <a:lstStyle/>
                     <a:p>
-                      <a:r>
-                        <a:rPr lang="fr-FR" dirty="0" smtClean="0"/>
-                        <a:t>Bannis</a:t>
-                      </a:r>
                       <a:endParaRPr lang="fr-FR" dirty="0"/>
                     </a:p>
                   </a:txBody>
@@ -15159,10 +14962,228 @@
                     <a:bodyPr/>
                     <a:lstStyle/>
                     <a:p>
-                      <a:r>
-                        <a:rPr lang="fr-FR" dirty="0" smtClean="0"/>
-                        <a:t>Morts</a:t>
-                      </a:r>
+                      <a:endParaRPr lang="fr-FR" dirty="0"/>
+                    </a:p>
+                  </a:txBody>
+                  <a:tcPr marL="83838" marR="83838"/>
+                </a:tc>
+              </a:tr>
+            </a:tbl>
+          </a:graphicData>
+        </a:graphic>
+      </p:graphicFrame>
+    </p:spTree>
+    <p:extLst>
+      <p:ext uri="{BB962C8B-B14F-4D97-AF65-F5344CB8AC3E}">
+        <p14:creationId xmlns:p14="http://schemas.microsoft.com/office/powerpoint/2010/main" val="1282100186"/>
+      </p:ext>
+    </p:extLst>
+  </p:cSld>
+  <p:clrMapOvr>
+    <a:masterClrMapping/>
+  </p:clrMapOvr>
+  <p:timing>
+    <p:tnLst>
+      <p:par>
+        <p:cTn id="1" dur="indefinite" restart="never" nodeType="tmRoot"/>
+      </p:par>
+    </p:tnLst>
+  </p:timing>
+</p:sld>
+</file>
+
+<file path=ppt/slides/slide16.xml><?xml version="1.0" encoding="utf-8"?>
+<p:sld xmlns:a="http://schemas.openxmlformats.org/drawingml/2006/main" xmlns:r="http://schemas.openxmlformats.org/officeDocument/2006/relationships" xmlns:p="http://schemas.openxmlformats.org/presentationml/2006/main">
+  <p:cSld>
+    <p:spTree>
+      <p:nvGrpSpPr>
+        <p:cNvPr id="1" name=""/>
+        <p:cNvGrpSpPr/>
+        <p:nvPr/>
+      </p:nvGrpSpPr>
+      <p:grpSpPr>
+        <a:xfrm>
+          <a:off x="0" y="0"/>
+          <a:ext cx="0" cy="0"/>
+          <a:chOff x="0" y="0"/>
+          <a:chExt cx="0" cy="0"/>
+        </a:xfrm>
+      </p:grpSpPr>
+      <p:sp>
+        <p:nvSpPr>
+          <p:cNvPr id="4" name="Titre 3"/>
+          <p:cNvSpPr>
+            <a:spLocks noGrp="1"/>
+          </p:cNvSpPr>
+          <p:nvPr>
+            <p:ph type="title"/>
+          </p:nvPr>
+        </p:nvSpPr>
+        <p:spPr/>
+        <p:txBody>
+          <a:bodyPr/>
+          <a:lstStyle/>
+          <a:p>
+            <a:r>
+              <a:rPr lang="fr-FR" dirty="0" smtClean="0"/>
+              <a:t>Défenses</a:t>
+            </a:r>
+            <a:endParaRPr lang="fr-FR" dirty="0"/>
+          </a:p>
+        </p:txBody>
+      </p:sp>
+      <p:sp>
+        <p:nvSpPr>
+          <p:cNvPr id="5" name="Espace réservé du contenu 4"/>
+          <p:cNvSpPr>
+            <a:spLocks noGrp="1"/>
+          </p:cNvSpPr>
+          <p:nvPr>
+            <p:ph sz="half" idx="1"/>
+          </p:nvPr>
+        </p:nvSpPr>
+        <p:spPr/>
+        <p:txBody>
+          <a:bodyPr/>
+          <a:lstStyle/>
+          <a:p>
+            <a:endParaRPr lang="fr-FR" dirty="0"/>
+          </a:p>
+        </p:txBody>
+      </p:sp>
+      <p:graphicFrame>
+        <p:nvGraphicFramePr>
+          <p:cNvPr id="9" name="Espace réservé du contenu 8"/>
+          <p:cNvGraphicFramePr>
+            <a:graphicFrameLocks noGrp="1"/>
+          </p:cNvGraphicFramePr>
+          <p:nvPr>
+            <p:ph sz="half" idx="2"/>
+            <p:extLst>
+              <p:ext uri="{D42A27DB-BD31-4B8C-83A1-F6EECF244321}">
+                <p14:modId xmlns:p14="http://schemas.microsoft.com/office/powerpoint/2010/main" val="1953316556"/>
+              </p:ext>
+            </p:extLst>
+          </p:nvPr>
+        </p:nvGraphicFramePr>
+        <p:xfrm>
+          <a:off x="6035036" y="1846263"/>
+          <a:ext cx="3775320" cy="1849120"/>
+        </p:xfrm>
+        <a:graphic>
+          <a:graphicData uri="http://schemas.openxmlformats.org/drawingml/2006/table">
+            <a:tbl>
+              <a:tblPr firstRow="1" bandRow="1">
+                <a:tableStyleId>{5C22544A-7EE6-4342-B048-85BDC9FD1C3A}</a:tableStyleId>
+              </a:tblPr>
+              <a:tblGrid>
+                <a:gridCol w="1887660"/>
+                <a:gridCol w="1887660"/>
+              </a:tblGrid>
+              <a:tr h="332394">
+                <a:tc>
+                  <a:txBody>
+                    <a:bodyPr/>
+                    <a:lstStyle/>
+                    <a:p>
+                      <a:endParaRPr lang="fr-FR" dirty="0"/>
+                    </a:p>
+                  </a:txBody>
+                  <a:tcPr marL="83838" marR="83838"/>
+                </a:tc>
+                <a:tc>
+                  <a:txBody>
+                    <a:bodyPr/>
+                    <a:lstStyle/>
+                    <a:p>
+                      <a:endParaRPr lang="fr-FR"/>
+                    </a:p>
+                  </a:txBody>
+                  <a:tcPr marL="83838" marR="83838"/>
+                </a:tc>
+              </a:tr>
+              <a:tr h="370840">
+                <a:tc>
+                  <a:txBody>
+                    <a:bodyPr/>
+                    <a:lstStyle/>
+                    <a:p>
+                      <a:endParaRPr lang="fr-FR"/>
+                    </a:p>
+                  </a:txBody>
+                  <a:tcPr marL="83838" marR="83838"/>
+                </a:tc>
+                <a:tc>
+                  <a:txBody>
+                    <a:bodyPr/>
+                    <a:lstStyle/>
+                    <a:p>
+                      <a:endParaRPr lang="fr-FR"/>
+                    </a:p>
+                  </a:txBody>
+                  <a:tcPr marL="83838" marR="83838"/>
+                </a:tc>
+              </a:tr>
+              <a:tr h="370840">
+                <a:tc>
+                  <a:txBody>
+                    <a:bodyPr/>
+                    <a:lstStyle/>
+                    <a:p>
+                      <a:endParaRPr lang="fr-FR"/>
+                    </a:p>
+                  </a:txBody>
+                  <a:tcPr marL="83838" marR="83838"/>
+                </a:tc>
+                <a:tc>
+                  <a:txBody>
+                    <a:bodyPr/>
+                    <a:lstStyle/>
+                    <a:p>
+                      <a:endParaRPr lang="fr-FR"/>
+                    </a:p>
+                  </a:txBody>
+                  <a:tcPr marL="83838" marR="83838"/>
+                </a:tc>
+              </a:tr>
+              <a:tr h="370840">
+                <a:tc>
+                  <a:txBody>
+                    <a:bodyPr/>
+                    <a:lstStyle/>
+                    <a:p>
+                      <a:endParaRPr lang="fr-FR"/>
+                    </a:p>
+                  </a:txBody>
+                  <a:tcPr marL="83838" marR="83838"/>
+                </a:tc>
+                <a:tc>
+                  <a:txBody>
+                    <a:bodyPr/>
+                    <a:lstStyle/>
+                    <a:p>
+                      <a:endParaRPr lang="fr-FR"/>
+                    </a:p>
+                  </a:txBody>
+                  <a:tcPr marL="83838" marR="83838"/>
+                </a:tc>
+              </a:tr>
+              <a:tr h="370840">
+                <a:tc>
+                  <a:txBody>
+                    <a:bodyPr/>
+                    <a:lstStyle/>
+                    <a:p>
+                      <a:endParaRPr lang="fr-FR"/>
+                    </a:p>
+                  </a:txBody>
+                  <a:tcPr marL="83838" marR="83838"/>
+                </a:tc>
+                <a:tc>
+                  <a:txBody>
+                    <a:bodyPr/>
+                    <a:lstStyle/>
+                    <a:p>
                       <a:endParaRPr lang="fr-FR" dirty="0"/>
                     </a:p>
                   </a:txBody>
@@ -15212,6 +15233,823 @@
       </p:grpSpPr>
       <p:sp>
         <p:nvSpPr>
+          <p:cNvPr id="4" name="Titre 3"/>
+          <p:cNvSpPr>
+            <a:spLocks noGrp="1"/>
+          </p:cNvSpPr>
+          <p:nvPr>
+            <p:ph type="title"/>
+          </p:nvPr>
+        </p:nvSpPr>
+        <p:spPr/>
+        <p:txBody>
+          <a:bodyPr/>
+          <a:lstStyle/>
+          <a:p>
+            <a:r>
+              <a:rPr lang="fr-FR" dirty="0" smtClean="0"/>
+              <a:t>Statistiques</a:t>
+            </a:r>
+            <a:endParaRPr lang="fr-FR" dirty="0"/>
+          </a:p>
+        </p:txBody>
+      </p:sp>
+      <p:sp>
+        <p:nvSpPr>
+          <p:cNvPr id="5" name="Espace réservé du contenu 4"/>
+          <p:cNvSpPr>
+            <a:spLocks noGrp="1"/>
+          </p:cNvSpPr>
+          <p:nvPr>
+            <p:ph sz="half" idx="1"/>
+          </p:nvPr>
+        </p:nvSpPr>
+        <p:spPr/>
+        <p:txBody>
+          <a:bodyPr/>
+          <a:lstStyle/>
+          <a:p>
+            <a:r>
+              <a:rPr lang="fr-FR" dirty="0" smtClean="0"/>
+              <a:t>Les statistiques se situent naturellement à 5, excepté les </a:t>
+            </a:r>
+            <a:r>
+              <a:rPr lang="fr-FR" dirty="0" err="1" smtClean="0"/>
+              <a:t>PVs</a:t>
+            </a:r>
+            <a:r>
+              <a:rPr lang="fr-FR" dirty="0" smtClean="0"/>
+              <a:t>, se situant à 10.</a:t>
+            </a:r>
+            <a:br>
+              <a:rPr lang="fr-FR" dirty="0" smtClean="0"/>
+            </a:br>
+            <a:r>
+              <a:rPr lang="fr-FR" dirty="0" smtClean="0"/>
+              <a:t>A la création, le joueur reçoit un </a:t>
+            </a:r>
+            <a:r>
+              <a:rPr lang="fr-FR" dirty="0" smtClean="0"/>
+              <a:t>nombre de </a:t>
+            </a:r>
+            <a:r>
+              <a:rPr lang="fr-FR" dirty="0" smtClean="0"/>
+              <a:t>points à dépenser comme il le veut.</a:t>
+            </a:r>
+            <a:br>
+              <a:rPr lang="fr-FR" dirty="0" smtClean="0"/>
+            </a:br>
+            <a:r>
+              <a:rPr lang="fr-FR" dirty="0" smtClean="0"/>
+              <a:t>(Base : 10 points de création)</a:t>
+            </a:r>
+          </a:p>
+        </p:txBody>
+      </p:sp>
+      <p:graphicFrame>
+        <p:nvGraphicFramePr>
+          <p:cNvPr id="9" name="Espace réservé du contenu 8"/>
+          <p:cNvGraphicFramePr>
+            <a:graphicFrameLocks noGrp="1"/>
+          </p:cNvGraphicFramePr>
+          <p:nvPr>
+            <p:ph sz="half" idx="2"/>
+            <p:extLst>
+              <p:ext uri="{D42A27DB-BD31-4B8C-83A1-F6EECF244321}">
+                <p14:modId xmlns:p14="http://schemas.microsoft.com/office/powerpoint/2010/main" val="31285899"/>
+              </p:ext>
+            </p:extLst>
+          </p:nvPr>
+        </p:nvGraphicFramePr>
+        <p:xfrm>
+          <a:off x="6035036" y="1846263"/>
+          <a:ext cx="3775320" cy="2346960"/>
+        </p:xfrm>
+        <a:graphic>
+          <a:graphicData uri="http://schemas.openxmlformats.org/drawingml/2006/table">
+            <a:tbl>
+              <a:tblPr firstRow="1" bandRow="1">
+                <a:tableStyleId>{5C22544A-7EE6-4342-B048-85BDC9FD1C3A}</a:tableStyleId>
+              </a:tblPr>
+              <a:tblGrid>
+                <a:gridCol w="1887660"/>
+                <a:gridCol w="1887660"/>
+              </a:tblGrid>
+              <a:tr h="332394">
+                <a:tc>
+                  <a:txBody>
+                    <a:bodyPr/>
+                    <a:lstStyle/>
+                    <a:p>
+                      <a:r>
+                        <a:rPr lang="fr-FR" sz="1600" dirty="0" smtClean="0"/>
+                        <a:t>Statistiques</a:t>
+                      </a:r>
+                      <a:endParaRPr lang="fr-FR" sz="1600" dirty="0" smtClean="0"/>
+                    </a:p>
+                  </a:txBody>
+                  <a:tcPr marL="83838" marR="83838"/>
+                </a:tc>
+                <a:tc>
+                  <a:txBody>
+                    <a:bodyPr/>
+                    <a:lstStyle/>
+                    <a:p>
+                      <a:r>
+                        <a:rPr lang="fr-FR" sz="1600" dirty="0" smtClean="0"/>
+                        <a:t>Correspondance</a:t>
+                      </a:r>
+                      <a:endParaRPr lang="fr-FR" sz="1600" dirty="0" smtClean="0"/>
+                    </a:p>
+                  </a:txBody>
+                  <a:tcPr marL="83838" marR="83838"/>
+                </a:tc>
+              </a:tr>
+              <a:tr h="332394">
+                <a:tc>
+                  <a:txBody>
+                    <a:bodyPr/>
+                    <a:lstStyle/>
+                    <a:p>
+                      <a:r>
+                        <a:rPr lang="fr-FR" sz="1600" dirty="0" smtClean="0"/>
+                        <a:t>P.V.</a:t>
+                      </a:r>
+                      <a:endParaRPr lang="fr-FR" sz="1600" dirty="0" smtClean="0"/>
+                    </a:p>
+                  </a:txBody>
+                  <a:tcPr marL="83838" marR="83838"/>
+                </a:tc>
+                <a:tc>
+                  <a:txBody>
+                    <a:bodyPr/>
+                    <a:lstStyle/>
+                    <a:p>
+                      <a:r>
+                        <a:rPr lang="fr-FR" sz="1600" dirty="0" smtClean="0"/>
+                        <a:t>Point de Vie</a:t>
+                      </a:r>
+                      <a:endParaRPr lang="fr-FR" sz="1600" dirty="0" smtClean="0"/>
+                    </a:p>
+                  </a:txBody>
+                  <a:tcPr marL="83838" marR="83838"/>
+                </a:tc>
+              </a:tr>
+              <a:tr h="332394">
+                <a:tc>
+                  <a:txBody>
+                    <a:bodyPr/>
+                    <a:lstStyle/>
+                    <a:p>
+                      <a:pPr marL="0" marR="0" lvl="0" indent="0" algn="l" defTabSz="914400" rtl="0" eaLnBrk="1" fontAlgn="auto" latinLnBrk="0" hangingPunct="1">
+                        <a:lnSpc>
+                          <a:spcPct val="100000"/>
+                        </a:lnSpc>
+                        <a:spcBef>
+                          <a:spcPts val="0"/>
+                        </a:spcBef>
+                        <a:spcAft>
+                          <a:spcPts val="0"/>
+                        </a:spcAft>
+                        <a:buClrTx/>
+                        <a:buSzTx/>
+                        <a:buFontTx/>
+                        <a:buNone/>
+                        <a:tabLst/>
+                        <a:defRPr/>
+                      </a:pPr>
+                      <a:r>
+                        <a:rPr lang="fr-FR" sz="1600" dirty="0" err="1" smtClean="0"/>
+                        <a:t>Atk</a:t>
+                      </a:r>
+                      <a:r>
+                        <a:rPr lang="fr-FR" sz="1600" dirty="0" smtClean="0"/>
+                        <a:t>. </a:t>
+                      </a:r>
+                      <a:r>
+                        <a:rPr lang="fr-FR" sz="1600" dirty="0" err="1" smtClean="0"/>
+                        <a:t>Phy</a:t>
+                      </a:r>
+                      <a:r>
+                        <a:rPr lang="fr-FR" sz="1600" dirty="0" smtClean="0"/>
+                        <a:t>.</a:t>
+                      </a:r>
+                    </a:p>
+                  </a:txBody>
+                  <a:tcPr marL="83838" marR="83838"/>
+                </a:tc>
+                <a:tc>
+                  <a:txBody>
+                    <a:bodyPr/>
+                    <a:lstStyle/>
+                    <a:p>
+                      <a:pPr marL="0" marR="0" lvl="0" indent="0" algn="l" defTabSz="914400" rtl="0" eaLnBrk="1" fontAlgn="auto" latinLnBrk="0" hangingPunct="1">
+                        <a:lnSpc>
+                          <a:spcPct val="100000"/>
+                        </a:lnSpc>
+                        <a:spcBef>
+                          <a:spcPts val="0"/>
+                        </a:spcBef>
+                        <a:spcAft>
+                          <a:spcPts val="0"/>
+                        </a:spcAft>
+                        <a:buClrTx/>
+                        <a:buSzTx/>
+                        <a:buFontTx/>
+                        <a:buNone/>
+                        <a:tabLst/>
+                        <a:defRPr/>
+                      </a:pPr>
+                      <a:r>
+                        <a:rPr lang="fr-FR" sz="1600" dirty="0" smtClean="0"/>
+                        <a:t>Attaque Physique</a:t>
+                      </a:r>
+                    </a:p>
+                  </a:txBody>
+                  <a:tcPr marL="83838" marR="83838"/>
+                </a:tc>
+              </a:tr>
+              <a:tr h="332394">
+                <a:tc>
+                  <a:txBody>
+                    <a:bodyPr/>
+                    <a:lstStyle/>
+                    <a:p>
+                      <a:r>
+                        <a:rPr lang="fr-FR" sz="1600" dirty="0" err="1" smtClean="0"/>
+                        <a:t>Def</a:t>
+                      </a:r>
+                      <a:r>
+                        <a:rPr lang="fr-FR" sz="1600" dirty="0" smtClean="0"/>
+                        <a:t>. </a:t>
+                      </a:r>
+                      <a:r>
+                        <a:rPr lang="fr-FR" sz="1600" dirty="0" err="1" smtClean="0"/>
+                        <a:t>Phy</a:t>
+                      </a:r>
+                      <a:r>
+                        <a:rPr lang="fr-FR" sz="1600" dirty="0" smtClean="0"/>
+                        <a:t>.</a:t>
+                      </a:r>
+                      <a:endParaRPr lang="fr-FR" sz="1600" dirty="0" smtClean="0"/>
+                    </a:p>
+                  </a:txBody>
+                  <a:tcPr marL="83838" marR="83838"/>
+                </a:tc>
+                <a:tc>
+                  <a:txBody>
+                    <a:bodyPr/>
+                    <a:lstStyle/>
+                    <a:p>
+                      <a:r>
+                        <a:rPr lang="fr-FR" sz="1600" dirty="0" smtClean="0"/>
+                        <a:t>Défense Physique</a:t>
+                      </a:r>
+                      <a:endParaRPr lang="fr-FR" sz="1600" dirty="0" smtClean="0"/>
+                    </a:p>
+                  </a:txBody>
+                  <a:tcPr marL="83838" marR="83838"/>
+                </a:tc>
+              </a:tr>
+              <a:tr h="332394">
+                <a:tc>
+                  <a:txBody>
+                    <a:bodyPr/>
+                    <a:lstStyle/>
+                    <a:p>
+                      <a:r>
+                        <a:rPr lang="fr-FR" sz="1600" dirty="0" err="1" smtClean="0"/>
+                        <a:t>Atk</a:t>
+                      </a:r>
+                      <a:r>
+                        <a:rPr lang="fr-FR" sz="1600" dirty="0" smtClean="0"/>
+                        <a:t>. </a:t>
+                      </a:r>
+                      <a:r>
+                        <a:rPr lang="fr-FR" sz="1600" dirty="0" err="1" smtClean="0"/>
+                        <a:t>Spe</a:t>
+                      </a:r>
+                      <a:r>
+                        <a:rPr lang="fr-FR" sz="1600" dirty="0" smtClean="0"/>
+                        <a:t>.</a:t>
+                      </a:r>
+                    </a:p>
+                  </a:txBody>
+                  <a:tcPr marL="83838" marR="83838"/>
+                </a:tc>
+                <a:tc>
+                  <a:txBody>
+                    <a:bodyPr/>
+                    <a:lstStyle/>
+                    <a:p>
+                      <a:r>
+                        <a:rPr lang="fr-FR" sz="1600" dirty="0" smtClean="0"/>
+                        <a:t>Attaque Spéciale</a:t>
+                      </a:r>
+                    </a:p>
+                  </a:txBody>
+                  <a:tcPr marL="83838" marR="83838"/>
+                </a:tc>
+              </a:tr>
+              <a:tr h="332394">
+                <a:tc>
+                  <a:txBody>
+                    <a:bodyPr/>
+                    <a:lstStyle/>
+                    <a:p>
+                      <a:r>
+                        <a:rPr lang="fr-FR" sz="1600" dirty="0" err="1" smtClean="0"/>
+                        <a:t>Def</a:t>
+                      </a:r>
+                      <a:r>
+                        <a:rPr lang="fr-FR" sz="1600" dirty="0" smtClean="0"/>
+                        <a:t>. </a:t>
+                      </a:r>
+                      <a:r>
+                        <a:rPr lang="fr-FR" sz="1600" dirty="0" err="1" smtClean="0"/>
+                        <a:t>Spe</a:t>
+                      </a:r>
+                      <a:r>
+                        <a:rPr lang="fr-FR" sz="1600" dirty="0" smtClean="0"/>
+                        <a:t>.</a:t>
+                      </a:r>
+                      <a:endParaRPr lang="fr-FR" sz="1600" dirty="0" smtClean="0"/>
+                    </a:p>
+                  </a:txBody>
+                  <a:tcPr marL="83838" marR="83838"/>
+                </a:tc>
+                <a:tc>
+                  <a:txBody>
+                    <a:bodyPr/>
+                    <a:lstStyle/>
+                    <a:p>
+                      <a:r>
+                        <a:rPr lang="fr-FR" sz="1600" dirty="0" smtClean="0"/>
+                        <a:t>Défense</a:t>
+                      </a:r>
+                      <a:r>
+                        <a:rPr lang="fr-FR" sz="1600" baseline="0" dirty="0" smtClean="0"/>
+                        <a:t> Spéciale</a:t>
+                      </a:r>
+                      <a:endParaRPr lang="fr-FR" sz="1600" dirty="0" smtClean="0"/>
+                    </a:p>
+                  </a:txBody>
+                  <a:tcPr marL="83838" marR="83838"/>
+                </a:tc>
+              </a:tr>
+              <a:tr h="332394">
+                <a:tc>
+                  <a:txBody>
+                    <a:bodyPr/>
+                    <a:lstStyle/>
+                    <a:p>
+                      <a:r>
+                        <a:rPr lang="fr-FR" sz="1600" dirty="0" smtClean="0"/>
+                        <a:t>Vit.</a:t>
+                      </a:r>
+                      <a:endParaRPr lang="fr-FR" sz="1600" dirty="0" smtClean="0"/>
+                    </a:p>
+                  </a:txBody>
+                  <a:tcPr marL="83838" marR="83838"/>
+                </a:tc>
+                <a:tc>
+                  <a:txBody>
+                    <a:bodyPr/>
+                    <a:lstStyle/>
+                    <a:p>
+                      <a:r>
+                        <a:rPr lang="fr-FR" sz="1600" dirty="0" smtClean="0"/>
+                        <a:t>Vitesse</a:t>
+                      </a:r>
+                      <a:endParaRPr lang="fr-FR" sz="1600" dirty="0" smtClean="0"/>
+                    </a:p>
+                  </a:txBody>
+                  <a:tcPr marL="83838" marR="83838"/>
+                </a:tc>
+              </a:tr>
+            </a:tbl>
+          </a:graphicData>
+        </a:graphic>
+      </p:graphicFrame>
+    </p:spTree>
+    <p:extLst>
+      <p:ext uri="{BB962C8B-B14F-4D97-AF65-F5344CB8AC3E}">
+        <p14:creationId xmlns:p14="http://schemas.microsoft.com/office/powerpoint/2010/main" val="1335042506"/>
+      </p:ext>
+    </p:extLst>
+  </p:cSld>
+  <p:clrMapOvr>
+    <a:masterClrMapping/>
+  </p:clrMapOvr>
+  <p:timing>
+    <p:tnLst>
+      <p:par>
+        <p:cTn id="1" dur="indefinite" restart="never" nodeType="tmRoot"/>
+      </p:par>
+    </p:tnLst>
+  </p:timing>
+</p:sld>
+</file>
+
+<file path=ppt/slides/slide3.xml><?xml version="1.0" encoding="utf-8"?>
+<p:sld xmlns:a="http://schemas.openxmlformats.org/drawingml/2006/main" xmlns:r="http://schemas.openxmlformats.org/officeDocument/2006/relationships" xmlns:p="http://schemas.openxmlformats.org/presentationml/2006/main">
+  <p:cSld>
+    <p:spTree>
+      <p:nvGrpSpPr>
+        <p:cNvPr id="1" name=""/>
+        <p:cNvGrpSpPr/>
+        <p:nvPr/>
+      </p:nvGrpSpPr>
+      <p:grpSpPr>
+        <a:xfrm>
+          <a:off x="0" y="0"/>
+          <a:ext cx="0" cy="0"/>
+          <a:chOff x="0" y="0"/>
+          <a:chExt cx="0" cy="0"/>
+        </a:xfrm>
+      </p:grpSpPr>
+      <p:sp>
+        <p:nvSpPr>
+          <p:cNvPr id="4" name="Titre 3"/>
+          <p:cNvSpPr>
+            <a:spLocks noGrp="1"/>
+          </p:cNvSpPr>
+          <p:nvPr>
+            <p:ph type="title"/>
+          </p:nvPr>
+        </p:nvSpPr>
+        <p:spPr/>
+        <p:txBody>
+          <a:bodyPr/>
+          <a:lstStyle/>
+          <a:p>
+            <a:r>
+              <a:rPr lang="fr-FR" dirty="0" smtClean="0"/>
+              <a:t>Compétences</a:t>
+            </a:r>
+            <a:endParaRPr lang="fr-FR" dirty="0"/>
+          </a:p>
+        </p:txBody>
+      </p:sp>
+      <p:sp>
+        <p:nvSpPr>
+          <p:cNvPr id="5" name="Espace réservé du contenu 4"/>
+          <p:cNvSpPr>
+            <a:spLocks noGrp="1"/>
+          </p:cNvSpPr>
+          <p:nvPr>
+            <p:ph sz="half" idx="1"/>
+          </p:nvPr>
+        </p:nvSpPr>
+        <p:spPr/>
+        <p:txBody>
+          <a:bodyPr/>
+          <a:lstStyle/>
+          <a:p>
+            <a:r>
+              <a:rPr lang="fr-FR" dirty="0" smtClean="0"/>
+              <a:t>Les compétences possèdent naturellement une valeur de 2d6. A la création, le joueur choisis les compétences qu’il souhaite améliorer, ou diminuer.</a:t>
+            </a:r>
+            <a:br>
+              <a:rPr lang="fr-FR" dirty="0" smtClean="0"/>
+            </a:br>
+            <a:r>
+              <a:rPr lang="fr-FR" dirty="0" smtClean="0"/>
+              <a:t>(Base : 3x1d6, 1x3d6, 1x4d6)</a:t>
+            </a:r>
+          </a:p>
+        </p:txBody>
+      </p:sp>
+      <p:graphicFrame>
+        <p:nvGraphicFramePr>
+          <p:cNvPr id="9" name="Espace réservé du contenu 8"/>
+          <p:cNvGraphicFramePr>
+            <a:graphicFrameLocks noGrp="1"/>
+          </p:cNvGraphicFramePr>
+          <p:nvPr>
+            <p:ph sz="half" idx="2"/>
+            <p:extLst>
+              <p:ext uri="{D42A27DB-BD31-4B8C-83A1-F6EECF244321}">
+                <p14:modId xmlns:p14="http://schemas.microsoft.com/office/powerpoint/2010/main" val="2751666125"/>
+              </p:ext>
+            </p:extLst>
+          </p:nvPr>
+        </p:nvGraphicFramePr>
+        <p:xfrm>
+          <a:off x="6035036" y="1846263"/>
+          <a:ext cx="3775320" cy="2346960"/>
+        </p:xfrm>
+        <a:graphic>
+          <a:graphicData uri="http://schemas.openxmlformats.org/drawingml/2006/table">
+            <a:tbl>
+              <a:tblPr firstRow="1" bandRow="1">
+                <a:tableStyleId>{5C22544A-7EE6-4342-B048-85BDC9FD1C3A}</a:tableStyleId>
+              </a:tblPr>
+              <a:tblGrid>
+                <a:gridCol w="1887660"/>
+                <a:gridCol w="1887660"/>
+              </a:tblGrid>
+              <a:tr h="332394">
+                <a:tc>
+                  <a:txBody>
+                    <a:bodyPr/>
+                    <a:lstStyle/>
+                    <a:p>
+                      <a:r>
+                        <a:rPr lang="fr-FR" sz="1600" dirty="0" smtClean="0"/>
+                        <a:t>Compétences</a:t>
+                      </a:r>
+                      <a:endParaRPr lang="fr-FR" sz="1600" dirty="0" smtClean="0"/>
+                    </a:p>
+                  </a:txBody>
+                  <a:tcPr marL="83838" marR="83838"/>
+                </a:tc>
+                <a:tc>
+                  <a:txBody>
+                    <a:bodyPr/>
+                    <a:lstStyle/>
+                    <a:p>
+                      <a:endParaRPr lang="fr-FR" sz="1600" dirty="0" smtClean="0"/>
+                    </a:p>
+                  </a:txBody>
+                  <a:tcPr marL="83838" marR="83838"/>
+                </a:tc>
+              </a:tr>
+              <a:tr h="332394">
+                <a:tc>
+                  <a:txBody>
+                    <a:bodyPr/>
+                    <a:lstStyle/>
+                    <a:p>
+                      <a:r>
+                        <a:rPr lang="fr-FR" sz="1600" dirty="0" smtClean="0"/>
+                        <a:t>Athlétisme</a:t>
+                      </a:r>
+                      <a:endParaRPr lang="fr-FR" sz="1600" dirty="0" smtClean="0"/>
+                    </a:p>
+                  </a:txBody>
+                  <a:tcPr marL="83838" marR="83838"/>
+                </a:tc>
+                <a:tc>
+                  <a:txBody>
+                    <a:bodyPr/>
+                    <a:lstStyle/>
+                    <a:p>
+                      <a:r>
+                        <a:rPr lang="fr-FR" sz="1600" dirty="0" smtClean="0"/>
+                        <a:t>Education Spécifique</a:t>
+                      </a:r>
+                      <a:endParaRPr lang="fr-FR" sz="1600" dirty="0" smtClean="0"/>
+                    </a:p>
+                  </a:txBody>
+                  <a:tcPr marL="83838" marR="83838"/>
+                </a:tc>
+              </a:tr>
+              <a:tr h="332394">
+                <a:tc>
+                  <a:txBody>
+                    <a:bodyPr/>
+                    <a:lstStyle/>
+                    <a:p>
+                      <a:pPr marL="0" marR="0" lvl="0" indent="0" algn="l" defTabSz="914400" rtl="0" eaLnBrk="1" fontAlgn="auto" latinLnBrk="0" hangingPunct="1">
+                        <a:lnSpc>
+                          <a:spcPct val="100000"/>
+                        </a:lnSpc>
+                        <a:spcBef>
+                          <a:spcPts val="0"/>
+                        </a:spcBef>
+                        <a:spcAft>
+                          <a:spcPts val="0"/>
+                        </a:spcAft>
+                        <a:buClrTx/>
+                        <a:buSzTx/>
+                        <a:buFontTx/>
+                        <a:buNone/>
+                        <a:tabLst/>
+                        <a:defRPr/>
+                      </a:pPr>
+                      <a:r>
+                        <a:rPr lang="fr-FR" sz="1600" dirty="0" smtClean="0"/>
+                        <a:t>Charisme</a:t>
+                      </a:r>
+                    </a:p>
+                  </a:txBody>
+                  <a:tcPr marL="83838" marR="83838"/>
+                </a:tc>
+                <a:tc>
+                  <a:txBody>
+                    <a:bodyPr/>
+                    <a:lstStyle/>
+                    <a:p>
+                      <a:r>
+                        <a:rPr lang="fr-FR" sz="1600" dirty="0" smtClean="0"/>
+                        <a:t>Intimidation</a:t>
+                      </a:r>
+                      <a:endParaRPr lang="fr-FR" sz="1600" dirty="0" smtClean="0"/>
+                    </a:p>
+                  </a:txBody>
+                  <a:tcPr marL="83838" marR="83838"/>
+                </a:tc>
+              </a:tr>
+              <a:tr h="332394">
+                <a:tc>
+                  <a:txBody>
+                    <a:bodyPr/>
+                    <a:lstStyle/>
+                    <a:p>
+                      <a:r>
+                        <a:rPr lang="fr-FR" sz="1600" dirty="0" smtClean="0"/>
+                        <a:t>Commandement</a:t>
+                      </a:r>
+                      <a:endParaRPr lang="fr-FR" sz="1600" dirty="0" smtClean="0"/>
+                    </a:p>
+                  </a:txBody>
+                  <a:tcPr marL="83838" marR="83838"/>
+                </a:tc>
+                <a:tc>
+                  <a:txBody>
+                    <a:bodyPr/>
+                    <a:lstStyle/>
+                    <a:p>
+                      <a:r>
+                        <a:rPr lang="fr-FR" sz="1600" dirty="0" smtClean="0"/>
+                        <a:t>Intuition </a:t>
+                      </a:r>
+                      <a:endParaRPr lang="fr-FR" sz="1600" dirty="0" smtClean="0"/>
+                    </a:p>
+                  </a:txBody>
+                  <a:tcPr marL="83838" marR="83838"/>
+                </a:tc>
+              </a:tr>
+              <a:tr h="332394">
+                <a:tc>
+                  <a:txBody>
+                    <a:bodyPr/>
+                    <a:lstStyle/>
+                    <a:p>
+                      <a:r>
+                        <a:rPr lang="fr-FR" sz="1600" dirty="0" smtClean="0"/>
+                        <a:t>Concentration</a:t>
+                      </a:r>
+                      <a:endParaRPr lang="fr-FR" sz="1600" dirty="0" smtClean="0"/>
+                    </a:p>
+                  </a:txBody>
+                  <a:tcPr marL="83838" marR="83838"/>
+                </a:tc>
+                <a:tc>
+                  <a:txBody>
+                    <a:bodyPr/>
+                    <a:lstStyle/>
+                    <a:p>
+                      <a:r>
+                        <a:rPr lang="fr-FR" sz="1600" dirty="0" smtClean="0"/>
+                        <a:t>Perception</a:t>
+                      </a:r>
+                      <a:endParaRPr lang="fr-FR" sz="1600" dirty="0" smtClean="0"/>
+                    </a:p>
+                  </a:txBody>
+                  <a:tcPr marL="83838" marR="83838"/>
+                </a:tc>
+              </a:tr>
+              <a:tr h="332394">
+                <a:tc>
+                  <a:txBody>
+                    <a:bodyPr/>
+                    <a:lstStyle/>
+                    <a:p>
+                      <a:r>
+                        <a:rPr lang="fr-FR" sz="1600" dirty="0" smtClean="0"/>
+                        <a:t>Discrétion</a:t>
+                      </a:r>
+                      <a:endParaRPr lang="fr-FR" sz="1600" dirty="0" smtClean="0"/>
+                    </a:p>
+                  </a:txBody>
+                  <a:tcPr marL="83838" marR="83838"/>
+                </a:tc>
+                <a:tc>
+                  <a:txBody>
+                    <a:bodyPr/>
+                    <a:lstStyle/>
+                    <a:p>
+                      <a:pPr marL="0" marR="0" lvl="0" indent="0" algn="l" defTabSz="914400" rtl="0" eaLnBrk="1" fontAlgn="auto" latinLnBrk="0" hangingPunct="1">
+                        <a:lnSpc>
+                          <a:spcPct val="100000"/>
+                        </a:lnSpc>
+                        <a:spcBef>
+                          <a:spcPts val="0"/>
+                        </a:spcBef>
+                        <a:spcAft>
+                          <a:spcPts val="0"/>
+                        </a:spcAft>
+                        <a:buClrTx/>
+                        <a:buSzTx/>
+                        <a:buFontTx/>
+                        <a:buNone/>
+                        <a:tabLst/>
+                        <a:defRPr/>
+                      </a:pPr>
+                      <a:r>
+                        <a:rPr lang="fr-FR" sz="1600" dirty="0" smtClean="0"/>
+                        <a:t>Survie</a:t>
+                      </a:r>
+                    </a:p>
+                  </a:txBody>
+                  <a:tcPr marL="83838" marR="83838"/>
+                </a:tc>
+              </a:tr>
+              <a:tr h="332394">
+                <a:tc>
+                  <a:txBody>
+                    <a:bodyPr/>
+                    <a:lstStyle/>
+                    <a:p>
+                      <a:r>
+                        <a:rPr lang="fr-FR" sz="1600" dirty="0" smtClean="0"/>
+                        <a:t>Education </a:t>
+                      </a:r>
+                      <a:r>
+                        <a:rPr lang="fr-FR" sz="1600" baseline="0" dirty="0" smtClean="0"/>
+                        <a:t>Générale</a:t>
+                      </a:r>
+                      <a:endParaRPr lang="fr-FR" sz="1600" dirty="0" smtClean="0"/>
+                    </a:p>
+                  </a:txBody>
+                  <a:tcPr marL="83838" marR="83838"/>
+                </a:tc>
+                <a:tc>
+                  <a:txBody>
+                    <a:bodyPr/>
+                    <a:lstStyle/>
+                    <a:p>
+                      <a:pPr marL="0" marR="0" lvl="0" indent="0" algn="l" defTabSz="914400" rtl="0" eaLnBrk="1" fontAlgn="auto" latinLnBrk="0" hangingPunct="1">
+                        <a:lnSpc>
+                          <a:spcPct val="100000"/>
+                        </a:lnSpc>
+                        <a:spcBef>
+                          <a:spcPts val="0"/>
+                        </a:spcBef>
+                        <a:spcAft>
+                          <a:spcPts val="0"/>
+                        </a:spcAft>
+                        <a:buClrTx/>
+                        <a:buSzTx/>
+                        <a:buFontTx/>
+                        <a:buNone/>
+                        <a:tabLst/>
+                        <a:defRPr/>
+                      </a:pPr>
+                      <a:r>
+                        <a:rPr lang="fr-FR" sz="1600" dirty="0" smtClean="0"/>
+                        <a:t>Technologie</a:t>
+                      </a:r>
+                    </a:p>
+                  </a:txBody>
+                  <a:tcPr marL="83838" marR="83838"/>
+                </a:tc>
+              </a:tr>
+            </a:tbl>
+          </a:graphicData>
+        </a:graphic>
+      </p:graphicFrame>
+    </p:spTree>
+    <p:extLst>
+      <p:ext uri="{BB962C8B-B14F-4D97-AF65-F5344CB8AC3E}">
+        <p14:creationId xmlns:p14="http://schemas.microsoft.com/office/powerpoint/2010/main" val="1642565132"/>
+      </p:ext>
+    </p:extLst>
+  </p:cSld>
+  <p:clrMapOvr>
+    <a:masterClrMapping/>
+  </p:clrMapOvr>
+  <p:timing>
+    <p:tnLst>
+      <p:par>
+        <p:cTn id="1" dur="indefinite" restart="never" nodeType="tmRoot"/>
+      </p:par>
+    </p:tnLst>
+  </p:timing>
+</p:sld>
+</file>
+
+<file path=ppt/slides/slide4.xml><?xml version="1.0" encoding="utf-8"?>
+<p:sld xmlns:a="http://schemas.openxmlformats.org/drawingml/2006/main" xmlns:r="http://schemas.openxmlformats.org/officeDocument/2006/relationships" xmlns:p="http://schemas.openxmlformats.org/presentationml/2006/main">
+  <p:cSld>
+    <p:spTree>
+      <p:nvGrpSpPr>
+        <p:cNvPr id="1" name=""/>
+        <p:cNvGrpSpPr/>
+        <p:nvPr/>
+      </p:nvGrpSpPr>
+      <p:grpSpPr>
+        <a:xfrm>
+          <a:off x="0" y="0"/>
+          <a:ext cx="0" cy="0"/>
+          <a:chOff x="0" y="0"/>
+          <a:chExt cx="0" cy="0"/>
+        </a:xfrm>
+      </p:grpSpPr>
+      <p:sp>
+        <p:nvSpPr>
           <p:cNvPr id="2" name="Titre 1"/>
           <p:cNvSpPr>
             <a:spLocks noGrp="1"/>
@@ -15279,7 +16117,7 @@
             <p:ph sz="half" idx="2"/>
             <p:extLst>
               <p:ext uri="{D42A27DB-BD31-4B8C-83A1-F6EECF244321}">
-                <p14:modId xmlns:p14="http://schemas.microsoft.com/office/powerpoint/2010/main" val="1269709949"/>
+                <p14:modId xmlns:p14="http://schemas.microsoft.com/office/powerpoint/2010/main" val="1272708588"/>
               </p:ext>
             </p:extLst>
           </p:nvPr>
@@ -15463,7 +16301,15 @@
                       </a:r>
                       <a:r>
                         <a:rPr lang="fr-FR" sz="1600" baseline="0" dirty="0" smtClean="0"/>
-                        <a:t> en assénant des coups précis aux ennemis</a:t>
+                        <a:t> en assénant des coups </a:t>
+                      </a:r>
+                      <a:r>
+                        <a:rPr lang="fr-FR" sz="1600" baseline="0" dirty="0" smtClean="0"/>
+                        <a:t>rapides aux </a:t>
+                      </a:r>
+                      <a:r>
+                        <a:rPr lang="fr-FR" sz="1600" baseline="0" dirty="0" smtClean="0"/>
+                        <a:t>ennemis</a:t>
                       </a:r>
                       <a:endParaRPr lang="fr-FR" sz="1600" dirty="0"/>
                     </a:p>
@@ -15523,7 +16369,7 @@
                     <a:p>
                       <a:r>
                         <a:rPr lang="fr-FR" sz="1600" dirty="0" smtClean="0"/>
-                        <a:t>Réfléchi et Prudent,</a:t>
+                        <a:t>Prudent et Réfléchi,</a:t>
                       </a:r>
                       <a:r>
                         <a:rPr lang="fr-FR" sz="1600" baseline="0" dirty="0" smtClean="0"/>
@@ -15532,6 +16378,10 @@
                       <a:r>
                         <a:rPr lang="fr-FR" sz="1600" dirty="0" smtClean="0"/>
                         <a:t> </a:t>
+                      </a:r>
+                      <a:r>
+                        <a:rPr lang="fr-FR" sz="1600" dirty="0" smtClean="0"/>
+                        <a:t/>
                       </a:r>
                       <a:br>
                         <a:rPr lang="fr-FR" sz="1600" dirty="0" smtClean="0"/>
@@ -15571,7 +16421,7 @@
 </p:sld>
 </file>
 
-<file path=ppt/slides/slide3.xml><?xml version="1.0" encoding="utf-8"?>
+<file path=ppt/slides/slide5.xml><?xml version="1.0" encoding="utf-8"?>
 <p:sld xmlns:a="http://schemas.openxmlformats.org/drawingml/2006/main" xmlns:r="http://schemas.openxmlformats.org/officeDocument/2006/relationships" xmlns:p="http://schemas.openxmlformats.org/presentationml/2006/main">
   <p:cSld>
     <p:spTree>
@@ -15856,153 +16706,6 @@
           </a:graphicData>
         </a:graphic>
       </p:graphicFrame>
-      <p:graphicFrame>
-        <p:nvGraphicFramePr>
-          <p:cNvPr id="4" name="Tableau 3"/>
-          <p:cNvGraphicFramePr>
-            <a:graphicFrameLocks noGrp="1"/>
-          </p:cNvGraphicFramePr>
-          <p:nvPr>
-            <p:extLst>
-              <p:ext uri="{D42A27DB-BD31-4B8C-83A1-F6EECF244321}">
-                <p14:modId xmlns:p14="http://schemas.microsoft.com/office/powerpoint/2010/main" val="762342245"/>
-              </p:ext>
-            </p:extLst>
-          </p:nvPr>
-        </p:nvGraphicFramePr>
-        <p:xfrm>
-          <a:off x="4590474" y="4026284"/>
-          <a:ext cx="7107540" cy="1158240"/>
-        </p:xfrm>
-        <a:graphic>
-          <a:graphicData uri="http://schemas.openxmlformats.org/drawingml/2006/table">
-            <a:tbl>
-              <a:tblPr bandRow="1">
-                <a:tableStyleId>{5C22544A-7EE6-4342-B048-85BDC9FD1C3A}</a:tableStyleId>
-              </a:tblPr>
-              <a:tblGrid>
-                <a:gridCol w="1421508"/>
-                <a:gridCol w="1421508"/>
-                <a:gridCol w="1421508"/>
-                <a:gridCol w="1421508"/>
-                <a:gridCol w="1421508"/>
-              </a:tblGrid>
-              <a:tr h="370840">
-                <a:tc>
-                  <a:txBody>
-                    <a:bodyPr/>
-                    <a:lstStyle/>
-                    <a:p>
-                      <a:r>
-                        <a:rPr lang="fr-FR" sz="1600" dirty="0" smtClean="0"/>
-                        <a:t>Compétences physiques</a:t>
-                      </a:r>
-                      <a:endParaRPr lang="fr-FR" sz="1600" dirty="0"/>
-                    </a:p>
-                  </a:txBody>
-                  <a:tcPr/>
-                </a:tc>
-                <a:tc>
-                  <a:txBody>
-                    <a:bodyPr/>
-                    <a:lstStyle/>
-                    <a:p>
-                      <a:endParaRPr lang="fr-FR" dirty="0"/>
-                    </a:p>
-                  </a:txBody>
-                  <a:tcPr/>
-                </a:tc>
-                <a:tc>
-                  <a:txBody>
-                    <a:bodyPr/>
-                    <a:lstStyle/>
-                    <a:p>
-                      <a:endParaRPr lang="fr-FR"/>
-                    </a:p>
-                  </a:txBody>
-                  <a:tcPr/>
-                </a:tc>
-                <a:tc>
-                  <a:txBody>
-                    <a:bodyPr/>
-                    <a:lstStyle/>
-                    <a:p>
-                      <a:endParaRPr lang="fr-FR"/>
-                    </a:p>
-                  </a:txBody>
-                  <a:tcPr/>
-                </a:tc>
-                <a:tc>
-                  <a:txBody>
-                    <a:bodyPr/>
-                    <a:lstStyle/>
-                    <a:p>
-                      <a:endParaRPr lang="fr-FR" dirty="0"/>
-                    </a:p>
-                  </a:txBody>
-                  <a:tcPr/>
-                </a:tc>
-              </a:tr>
-              <a:tr h="370840">
-                <a:tc>
-                  <a:txBody>
-                    <a:bodyPr/>
-                    <a:lstStyle/>
-                    <a:p>
-                      <a:r>
-                        <a:rPr lang="fr-FR" sz="1600" dirty="0" smtClean="0"/>
-                        <a:t>Compétences magiques</a:t>
-                      </a:r>
-                      <a:endParaRPr lang="fr-FR" sz="1600" dirty="0"/>
-                    </a:p>
-                  </a:txBody>
-                  <a:tcPr/>
-                </a:tc>
-                <a:tc>
-                  <a:txBody>
-                    <a:bodyPr/>
-                    <a:lstStyle/>
-                    <a:p>
-                      <a:endParaRPr lang="fr-FR" dirty="0"/>
-                    </a:p>
-                  </a:txBody>
-                  <a:tcPr/>
-                </a:tc>
-                <a:tc>
-                  <a:txBody>
-                    <a:bodyPr/>
-                    <a:lstStyle/>
-                    <a:p>
-                      <a:endParaRPr lang="fr-FR" dirty="0"/>
-                    </a:p>
-                  </a:txBody>
-                  <a:tcPr/>
-                </a:tc>
-                <a:tc>
-                  <a:txBody>
-                    <a:bodyPr/>
-                    <a:lstStyle/>
-                    <a:p>
-                      <a:endParaRPr lang="fr-FR" dirty="0"/>
-                    </a:p>
-                  </a:txBody>
-                  <a:tcPr/>
-                </a:tc>
-                <a:tc>
-                  <a:txBody>
-                    <a:bodyPr/>
-                    <a:lstStyle/>
-                    <a:p>
-                      <a:endParaRPr lang="fr-FR" dirty="0"/>
-                    </a:p>
-                  </a:txBody>
-                  <a:tcPr/>
-                </a:tc>
-              </a:tr>
-            </a:tbl>
-          </a:graphicData>
-        </a:graphic>
-      </p:graphicFrame>
     </p:spTree>
     <p:extLst>
       <p:ext uri="{BB962C8B-B14F-4D97-AF65-F5344CB8AC3E}">
@@ -16023,7 +16726,7 @@
 </p:sld>
 </file>
 
-<file path=ppt/slides/slide4.xml><?xml version="1.0" encoding="utf-8"?>
+<file path=ppt/slides/slide6.xml><?xml version="1.0" encoding="utf-8"?>
 <p:sld xmlns:a="http://schemas.openxmlformats.org/drawingml/2006/main" xmlns:r="http://schemas.openxmlformats.org/officeDocument/2006/relationships" xmlns:p="http://schemas.openxmlformats.org/presentationml/2006/main">
   <p:cSld>
     <p:spTree>
@@ -16122,7 +16825,7 @@
             <p:ph sz="half" idx="2"/>
             <p:extLst>
               <p:ext uri="{D42A27DB-BD31-4B8C-83A1-F6EECF244321}">
-                <p14:modId xmlns:p14="http://schemas.microsoft.com/office/powerpoint/2010/main" val="3192001113"/>
+                <p14:modId xmlns:p14="http://schemas.microsoft.com/office/powerpoint/2010/main" val="533678581"/>
               </p:ext>
             </p:extLst>
           </p:nvPr>
@@ -16192,7 +16895,7 @@
                     <a:p>
                       <a:r>
                         <a:rPr lang="fr-FR" sz="1600" dirty="0" smtClean="0"/>
-                        <a:t>Compétence</a:t>
+                        <a:t>Action</a:t>
                       </a:r>
                       <a:endParaRPr lang="fr-FR" sz="1600" dirty="0"/>
                     </a:p>
@@ -16482,6 +17185,14 @@
                     <a:bodyPr/>
                     <a:lstStyle/>
                     <a:p>
+                      <a:r>
+                        <a:rPr lang="fr-FR" sz="1600" dirty="0" smtClean="0"/>
+                        <a:t>Avancée</a:t>
+                      </a:r>
+                      <a:r>
+                        <a:rPr lang="fr-FR" sz="1600" baseline="0" dirty="0" smtClean="0"/>
+                        <a:t> Tactique</a:t>
+                      </a:r>
                       <a:endParaRPr lang="fr-FR" sz="1600" dirty="0"/>
                     </a:p>
                   </a:txBody>
@@ -16512,7 +17223,7 @@
 </p:sld>
 </file>
 
-<file path=ppt/slides/slide5.xml><?xml version="1.0" encoding="utf-8"?>
+<file path=ppt/slides/slide7.xml><?xml version="1.0" encoding="utf-8"?>
 <p:sld xmlns:a="http://schemas.openxmlformats.org/drawingml/2006/main" xmlns:r="http://schemas.openxmlformats.org/officeDocument/2006/relationships" xmlns:p="http://schemas.openxmlformats.org/presentationml/2006/main">
   <p:cSld>
     <p:spTree>
@@ -16605,14 +17316,14 @@
             <p:ph sz="half" idx="2"/>
             <p:extLst>
               <p:ext uri="{D42A27DB-BD31-4B8C-83A1-F6EECF244321}">
-                <p14:modId xmlns:p14="http://schemas.microsoft.com/office/powerpoint/2010/main" val="3055543128"/>
+                <p14:modId xmlns:p14="http://schemas.microsoft.com/office/powerpoint/2010/main" val="4124054532"/>
               </p:ext>
             </p:extLst>
           </p:nvPr>
         </p:nvGraphicFramePr>
         <p:xfrm>
-          <a:off x="7919498" y="1846263"/>
-          <a:ext cx="3236182" cy="1844588"/>
+          <a:off x="6035038" y="1846263"/>
+          <a:ext cx="3655716" cy="1844588"/>
         </p:xfrm>
         <a:graphic>
           <a:graphicData uri="http://schemas.openxmlformats.org/drawingml/2006/table">
@@ -16621,8 +17332,8 @@
                 <a:tableStyleId>{5C22544A-7EE6-4342-B048-85BDC9FD1C3A}</a:tableStyleId>
               </a:tblPr>
               <a:tblGrid>
-                <a:gridCol w="1618091"/>
-                <a:gridCol w="1618091"/>
+                <a:gridCol w="1827858"/>
+                <a:gridCol w="1827858"/>
               </a:tblGrid>
               <a:tr h="361228">
                 <a:tc>
@@ -16730,6 +17441,10 @@
                     <a:bodyPr/>
                     <a:lstStyle/>
                     <a:p>
+                      <a:r>
+                        <a:rPr lang="fr-FR" sz="1600" dirty="0" err="1" smtClean="0"/>
+                        <a:t>Dig’rbarn</a:t>
+                      </a:r>
                       <a:endParaRPr lang="fr-FR" sz="1600" dirty="0"/>
                     </a:p>
                   </a:txBody>
@@ -16740,6 +17455,14 @@
                     <a:bodyPr/>
                     <a:lstStyle/>
                     <a:p>
+                      <a:r>
+                        <a:rPr lang="fr-FR" sz="1600" dirty="0" smtClean="0"/>
+                        <a:t>Ville </a:t>
+                      </a:r>
+                      <a:r>
+                        <a:rPr lang="fr-FR" sz="1600" dirty="0" err="1" smtClean="0"/>
+                        <a:t>Kirm</a:t>
+                      </a:r>
                       <a:endParaRPr lang="fr-FR" sz="1600" dirty="0"/>
                     </a:p>
                   </a:txBody>
@@ -16752,6 +17475,10 @@
                     <a:bodyPr/>
                     <a:lstStyle/>
                     <a:p>
+                      <a:r>
+                        <a:rPr lang="fr-FR" sz="1600" b="0" dirty="0" err="1" smtClean="0"/>
+                        <a:t>Brenblom</a:t>
+                      </a:r>
                       <a:endParaRPr lang="fr-FR" sz="1600" b="0" dirty="0" smtClean="0"/>
                     </a:p>
                   </a:txBody>
@@ -16762,6 +17489,18 @@
                     <a:bodyPr/>
                     <a:lstStyle/>
                     <a:p>
+                      <a:r>
+                        <a:rPr lang="fr-FR" sz="1600" b="0" dirty="0" smtClean="0"/>
+                        <a:t>Escarpement</a:t>
+                      </a:r>
+                      <a:r>
+                        <a:rPr lang="fr-FR" sz="1600" b="0" baseline="0" dirty="0" smtClean="0"/>
+                        <a:t> </a:t>
+                      </a:r>
+                      <a:r>
+                        <a:rPr lang="fr-FR" sz="1600" dirty="0" err="1" smtClean="0"/>
+                        <a:t>Norne</a:t>
+                      </a:r>
                       <a:endParaRPr lang="fr-FR" sz="1600" b="0" dirty="0" smtClean="0"/>
                     </a:p>
                   </a:txBody>
@@ -16774,6 +17513,10 @@
                     <a:bodyPr/>
                     <a:lstStyle/>
                     <a:p>
+                      <a:r>
+                        <a:rPr lang="fr-FR" dirty="0" err="1" smtClean="0"/>
+                        <a:t>Kolgador</a:t>
+                      </a:r>
                       <a:endParaRPr lang="fr-FR" dirty="0"/>
                     </a:p>
                   </a:txBody>
@@ -16784,7 +17527,11 @@
                     <a:bodyPr/>
                     <a:lstStyle/>
                     <a:p>
-                      <a:endParaRPr lang="fr-FR" dirty="0"/>
+                      <a:r>
+                        <a:rPr lang="fr-FR" sz="1600" dirty="0" smtClean="0"/>
+                        <a:t>Repaire Elfe</a:t>
+                      </a:r>
+                      <a:endParaRPr lang="fr-FR" sz="1600" dirty="0"/>
                     </a:p>
                   </a:txBody>
                   <a:tcPr marL="83838" marR="83838"/>
@@ -16814,7 +17561,7 @@
 </p:sld>
 </file>
 
-<file path=ppt/slides/slide6.xml><?xml version="1.0" encoding="utf-8"?>
+<file path=ppt/slides/slide8.xml><?xml version="1.0" encoding="utf-8"?>
 <p:sld xmlns:a="http://schemas.openxmlformats.org/drawingml/2006/main" xmlns:r="http://schemas.openxmlformats.org/officeDocument/2006/relationships" xmlns:p="http://schemas.openxmlformats.org/presentationml/2006/main">
   <p:cSld>
     <p:spTree>
@@ -16848,7 +17595,7 @@
           <a:p>
             <a:r>
               <a:rPr lang="fr-FR" dirty="0" smtClean="0"/>
-              <a:t>Peuples</a:t>
+              <a:t>Peuples Alliés</a:t>
             </a:r>
             <a:endParaRPr lang="fr-FR" dirty="0"/>
           </a:p>
@@ -16916,7 +17663,7 @@
             <p:ph sz="half" idx="2"/>
             <p:extLst>
               <p:ext uri="{D42A27DB-BD31-4B8C-83A1-F6EECF244321}">
-                <p14:modId xmlns:p14="http://schemas.microsoft.com/office/powerpoint/2010/main" val="2679475955"/>
+                <p14:modId xmlns:p14="http://schemas.microsoft.com/office/powerpoint/2010/main" val="2945974043"/>
               </p:ext>
             </p:extLst>
           </p:nvPr>
@@ -17104,10 +17851,10 @@
                     <a:lstStyle/>
                     <a:p>
                       <a:r>
-                        <a:rPr lang="fr-FR" dirty="0" smtClean="0"/>
+                        <a:rPr lang="fr-FR" sz="1600" dirty="0" smtClean="0"/>
                         <a:t>Morts</a:t>
                       </a:r>
-                      <a:endParaRPr lang="fr-FR" dirty="0"/>
+                      <a:endParaRPr lang="fr-FR" sz="1600" dirty="0"/>
                     </a:p>
                   </a:txBody>
                   <a:tcPr marL="83838" marR="83838"/>
@@ -17121,657 +17868,6 @@
     <p:extLst>
       <p:ext uri="{BB962C8B-B14F-4D97-AF65-F5344CB8AC3E}">
         <p14:creationId xmlns:p14="http://schemas.microsoft.com/office/powerpoint/2010/main" val="1091367176"/>
-      </p:ext>
-    </p:extLst>
-  </p:cSld>
-  <p:clrMapOvr>
-    <a:masterClrMapping/>
-  </p:clrMapOvr>
-  <p:timing>
-    <p:tnLst>
-      <p:par>
-        <p:cTn id="1" dur="indefinite" restart="never" nodeType="tmRoot"/>
-      </p:par>
-    </p:tnLst>
-  </p:timing>
-</p:sld>
-</file>
-
-<file path=ppt/slides/slide7.xml><?xml version="1.0" encoding="utf-8"?>
-<p:sld xmlns:a="http://schemas.openxmlformats.org/drawingml/2006/main" xmlns:r="http://schemas.openxmlformats.org/officeDocument/2006/relationships" xmlns:p="http://schemas.openxmlformats.org/presentationml/2006/main">
-  <p:cSld>
-    <p:spTree>
-      <p:nvGrpSpPr>
-        <p:cNvPr id="1" name=""/>
-        <p:cNvGrpSpPr/>
-        <p:nvPr/>
-      </p:nvGrpSpPr>
-      <p:grpSpPr>
-        <a:xfrm>
-          <a:off x="0" y="0"/>
-          <a:ext cx="0" cy="0"/>
-          <a:chOff x="0" y="0"/>
-          <a:chExt cx="0" cy="0"/>
-        </a:xfrm>
-      </p:grpSpPr>
-      <p:sp>
-        <p:nvSpPr>
-          <p:cNvPr id="4" name="Titre 3"/>
-          <p:cNvSpPr>
-            <a:spLocks noGrp="1"/>
-          </p:cNvSpPr>
-          <p:nvPr>
-            <p:ph type="title"/>
-          </p:nvPr>
-        </p:nvSpPr>
-        <p:spPr/>
-        <p:txBody>
-          <a:bodyPr/>
-          <a:lstStyle/>
-          <a:p>
-            <a:r>
-              <a:rPr lang="fr-FR" dirty="0" smtClean="0"/>
-              <a:t>Peuples</a:t>
-            </a:r>
-            <a:endParaRPr lang="fr-FR" dirty="0"/>
-          </a:p>
-        </p:txBody>
-      </p:sp>
-      <p:sp>
-        <p:nvSpPr>
-          <p:cNvPr id="5" name="Espace réservé du contenu 4"/>
-          <p:cNvSpPr>
-            <a:spLocks noGrp="1"/>
-          </p:cNvSpPr>
-          <p:nvPr>
-            <p:ph sz="half" idx="1"/>
-          </p:nvPr>
-        </p:nvSpPr>
-        <p:spPr/>
-        <p:txBody>
-          <a:bodyPr/>
-          <a:lstStyle/>
-          <a:p>
-            <a:r>
-              <a:rPr lang="fr-FR" dirty="0" smtClean="0"/>
-              <a:t>Les ennemis sont aussi nombreux que les alliés. Les elfes sont agressifs et isoles, ils communiquent et échanges très peu avec les autres races. Les </a:t>
-            </a:r>
-            <a:r>
-              <a:rPr lang="fr-FR" dirty="0" err="1" smtClean="0"/>
-              <a:t>Duergar</a:t>
-            </a:r>
-            <a:r>
-              <a:rPr lang="fr-FR" dirty="0" smtClean="0"/>
-              <a:t>(Nains noirs) et les Géant cohabitent ensemble et travaille main dans la main pour l’amélioration de leurs conditions de vie. Les Bannis sont en vérité d’ancien Damnés ayant trahis les leurs.</a:t>
-            </a:r>
-            <a:endParaRPr lang="fr-FR" dirty="0"/>
-          </a:p>
-        </p:txBody>
-      </p:sp>
-      <p:graphicFrame>
-        <p:nvGraphicFramePr>
-          <p:cNvPr id="9" name="Espace réservé du contenu 8"/>
-          <p:cNvGraphicFramePr>
-            <a:graphicFrameLocks noGrp="1"/>
-          </p:cNvGraphicFramePr>
-          <p:nvPr>
-            <p:ph sz="half" idx="2"/>
-            <p:extLst>
-              <p:ext uri="{D42A27DB-BD31-4B8C-83A1-F6EECF244321}">
-                <p14:modId xmlns:p14="http://schemas.microsoft.com/office/powerpoint/2010/main" val="2713145883"/>
-              </p:ext>
-            </p:extLst>
-          </p:nvPr>
-        </p:nvGraphicFramePr>
-        <p:xfrm>
-          <a:off x="6035036" y="1846263"/>
-          <a:ext cx="3775320" cy="1818640"/>
-        </p:xfrm>
-        <a:graphic>
-          <a:graphicData uri="http://schemas.openxmlformats.org/drawingml/2006/table">
-            <a:tbl>
-              <a:tblPr firstRow="1" bandRow="1">
-                <a:tableStyleId>{5C22544A-7EE6-4342-B048-85BDC9FD1C3A}</a:tableStyleId>
-              </a:tblPr>
-              <a:tblGrid>
-                <a:gridCol w="1887660"/>
-                <a:gridCol w="1887660"/>
-              </a:tblGrid>
-              <a:tr h="332394">
-                <a:tc>
-                  <a:txBody>
-                    <a:bodyPr/>
-                    <a:lstStyle/>
-                    <a:p>
-                      <a:r>
-                        <a:rPr lang="fr-FR" sz="1600" dirty="0" smtClean="0"/>
-                        <a:t>Ennemis</a:t>
-                      </a:r>
-                    </a:p>
-                  </a:txBody>
-                  <a:tcPr marL="83838" marR="83838"/>
-                </a:tc>
-                <a:tc>
-                  <a:txBody>
-                    <a:bodyPr/>
-                    <a:lstStyle/>
-                    <a:p>
-                      <a:endParaRPr lang="fr-FR" sz="1600" dirty="0" smtClean="0"/>
-                    </a:p>
-                  </a:txBody>
-                  <a:tcPr marL="83838" marR="83838"/>
-                </a:tc>
-              </a:tr>
-              <a:tr h="370840">
-                <a:tc>
-                  <a:txBody>
-                    <a:bodyPr/>
-                    <a:lstStyle/>
-                    <a:p>
-                      <a:r>
-                        <a:rPr lang="fr-FR" sz="1600" dirty="0" smtClean="0"/>
-                        <a:t>Elfe</a:t>
-                      </a:r>
-                      <a:endParaRPr lang="fr-FR" sz="1600" dirty="0"/>
-                    </a:p>
-                  </a:txBody>
-                  <a:tcPr marL="83838" marR="83838"/>
-                </a:tc>
-                <a:tc>
-                  <a:txBody>
-                    <a:bodyPr/>
-                    <a:lstStyle/>
-                    <a:p>
-                      <a:r>
-                        <a:rPr lang="fr-FR" sz="1600" dirty="0" smtClean="0"/>
-                        <a:t>Vivants</a:t>
-                      </a:r>
-                      <a:endParaRPr lang="fr-FR" sz="1600" dirty="0"/>
-                    </a:p>
-                  </a:txBody>
-                  <a:tcPr marL="83838" marR="83838"/>
-                </a:tc>
-              </a:tr>
-              <a:tr h="370840">
-                <a:tc>
-                  <a:txBody>
-                    <a:bodyPr/>
-                    <a:lstStyle/>
-                    <a:p>
-                      <a:pPr marL="0" marR="0" lvl="0" indent="0" algn="l" defTabSz="914400" rtl="0" eaLnBrk="1" fontAlgn="auto" latinLnBrk="0" hangingPunct="1">
-                        <a:lnSpc>
-                          <a:spcPct val="100000"/>
-                        </a:lnSpc>
-                        <a:spcBef>
-                          <a:spcPts val="0"/>
-                        </a:spcBef>
-                        <a:spcAft>
-                          <a:spcPts val="0"/>
-                        </a:spcAft>
-                        <a:buClrTx/>
-                        <a:buSzTx/>
-                        <a:buFontTx/>
-                        <a:buNone/>
-                        <a:tabLst/>
-                        <a:defRPr/>
-                      </a:pPr>
-                      <a:r>
-                        <a:rPr lang="fr-FR" sz="1600" b="0" dirty="0" err="1" smtClean="0"/>
-                        <a:t>Duergar</a:t>
-                      </a:r>
-                      <a:endParaRPr lang="fr-FR" sz="1600" b="0" dirty="0" smtClean="0"/>
-                    </a:p>
-                  </a:txBody>
-                  <a:tcPr marL="83838" marR="83838"/>
-                </a:tc>
-                <a:tc>
-                  <a:txBody>
-                    <a:bodyPr/>
-                    <a:lstStyle/>
-                    <a:p>
-                      <a:r>
-                        <a:rPr lang="fr-FR" sz="1600" dirty="0" smtClean="0"/>
-                        <a:t>Vivants</a:t>
-                      </a:r>
-                      <a:endParaRPr lang="fr-FR" sz="1600" dirty="0"/>
-                    </a:p>
-                  </a:txBody>
-                  <a:tcPr marL="83838" marR="83838"/>
-                </a:tc>
-              </a:tr>
-              <a:tr h="370840">
-                <a:tc>
-                  <a:txBody>
-                    <a:bodyPr/>
-                    <a:lstStyle/>
-                    <a:p>
-                      <a:pPr marL="0" marR="0" lvl="0" indent="0" algn="l" defTabSz="914400" rtl="0" eaLnBrk="1" fontAlgn="auto" latinLnBrk="0" hangingPunct="1">
-                        <a:lnSpc>
-                          <a:spcPct val="100000"/>
-                        </a:lnSpc>
-                        <a:spcBef>
-                          <a:spcPts val="0"/>
-                        </a:spcBef>
-                        <a:spcAft>
-                          <a:spcPts val="0"/>
-                        </a:spcAft>
-                        <a:buClrTx/>
-                        <a:buSzTx/>
-                        <a:buFontTx/>
-                        <a:buNone/>
-                        <a:tabLst/>
-                        <a:defRPr/>
-                      </a:pPr>
-                      <a:r>
-                        <a:rPr lang="fr-FR" sz="1600" b="0" dirty="0" smtClean="0"/>
-                        <a:t>Géant</a:t>
-                      </a:r>
-                    </a:p>
-                  </a:txBody>
-                  <a:tcPr marL="83838" marR="83838"/>
-                </a:tc>
-                <a:tc>
-                  <a:txBody>
-                    <a:bodyPr/>
-                    <a:lstStyle/>
-                    <a:p>
-                      <a:pPr marL="0" marR="0" lvl="0" indent="0" algn="l" defTabSz="914400" rtl="0" eaLnBrk="1" fontAlgn="auto" latinLnBrk="0" hangingPunct="1">
-                        <a:lnSpc>
-                          <a:spcPct val="100000"/>
-                        </a:lnSpc>
-                        <a:spcBef>
-                          <a:spcPts val="0"/>
-                        </a:spcBef>
-                        <a:spcAft>
-                          <a:spcPts val="0"/>
-                        </a:spcAft>
-                        <a:buClrTx/>
-                        <a:buSzTx/>
-                        <a:buFontTx/>
-                        <a:buNone/>
-                        <a:tabLst/>
-                        <a:defRPr/>
-                      </a:pPr>
-                      <a:r>
-                        <a:rPr lang="fr-FR" sz="1600" b="0" dirty="0" smtClean="0"/>
-                        <a:t>Vivants</a:t>
-                      </a:r>
-                    </a:p>
-                  </a:txBody>
-                  <a:tcPr marL="83838" marR="83838"/>
-                </a:tc>
-              </a:tr>
-              <a:tr h="370840">
-                <a:tc>
-                  <a:txBody>
-                    <a:bodyPr/>
-                    <a:lstStyle/>
-                    <a:p>
-                      <a:r>
-                        <a:rPr lang="fr-FR" dirty="0" smtClean="0"/>
-                        <a:t>Bannis</a:t>
-                      </a:r>
-                      <a:endParaRPr lang="fr-FR" dirty="0"/>
-                    </a:p>
-                  </a:txBody>
-                  <a:tcPr marL="83838" marR="83838"/>
-                </a:tc>
-                <a:tc>
-                  <a:txBody>
-                    <a:bodyPr/>
-                    <a:lstStyle/>
-                    <a:p>
-                      <a:r>
-                        <a:rPr lang="fr-FR" dirty="0" smtClean="0"/>
-                        <a:t>Morts</a:t>
-                      </a:r>
-                      <a:endParaRPr lang="fr-FR" dirty="0"/>
-                    </a:p>
-                  </a:txBody>
-                  <a:tcPr marL="83838" marR="83838"/>
-                </a:tc>
-              </a:tr>
-            </a:tbl>
-          </a:graphicData>
-        </a:graphic>
-      </p:graphicFrame>
-    </p:spTree>
-    <p:extLst>
-      <p:ext uri="{BB962C8B-B14F-4D97-AF65-F5344CB8AC3E}">
-        <p14:creationId xmlns:p14="http://schemas.microsoft.com/office/powerpoint/2010/main" val="1912953451"/>
-      </p:ext>
-    </p:extLst>
-  </p:cSld>
-  <p:clrMapOvr>
-    <a:masterClrMapping/>
-  </p:clrMapOvr>
-  <p:timing>
-    <p:tnLst>
-      <p:par>
-        <p:cTn id="1" dur="indefinite" restart="never" nodeType="tmRoot"/>
-      </p:par>
-    </p:tnLst>
-  </p:timing>
-</p:sld>
-</file>
-
-<file path=ppt/slides/slide8.xml><?xml version="1.0" encoding="utf-8"?>
-<p:sld xmlns:a="http://schemas.openxmlformats.org/drawingml/2006/main" xmlns:r="http://schemas.openxmlformats.org/officeDocument/2006/relationships" xmlns:p="http://schemas.openxmlformats.org/presentationml/2006/main">
-  <p:cSld>
-    <p:spTree>
-      <p:nvGrpSpPr>
-        <p:cNvPr id="1" name=""/>
-        <p:cNvGrpSpPr/>
-        <p:nvPr/>
-      </p:nvGrpSpPr>
-      <p:grpSpPr>
-        <a:xfrm>
-          <a:off x="0" y="0"/>
-          <a:ext cx="0" cy="0"/>
-          <a:chOff x="0" y="0"/>
-          <a:chExt cx="0" cy="0"/>
-        </a:xfrm>
-      </p:grpSpPr>
-      <p:sp>
-        <p:nvSpPr>
-          <p:cNvPr id="4" name="Titre 3"/>
-          <p:cNvSpPr>
-            <a:spLocks noGrp="1"/>
-          </p:cNvSpPr>
-          <p:nvPr>
-            <p:ph type="title"/>
-          </p:nvPr>
-        </p:nvSpPr>
-        <p:spPr/>
-        <p:txBody>
-          <a:bodyPr/>
-          <a:lstStyle/>
-          <a:p>
-            <a:r>
-              <a:rPr lang="fr-FR" dirty="0" err="1" smtClean="0"/>
-              <a:t>Systeme</a:t>
-            </a:r>
-            <a:endParaRPr lang="fr-FR" dirty="0"/>
-          </a:p>
-        </p:txBody>
-      </p:sp>
-      <p:sp>
-        <p:nvSpPr>
-          <p:cNvPr id="5" name="Espace réservé du contenu 4"/>
-          <p:cNvSpPr>
-            <a:spLocks noGrp="1"/>
-          </p:cNvSpPr>
-          <p:nvPr>
-            <p:ph sz="half" idx="1"/>
-          </p:nvPr>
-        </p:nvSpPr>
-        <p:spPr/>
-        <p:txBody>
-          <a:bodyPr/>
-          <a:lstStyle/>
-          <a:p>
-            <a:r>
-              <a:rPr lang="fr-FR" dirty="0" smtClean="0"/>
-              <a:t>Le système de jeu est inspire de P.T.U. (</a:t>
-            </a:r>
-            <a:r>
-              <a:rPr lang="fr-FR" dirty="0" err="1" smtClean="0"/>
-              <a:t>Pokemon</a:t>
-            </a:r>
-            <a:r>
-              <a:rPr lang="fr-FR" dirty="0" smtClean="0"/>
-              <a:t> </a:t>
-            </a:r>
-            <a:r>
-              <a:rPr lang="fr-FR" dirty="0" err="1" smtClean="0"/>
-              <a:t>Tabletop</a:t>
-            </a:r>
-            <a:r>
-              <a:rPr lang="fr-FR" dirty="0" smtClean="0"/>
-              <a:t> United)</a:t>
-            </a:r>
-            <a:br>
-              <a:rPr lang="fr-FR" dirty="0" smtClean="0"/>
-            </a:br>
-            <a:r>
-              <a:rPr lang="fr-FR" dirty="0" smtClean="0"/>
-              <a:t>Ainsi, les tests s’effectuerons généralement à l’aide de dés de 4.</a:t>
-            </a:r>
-            <a:endParaRPr lang="fr-FR" dirty="0"/>
-          </a:p>
-        </p:txBody>
-      </p:sp>
-      <p:graphicFrame>
-        <p:nvGraphicFramePr>
-          <p:cNvPr id="9" name="Espace réservé du contenu 8"/>
-          <p:cNvGraphicFramePr>
-            <a:graphicFrameLocks noGrp="1"/>
-          </p:cNvGraphicFramePr>
-          <p:nvPr>
-            <p:ph sz="half" idx="2"/>
-            <p:extLst>
-              <p:ext uri="{D42A27DB-BD31-4B8C-83A1-F6EECF244321}">
-                <p14:modId xmlns:p14="http://schemas.microsoft.com/office/powerpoint/2010/main" val="2713145883"/>
-              </p:ext>
-            </p:extLst>
-          </p:nvPr>
-        </p:nvGraphicFramePr>
-        <p:xfrm>
-          <a:off x="6035036" y="1846263"/>
-          <a:ext cx="3775320" cy="1818640"/>
-        </p:xfrm>
-        <a:graphic>
-          <a:graphicData uri="http://schemas.openxmlformats.org/drawingml/2006/table">
-            <a:tbl>
-              <a:tblPr firstRow="1" bandRow="1">
-                <a:tableStyleId>{5C22544A-7EE6-4342-B048-85BDC9FD1C3A}</a:tableStyleId>
-              </a:tblPr>
-              <a:tblGrid>
-                <a:gridCol w="1887660"/>
-                <a:gridCol w="1887660"/>
-              </a:tblGrid>
-              <a:tr h="332394">
-                <a:tc>
-                  <a:txBody>
-                    <a:bodyPr/>
-                    <a:lstStyle/>
-                    <a:p>
-                      <a:r>
-                        <a:rPr lang="fr-FR" sz="1600" dirty="0" smtClean="0"/>
-                        <a:t>Ennemis</a:t>
-                      </a:r>
-                    </a:p>
-                  </a:txBody>
-                  <a:tcPr marL="83838" marR="83838"/>
-                </a:tc>
-                <a:tc>
-                  <a:txBody>
-                    <a:bodyPr/>
-                    <a:lstStyle/>
-                    <a:p>
-                      <a:endParaRPr lang="fr-FR" sz="1600" dirty="0" smtClean="0"/>
-                    </a:p>
-                  </a:txBody>
-                  <a:tcPr marL="83838" marR="83838"/>
-                </a:tc>
-              </a:tr>
-              <a:tr h="370840">
-                <a:tc>
-                  <a:txBody>
-                    <a:bodyPr/>
-                    <a:lstStyle/>
-                    <a:p>
-                      <a:r>
-                        <a:rPr lang="fr-FR" sz="1600" dirty="0" smtClean="0"/>
-                        <a:t>Elfe</a:t>
-                      </a:r>
-                      <a:endParaRPr lang="fr-FR" sz="1600" dirty="0"/>
-                    </a:p>
-                  </a:txBody>
-                  <a:tcPr marL="83838" marR="83838"/>
-                </a:tc>
-                <a:tc>
-                  <a:txBody>
-                    <a:bodyPr/>
-                    <a:lstStyle/>
-                    <a:p>
-                      <a:r>
-                        <a:rPr lang="fr-FR" sz="1600" dirty="0" smtClean="0"/>
-                        <a:t>Vivants</a:t>
-                      </a:r>
-                      <a:endParaRPr lang="fr-FR" sz="1600" dirty="0"/>
-                    </a:p>
-                  </a:txBody>
-                  <a:tcPr marL="83838" marR="83838"/>
-                </a:tc>
-              </a:tr>
-              <a:tr h="370840">
-                <a:tc>
-                  <a:txBody>
-                    <a:bodyPr/>
-                    <a:lstStyle/>
-                    <a:p>
-                      <a:pPr marL="0" marR="0" lvl="0" indent="0" algn="l" defTabSz="914400" rtl="0" eaLnBrk="1" fontAlgn="auto" latinLnBrk="0" hangingPunct="1">
-                        <a:lnSpc>
-                          <a:spcPct val="100000"/>
-                        </a:lnSpc>
-                        <a:spcBef>
-                          <a:spcPts val="0"/>
-                        </a:spcBef>
-                        <a:spcAft>
-                          <a:spcPts val="0"/>
-                        </a:spcAft>
-                        <a:buClrTx/>
-                        <a:buSzTx/>
-                        <a:buFontTx/>
-                        <a:buNone/>
-                        <a:tabLst/>
-                        <a:defRPr/>
-                      </a:pPr>
-                      <a:r>
-                        <a:rPr lang="fr-FR" sz="1600" b="0" dirty="0" err="1" smtClean="0"/>
-                        <a:t>Duergar</a:t>
-                      </a:r>
-                      <a:endParaRPr lang="fr-FR" sz="1600" b="0" dirty="0" smtClean="0"/>
-                    </a:p>
-                  </a:txBody>
-                  <a:tcPr marL="83838" marR="83838"/>
-                </a:tc>
-                <a:tc>
-                  <a:txBody>
-                    <a:bodyPr/>
-                    <a:lstStyle/>
-                    <a:p>
-                      <a:r>
-                        <a:rPr lang="fr-FR" sz="1600" dirty="0" smtClean="0"/>
-                        <a:t>Vivants</a:t>
-                      </a:r>
-                      <a:endParaRPr lang="fr-FR" sz="1600" dirty="0"/>
-                    </a:p>
-                  </a:txBody>
-                  <a:tcPr marL="83838" marR="83838"/>
-                </a:tc>
-              </a:tr>
-              <a:tr h="370840">
-                <a:tc>
-                  <a:txBody>
-                    <a:bodyPr/>
-                    <a:lstStyle/>
-                    <a:p>
-                      <a:pPr marL="0" marR="0" lvl="0" indent="0" algn="l" defTabSz="914400" rtl="0" eaLnBrk="1" fontAlgn="auto" latinLnBrk="0" hangingPunct="1">
-                        <a:lnSpc>
-                          <a:spcPct val="100000"/>
-                        </a:lnSpc>
-                        <a:spcBef>
-                          <a:spcPts val="0"/>
-                        </a:spcBef>
-                        <a:spcAft>
-                          <a:spcPts val="0"/>
-                        </a:spcAft>
-                        <a:buClrTx/>
-                        <a:buSzTx/>
-                        <a:buFontTx/>
-                        <a:buNone/>
-                        <a:tabLst/>
-                        <a:defRPr/>
-                      </a:pPr>
-                      <a:r>
-                        <a:rPr lang="fr-FR" sz="1600" b="0" dirty="0" smtClean="0"/>
-                        <a:t>Géant</a:t>
-                      </a:r>
-                    </a:p>
-                  </a:txBody>
-                  <a:tcPr marL="83838" marR="83838"/>
-                </a:tc>
-                <a:tc>
-                  <a:txBody>
-                    <a:bodyPr/>
-                    <a:lstStyle/>
-                    <a:p>
-                      <a:pPr marL="0" marR="0" lvl="0" indent="0" algn="l" defTabSz="914400" rtl="0" eaLnBrk="1" fontAlgn="auto" latinLnBrk="0" hangingPunct="1">
-                        <a:lnSpc>
-                          <a:spcPct val="100000"/>
-                        </a:lnSpc>
-                        <a:spcBef>
-                          <a:spcPts val="0"/>
-                        </a:spcBef>
-                        <a:spcAft>
-                          <a:spcPts val="0"/>
-                        </a:spcAft>
-                        <a:buClrTx/>
-                        <a:buSzTx/>
-                        <a:buFontTx/>
-                        <a:buNone/>
-                        <a:tabLst/>
-                        <a:defRPr/>
-                      </a:pPr>
-                      <a:r>
-                        <a:rPr lang="fr-FR" sz="1600" b="0" dirty="0" smtClean="0"/>
-                        <a:t>Vivants</a:t>
-                      </a:r>
-                    </a:p>
-                  </a:txBody>
-                  <a:tcPr marL="83838" marR="83838"/>
-                </a:tc>
-              </a:tr>
-              <a:tr h="370840">
-                <a:tc>
-                  <a:txBody>
-                    <a:bodyPr/>
-                    <a:lstStyle/>
-                    <a:p>
-                      <a:r>
-                        <a:rPr lang="fr-FR" dirty="0" smtClean="0"/>
-                        <a:t>Bannis</a:t>
-                      </a:r>
-                      <a:endParaRPr lang="fr-FR" dirty="0"/>
-                    </a:p>
-                  </a:txBody>
-                  <a:tcPr marL="83838" marR="83838"/>
-                </a:tc>
-                <a:tc>
-                  <a:txBody>
-                    <a:bodyPr/>
-                    <a:lstStyle/>
-                    <a:p>
-                      <a:r>
-                        <a:rPr lang="fr-FR" dirty="0" smtClean="0"/>
-                        <a:t>Morts</a:t>
-                      </a:r>
-                      <a:endParaRPr lang="fr-FR" dirty="0"/>
-                    </a:p>
-                  </a:txBody>
-                  <a:tcPr marL="83838" marR="83838"/>
-                </a:tc>
-              </a:tr>
-            </a:tbl>
-          </a:graphicData>
-        </a:graphic>
-      </p:graphicFrame>
-    </p:spTree>
-    <p:extLst>
-      <p:ext uri="{BB962C8B-B14F-4D97-AF65-F5344CB8AC3E}">
-        <p14:creationId xmlns:p14="http://schemas.microsoft.com/office/powerpoint/2010/main" val="1335042506"/>
       </p:ext>
     </p:extLst>
   </p:cSld>
@@ -17821,8 +17917,8 @@
           <a:lstStyle/>
           <a:p>
             <a:r>
-              <a:rPr lang="fr-FR" dirty="0" err="1" smtClean="0"/>
-              <a:t>Caracteristiques</a:t>
+              <a:rPr lang="fr-FR" dirty="0" smtClean="0"/>
+              <a:t>Peuples Neutres</a:t>
             </a:r>
             <a:endParaRPr lang="fr-FR" dirty="0"/>
           </a:p>
@@ -17845,21 +17941,54 @@
           <a:p>
             <a:r>
               <a:rPr lang="fr-FR" dirty="0" smtClean="0"/>
-              <a:t>Les caractéristiques des personnages sont simplistes, de manière a faciliter les actions effectuées par les joueurs, cela permet également de générer des fiches aisément.</a:t>
+              <a:t>Les </a:t>
+            </a:r>
+            <a:r>
+              <a:rPr lang="fr-FR" dirty="0" err="1" smtClean="0"/>
+              <a:t>Elders</a:t>
+            </a:r>
+            <a:r>
+              <a:rPr lang="fr-FR" dirty="0" smtClean="0"/>
+              <a:t> et les </a:t>
+            </a:r>
+            <a:r>
+              <a:rPr lang="fr-FR" dirty="0" err="1" smtClean="0"/>
+              <a:t>Qunari</a:t>
+            </a:r>
+            <a:r>
+              <a:rPr lang="fr-FR" dirty="0" smtClean="0"/>
+              <a:t>, sont des peuples de sages. Ceux-ci se réunissent régulièrement afin d’effectuer de longs débats sur les connaissances et les inconnues. Les </a:t>
+            </a:r>
+            <a:r>
+              <a:rPr lang="fr-FR" dirty="0" err="1" smtClean="0"/>
+              <a:t>Tsolyani</a:t>
+            </a:r>
+            <a:r>
+              <a:rPr lang="fr-FR" dirty="0" smtClean="0"/>
+              <a:t> sont un peuple de Troubadours et de Marchands, ceux-ci traversent les étendus de Xendera afin de faire vivre les lieux dans lesquels ils passent durant quelques jours.</a:t>
             </a:r>
             <a:br>
               <a:rPr lang="fr-FR" dirty="0" smtClean="0"/>
             </a:br>
             <a:r>
               <a:rPr lang="fr-FR" dirty="0" smtClean="0"/>
-              <a:t/>
-            </a:r>
-            <a:br>
+              <a:t>Les </a:t>
+            </a:r>
+            <a:r>
+              <a:rPr lang="fr-FR" dirty="0" err="1" smtClean="0"/>
+              <a:t>Kirm</a:t>
+            </a:r>
+            <a:r>
               <a:rPr lang="fr-FR" dirty="0" smtClean="0"/>
-            </a:br>
+              <a:t> sont de grands travailleurs, ils échangent beaucoup leurs produits avec les </a:t>
+            </a:r>
+            <a:r>
+              <a:rPr lang="fr-FR" dirty="0" err="1" smtClean="0"/>
+              <a:t>Tsolyani</a:t>
+            </a:r>
             <a:r>
               <a:rPr lang="fr-FR" dirty="0" smtClean="0"/>
-              <a:t>De base chacune des statistiques est a 5, le joueur reçoit 10 points a dépenser lors de la création</a:t>
+              <a:t>, mais ils œuvrent aussi à la création de nouveau systèmes industriels.</a:t>
             </a:r>
             <a:endParaRPr lang="fr-FR" dirty="0"/>
           </a:p>
@@ -17867,7 +17996,7 @@
       </p:sp>
       <p:graphicFrame>
         <p:nvGraphicFramePr>
-          <p:cNvPr id="3" name="Espace réservé du contenu 2"/>
+          <p:cNvPr id="9" name="Espace réservé du contenu 8"/>
           <p:cNvGraphicFramePr>
             <a:graphicFrameLocks noGrp="1"/>
           </p:cNvGraphicFramePr>
@@ -17875,14 +18004,14 @@
             <p:ph sz="half" idx="2"/>
             <p:extLst>
               <p:ext uri="{D42A27DB-BD31-4B8C-83A1-F6EECF244321}">
-                <p14:modId xmlns:p14="http://schemas.microsoft.com/office/powerpoint/2010/main" val="334121036"/>
+                <p14:modId xmlns:p14="http://schemas.microsoft.com/office/powerpoint/2010/main" val="1895290096"/>
               </p:ext>
             </p:extLst>
           </p:nvPr>
         </p:nvGraphicFramePr>
         <p:xfrm>
-          <a:off x="6035040" y="1846263"/>
-          <a:ext cx="5120324" cy="2595880"/>
+          <a:off x="6035036" y="1846263"/>
+          <a:ext cx="3775320" cy="1818640"/>
         </p:xfrm>
         <a:graphic>
           <a:graphicData uri="http://schemas.openxmlformats.org/drawingml/2006/table">
@@ -17891,37 +18020,33 @@
                 <a:tableStyleId>{5C22544A-7EE6-4342-B048-85BDC9FD1C3A}</a:tableStyleId>
               </a:tblPr>
               <a:tblGrid>
-                <a:gridCol w="2560162"/>
-                <a:gridCol w="2560162"/>
+                <a:gridCol w="1887660"/>
+                <a:gridCol w="1887660"/>
               </a:tblGrid>
-              <a:tr h="370840">
+              <a:tr h="332394">
                 <a:tc>
                   <a:txBody>
                     <a:bodyPr/>
                     <a:lstStyle/>
                     <a:p>
                       <a:r>
-                        <a:rPr lang="fr-FR" dirty="0" smtClean="0"/>
-                        <a:t>Caractéristiques</a:t>
+                        <a:rPr lang="fr-FR" sz="1600" dirty="0" smtClean="0"/>
+                        <a:t>Neutres</a:t>
                       </a:r>
-                      <a:endParaRPr lang="fr-FR" dirty="0"/>
+                      <a:endParaRPr lang="fr-FR" sz="1600" dirty="0" smtClean="0"/>
                     </a:p>
                   </a:txBody>
-                  <a:tcPr/>
+                  <a:tcPr marL="83838" marR="83838"/>
                 </a:tc>
                 <a:tc>
                   <a:txBody>
                     <a:bodyPr/>
                     <a:lstStyle/>
                     <a:p>
-                      <a:r>
-                        <a:rPr lang="fr-FR" dirty="0" smtClean="0"/>
-                        <a:t>Base</a:t>
-                      </a:r>
-                      <a:endParaRPr lang="fr-FR" dirty="0"/>
+                      <a:endParaRPr lang="fr-FR" sz="1600" dirty="0" smtClean="0"/>
                     </a:p>
                   </a:txBody>
-                  <a:tcPr/>
+                  <a:tcPr marL="83838" marR="83838"/>
                 </a:tc>
               </a:tr>
               <a:tr h="370840">
@@ -17931,13 +18056,13 @@
                     <a:lstStyle/>
                     <a:p>
                       <a:r>
-                        <a:rPr lang="fr-FR" dirty="0" smtClean="0"/>
-                        <a:t>PV</a:t>
+                        <a:rPr lang="fr-FR" sz="1800" b="0" dirty="0" smtClean="0"/>
+                        <a:t>Elder</a:t>
                       </a:r>
                       <a:endParaRPr lang="fr-FR" dirty="0"/>
                     </a:p>
                   </a:txBody>
-                  <a:tcPr/>
+                  <a:tcPr marL="83838" marR="83838"/>
                 </a:tc>
                 <a:tc>
                   <a:txBody>
@@ -17945,13 +18070,43 @@
                     <a:lstStyle/>
                     <a:p>
                       <a:r>
-                        <a:rPr lang="fr-FR" dirty="0" smtClean="0"/>
-                        <a:t>10</a:t>
+                        <a:rPr lang="fr-FR" sz="1600" dirty="0" smtClean="0"/>
+                        <a:t>Morts</a:t>
+                      </a:r>
+                      <a:endParaRPr lang="fr-FR" sz="1600" dirty="0"/>
+                    </a:p>
+                  </a:txBody>
+                  <a:tcPr marL="83838" marR="83838"/>
+                </a:tc>
+              </a:tr>
+              <a:tr h="370840">
+                <a:tc>
+                  <a:txBody>
+                    <a:bodyPr/>
+                    <a:lstStyle/>
+                    <a:p>
+                      <a:r>
+                        <a:rPr lang="fr-FR" sz="1800" b="0" dirty="0" err="1" smtClean="0"/>
+                        <a:t>Qunari</a:t>
                       </a:r>
                       <a:endParaRPr lang="fr-FR" dirty="0"/>
                     </a:p>
                   </a:txBody>
-                  <a:tcPr/>
+                  <a:tcPr marL="83838" marR="83838"/>
+                </a:tc>
+                <a:tc>
+                  <a:txBody>
+                    <a:bodyPr/>
+                    <a:lstStyle/>
+                    <a:p>
+                      <a:r>
+                        <a:rPr lang="fr-FR" sz="1600" dirty="0" smtClean="0"/>
+                        <a:t>Vivants</a:t>
+                      </a:r>
+                      <a:endParaRPr lang="fr-FR" sz="1600" dirty="0"/>
+                    </a:p>
+                  </a:txBody>
+                  <a:tcPr marL="83838" marR="83838"/>
                 </a:tc>
               </a:tr>
               <a:tr h="370840">
@@ -17962,20 +18117,12 @@
                     <a:p>
                       <a:r>
                         <a:rPr lang="fr-FR" dirty="0" err="1" smtClean="0"/>
-                        <a:t>Atk</a:t>
-                      </a:r>
-                      <a:r>
-                        <a:rPr lang="fr-FR" dirty="0" smtClean="0"/>
-                        <a:t>. </a:t>
-                      </a:r>
-                      <a:r>
-                        <a:rPr lang="fr-FR" dirty="0" err="1" smtClean="0"/>
-                        <a:t>Phy</a:t>
+                        <a:t>Tsolyani</a:t>
                       </a:r>
                       <a:endParaRPr lang="fr-FR" dirty="0"/>
                     </a:p>
                   </a:txBody>
-                  <a:tcPr/>
+                  <a:tcPr marL="83838" marR="83838"/>
                 </a:tc>
                 <a:tc>
                   <a:txBody>
@@ -17983,13 +18130,13 @@
                     <a:lstStyle/>
                     <a:p>
                       <a:r>
-                        <a:rPr lang="fr-FR" dirty="0" smtClean="0"/>
-                        <a:t>5</a:t>
+                        <a:rPr lang="fr-FR" sz="1600" dirty="0" smtClean="0"/>
+                        <a:t>Vivants</a:t>
                       </a:r>
-                      <a:endParaRPr lang="fr-FR" dirty="0"/>
+                      <a:endParaRPr lang="fr-FR" sz="1600" dirty="0"/>
                     </a:p>
                   </a:txBody>
-                  <a:tcPr/>
+                  <a:tcPr marL="83838" marR="83838"/>
                 </a:tc>
               </a:tr>
               <a:tr h="370840">
@@ -18000,24 +18147,12 @@
                     <a:p>
                       <a:r>
                         <a:rPr lang="fr-FR" dirty="0" err="1" smtClean="0"/>
-                        <a:t>Def</a:t>
-                      </a:r>
-                      <a:r>
-                        <a:rPr lang="fr-FR" dirty="0" smtClean="0"/>
-                        <a:t>.</a:t>
-                      </a:r>
-                      <a:r>
-                        <a:rPr lang="fr-FR" baseline="0" dirty="0" smtClean="0"/>
-                        <a:t> </a:t>
-                      </a:r>
-                      <a:r>
-                        <a:rPr lang="fr-FR" baseline="0" dirty="0" err="1" smtClean="0"/>
-                        <a:t>Phy</a:t>
+                        <a:t>Kirm</a:t>
                       </a:r>
                       <a:endParaRPr lang="fr-FR" dirty="0"/>
                     </a:p>
                   </a:txBody>
-                  <a:tcPr/>
+                  <a:tcPr marL="83838" marR="83838"/>
                 </a:tc>
                 <a:tc>
                   <a:txBody>
@@ -18025,123 +18160,13 @@
                     <a:lstStyle/>
                     <a:p>
                       <a:r>
-                        <a:rPr lang="fr-FR" dirty="0" smtClean="0"/>
-                        <a:t>5</a:t>
+                        <a:rPr lang="fr-FR" sz="1600" dirty="0" smtClean="0"/>
+                        <a:t>Vivants</a:t>
                       </a:r>
-                      <a:endParaRPr lang="fr-FR" dirty="0"/>
+                      <a:endParaRPr lang="fr-FR" sz="1600" dirty="0"/>
                     </a:p>
                   </a:txBody>
-                  <a:tcPr/>
-                </a:tc>
-              </a:tr>
-              <a:tr h="370840">
-                <a:tc>
-                  <a:txBody>
-                    <a:bodyPr/>
-                    <a:lstStyle/>
-                    <a:p>
-                      <a:r>
-                        <a:rPr lang="fr-FR" dirty="0" err="1" smtClean="0"/>
-                        <a:t>Atk</a:t>
-                      </a:r>
-                      <a:r>
-                        <a:rPr lang="fr-FR" dirty="0" smtClean="0"/>
-                        <a:t>. </a:t>
-                      </a:r>
-                      <a:r>
-                        <a:rPr lang="fr-FR" dirty="0" err="1" smtClean="0"/>
-                        <a:t>Spe</a:t>
-                      </a:r>
-                      <a:endParaRPr lang="fr-FR" dirty="0"/>
-                    </a:p>
-                  </a:txBody>
-                  <a:tcPr/>
-                </a:tc>
-                <a:tc>
-                  <a:txBody>
-                    <a:bodyPr/>
-                    <a:lstStyle/>
-                    <a:p>
-                      <a:r>
-                        <a:rPr lang="fr-FR" dirty="0" smtClean="0"/>
-                        <a:t>5</a:t>
-                      </a:r>
-                      <a:endParaRPr lang="fr-FR" dirty="0"/>
-                    </a:p>
-                  </a:txBody>
-                  <a:tcPr/>
-                </a:tc>
-              </a:tr>
-              <a:tr h="370840">
-                <a:tc>
-                  <a:txBody>
-                    <a:bodyPr/>
-                    <a:lstStyle/>
-                    <a:p>
-                      <a:r>
-                        <a:rPr lang="fr-FR" dirty="0" err="1" smtClean="0"/>
-                        <a:t>Def</a:t>
-                      </a:r>
-                      <a:r>
-                        <a:rPr lang="fr-FR" dirty="0" smtClean="0"/>
-                        <a:t>.</a:t>
-                      </a:r>
-                      <a:r>
-                        <a:rPr lang="fr-FR" baseline="0" dirty="0" smtClean="0"/>
-                        <a:t> </a:t>
-                      </a:r>
-                      <a:r>
-                        <a:rPr lang="fr-FR" baseline="0" dirty="0" err="1" smtClean="0"/>
-                        <a:t>Spe</a:t>
-                      </a:r>
-                      <a:endParaRPr lang="fr-FR" dirty="0"/>
-                    </a:p>
-                  </a:txBody>
-                  <a:tcPr/>
-                </a:tc>
-                <a:tc>
-                  <a:txBody>
-                    <a:bodyPr/>
-                    <a:lstStyle/>
-                    <a:p>
-                      <a:r>
-                        <a:rPr lang="fr-FR" dirty="0" smtClean="0"/>
-                        <a:t>5</a:t>
-                      </a:r>
-                      <a:endParaRPr lang="fr-FR" dirty="0"/>
-                    </a:p>
-                  </a:txBody>
-                  <a:tcPr/>
-                </a:tc>
-              </a:tr>
-              <a:tr h="370840">
-                <a:tc>
-                  <a:txBody>
-                    <a:bodyPr/>
-                    <a:lstStyle/>
-                    <a:p>
-                      <a:r>
-                        <a:rPr lang="fr-FR" dirty="0" smtClean="0"/>
-                        <a:t>Vitesse</a:t>
-                      </a:r>
-                      <a:endParaRPr lang="fr-FR" dirty="0"/>
-                    </a:p>
-                  </a:txBody>
-                  <a:tcPr/>
-                </a:tc>
-                <a:tc>
-                  <a:txBody>
-                    <a:bodyPr/>
-                    <a:lstStyle/>
-                    <a:p>
-                      <a:r>
-                        <a:rPr lang="fr-FR" dirty="0" smtClean="0"/>
-                        <a:t>5</a:t>
-                      </a:r>
-                      <a:endParaRPr lang="fr-FR" dirty="0"/>
-                    </a:p>
-                  </a:txBody>
-                  <a:tcPr/>
+                  <a:tcPr marL="83838" marR="83838"/>
                 </a:tc>
               </a:tr>
             </a:tbl>
@@ -18151,7 +18176,7 @@
     </p:spTree>
     <p:extLst>
       <p:ext uri="{BB962C8B-B14F-4D97-AF65-F5344CB8AC3E}">
-        <p14:creationId xmlns:p14="http://schemas.microsoft.com/office/powerpoint/2010/main" val="3641613322"/>
+        <p14:creationId xmlns:p14="http://schemas.microsoft.com/office/powerpoint/2010/main" val="1462231117"/>
       </p:ext>
     </p:extLst>
   </p:cSld>

--- a/00 - Presentation.pptx
+++ b/00 - Presentation.pptx
@@ -9,19 +9,21 @@
     <p:sldId id="256" r:id="rId3"/>
     <p:sldId id="263" r:id="rId4"/>
     <p:sldId id="271" r:id="rId5"/>
-    <p:sldId id="258" r:id="rId6"/>
-    <p:sldId id="259" r:id="rId7"/>
-    <p:sldId id="257" r:id="rId8"/>
-    <p:sldId id="260" r:id="rId9"/>
-    <p:sldId id="262" r:id="rId10"/>
-    <p:sldId id="272" r:id="rId11"/>
-    <p:sldId id="261" r:id="rId12"/>
-    <p:sldId id="273" r:id="rId13"/>
-    <p:sldId id="265" r:id="rId14"/>
-    <p:sldId id="269" r:id="rId15"/>
-    <p:sldId id="266" r:id="rId16"/>
-    <p:sldId id="267" r:id="rId17"/>
-    <p:sldId id="268" r:id="rId18"/>
+    <p:sldId id="275" r:id="rId6"/>
+    <p:sldId id="258" r:id="rId7"/>
+    <p:sldId id="259" r:id="rId8"/>
+    <p:sldId id="257" r:id="rId9"/>
+    <p:sldId id="274" r:id="rId10"/>
+    <p:sldId id="260" r:id="rId11"/>
+    <p:sldId id="262" r:id="rId12"/>
+    <p:sldId id="272" r:id="rId13"/>
+    <p:sldId id="261" r:id="rId14"/>
+    <p:sldId id="273" r:id="rId15"/>
+    <p:sldId id="265" r:id="rId16"/>
+    <p:sldId id="269" r:id="rId17"/>
+    <p:sldId id="266" r:id="rId18"/>
+    <p:sldId id="268" r:id="rId19"/>
+    <p:sldId id="267" r:id="rId20"/>
   </p:sldIdLst>
   <p:sldSz cx="12192000" cy="6858000"/>
   <p:notesSz cx="6858000" cy="9144000"/>
@@ -132,9 +134,11 @@
           <p14:sldIdLst>
             <p14:sldId id="263"/>
             <p14:sldId id="271"/>
+            <p14:sldId id="275"/>
             <p14:sldId id="258"/>
             <p14:sldId id="259"/>
             <p14:sldId id="257"/>
+            <p14:sldId id="274"/>
           </p14:sldIdLst>
         </p14:section>
         <p14:section name="Monde" id="{CCBBBD01-D0A5-4FF5-AE01-A493D51156A0}">
@@ -151,8 +155,8 @@
             <p14:sldId id="265"/>
             <p14:sldId id="269"/>
             <p14:sldId id="266"/>
+            <p14:sldId id="268"/>
             <p14:sldId id="267"/>
-            <p14:sldId id="268"/>
           </p14:sldIdLst>
         </p14:section>
       </p14:sectionLst>
@@ -2965,7 +2969,7 @@
           <a:p>
             <a:fld id="{E9D4BE7C-3CD3-4465-A389-06323A1F0889}" type="datetimeFigureOut">
               <a:rPr lang="fr-FR" smtClean="0"/>
-              <a:t>23/05/2018</a:t>
+              <a:t>28/05/2018</a:t>
             </a:fld>
             <a:endParaRPr lang="fr-FR"/>
           </a:p>
@@ -3483,7 +3487,7 @@
           <a:p>
             <a:fld id="{E9D4BE7C-3CD3-4465-A389-06323A1F0889}" type="datetimeFigureOut">
               <a:rPr lang="fr-FR" smtClean="0"/>
-              <a:t>23/05/2018</a:t>
+              <a:t>28/05/2018</a:t>
             </a:fld>
             <a:endParaRPr lang="fr-FR"/>
           </a:p>
@@ -3663,7 +3667,7 @@
           <a:p>
             <a:fld id="{E9D4BE7C-3CD3-4465-A389-06323A1F0889}" type="datetimeFigureOut">
               <a:rPr lang="fr-FR" smtClean="0"/>
-              <a:t>23/05/2018</a:t>
+              <a:t>28/05/2018</a:t>
             </a:fld>
             <a:endParaRPr lang="fr-FR"/>
           </a:p>
@@ -3950,7 +3954,7 @@
           <a:p>
             <a:fld id="{E9D4BE7C-3CD3-4465-A389-06323A1F0889}" type="datetimeFigureOut">
               <a:rPr lang="fr-FR" smtClean="0"/>
-              <a:t>23/05/2018</a:t>
+              <a:t>28/05/2018</a:t>
             </a:fld>
             <a:endParaRPr lang="fr-FR"/>
           </a:p>
@@ -4162,7 +4166,7 @@
           <a:p>
             <a:fld id="{E9D4BE7C-3CD3-4465-A389-06323A1F0889}" type="datetimeFigureOut">
               <a:rPr lang="fr-FR" smtClean="0"/>
-              <a:t>23/05/2018</a:t>
+              <a:t>28/05/2018</a:t>
             </a:fld>
             <a:endParaRPr lang="fr-FR"/>
           </a:p>
@@ -4505,7 +4509,7 @@
           <a:p>
             <a:fld id="{E9D4BE7C-3CD3-4465-A389-06323A1F0889}" type="datetimeFigureOut">
               <a:rPr lang="fr-FR" smtClean="0"/>
-              <a:t>23/05/2018</a:t>
+              <a:t>28/05/2018</a:t>
             </a:fld>
             <a:endParaRPr lang="fr-FR"/>
           </a:p>
@@ -4780,7 +4784,7 @@
           <a:p>
             <a:fld id="{E9D4BE7C-3CD3-4465-A389-06323A1F0889}" type="datetimeFigureOut">
               <a:rPr lang="fr-FR" smtClean="0"/>
-              <a:t>23/05/2018</a:t>
+              <a:t>28/05/2018</a:t>
             </a:fld>
             <a:endParaRPr lang="fr-FR"/>
           </a:p>
@@ -5159,7 +5163,7 @@
           <a:p>
             <a:fld id="{E9D4BE7C-3CD3-4465-A389-06323A1F0889}" type="datetimeFigureOut">
               <a:rPr lang="fr-FR" smtClean="0"/>
-              <a:t>23/05/2018</a:t>
+              <a:t>28/05/2018</a:t>
             </a:fld>
             <a:endParaRPr lang="fr-FR"/>
           </a:p>
@@ -5277,7 +5281,7 @@
           <a:p>
             <a:fld id="{E9D4BE7C-3CD3-4465-A389-06323A1F0889}" type="datetimeFigureOut">
               <a:rPr lang="fr-FR" smtClean="0"/>
-              <a:t>23/05/2018</a:t>
+              <a:t>28/05/2018</a:t>
             </a:fld>
             <a:endParaRPr lang="fr-FR"/>
           </a:p>
@@ -5448,7 +5452,7 @@
           <a:p>
             <a:fld id="{E9D4BE7C-3CD3-4465-A389-06323A1F0889}" type="datetimeFigureOut">
               <a:rPr lang="fr-FR" smtClean="0"/>
-              <a:t>23/05/2018</a:t>
+              <a:t>28/05/2018</a:t>
             </a:fld>
             <a:endParaRPr lang="fr-FR"/>
           </a:p>
@@ -5802,7 +5806,7 @@
           <a:p>
             <a:fld id="{E9D4BE7C-3CD3-4465-A389-06323A1F0889}" type="datetimeFigureOut">
               <a:rPr lang="fr-FR" smtClean="0"/>
-              <a:t>23/05/2018</a:t>
+              <a:t>28/05/2018</a:t>
             </a:fld>
             <a:endParaRPr lang="fr-FR"/>
           </a:p>
@@ -5993,7 +5997,7 @@
           <a:p>
             <a:fld id="{E9D4BE7C-3CD3-4465-A389-06323A1F0889}" type="datetimeFigureOut">
               <a:rPr lang="fr-FR" smtClean="0"/>
-              <a:t>23/05/2018</a:t>
+              <a:t>28/05/2018</a:t>
             </a:fld>
             <a:endParaRPr lang="fr-FR"/>
           </a:p>
@@ -6354,7 +6358,7 @@
           <a:p>
             <a:fld id="{E9D4BE7C-3CD3-4465-A389-06323A1F0889}" type="datetimeFigureOut">
               <a:rPr lang="fr-FR" smtClean="0"/>
-              <a:t>23/05/2018</a:t>
+              <a:t>28/05/2018</a:t>
             </a:fld>
             <a:endParaRPr lang="fr-FR"/>
           </a:p>
@@ -6524,7 +6528,7 @@
           <a:p>
             <a:fld id="{E9D4BE7C-3CD3-4465-A389-06323A1F0889}" type="datetimeFigureOut">
               <a:rPr lang="fr-FR" smtClean="0"/>
-              <a:t>23/05/2018</a:t>
+              <a:t>28/05/2018</a:t>
             </a:fld>
             <a:endParaRPr lang="fr-FR"/>
           </a:p>
@@ -6780,7 +6784,7 @@
           <a:p>
             <a:fld id="{E9D4BE7C-3CD3-4465-A389-06323A1F0889}" type="datetimeFigureOut">
               <a:rPr lang="fr-FR" smtClean="0"/>
-              <a:t>23/05/2018</a:t>
+              <a:t>28/05/2018</a:t>
             </a:fld>
             <a:endParaRPr lang="fr-FR"/>
           </a:p>
@@ -9909,7 +9913,7 @@
           <a:p>
             <a:fld id="{E9D4BE7C-3CD3-4465-A389-06323A1F0889}" type="datetimeFigureOut">
               <a:rPr lang="fr-FR" smtClean="0"/>
-              <a:t>23/05/2018</a:t>
+              <a:t>28/05/2018</a:t>
             </a:fld>
             <a:endParaRPr lang="fr-FR"/>
           </a:p>
@@ -10197,7 +10201,7 @@
           <a:p>
             <a:fld id="{E9D4BE7C-3CD3-4465-A389-06323A1F0889}" type="datetimeFigureOut">
               <a:rPr lang="fr-FR" smtClean="0"/>
-              <a:t>23/05/2018</a:t>
+              <a:t>28/05/2018</a:t>
             </a:fld>
             <a:endParaRPr lang="fr-FR"/>
           </a:p>
@@ -10619,7 +10623,7 @@
           <a:p>
             <a:fld id="{E9D4BE7C-3CD3-4465-A389-06323A1F0889}" type="datetimeFigureOut">
               <a:rPr lang="fr-FR" smtClean="0"/>
-              <a:t>23/05/2018</a:t>
+              <a:t>28/05/2018</a:t>
             </a:fld>
             <a:endParaRPr lang="fr-FR"/>
           </a:p>
@@ -10737,7 +10741,7 @@
           <a:p>
             <a:fld id="{E9D4BE7C-3CD3-4465-A389-06323A1F0889}" type="datetimeFigureOut">
               <a:rPr lang="fr-FR" smtClean="0"/>
-              <a:t>23/05/2018</a:t>
+              <a:t>28/05/2018</a:t>
             </a:fld>
             <a:endParaRPr lang="fr-FR"/>
           </a:p>
@@ -10832,7 +10836,7 @@
           <a:p>
             <a:fld id="{E9D4BE7C-3CD3-4465-A389-06323A1F0889}" type="datetimeFigureOut">
               <a:rPr lang="fr-FR" smtClean="0"/>
-              <a:t>23/05/2018</a:t>
+              <a:t>28/05/2018</a:t>
             </a:fld>
             <a:endParaRPr lang="fr-FR"/>
           </a:p>
@@ -11012,7 +11016,7 @@
           <a:p>
             <a:fld id="{E9D4BE7C-3CD3-4465-A389-06323A1F0889}" type="datetimeFigureOut">
               <a:rPr lang="fr-FR" smtClean="0"/>
-              <a:t>23/05/2018</a:t>
+              <a:t>28/05/2018</a:t>
             </a:fld>
             <a:endParaRPr lang="fr-FR"/>
           </a:p>
@@ -11503,7 +11507,7 @@
           <a:p>
             <a:fld id="{E9D4BE7C-3CD3-4465-A389-06323A1F0889}" type="datetimeFigureOut">
               <a:rPr lang="fr-FR" smtClean="0"/>
-              <a:t>23/05/2018</a:t>
+              <a:t>28/05/2018</a:t>
             </a:fld>
             <a:endParaRPr lang="fr-FR"/>
           </a:p>
@@ -12060,7 +12064,7 @@
           <a:p>
             <a:fld id="{E9D4BE7C-3CD3-4465-A389-06323A1F0889}" type="datetimeFigureOut">
               <a:rPr lang="fr-FR" smtClean="0"/>
-              <a:t>23/05/2018</a:t>
+              <a:t>28/05/2018</a:t>
             </a:fld>
             <a:endParaRPr lang="fr-FR"/>
           </a:p>
@@ -12687,7 +12691,7 @@
           <a:p>
             <a:fld id="{E9D4BE7C-3CD3-4465-A389-06323A1F0889}" type="datetimeFigureOut">
               <a:rPr lang="fr-FR" smtClean="0"/>
-              <a:t>23/05/2018</a:t>
+              <a:t>28/05/2018</a:t>
             </a:fld>
             <a:endParaRPr lang="fr-FR"/>
           </a:p>
@@ -13321,7 +13325,7 @@
           <a:p>
             <a:r>
               <a:rPr lang="fr-FR" dirty="0" smtClean="0"/>
-              <a:t>Peuples Ennemis</a:t>
+              <a:t>Peuples Alliés</a:t>
             </a:r>
             <a:endParaRPr lang="fr-FR" dirty="0"/>
           </a:p>
@@ -13337,22 +13341,48 @@
             <p:ph sz="half" idx="1"/>
           </p:nvPr>
         </p:nvSpPr>
-        <p:spPr/>
+        <p:spPr>
+          <a:xfrm>
+            <a:off x="1097279" y="1845734"/>
+            <a:ext cx="4869412" cy="4023360"/>
+          </a:xfrm>
+        </p:spPr>
         <p:txBody>
           <a:bodyPr/>
           <a:lstStyle/>
           <a:p>
             <a:r>
               <a:rPr lang="fr-FR" dirty="0" smtClean="0"/>
-              <a:t>Les ennemis sont aussi nombreux que les alliés. Les elfes sont agressifs et isoles, ils communiquent et échanges très peu avec les autres races. Les </a:t>
+              <a:t>Les races présentent sont nombreuses,</a:t>
+            </a:r>
+            <a:br>
+              <a:rPr lang="fr-FR" dirty="0" smtClean="0"/>
+            </a:br>
+            <a:r>
+              <a:rPr lang="fr-FR" dirty="0" smtClean="0"/>
+              <a:t>chacune d’elle s’est appropriée un territoire.</a:t>
+            </a:r>
+            <a:br>
+              <a:rPr lang="fr-FR" dirty="0" smtClean="0"/>
+            </a:br>
+            <a:r>
+              <a:rPr lang="fr-FR" dirty="0" smtClean="0"/>
+              <a:t>Les Nains malgré leur habitude a rester regroupes ensemble, côtoient les Damnés.</a:t>
+            </a:r>
+            <a:br>
+              <a:rPr lang="fr-FR" dirty="0" smtClean="0"/>
+            </a:br>
+            <a:r>
+              <a:rPr lang="fr-FR" dirty="0" smtClean="0"/>
+              <a:t>Les Valkyries, gardiennes des Damnés patrouillent en permanence en guettant le danger. Les </a:t>
             </a:r>
             <a:r>
               <a:rPr lang="fr-FR" dirty="0" err="1" smtClean="0"/>
-              <a:t>Duergar</a:t>
+              <a:t>Nornes</a:t>
             </a:r>
             <a:r>
               <a:rPr lang="fr-FR" dirty="0" smtClean="0"/>
-              <a:t>(Nains noirs) et les Géant cohabitent ensemble et travaille main dans la main pour l’amélioration de leurs conditions de vie. Les Bannis sont en vérité d’ancien Damnés ayant trahis les leurs.</a:t>
+              <a:t>, quand a elles sont isolées et renseignent les courageux qui viennent leurs demander leur destin.</a:t>
             </a:r>
             <a:endParaRPr lang="fr-FR" dirty="0"/>
           </a:p>
@@ -13368,7 +13398,7 @@
             <p:ph sz="half" idx="2"/>
             <p:extLst>
               <p:ext uri="{D42A27DB-BD31-4B8C-83A1-F6EECF244321}">
-                <p14:modId xmlns:p14="http://schemas.microsoft.com/office/powerpoint/2010/main" val="2814762954"/>
+                <p14:modId xmlns:p14="http://schemas.microsoft.com/office/powerpoint/2010/main" val="2945974043"/>
               </p:ext>
             </p:extLst>
           </p:nvPr>
@@ -13395,8 +13425,9 @@
                     <a:p>
                       <a:r>
                         <a:rPr lang="fr-FR" sz="1600" dirty="0" smtClean="0"/>
-                        <a:t>Ennemis</a:t>
-                      </a:r>
+                        <a:t>Allies</a:t>
+                      </a:r>
+                      <a:endParaRPr lang="fr-FR" sz="1600" dirty="0"/>
                     </a:p>
                   </a:txBody>
                   <a:tcPr marL="83838" marR="83838"/>
@@ -13407,36 +13438,6 @@
                     <a:lstStyle/>
                     <a:p>
                       <a:endParaRPr lang="fr-FR" sz="1600" dirty="0" smtClean="0"/>
-                    </a:p>
-                  </a:txBody>
-                  <a:tcPr marL="83838" marR="83838"/>
-                </a:tc>
-              </a:tr>
-              <a:tr h="370840">
-                <a:tc>
-                  <a:txBody>
-                    <a:bodyPr/>
-                    <a:lstStyle/>
-                    <a:p>
-                      <a:r>
-                        <a:rPr lang="fr-FR" sz="1600" dirty="0" smtClean="0"/>
-                        <a:t>Elfe</a:t>
-                      </a:r>
-                      <a:endParaRPr lang="fr-FR" sz="1600" dirty="0"/>
-                    </a:p>
-                  </a:txBody>
-                  <a:tcPr marL="83838" marR="83838"/>
-                </a:tc>
-                <a:tc>
-                  <a:txBody>
-                    <a:bodyPr/>
-                    <a:lstStyle/>
-                    <a:p>
-                      <a:r>
-                        <a:rPr lang="fr-FR" sz="1600" dirty="0" smtClean="0"/>
-                        <a:t>Vivants</a:t>
-                      </a:r>
-                      <a:endParaRPr lang="fr-FR" sz="1600" dirty="0"/>
                     </a:p>
                   </a:txBody>
                   <a:tcPr marL="83838" marR="83838"/>
@@ -13466,10 +13467,9 @@
                         <a:defRPr/>
                       </a:pPr>
                       <a:r>
-                        <a:rPr lang="fr-FR" sz="1600" b="0" dirty="0" err="1" smtClean="0"/>
-                        <a:t>Duergar</a:t>
-                      </a:r>
-                      <a:endParaRPr lang="fr-FR" sz="1600" b="0" dirty="0" smtClean="0"/>
+                        <a:rPr lang="fr-FR" b="0" dirty="0" smtClean="0"/>
+                        <a:t>Valkyrie</a:t>
+                      </a:r>
                     </a:p>
                   </a:txBody>
                   <a:tcPr marL="83838" marR="83838"/>
@@ -13495,27 +13495,41 @@
                     <a:bodyPr/>
                     <a:lstStyle/>
                     <a:p>
-                      <a:pPr marL="0" marR="0" lvl="0" indent="0" algn="l" defTabSz="914400" rtl="0" eaLnBrk="1" fontAlgn="auto" latinLnBrk="0" hangingPunct="1">
-                        <a:lnSpc>
-                          <a:spcPct val="100000"/>
-                        </a:lnSpc>
-                        <a:spcBef>
-                          <a:spcPts val="0"/>
-                        </a:spcBef>
-                        <a:spcAft>
-                          <a:spcPts val="0"/>
-                        </a:spcAft>
-                        <a:buClrTx/>
-                        <a:buSzTx/>
-                        <a:buFontTx/>
-                        <a:buNone/>
-                        <a:tabLst/>
-                        <a:defRPr/>
-                      </a:pPr>
-                      <a:r>
-                        <a:rPr lang="fr-FR" sz="1600" b="0" dirty="0" smtClean="0"/>
-                        <a:t>Géant</a:t>
-                      </a:r>
+                      <a:r>
+                        <a:rPr lang="fr-FR" dirty="0" smtClean="0"/>
+                        <a:t>Nain</a:t>
+                      </a:r>
+                      <a:endParaRPr lang="fr-FR" dirty="0"/>
+                    </a:p>
+                  </a:txBody>
+                  <a:tcPr marL="83838" marR="83838"/>
+                </a:tc>
+                <a:tc>
+                  <a:txBody>
+                    <a:bodyPr/>
+                    <a:lstStyle/>
+                    <a:p>
+                      <a:r>
+                        <a:rPr lang="fr-FR" sz="1600" dirty="0" smtClean="0"/>
+                        <a:t>Vivants</a:t>
+                      </a:r>
+                      <a:endParaRPr lang="fr-FR" sz="1600" dirty="0"/>
+                    </a:p>
+                  </a:txBody>
+                  <a:tcPr marL="83838" marR="83838"/>
+                </a:tc>
+              </a:tr>
+              <a:tr h="370840">
+                <a:tc>
+                  <a:txBody>
+                    <a:bodyPr/>
+                    <a:lstStyle/>
+                    <a:p>
+                      <a:r>
+                        <a:rPr lang="fr-FR" sz="1600" dirty="0" err="1" smtClean="0"/>
+                        <a:t>Norne</a:t>
+                      </a:r>
+                      <a:endParaRPr lang="fr-FR" sz="1600" dirty="0"/>
                     </a:p>
                   </a:txBody>
                   <a:tcPr marL="83838" marR="83838"/>
@@ -13544,7 +13558,7 @@
                       </a:pPr>
                       <a:r>
                         <a:rPr lang="fr-FR" sz="1600" b="0" dirty="0" smtClean="0"/>
-                        <a:t>Vivants</a:t>
+                        <a:t>Morts</a:t>
                       </a:r>
                     </a:p>
                   </a:txBody>
@@ -13558,10 +13572,10 @@
                     <a:lstStyle/>
                     <a:p>
                       <a:r>
-                        <a:rPr lang="fr-FR" dirty="0" smtClean="0"/>
-                        <a:t>Bannis</a:t>
-                      </a:r>
-                      <a:endParaRPr lang="fr-FR" dirty="0"/>
+                        <a:rPr lang="fr-FR" sz="1600" dirty="0" smtClean="0"/>
+                        <a:t>Damné</a:t>
+                      </a:r>
+                      <a:endParaRPr lang="fr-FR" sz="1600" dirty="0"/>
                     </a:p>
                   </a:txBody>
                   <a:tcPr marL="83838" marR="83838"/>
@@ -13588,7 +13602,7 @@
     </p:spTree>
     <p:extLst>
       <p:ext uri="{BB962C8B-B14F-4D97-AF65-F5344CB8AC3E}">
-        <p14:creationId xmlns:p14="http://schemas.microsoft.com/office/powerpoint/2010/main" val="1912953451"/>
+        <p14:creationId xmlns:p14="http://schemas.microsoft.com/office/powerpoint/2010/main" val="1091367176"/>
       </p:ext>
     </p:extLst>
   </p:cSld>
@@ -13639,7 +13653,7 @@
           <a:p>
             <a:r>
               <a:rPr lang="fr-FR" dirty="0" smtClean="0"/>
-              <a:t>Peuples Monstres</a:t>
+              <a:t>Peuples Neutres</a:t>
             </a:r>
             <a:endParaRPr lang="fr-FR" dirty="0"/>
           </a:p>
@@ -13655,7 +13669,12 @@
             <p:ph sz="half" idx="1"/>
           </p:nvPr>
         </p:nvSpPr>
-        <p:spPr/>
+        <p:spPr>
+          <a:xfrm>
+            <a:off x="1097279" y="1845734"/>
+            <a:ext cx="4869412" cy="4023360"/>
+          </a:xfrm>
+        </p:spPr>
         <p:txBody>
           <a:bodyPr/>
           <a:lstStyle/>
@@ -13666,15 +13685,7 @@
             </a:r>
             <a:r>
               <a:rPr lang="fr-FR" dirty="0" err="1" smtClean="0"/>
-              <a:t>bobelins</a:t>
-            </a:r>
-            <a:r>
-              <a:rPr lang="fr-FR" dirty="0" smtClean="0"/>
-              <a:t> sont des montres des marais, ils attaquent sournoisement quiconque s’approche de leurs marécages. Les </a:t>
-            </a:r>
-            <a:r>
-              <a:rPr lang="fr-FR" dirty="0" err="1" smtClean="0"/>
-              <a:t>Mvend</a:t>
+              <a:t>Elders</a:t>
             </a:r>
             <a:r>
               <a:rPr lang="fr-FR" dirty="0" smtClean="0"/>
@@ -13682,19 +13693,42 @@
             </a:r>
             <a:r>
               <a:rPr lang="fr-FR" dirty="0" err="1" smtClean="0"/>
-              <a:t>Karln</a:t>
+              <a:t>Qunari</a:t>
             </a:r>
             <a:r>
               <a:rPr lang="fr-FR" dirty="0" smtClean="0"/>
-              <a:t> sont des peuples qui sont en guerre depuis plusieurs décennies, au fur et à mesure du temps, ils se sont éloignés des villes, et entretués. Il arrive encore d’en voir de temps à autres, mais ce sont des rescapés de guerre. Le </a:t>
+              <a:t>, sont des peuples de sages. Ceux-ci se réunissent régulièrement afin d’effectuer de longs débats sur les connaissances et les inconnues. Les </a:t>
             </a:r>
             <a:r>
               <a:rPr lang="fr-FR" dirty="0" err="1" smtClean="0"/>
-              <a:t>Midaque</a:t>
+              <a:t>Tsolyani</a:t>
             </a:r>
             <a:r>
               <a:rPr lang="fr-FR" dirty="0" smtClean="0"/>
-              <a:t> est un groupement de créatures étranges, on y trouve surtout des créatures uniques et sans formes.</a:t>
+              <a:t> sont un peuple de Troubadours et de Marchands, ceux-ci traversent les étendus de Xendera afin de faire vivre les lieux dans lesquels ils passent durant quelques jours.</a:t>
+            </a:r>
+            <a:br>
+              <a:rPr lang="fr-FR" dirty="0" smtClean="0"/>
+            </a:br>
+            <a:r>
+              <a:rPr lang="fr-FR" dirty="0" smtClean="0"/>
+              <a:t>Les </a:t>
+            </a:r>
+            <a:r>
+              <a:rPr lang="fr-FR" dirty="0" err="1" smtClean="0"/>
+              <a:t>Kirm</a:t>
+            </a:r>
+            <a:r>
+              <a:rPr lang="fr-FR" dirty="0" smtClean="0"/>
+              <a:t> sont de grands travailleurs, ils échangent beaucoup leurs produits avec les </a:t>
+            </a:r>
+            <a:r>
+              <a:rPr lang="fr-FR" dirty="0" err="1" smtClean="0"/>
+              <a:t>Tsolyani</a:t>
+            </a:r>
+            <a:r>
+              <a:rPr lang="fr-FR" dirty="0" smtClean="0"/>
+              <a:t>, mais ils œuvrent aussi à la création de nouveau systèmes industriels.</a:t>
             </a:r>
             <a:endParaRPr lang="fr-FR" dirty="0"/>
           </a:p>
@@ -13710,7 +13744,7 @@
             <p:ph sz="half" idx="2"/>
             <p:extLst>
               <p:ext uri="{D42A27DB-BD31-4B8C-83A1-F6EECF244321}">
-                <p14:modId xmlns:p14="http://schemas.microsoft.com/office/powerpoint/2010/main" val="2613087130"/>
+                <p14:modId xmlns:p14="http://schemas.microsoft.com/office/powerpoint/2010/main" val="1895290096"/>
               </p:ext>
             </p:extLst>
           </p:nvPr>
@@ -13737,9 +13771,8 @@
                     <a:p>
                       <a:r>
                         <a:rPr lang="fr-FR" sz="1600" dirty="0" smtClean="0"/>
-                        <a:t>Monstres</a:t>
-                      </a:r>
-                      <a:endParaRPr lang="fr-FR" sz="1600" dirty="0" smtClean="0"/>
+                        <a:t>Neutres</a:t>
+                      </a:r>
                     </a:p>
                   </a:txBody>
                   <a:tcPr marL="83838" marR="83838"/>
@@ -13762,10 +13795,10 @@
                     <a:lstStyle/>
                     <a:p>
                       <a:r>
-                        <a:rPr lang="fr-FR" sz="1600" dirty="0" err="1" smtClean="0"/>
-                        <a:t>Bobelin</a:t>
-                      </a:r>
-                      <a:endParaRPr lang="fr-FR" sz="1600" dirty="0"/>
+                        <a:rPr lang="fr-FR" sz="1800" b="0" dirty="0" smtClean="0"/>
+                        <a:t>Elder</a:t>
+                      </a:r>
+                      <a:endParaRPr lang="fr-FR" dirty="0"/>
                     </a:p>
                   </a:txBody>
                   <a:tcPr marL="83838" marR="83838"/>
@@ -13791,28 +13824,11 @@
                     <a:bodyPr/>
                     <a:lstStyle/>
                     <a:p>
-                      <a:pPr marL="0" marR="0" lvl="0" indent="0" algn="l" defTabSz="914400" rtl="0" eaLnBrk="1" fontAlgn="auto" latinLnBrk="0" hangingPunct="1">
-                        <a:lnSpc>
-                          <a:spcPct val="100000"/>
-                        </a:lnSpc>
-                        <a:spcBef>
-                          <a:spcPts val="0"/>
-                        </a:spcBef>
-                        <a:spcAft>
-                          <a:spcPts val="0"/>
-                        </a:spcAft>
-                        <a:buClrTx/>
-                        <a:buSzTx/>
-                        <a:buFontTx/>
-                        <a:buNone/>
-                        <a:tabLst/>
-                        <a:defRPr/>
-                      </a:pPr>
-                      <a:r>
-                        <a:rPr lang="fr-FR" sz="1600" b="0" dirty="0" err="1" smtClean="0"/>
-                        <a:t>Mvend</a:t>
-                      </a:r>
-                      <a:endParaRPr lang="fr-FR" sz="1600" b="0" dirty="0" smtClean="0"/>
+                      <a:r>
+                        <a:rPr lang="fr-FR" sz="1800" b="0" dirty="0" err="1" smtClean="0"/>
+                        <a:t>Qunari</a:t>
+                      </a:r>
+                      <a:endParaRPr lang="fr-FR" dirty="0"/>
                     </a:p>
                   </a:txBody>
                   <a:tcPr marL="83838" marR="83838"/>
@@ -13838,28 +13854,11 @@
                     <a:bodyPr/>
                     <a:lstStyle/>
                     <a:p>
-                      <a:pPr marL="0" marR="0" lvl="0" indent="0" algn="l" defTabSz="914400" rtl="0" eaLnBrk="1" fontAlgn="auto" latinLnBrk="0" hangingPunct="1">
-                        <a:lnSpc>
-                          <a:spcPct val="100000"/>
-                        </a:lnSpc>
-                        <a:spcBef>
-                          <a:spcPts val="0"/>
-                        </a:spcBef>
-                        <a:spcAft>
-                          <a:spcPts val="0"/>
-                        </a:spcAft>
-                        <a:buClrTx/>
-                        <a:buSzTx/>
-                        <a:buFontTx/>
-                        <a:buNone/>
-                        <a:tabLst/>
-                        <a:defRPr/>
-                      </a:pPr>
-                      <a:r>
-                        <a:rPr lang="fr-FR" sz="1600" b="0" dirty="0" err="1" smtClean="0"/>
-                        <a:t>Karln</a:t>
-                      </a:r>
-                      <a:endParaRPr lang="fr-FR" sz="1600" b="0" dirty="0" smtClean="0"/>
+                      <a:r>
+                        <a:rPr lang="fr-FR" dirty="0" err="1" smtClean="0"/>
+                        <a:t>Tsolyani</a:t>
+                      </a:r>
+                      <a:endParaRPr lang="fr-FR" dirty="0"/>
                     </a:p>
                   </a:txBody>
                   <a:tcPr marL="83838" marR="83838"/>
@@ -13869,27 +13868,11 @@
                     <a:bodyPr/>
                     <a:lstStyle/>
                     <a:p>
-                      <a:pPr marL="0" marR="0" lvl="0" indent="0" algn="l" defTabSz="914400" rtl="0" eaLnBrk="1" fontAlgn="auto" latinLnBrk="0" hangingPunct="1">
-                        <a:lnSpc>
-                          <a:spcPct val="100000"/>
-                        </a:lnSpc>
-                        <a:spcBef>
-                          <a:spcPts val="0"/>
-                        </a:spcBef>
-                        <a:spcAft>
-                          <a:spcPts val="0"/>
-                        </a:spcAft>
-                        <a:buClrTx/>
-                        <a:buSzTx/>
-                        <a:buFontTx/>
-                        <a:buNone/>
-                        <a:tabLst/>
-                        <a:defRPr/>
-                      </a:pPr>
-                      <a:r>
-                        <a:rPr lang="fr-FR" sz="1600" b="0" dirty="0" smtClean="0"/>
+                      <a:r>
+                        <a:rPr lang="fr-FR" sz="1600" dirty="0" smtClean="0"/>
                         <a:t>Vivants</a:t>
                       </a:r>
+                      <a:endParaRPr lang="fr-FR" sz="1600" dirty="0"/>
                     </a:p>
                   </a:txBody>
                   <a:tcPr marL="83838" marR="83838"/>
@@ -13903,7 +13886,7 @@
                     <a:p>
                       <a:r>
                         <a:rPr lang="fr-FR" dirty="0" err="1" smtClean="0"/>
-                        <a:t>Midaque</a:t>
+                        <a:t>Kirm</a:t>
                       </a:r>
                       <a:endParaRPr lang="fr-FR" dirty="0"/>
                     </a:p>
@@ -13932,7 +13915,7 @@
     </p:spTree>
     <p:extLst>
       <p:ext uri="{BB962C8B-B14F-4D97-AF65-F5344CB8AC3E}">
-        <p14:creationId xmlns:p14="http://schemas.microsoft.com/office/powerpoint/2010/main" val="1596898609"/>
+        <p14:creationId xmlns:p14="http://schemas.microsoft.com/office/powerpoint/2010/main" val="1462231117"/>
       </p:ext>
     </p:extLst>
   </p:cSld>
@@ -13983,7 +13966,7 @@
           <a:p>
             <a:r>
               <a:rPr lang="fr-FR" dirty="0" smtClean="0"/>
-              <a:t>Tests de compétences</a:t>
+              <a:t>Peuples Ennemis</a:t>
             </a:r>
             <a:endParaRPr lang="fr-FR" dirty="0"/>
           </a:p>
@@ -13999,78 +13982,43 @@
             <p:ph sz="half" idx="1"/>
           </p:nvPr>
         </p:nvSpPr>
-        <p:spPr/>
+        <p:spPr>
+          <a:xfrm>
+            <a:off x="1097279" y="1845734"/>
+            <a:ext cx="4869412" cy="4023360"/>
+          </a:xfrm>
+        </p:spPr>
         <p:txBody>
           <a:bodyPr/>
           <a:lstStyle/>
           <a:p>
-            <a:pPr algn="just"/>
-            <a:r>
-              <a:rPr lang="fr-FR" dirty="0"/>
-              <a:t>Les tests de compétences définissent l’habilité du joueur à effectuer des actions qu’il ne peut effectuer nativement</a:t>
-            </a:r>
             <a:r>
               <a:rPr lang="fr-FR" dirty="0" smtClean="0"/>
-              <a:t>.</a:t>
-            </a:r>
-          </a:p>
-          <a:p>
+              <a:t>Les ennemis sont aussi nombreux que les alliés. Les elfes sont agressifs et isoles, ils communiquent et échanges très peu avec les autres races. Les </a:t>
+            </a:r>
+            <a:r>
+              <a:rPr lang="fr-FR" dirty="0" err="1" smtClean="0"/>
+              <a:t>Duergar</a:t>
+            </a:r>
             <a:r>
               <a:rPr lang="fr-FR" dirty="0" smtClean="0"/>
-              <a:t>(</a:t>
-            </a:r>
-            <a:r>
-              <a:rPr lang="fr-FR" dirty="0"/>
-              <a:t>Exemple : escalader n’est pas « natif », </a:t>
-            </a:r>
-            <a:r>
-              <a:rPr lang="fr-FR" dirty="0" smtClean="0"/>
-              <a:t/>
-            </a:r>
-            <a:br>
-              <a:rPr lang="fr-FR" dirty="0" smtClean="0"/>
-            </a:br>
-            <a:r>
-              <a:rPr lang="fr-FR" dirty="0" smtClean="0"/>
-              <a:t>le </a:t>
-            </a:r>
-            <a:r>
-              <a:rPr lang="fr-FR" dirty="0"/>
-              <a:t>joueur l’apprend lorsqu’il grimpe)</a:t>
-            </a:r>
-            <a:endParaRPr lang="fr-FR" dirty="0"/>
-          </a:p>
-        </p:txBody>
-      </p:sp>
-      <p:sp>
-        <p:nvSpPr>
-          <p:cNvPr id="2" name="Espace réservé du contenu 1"/>
-          <p:cNvSpPr>
-            <a:spLocks noGrp="1"/>
-          </p:cNvSpPr>
-          <p:nvPr>
-            <p:ph sz="half" idx="2"/>
-          </p:nvPr>
-        </p:nvSpPr>
-        <p:spPr/>
-        <p:txBody>
-          <a:bodyPr/>
-          <a:lstStyle/>
-          <a:p>
+              <a:t>(Nains noirs) et les Géant cohabitent ensemble et travaille main dans la main pour l’amélioration de leurs conditions de vie. Les Bannis sont en vérité d’ancien Damnés ayant trahis les leurs.</a:t>
+            </a:r>
             <a:endParaRPr lang="fr-FR" dirty="0"/>
           </a:p>
         </p:txBody>
       </p:sp>
       <p:graphicFrame>
         <p:nvGraphicFramePr>
-          <p:cNvPr id="7" name="Espace réservé du contenu 8"/>
+          <p:cNvPr id="9" name="Espace réservé du contenu 8"/>
           <p:cNvGraphicFramePr>
-            <a:graphicFrameLocks/>
+            <a:graphicFrameLocks noGrp="1"/>
           </p:cNvGraphicFramePr>
           <p:nvPr>
+            <p:ph sz="half" idx="2"/>
             <p:extLst>
               <p:ext uri="{D42A27DB-BD31-4B8C-83A1-F6EECF244321}">
-                <p14:modId xmlns:p14="http://schemas.microsoft.com/office/powerpoint/2010/main" val="2554246192"/>
+                <p14:modId xmlns:p14="http://schemas.microsoft.com/office/powerpoint/2010/main" val="2814762954"/>
               </p:ext>
             </p:extLst>
           </p:nvPr>
@@ -14097,9 +14045,8 @@
                     <a:p>
                       <a:r>
                         <a:rPr lang="fr-FR" sz="1600" dirty="0" smtClean="0"/>
-                        <a:t>Difficulté</a:t>
-                      </a:r>
-                      <a:endParaRPr lang="fr-FR" sz="1600" dirty="0" smtClean="0"/>
+                        <a:t>Ennemis</a:t>
+                      </a:r>
                     </a:p>
                   </a:txBody>
                   <a:tcPr marL="83838" marR="83838"/>
@@ -14112,9 +14059,7 @@
                       <a:endParaRPr lang="fr-FR" sz="1600" dirty="0" smtClean="0"/>
                     </a:p>
                   </a:txBody>
-                  <a:tcPr marL="83838" marR="83838">
-                    <a:noFill/>
-                  </a:tcPr>
+                  <a:tcPr marL="83838" marR="83838"/>
                 </a:tc>
               </a:tr>
               <a:tr h="370840">
@@ -14125,7 +14070,7 @@
                     <a:p>
                       <a:r>
                         <a:rPr lang="fr-FR" sz="1600" dirty="0" smtClean="0"/>
-                        <a:t>Simple</a:t>
+                        <a:t>Elfe</a:t>
                       </a:r>
                       <a:endParaRPr lang="fr-FR" sz="1600" dirty="0"/>
                     </a:p>
@@ -14139,7 +14084,7 @@
                     <a:p>
                       <a:r>
                         <a:rPr lang="fr-FR" sz="1600" dirty="0" smtClean="0"/>
-                        <a:t>5 - 7</a:t>
+                        <a:t>Vivants</a:t>
                       </a:r>
                       <a:endParaRPr lang="fr-FR" sz="1600" dirty="0"/>
                     </a:p>
@@ -14171,8 +14116,8 @@
                         <a:defRPr/>
                       </a:pPr>
                       <a:r>
-                        <a:rPr lang="fr-FR" sz="1600" b="0" dirty="0" smtClean="0"/>
-                        <a:t>Normale</a:t>
+                        <a:rPr lang="fr-FR" sz="1600" b="0" dirty="0" err="1" smtClean="0"/>
+                        <a:t>Duergar</a:t>
                       </a:r>
                       <a:endParaRPr lang="fr-FR" sz="1600" b="0" dirty="0" smtClean="0"/>
                     </a:p>
@@ -14186,7 +14131,7 @@
                     <a:p>
                       <a:r>
                         <a:rPr lang="fr-FR" sz="1600" dirty="0" smtClean="0"/>
-                        <a:t>8 - 12</a:t>
+                        <a:t>Vivants</a:t>
                       </a:r>
                       <a:endParaRPr lang="fr-FR" sz="1600" dirty="0"/>
                     </a:p>
@@ -14219,9 +14164,8 @@
                       </a:pPr>
                       <a:r>
                         <a:rPr lang="fr-FR" sz="1600" b="0" dirty="0" smtClean="0"/>
-                        <a:t>Elevée</a:t>
-                      </a:r>
-                      <a:endParaRPr lang="fr-FR" sz="1600" b="0" dirty="0" smtClean="0"/>
+                        <a:t>Géant</a:t>
+                      </a:r>
                     </a:p>
                   </a:txBody>
                   <a:tcPr marL="83838" marR="83838"/>
@@ -14250,9 +14194,8 @@
                       </a:pPr>
                       <a:r>
                         <a:rPr lang="fr-FR" sz="1600" b="0" dirty="0" smtClean="0"/>
-                        <a:t>13 - 15</a:t>
-                      </a:r>
-                      <a:endParaRPr lang="fr-FR" sz="1600" b="0" dirty="0" smtClean="0"/>
+                        <a:t>Vivants</a:t>
+                      </a:r>
                     </a:p>
                   </a:txBody>
                   <a:tcPr marL="83838" marR="83838"/>
@@ -14265,8 +14208,8 @@
                     <a:lstStyle/>
                     <a:p>
                       <a:r>
-                        <a:rPr lang="fr-FR" sz="1600" dirty="0" smtClean="0"/>
-                        <a:t>Impossible</a:t>
+                        <a:rPr lang="fr-FR" dirty="0" smtClean="0"/>
+                        <a:t>Bannis</a:t>
                       </a:r>
                       <a:endParaRPr lang="fr-FR" dirty="0"/>
                     </a:p>
@@ -14280,7 +14223,7 @@
                     <a:p>
                       <a:r>
                         <a:rPr lang="fr-FR" sz="1600" dirty="0" smtClean="0"/>
-                        <a:t>16 - 20</a:t>
+                        <a:t>Morts</a:t>
                       </a:r>
                       <a:endParaRPr lang="fr-FR" sz="1600" dirty="0"/>
                     </a:p>
@@ -14295,7 +14238,7 @@
     </p:spTree>
     <p:extLst>
       <p:ext uri="{BB962C8B-B14F-4D97-AF65-F5344CB8AC3E}">
-        <p14:creationId xmlns:p14="http://schemas.microsoft.com/office/powerpoint/2010/main" val="2157902777"/>
+        <p14:creationId xmlns:p14="http://schemas.microsoft.com/office/powerpoint/2010/main" val="1912953451"/>
       </p:ext>
     </p:extLst>
   </p:cSld>
@@ -14346,7 +14289,7 @@
           <a:p>
             <a:r>
               <a:rPr lang="fr-FR" dirty="0" smtClean="0"/>
-              <a:t>Mouvements</a:t>
+              <a:t>Peuples Monstres</a:t>
             </a:r>
             <a:endParaRPr lang="fr-FR" dirty="0"/>
           </a:p>
@@ -14362,21 +14305,51 @@
             <p:ph sz="half" idx="1"/>
           </p:nvPr>
         </p:nvSpPr>
-        <p:spPr/>
+        <p:spPr>
+          <a:xfrm>
+            <a:off x="1097279" y="1845734"/>
+            <a:ext cx="4869412" cy="4023360"/>
+          </a:xfrm>
+        </p:spPr>
         <p:txBody>
           <a:bodyPr/>
           <a:lstStyle/>
           <a:p>
             <a:r>
               <a:rPr lang="fr-FR" dirty="0" smtClean="0"/>
-              <a:t>Les mouvements du joueurs sont définis par </a:t>
-            </a:r>
-            <a:br>
+              <a:t>Les </a:t>
+            </a:r>
+            <a:r>
+              <a:rPr lang="fr-FR" dirty="0" err="1" smtClean="0"/>
+              <a:t>bobelins</a:t>
+            </a:r>
+            <a:r>
               <a:rPr lang="fr-FR" dirty="0" smtClean="0"/>
-            </a:br>
+              <a:t> sont des montres des marais, ils attaquent sournoisement quiconque s’approche de leurs marécages. Les </a:t>
+            </a:r>
+            <a:r>
+              <a:rPr lang="fr-FR" dirty="0" err="1" smtClean="0"/>
+              <a:t>Mvend</a:t>
+            </a:r>
             <a:r>
               <a:rPr lang="fr-FR" dirty="0" smtClean="0"/>
-              <a:t>sa vitesse. La vitesse divisée par 2 définie le nombre de cases de mouvement du joueur.</a:t>
+              <a:t> et les </a:t>
+            </a:r>
+            <a:r>
+              <a:rPr lang="fr-FR" dirty="0" err="1" smtClean="0"/>
+              <a:t>Karln</a:t>
+            </a:r>
+            <a:r>
+              <a:rPr lang="fr-FR" dirty="0" smtClean="0"/>
+              <a:t> sont des peuples qui sont en guerre depuis plusieurs décennies, au fur et à mesure du temps, ils se sont éloignés des villes, et entretués. Il arrive encore d’en voir de temps à autres, mais ce sont des rescapés de guerre. Le </a:t>
+            </a:r>
+            <a:r>
+              <a:rPr lang="fr-FR" dirty="0" err="1" smtClean="0"/>
+              <a:t>Midaque</a:t>
+            </a:r>
+            <a:r>
+              <a:rPr lang="fr-FR" dirty="0" smtClean="0"/>
+              <a:t> est un groupement de créatures étranges, on y trouve surtout des créatures uniques et sans formes.</a:t>
             </a:r>
             <a:endParaRPr lang="fr-FR" dirty="0"/>
           </a:p>
@@ -14392,7 +14365,7 @@
             <p:ph sz="half" idx="2"/>
             <p:extLst>
               <p:ext uri="{D42A27DB-BD31-4B8C-83A1-F6EECF244321}">
-                <p14:modId xmlns:p14="http://schemas.microsoft.com/office/powerpoint/2010/main" val="3748784666"/>
+                <p14:modId xmlns:p14="http://schemas.microsoft.com/office/powerpoint/2010/main" val="2613087130"/>
               </p:ext>
             </p:extLst>
           </p:nvPr>
@@ -14419,9 +14392,8 @@
                     <a:p>
                       <a:r>
                         <a:rPr lang="fr-FR" sz="1600" dirty="0" smtClean="0"/>
-                        <a:t>Déplacement</a:t>
-                      </a:r>
-                      <a:endParaRPr lang="fr-FR" sz="1600" dirty="0" smtClean="0"/>
+                        <a:t>Monstres</a:t>
+                      </a:r>
                     </a:p>
                   </a:txBody>
                   <a:tcPr marL="83838" marR="83838"/>
@@ -14434,9 +14406,7 @@
                       <a:endParaRPr lang="fr-FR" sz="1600" dirty="0" smtClean="0"/>
                     </a:p>
                   </a:txBody>
-                  <a:tcPr marL="83838" marR="83838">
-                    <a:noFill/>
-                  </a:tcPr>
+                  <a:tcPr marL="83838" marR="83838"/>
                 </a:tc>
               </a:tr>
               <a:tr h="370840">
@@ -14446,8 +14416,8 @@
                     <a:lstStyle/>
                     <a:p>
                       <a:r>
-                        <a:rPr lang="fr-FR" sz="1600" dirty="0" smtClean="0"/>
-                        <a:t>Normal</a:t>
+                        <a:rPr lang="fr-FR" sz="1600" dirty="0" err="1" smtClean="0"/>
+                        <a:t>Bobelin</a:t>
                       </a:r>
                       <a:endParaRPr lang="fr-FR" sz="1600" dirty="0"/>
                     </a:p>
@@ -14461,7 +14431,7 @@
                     <a:p>
                       <a:r>
                         <a:rPr lang="fr-FR" sz="1600" dirty="0" smtClean="0"/>
-                        <a:t>1 / 1</a:t>
+                        <a:t>Morts</a:t>
                       </a:r>
                       <a:endParaRPr lang="fr-FR" sz="1600" dirty="0"/>
                     </a:p>
@@ -14493,8 +14463,8 @@
                         <a:defRPr/>
                       </a:pPr>
                       <a:r>
-                        <a:rPr lang="fr-FR" sz="1600" b="0" dirty="0" smtClean="0"/>
-                        <a:t>Terrain encombré</a:t>
+                        <a:rPr lang="fr-FR" sz="1600" b="0" dirty="0" err="1" smtClean="0"/>
+                        <a:t>Mvend</a:t>
                       </a:r>
                       <a:endParaRPr lang="fr-FR" sz="1600" b="0" dirty="0" smtClean="0"/>
                     </a:p>
@@ -14508,7 +14478,7 @@
                     <a:p>
                       <a:r>
                         <a:rPr lang="fr-FR" sz="1600" dirty="0" smtClean="0"/>
-                        <a:t>1 / 2</a:t>
+                        <a:t>Vivants</a:t>
                       </a:r>
                       <a:endParaRPr lang="fr-FR" sz="1600" dirty="0"/>
                     </a:p>
@@ -14540,8 +14510,8 @@
                         <a:defRPr/>
                       </a:pPr>
                       <a:r>
-                        <a:rPr lang="fr-FR" sz="1600" b="0" dirty="0" smtClean="0"/>
-                        <a:t>Terrain difficile</a:t>
+                        <a:rPr lang="fr-FR" sz="1600" b="0" dirty="0" err="1" smtClean="0"/>
+                        <a:t>Karln</a:t>
                       </a:r>
                       <a:endParaRPr lang="fr-FR" sz="1600" b="0" dirty="0" smtClean="0"/>
                     </a:p>
@@ -14572,9 +14542,8 @@
                       </a:pPr>
                       <a:r>
                         <a:rPr lang="fr-FR" sz="1600" b="0" dirty="0" smtClean="0"/>
-                        <a:t>1 / 3</a:t>
-                      </a:r>
-                      <a:endParaRPr lang="fr-FR" sz="1600" b="0" dirty="0" smtClean="0"/>
+                        <a:t>Vivants</a:t>
+                      </a:r>
                     </a:p>
                   </a:txBody>
                   <a:tcPr marL="83838" marR="83838"/>
@@ -14587,14 +14556,10 @@
                     <a:lstStyle/>
                     <a:p>
                       <a:r>
-                        <a:rPr lang="fr-FR" sz="1600" dirty="0" smtClean="0"/>
-                        <a:t>Terrain</a:t>
-                      </a:r>
-                      <a:r>
-                        <a:rPr lang="fr-FR" sz="1600" baseline="0" dirty="0" smtClean="0"/>
-                        <a:t> dangereux</a:t>
-                      </a:r>
-                      <a:endParaRPr lang="fr-FR" sz="1600" dirty="0"/>
+                        <a:rPr lang="fr-FR" dirty="0" err="1" smtClean="0"/>
+                        <a:t>Midaque</a:t>
+                      </a:r>
+                      <a:endParaRPr lang="fr-FR" dirty="0"/>
                     </a:p>
                   </a:txBody>
                   <a:tcPr marL="83838" marR="83838"/>
@@ -14606,7 +14571,7 @@
                     <a:p>
                       <a:r>
                         <a:rPr lang="fr-FR" sz="1600" dirty="0" smtClean="0"/>
-                        <a:t>1 / 4</a:t>
+                        <a:t>Vivants</a:t>
                       </a:r>
                       <a:endParaRPr lang="fr-FR" sz="1600" dirty="0"/>
                     </a:p>
@@ -14621,7 +14586,7 @@
     </p:spTree>
     <p:extLst>
       <p:ext uri="{BB962C8B-B14F-4D97-AF65-F5344CB8AC3E}">
-        <p14:creationId xmlns:p14="http://schemas.microsoft.com/office/powerpoint/2010/main" val="3431503352"/>
+        <p14:creationId xmlns:p14="http://schemas.microsoft.com/office/powerpoint/2010/main" val="1596898609"/>
       </p:ext>
     </p:extLst>
   </p:cSld>
@@ -14672,7 +14637,7 @@
           <a:p>
             <a:r>
               <a:rPr lang="fr-FR" dirty="0" smtClean="0"/>
-              <a:t>Attaques</a:t>
+              <a:t>Tests de compétences</a:t>
             </a:r>
             <a:endParaRPr lang="fr-FR" dirty="0"/>
           </a:p>
@@ -14688,22 +14653,35 @@
             <p:ph sz="half" idx="1"/>
           </p:nvPr>
         </p:nvSpPr>
-        <p:spPr/>
+        <p:spPr>
+          <a:xfrm>
+            <a:off x="1097279" y="1845734"/>
+            <a:ext cx="4869412" cy="4023360"/>
+          </a:xfrm>
+        </p:spPr>
         <p:txBody>
           <a:bodyPr/>
           <a:lstStyle/>
           <a:p>
+            <a:pPr algn="just"/>
+            <a:r>
+              <a:rPr lang="fr-FR" dirty="0"/>
+              <a:t>Les tests de compétences définissent l’habilité du joueur à effectuer des actions qu’il ne peut effectuer nativement</a:t>
+            </a:r>
             <a:r>
               <a:rPr lang="fr-FR" dirty="0" smtClean="0"/>
-              <a:t>L’attaque correspond à la faculté du joueur à toucher son ennemi. Si la valeur d’attaque est égale ou supérieure à l’évasion de l’ennemi, l’attaque est validée. </a:t>
+              <a:t>.</a:t>
+            </a:r>
+          </a:p>
+          <a:p>
+            <a:r>
+              <a:rPr lang="fr-FR" dirty="0" smtClean="0"/>
+              <a:t>(</a:t>
             </a:r>
             <a:r>
               <a:rPr lang="fr-FR" dirty="0"/>
-              <a:t/>
-            </a:r>
-            <a:br>
-              <a:rPr lang="fr-FR" dirty="0"/>
-            </a:br>
+              <a:t>Exemple : escalader n’est pas « natif », </a:t>
+            </a:r>
             <a:r>
               <a:rPr lang="fr-FR" dirty="0" smtClean="0"/>
               <a:t/>
@@ -14713,17 +14691,12 @@
             </a:br>
             <a:r>
               <a:rPr lang="fr-FR" dirty="0" smtClean="0"/>
-              <a:t>Attaque = (Valeur dés) + </a:t>
-            </a:r>
-            <a:r>
-              <a:rPr lang="fr-FR" dirty="0" err="1" smtClean="0"/>
-              <a:t>mods</a:t>
-            </a:r>
-            <a:r>
-              <a:rPr lang="fr-FR" dirty="0" smtClean="0"/>
-              <a:t> – Précision.</a:t>
-            </a:r>
-            <a:endParaRPr lang="fr-FR" dirty="0"/>
+              <a:t>le </a:t>
+            </a:r>
+            <a:r>
+              <a:rPr lang="fr-FR" dirty="0"/>
+              <a:t>joueur l’apprend lorsqu’il grimpe)</a:t>
+            </a:r>
           </a:p>
         </p:txBody>
       </p:sp>
@@ -14742,18 +14715,241 @@
           <a:bodyPr/>
           <a:lstStyle/>
           <a:p>
-            <a:r>
-              <a:rPr lang="fr-FR" dirty="0" smtClean="0"/>
-              <a:t>Si la valeur d’attaque est deux fois supérieur à l’évasion de l’adversaire, un coup critique est déclenché.</a:t>
-            </a:r>
             <a:endParaRPr lang="fr-FR" dirty="0"/>
           </a:p>
         </p:txBody>
       </p:sp>
+      <p:graphicFrame>
+        <p:nvGraphicFramePr>
+          <p:cNvPr id="7" name="Espace réservé du contenu 8"/>
+          <p:cNvGraphicFramePr>
+            <a:graphicFrameLocks/>
+          </p:cNvGraphicFramePr>
+          <p:nvPr>
+            <p:extLst>
+              <p:ext uri="{D42A27DB-BD31-4B8C-83A1-F6EECF244321}">
+                <p14:modId xmlns:p14="http://schemas.microsoft.com/office/powerpoint/2010/main" val="2554246192"/>
+              </p:ext>
+            </p:extLst>
+          </p:nvPr>
+        </p:nvGraphicFramePr>
+        <p:xfrm>
+          <a:off x="6035036" y="1846263"/>
+          <a:ext cx="3775320" cy="1818640"/>
+        </p:xfrm>
+        <a:graphic>
+          <a:graphicData uri="http://schemas.openxmlformats.org/drawingml/2006/table">
+            <a:tbl>
+              <a:tblPr firstRow="1" bandRow="1">
+                <a:tableStyleId>{5C22544A-7EE6-4342-B048-85BDC9FD1C3A}</a:tableStyleId>
+              </a:tblPr>
+              <a:tblGrid>
+                <a:gridCol w="1887660"/>
+                <a:gridCol w="1887660"/>
+              </a:tblGrid>
+              <a:tr h="332394">
+                <a:tc>
+                  <a:txBody>
+                    <a:bodyPr/>
+                    <a:lstStyle/>
+                    <a:p>
+                      <a:r>
+                        <a:rPr lang="fr-FR" sz="1600" dirty="0" smtClean="0"/>
+                        <a:t>Difficulté</a:t>
+                      </a:r>
+                    </a:p>
+                  </a:txBody>
+                  <a:tcPr marL="83838" marR="83838"/>
+                </a:tc>
+                <a:tc>
+                  <a:txBody>
+                    <a:bodyPr/>
+                    <a:lstStyle/>
+                    <a:p>
+                      <a:endParaRPr lang="fr-FR" sz="1600" dirty="0" smtClean="0"/>
+                    </a:p>
+                  </a:txBody>
+                  <a:tcPr marL="83838" marR="83838">
+                    <a:noFill/>
+                  </a:tcPr>
+                </a:tc>
+              </a:tr>
+              <a:tr h="370840">
+                <a:tc>
+                  <a:txBody>
+                    <a:bodyPr/>
+                    <a:lstStyle/>
+                    <a:p>
+                      <a:r>
+                        <a:rPr lang="fr-FR" sz="1600" dirty="0" smtClean="0"/>
+                        <a:t>Simple</a:t>
+                      </a:r>
+                      <a:endParaRPr lang="fr-FR" sz="1600" dirty="0"/>
+                    </a:p>
+                  </a:txBody>
+                  <a:tcPr marL="83838" marR="83838"/>
+                </a:tc>
+                <a:tc>
+                  <a:txBody>
+                    <a:bodyPr/>
+                    <a:lstStyle/>
+                    <a:p>
+                      <a:r>
+                        <a:rPr lang="fr-FR" sz="1600" dirty="0" smtClean="0"/>
+                        <a:t>5 - 7</a:t>
+                      </a:r>
+                      <a:endParaRPr lang="fr-FR" sz="1600" dirty="0"/>
+                    </a:p>
+                  </a:txBody>
+                  <a:tcPr marL="83838" marR="83838"/>
+                </a:tc>
+              </a:tr>
+              <a:tr h="370840">
+                <a:tc>
+                  <a:txBody>
+                    <a:bodyPr/>
+                    <a:lstStyle/>
+                    <a:p>
+                      <a:pPr marL="0" marR="0" lvl="0" indent="0" algn="l" defTabSz="914400" rtl="0" eaLnBrk="1" fontAlgn="auto" latinLnBrk="0" hangingPunct="1">
+                        <a:lnSpc>
+                          <a:spcPct val="100000"/>
+                        </a:lnSpc>
+                        <a:spcBef>
+                          <a:spcPts val="0"/>
+                        </a:spcBef>
+                        <a:spcAft>
+                          <a:spcPts val="0"/>
+                        </a:spcAft>
+                        <a:buClrTx/>
+                        <a:buSzTx/>
+                        <a:buFontTx/>
+                        <a:buNone/>
+                        <a:tabLst/>
+                        <a:defRPr/>
+                      </a:pPr>
+                      <a:r>
+                        <a:rPr lang="fr-FR" sz="1600" b="0" dirty="0" smtClean="0"/>
+                        <a:t>Normale</a:t>
+                      </a:r>
+                    </a:p>
+                  </a:txBody>
+                  <a:tcPr marL="83838" marR="83838"/>
+                </a:tc>
+                <a:tc>
+                  <a:txBody>
+                    <a:bodyPr/>
+                    <a:lstStyle/>
+                    <a:p>
+                      <a:r>
+                        <a:rPr lang="fr-FR" sz="1600" dirty="0" smtClean="0"/>
+                        <a:t>8 - 12</a:t>
+                      </a:r>
+                      <a:endParaRPr lang="fr-FR" sz="1600" dirty="0"/>
+                    </a:p>
+                  </a:txBody>
+                  <a:tcPr marL="83838" marR="83838"/>
+                </a:tc>
+              </a:tr>
+              <a:tr h="370840">
+                <a:tc>
+                  <a:txBody>
+                    <a:bodyPr/>
+                    <a:lstStyle/>
+                    <a:p>
+                      <a:pPr marL="0" marR="0" lvl="0" indent="0" algn="l" defTabSz="914400" rtl="0" eaLnBrk="1" fontAlgn="auto" latinLnBrk="0" hangingPunct="1">
+                        <a:lnSpc>
+                          <a:spcPct val="100000"/>
+                        </a:lnSpc>
+                        <a:spcBef>
+                          <a:spcPts val="0"/>
+                        </a:spcBef>
+                        <a:spcAft>
+                          <a:spcPts val="0"/>
+                        </a:spcAft>
+                        <a:buClrTx/>
+                        <a:buSzTx/>
+                        <a:buFontTx/>
+                        <a:buNone/>
+                        <a:tabLst/>
+                        <a:defRPr/>
+                      </a:pPr>
+                      <a:r>
+                        <a:rPr lang="fr-FR" sz="1600" b="0" dirty="0" smtClean="0"/>
+                        <a:t>Elevée</a:t>
+                      </a:r>
+                    </a:p>
+                  </a:txBody>
+                  <a:tcPr marL="83838" marR="83838"/>
+                </a:tc>
+                <a:tc>
+                  <a:txBody>
+                    <a:bodyPr/>
+                    <a:lstStyle/>
+                    <a:p>
+                      <a:pPr marL="0" marR="0" lvl="0" indent="0" algn="l" defTabSz="914400" rtl="0" eaLnBrk="1" fontAlgn="auto" latinLnBrk="0" hangingPunct="1">
+                        <a:lnSpc>
+                          <a:spcPct val="100000"/>
+                        </a:lnSpc>
+                        <a:spcBef>
+                          <a:spcPts val="0"/>
+                        </a:spcBef>
+                        <a:spcAft>
+                          <a:spcPts val="0"/>
+                        </a:spcAft>
+                        <a:buClrTx/>
+                        <a:buSzTx/>
+                        <a:buFontTx/>
+                        <a:buNone/>
+                        <a:tabLst/>
+                        <a:defRPr/>
+                      </a:pPr>
+                      <a:r>
+                        <a:rPr lang="fr-FR" sz="1600" b="0" dirty="0" smtClean="0"/>
+                        <a:t>13 - 15</a:t>
+                      </a:r>
+                    </a:p>
+                  </a:txBody>
+                  <a:tcPr marL="83838" marR="83838"/>
+                </a:tc>
+              </a:tr>
+              <a:tr h="370840">
+                <a:tc>
+                  <a:txBody>
+                    <a:bodyPr/>
+                    <a:lstStyle/>
+                    <a:p>
+                      <a:r>
+                        <a:rPr lang="fr-FR" sz="1600" dirty="0" smtClean="0"/>
+                        <a:t>Impossible</a:t>
+                      </a:r>
+                      <a:endParaRPr lang="fr-FR" dirty="0"/>
+                    </a:p>
+                  </a:txBody>
+                  <a:tcPr marL="83838" marR="83838"/>
+                </a:tc>
+                <a:tc>
+                  <a:txBody>
+                    <a:bodyPr/>
+                    <a:lstStyle/>
+                    <a:p>
+                      <a:r>
+                        <a:rPr lang="fr-FR" sz="1600" dirty="0" smtClean="0"/>
+                        <a:t>16 - 20</a:t>
+                      </a:r>
+                      <a:endParaRPr lang="fr-FR" sz="1600" dirty="0"/>
+                    </a:p>
+                  </a:txBody>
+                  <a:tcPr marL="83838" marR="83838"/>
+                </a:tc>
+              </a:tr>
+            </a:tbl>
+          </a:graphicData>
+        </a:graphic>
+      </p:graphicFrame>
     </p:spTree>
     <p:extLst>
       <p:ext uri="{BB962C8B-B14F-4D97-AF65-F5344CB8AC3E}">
-        <p14:creationId xmlns:p14="http://schemas.microsoft.com/office/powerpoint/2010/main" val="2234008177"/>
+        <p14:creationId xmlns:p14="http://schemas.microsoft.com/office/powerpoint/2010/main" val="2157902777"/>
       </p:ext>
     </p:extLst>
   </p:cSld>
@@ -14804,7 +15000,7 @@
           <a:p>
             <a:r>
               <a:rPr lang="fr-FR" dirty="0" smtClean="0"/>
-              <a:t>Dégâts</a:t>
+              <a:t>Mouvements</a:t>
             </a:r>
             <a:endParaRPr lang="fr-FR" dirty="0"/>
           </a:p>
@@ -14820,11 +15016,27 @@
             <p:ph sz="half" idx="1"/>
           </p:nvPr>
         </p:nvSpPr>
-        <p:spPr/>
+        <p:spPr>
+          <a:xfrm>
+            <a:off x="1097279" y="1845734"/>
+            <a:ext cx="4869412" cy="4023360"/>
+          </a:xfrm>
+        </p:spPr>
         <p:txBody>
           <a:bodyPr/>
           <a:lstStyle/>
           <a:p>
+            <a:r>
+              <a:rPr lang="fr-FR" dirty="0" smtClean="0"/>
+              <a:t>Les mouvements du joueurs sont définis par </a:t>
+            </a:r>
+            <a:br>
+              <a:rPr lang="fr-FR" dirty="0" smtClean="0"/>
+            </a:br>
+            <a:r>
+              <a:rPr lang="fr-FR" dirty="0" smtClean="0"/>
+              <a:t>sa vitesse. La vitesse divisée par 2 définie le nombre de cases de mouvement du joueur.</a:t>
+            </a:r>
             <a:endParaRPr lang="fr-FR" dirty="0"/>
           </a:p>
         </p:txBody>
@@ -14839,7 +15051,7 @@
             <p:ph sz="half" idx="2"/>
             <p:extLst>
               <p:ext uri="{D42A27DB-BD31-4B8C-83A1-F6EECF244321}">
-                <p14:modId xmlns:p14="http://schemas.microsoft.com/office/powerpoint/2010/main" val="895344188"/>
+                <p14:modId xmlns:p14="http://schemas.microsoft.com/office/powerpoint/2010/main" val="3748784666"/>
               </p:ext>
             </p:extLst>
           </p:nvPr>
@@ -14864,7 +15076,10 @@
                     <a:bodyPr/>
                     <a:lstStyle/>
                     <a:p>
-                      <a:endParaRPr lang="fr-FR" sz="1600" dirty="0" smtClean="0"/>
+                      <a:r>
+                        <a:rPr lang="fr-FR" sz="1600" dirty="0" smtClean="0"/>
+                        <a:t>Déplacement</a:t>
+                      </a:r>
                     </a:p>
                   </a:txBody>
                   <a:tcPr marL="83838" marR="83838"/>
@@ -14877,7 +15092,9 @@
                       <a:endParaRPr lang="fr-FR" sz="1600" dirty="0" smtClean="0"/>
                     </a:p>
                   </a:txBody>
-                  <a:tcPr marL="83838" marR="83838"/>
+                  <a:tcPr marL="83838" marR="83838">
+                    <a:noFill/>
+                  </a:tcPr>
                 </a:tc>
               </a:tr>
               <a:tr h="370840">
@@ -14886,7 +15103,11 @@
                     <a:bodyPr/>
                     <a:lstStyle/>
                     <a:p>
-                      <a:endParaRPr lang="fr-FR" dirty="0"/>
+                      <a:r>
+                        <a:rPr lang="fr-FR" sz="1600" dirty="0" smtClean="0"/>
+                        <a:t>Normal</a:t>
+                      </a:r>
+                      <a:endParaRPr lang="fr-FR" sz="1600" dirty="0"/>
                     </a:p>
                   </a:txBody>
                   <a:tcPr marL="83838" marR="83838"/>
@@ -14896,7 +15117,11 @@
                     <a:bodyPr/>
                     <a:lstStyle/>
                     <a:p>
-                      <a:endParaRPr lang="fr-FR" dirty="0"/>
+                      <a:r>
+                        <a:rPr lang="fr-FR" sz="1600" dirty="0" smtClean="0"/>
+                        <a:t>1 / 1</a:t>
+                      </a:r>
+                      <a:endParaRPr lang="fr-FR" sz="1600" dirty="0"/>
                     </a:p>
                   </a:txBody>
                   <a:tcPr marL="83838" marR="83838"/>
@@ -14908,7 +15133,27 @@
                     <a:bodyPr/>
                     <a:lstStyle/>
                     <a:p>
-                      <a:endParaRPr lang="fr-FR"/>
+                      <a:pPr marL="0" marR="0" lvl="0" indent="0" algn="l" defTabSz="914400" rtl="0" eaLnBrk="1" fontAlgn="auto" latinLnBrk="0" hangingPunct="1">
+                        <a:lnSpc>
+                          <a:spcPct val="100000"/>
+                        </a:lnSpc>
+                        <a:spcBef>
+                          <a:spcPts val="0"/>
+                        </a:spcBef>
+                        <a:spcAft>
+                          <a:spcPts val="0"/>
+                        </a:spcAft>
+                        <a:buClrTx/>
+                        <a:buSzTx/>
+                        <a:buFontTx/>
+                        <a:buNone/>
+                        <a:tabLst/>
+                        <a:defRPr/>
+                      </a:pPr>
+                      <a:r>
+                        <a:rPr lang="fr-FR" sz="1600" b="0" dirty="0" smtClean="0"/>
+                        <a:t>Terrain encombré</a:t>
+                      </a:r>
                     </a:p>
                   </a:txBody>
                   <a:tcPr marL="83838" marR="83838"/>
@@ -14918,7 +15163,11 @@
                     <a:bodyPr/>
                     <a:lstStyle/>
                     <a:p>
-                      <a:endParaRPr lang="fr-FR"/>
+                      <a:r>
+                        <a:rPr lang="fr-FR" sz="1600" dirty="0" smtClean="0"/>
+                        <a:t>1 / 2</a:t>
+                      </a:r>
+                      <a:endParaRPr lang="fr-FR" sz="1600" dirty="0"/>
                     </a:p>
                   </a:txBody>
                   <a:tcPr marL="83838" marR="83838"/>
@@ -14930,7 +15179,27 @@
                     <a:bodyPr/>
                     <a:lstStyle/>
                     <a:p>
-                      <a:endParaRPr lang="fr-FR"/>
+                      <a:pPr marL="0" marR="0" lvl="0" indent="0" algn="l" defTabSz="914400" rtl="0" eaLnBrk="1" fontAlgn="auto" latinLnBrk="0" hangingPunct="1">
+                        <a:lnSpc>
+                          <a:spcPct val="100000"/>
+                        </a:lnSpc>
+                        <a:spcBef>
+                          <a:spcPts val="0"/>
+                        </a:spcBef>
+                        <a:spcAft>
+                          <a:spcPts val="0"/>
+                        </a:spcAft>
+                        <a:buClrTx/>
+                        <a:buSzTx/>
+                        <a:buFontTx/>
+                        <a:buNone/>
+                        <a:tabLst/>
+                        <a:defRPr/>
+                      </a:pPr>
+                      <a:r>
+                        <a:rPr lang="fr-FR" sz="1600" b="0" dirty="0" smtClean="0"/>
+                        <a:t>Terrain difficile</a:t>
+                      </a:r>
                     </a:p>
                   </a:txBody>
                   <a:tcPr marL="83838" marR="83838"/>
@@ -14940,7 +15209,27 @@
                     <a:bodyPr/>
                     <a:lstStyle/>
                     <a:p>
-                      <a:endParaRPr lang="fr-FR"/>
+                      <a:pPr marL="0" marR="0" lvl="0" indent="0" algn="l" defTabSz="914400" rtl="0" eaLnBrk="1" fontAlgn="auto" latinLnBrk="0" hangingPunct="1">
+                        <a:lnSpc>
+                          <a:spcPct val="100000"/>
+                        </a:lnSpc>
+                        <a:spcBef>
+                          <a:spcPts val="0"/>
+                        </a:spcBef>
+                        <a:spcAft>
+                          <a:spcPts val="0"/>
+                        </a:spcAft>
+                        <a:buClrTx/>
+                        <a:buSzTx/>
+                        <a:buFontTx/>
+                        <a:buNone/>
+                        <a:tabLst/>
+                        <a:defRPr/>
+                      </a:pPr>
+                      <a:r>
+                        <a:rPr lang="fr-FR" sz="1600" b="0" dirty="0" smtClean="0"/>
+                        <a:t>1 / 3</a:t>
+                      </a:r>
                     </a:p>
                   </a:txBody>
                   <a:tcPr marL="83838" marR="83838"/>
@@ -14952,7 +15241,15 @@
                     <a:bodyPr/>
                     <a:lstStyle/>
                     <a:p>
-                      <a:endParaRPr lang="fr-FR" dirty="0"/>
+                      <a:r>
+                        <a:rPr lang="fr-FR" sz="1600" dirty="0" smtClean="0"/>
+                        <a:t>Terrain</a:t>
+                      </a:r>
+                      <a:r>
+                        <a:rPr lang="fr-FR" sz="1600" baseline="0" dirty="0" smtClean="0"/>
+                        <a:t> dangereux</a:t>
+                      </a:r>
+                      <a:endParaRPr lang="fr-FR" sz="1600" dirty="0"/>
                     </a:p>
                   </a:txBody>
                   <a:tcPr marL="83838" marR="83838"/>
@@ -14962,7 +15259,11 @@
                     <a:bodyPr/>
                     <a:lstStyle/>
                     <a:p>
-                      <a:endParaRPr lang="fr-FR" dirty="0"/>
+                      <a:r>
+                        <a:rPr lang="fr-FR" sz="1600" dirty="0" smtClean="0"/>
+                        <a:t>1 / 4</a:t>
+                      </a:r>
+                      <a:endParaRPr lang="fr-FR" sz="1600" dirty="0"/>
                     </a:p>
                   </a:txBody>
                   <a:tcPr marL="83838" marR="83838"/>
@@ -14975,7 +15276,7 @@
     </p:spTree>
     <p:extLst>
       <p:ext uri="{BB962C8B-B14F-4D97-AF65-F5344CB8AC3E}">
-        <p14:creationId xmlns:p14="http://schemas.microsoft.com/office/powerpoint/2010/main" val="1282100186"/>
+        <p14:creationId xmlns:p14="http://schemas.microsoft.com/office/powerpoint/2010/main" val="3431503352"/>
       </p:ext>
     </p:extLst>
   </p:cSld>
@@ -15026,7 +15327,7 @@
           <a:p>
             <a:r>
               <a:rPr lang="fr-FR" dirty="0" smtClean="0"/>
-              <a:t>Défenses</a:t>
+              <a:t>Attaques</a:t>
             </a:r>
             <a:endParaRPr lang="fr-FR" dirty="0"/>
           </a:p>
@@ -15042,7 +15343,149 @@
             <p:ph sz="half" idx="1"/>
           </p:nvPr>
         </p:nvSpPr>
+        <p:spPr>
+          <a:xfrm>
+            <a:off x="1097279" y="1845734"/>
+            <a:ext cx="4915594" cy="4023360"/>
+          </a:xfrm>
+        </p:spPr>
+        <p:txBody>
+          <a:bodyPr/>
+          <a:lstStyle/>
+          <a:p>
+            <a:r>
+              <a:rPr lang="fr-FR" dirty="0" smtClean="0"/>
+              <a:t>L’attaque correspond à la faculté du joueur à toucher son ennemi. Si la valeur d’attaque est égale ou supérieure à l’évasion de l’ennemi, l’attaque est validée. </a:t>
+            </a:r>
+            <a:r>
+              <a:rPr lang="fr-FR" dirty="0"/>
+              <a:t/>
+            </a:r>
+            <a:br>
+              <a:rPr lang="fr-FR" dirty="0"/>
+            </a:br>
+            <a:r>
+              <a:rPr lang="fr-FR" dirty="0" smtClean="0"/>
+              <a:t/>
+            </a:r>
+            <a:br>
+              <a:rPr lang="fr-FR" dirty="0" smtClean="0"/>
+            </a:br>
+            <a:r>
+              <a:rPr lang="fr-FR" dirty="0" smtClean="0"/>
+              <a:t>Attaque = (Valeur dés) + </a:t>
+            </a:r>
+            <a:r>
+              <a:rPr lang="fr-FR" dirty="0" err="1" smtClean="0"/>
+              <a:t>mods</a:t>
+            </a:r>
+            <a:r>
+              <a:rPr lang="fr-FR" dirty="0" smtClean="0"/>
+              <a:t> – Précision.</a:t>
+            </a:r>
+            <a:endParaRPr lang="fr-FR" dirty="0"/>
+          </a:p>
+        </p:txBody>
+      </p:sp>
+      <p:sp>
+        <p:nvSpPr>
+          <p:cNvPr id="2" name="Espace réservé du contenu 1"/>
+          <p:cNvSpPr>
+            <a:spLocks noGrp="1"/>
+          </p:cNvSpPr>
+          <p:nvPr>
+            <p:ph sz="half" idx="2"/>
+          </p:nvPr>
+        </p:nvSpPr>
         <p:spPr/>
+        <p:txBody>
+          <a:bodyPr/>
+          <a:lstStyle/>
+          <a:p>
+            <a:r>
+              <a:rPr lang="fr-FR" dirty="0" smtClean="0"/>
+              <a:t>Si la valeur d’attaque est deux fois supérieur à l’évasion de l’adversaire, un coup critique est déclenché.</a:t>
+            </a:r>
+            <a:endParaRPr lang="fr-FR" dirty="0"/>
+          </a:p>
+        </p:txBody>
+      </p:sp>
+    </p:spTree>
+    <p:extLst>
+      <p:ext uri="{BB962C8B-B14F-4D97-AF65-F5344CB8AC3E}">
+        <p14:creationId xmlns:p14="http://schemas.microsoft.com/office/powerpoint/2010/main" val="2234008177"/>
+      </p:ext>
+    </p:extLst>
+  </p:cSld>
+  <p:clrMapOvr>
+    <a:masterClrMapping/>
+  </p:clrMapOvr>
+  <p:timing>
+    <p:tnLst>
+      <p:par>
+        <p:cTn id="1" dur="indefinite" restart="never" nodeType="tmRoot"/>
+      </p:par>
+    </p:tnLst>
+  </p:timing>
+</p:sld>
+</file>
+
+<file path=ppt/slides/slide17.xml><?xml version="1.0" encoding="utf-8"?>
+<p:sld xmlns:a="http://schemas.openxmlformats.org/drawingml/2006/main" xmlns:r="http://schemas.openxmlformats.org/officeDocument/2006/relationships" xmlns:p="http://schemas.openxmlformats.org/presentationml/2006/main">
+  <p:cSld>
+    <p:spTree>
+      <p:nvGrpSpPr>
+        <p:cNvPr id="1" name=""/>
+        <p:cNvGrpSpPr/>
+        <p:nvPr/>
+      </p:nvGrpSpPr>
+      <p:grpSpPr>
+        <a:xfrm>
+          <a:off x="0" y="0"/>
+          <a:ext cx="0" cy="0"/>
+          <a:chOff x="0" y="0"/>
+          <a:chExt cx="0" cy="0"/>
+        </a:xfrm>
+      </p:grpSpPr>
+      <p:sp>
+        <p:nvSpPr>
+          <p:cNvPr id="4" name="Titre 3"/>
+          <p:cNvSpPr>
+            <a:spLocks noGrp="1"/>
+          </p:cNvSpPr>
+          <p:nvPr>
+            <p:ph type="title"/>
+          </p:nvPr>
+        </p:nvSpPr>
+        <p:spPr/>
+        <p:txBody>
+          <a:bodyPr/>
+          <a:lstStyle/>
+          <a:p>
+            <a:r>
+              <a:rPr lang="fr-FR" dirty="0" smtClean="0"/>
+              <a:t>Défenses</a:t>
+            </a:r>
+            <a:endParaRPr lang="fr-FR" dirty="0"/>
+          </a:p>
+        </p:txBody>
+      </p:sp>
+      <p:sp>
+        <p:nvSpPr>
+          <p:cNvPr id="5" name="Espace réservé du contenu 4"/>
+          <p:cNvSpPr>
+            <a:spLocks noGrp="1"/>
+          </p:cNvSpPr>
+          <p:nvPr>
+            <p:ph sz="half" idx="1"/>
+          </p:nvPr>
+        </p:nvSpPr>
+        <p:spPr>
+          <a:xfrm>
+            <a:off x="1097279" y="1845734"/>
+            <a:ext cx="4869412" cy="4023360"/>
+          </a:xfrm>
+        </p:spPr>
         <p:txBody>
           <a:bodyPr/>
           <a:lstStyle/>
@@ -15061,14 +15504,14 @@
             <p:ph sz="half" idx="2"/>
             <p:extLst>
               <p:ext uri="{D42A27DB-BD31-4B8C-83A1-F6EECF244321}">
-                <p14:modId xmlns:p14="http://schemas.microsoft.com/office/powerpoint/2010/main" val="1953316556"/>
+                <p14:modId xmlns:p14="http://schemas.microsoft.com/office/powerpoint/2010/main" val="4235544301"/>
               </p:ext>
             </p:extLst>
           </p:nvPr>
         </p:nvGraphicFramePr>
         <p:xfrm>
           <a:off x="6035036" y="1846263"/>
-          <a:ext cx="3775320" cy="1849120"/>
+          <a:ext cx="3775320" cy="1818640"/>
         </p:xfrm>
         <a:graphic>
           <a:graphicData uri="http://schemas.openxmlformats.org/drawingml/2006/table">
@@ -15086,7 +15529,7 @@
                     <a:bodyPr/>
                     <a:lstStyle/>
                     <a:p>
-                      <a:endParaRPr lang="fr-FR" dirty="0"/>
+                      <a:endParaRPr lang="fr-FR" sz="1600" dirty="0"/>
                     </a:p>
                   </a:txBody>
                   <a:tcPr marL="83838" marR="83838"/>
@@ -15096,7 +15539,7 @@
                     <a:bodyPr/>
                     <a:lstStyle/>
                     <a:p>
-                      <a:endParaRPr lang="fr-FR"/>
+                      <a:endParaRPr lang="fr-FR" sz="1600"/>
                     </a:p>
                   </a:txBody>
                   <a:tcPr marL="83838" marR="83838"/>
@@ -15108,7 +15551,7 @@
                     <a:bodyPr/>
                     <a:lstStyle/>
                     <a:p>
-                      <a:endParaRPr lang="fr-FR"/>
+                      <a:endParaRPr lang="fr-FR" sz="1600" dirty="0"/>
                     </a:p>
                   </a:txBody>
                   <a:tcPr marL="83838" marR="83838"/>
@@ -15118,7 +15561,7 @@
                     <a:bodyPr/>
                     <a:lstStyle/>
                     <a:p>
-                      <a:endParaRPr lang="fr-FR"/>
+                      <a:endParaRPr lang="fr-FR" sz="1600" dirty="0"/>
                     </a:p>
                   </a:txBody>
                   <a:tcPr marL="83838" marR="83838"/>
@@ -15130,7 +15573,7 @@
                     <a:bodyPr/>
                     <a:lstStyle/>
                     <a:p>
-                      <a:endParaRPr lang="fr-FR"/>
+                      <a:endParaRPr lang="fr-FR" sz="1600"/>
                     </a:p>
                   </a:txBody>
                   <a:tcPr marL="83838" marR="83838"/>
@@ -15140,7 +15583,7 @@
                     <a:bodyPr/>
                     <a:lstStyle/>
                     <a:p>
-                      <a:endParaRPr lang="fr-FR"/>
+                      <a:endParaRPr lang="fr-FR" sz="1600" dirty="0"/>
                     </a:p>
                   </a:txBody>
                   <a:tcPr marL="83838" marR="83838"/>
@@ -15152,7 +15595,7 @@
                     <a:bodyPr/>
                     <a:lstStyle/>
                     <a:p>
-                      <a:endParaRPr lang="fr-FR"/>
+                      <a:endParaRPr lang="fr-FR" sz="1600"/>
                     </a:p>
                   </a:txBody>
                   <a:tcPr marL="83838" marR="83838"/>
@@ -15162,7 +15605,7 @@
                     <a:bodyPr/>
                     <a:lstStyle/>
                     <a:p>
-                      <a:endParaRPr lang="fr-FR"/>
+                      <a:endParaRPr lang="fr-FR" sz="1600" dirty="0"/>
                     </a:p>
                   </a:txBody>
                   <a:tcPr marL="83838" marR="83838"/>
@@ -15174,7 +15617,7 @@
                     <a:bodyPr/>
                     <a:lstStyle/>
                     <a:p>
-                      <a:endParaRPr lang="fr-FR"/>
+                      <a:endParaRPr lang="fr-FR" sz="1600"/>
                     </a:p>
                   </a:txBody>
                   <a:tcPr marL="83838" marR="83838"/>
@@ -15184,7 +15627,7 @@
                     <a:bodyPr/>
                     <a:lstStyle/>
                     <a:p>
-                      <a:endParaRPr lang="fr-FR" dirty="0"/>
+                      <a:endParaRPr lang="fr-FR" sz="1600" dirty="0"/>
                     </a:p>
                   </a:txBody>
                   <a:tcPr marL="83838" marR="83838"/>
@@ -15198,6 +15641,233 @@
     <p:extLst>
       <p:ext uri="{BB962C8B-B14F-4D97-AF65-F5344CB8AC3E}">
         <p14:creationId xmlns:p14="http://schemas.microsoft.com/office/powerpoint/2010/main" val="1166289913"/>
+      </p:ext>
+    </p:extLst>
+  </p:cSld>
+  <p:clrMapOvr>
+    <a:masterClrMapping/>
+  </p:clrMapOvr>
+  <p:timing>
+    <p:tnLst>
+      <p:par>
+        <p:cTn id="1" dur="indefinite" restart="never" nodeType="tmRoot"/>
+      </p:par>
+    </p:tnLst>
+  </p:timing>
+</p:sld>
+</file>
+
+<file path=ppt/slides/slide18.xml><?xml version="1.0" encoding="utf-8"?>
+<p:sld xmlns:a="http://schemas.openxmlformats.org/drawingml/2006/main" xmlns:r="http://schemas.openxmlformats.org/officeDocument/2006/relationships" xmlns:p="http://schemas.openxmlformats.org/presentationml/2006/main">
+  <p:cSld>
+    <p:spTree>
+      <p:nvGrpSpPr>
+        <p:cNvPr id="1" name=""/>
+        <p:cNvGrpSpPr/>
+        <p:nvPr/>
+      </p:nvGrpSpPr>
+      <p:grpSpPr>
+        <a:xfrm>
+          <a:off x="0" y="0"/>
+          <a:ext cx="0" cy="0"/>
+          <a:chOff x="0" y="0"/>
+          <a:chExt cx="0" cy="0"/>
+        </a:xfrm>
+      </p:grpSpPr>
+      <p:sp>
+        <p:nvSpPr>
+          <p:cNvPr id="4" name="Titre 3"/>
+          <p:cNvSpPr>
+            <a:spLocks noGrp="1"/>
+          </p:cNvSpPr>
+          <p:nvPr>
+            <p:ph type="title"/>
+          </p:nvPr>
+        </p:nvSpPr>
+        <p:spPr/>
+        <p:txBody>
+          <a:bodyPr/>
+          <a:lstStyle/>
+          <a:p>
+            <a:r>
+              <a:rPr lang="fr-FR" dirty="0" smtClean="0"/>
+              <a:t>Dégâts</a:t>
+            </a:r>
+            <a:endParaRPr lang="fr-FR" dirty="0"/>
+          </a:p>
+        </p:txBody>
+      </p:sp>
+      <p:sp>
+        <p:nvSpPr>
+          <p:cNvPr id="5" name="Espace réservé du contenu 4"/>
+          <p:cNvSpPr>
+            <a:spLocks noGrp="1"/>
+          </p:cNvSpPr>
+          <p:nvPr>
+            <p:ph sz="half" idx="1"/>
+          </p:nvPr>
+        </p:nvSpPr>
+        <p:spPr>
+          <a:xfrm>
+            <a:off x="1097279" y="1845734"/>
+            <a:ext cx="4869412" cy="4023360"/>
+          </a:xfrm>
+        </p:spPr>
+        <p:txBody>
+          <a:bodyPr/>
+          <a:lstStyle/>
+          <a:p>
+            <a:endParaRPr lang="fr-FR" dirty="0"/>
+          </a:p>
+        </p:txBody>
+      </p:sp>
+      <p:graphicFrame>
+        <p:nvGraphicFramePr>
+          <p:cNvPr id="9" name="Espace réservé du contenu 8"/>
+          <p:cNvGraphicFramePr>
+            <a:graphicFrameLocks noGrp="1"/>
+          </p:cNvGraphicFramePr>
+          <p:nvPr>
+            <p:ph sz="half" idx="2"/>
+            <p:extLst>
+              <p:ext uri="{D42A27DB-BD31-4B8C-83A1-F6EECF244321}">
+                <p14:modId xmlns:p14="http://schemas.microsoft.com/office/powerpoint/2010/main" val="888200240"/>
+              </p:ext>
+            </p:extLst>
+          </p:nvPr>
+        </p:nvGraphicFramePr>
+        <p:xfrm>
+          <a:off x="6035036" y="1846263"/>
+          <a:ext cx="3775320" cy="1818640"/>
+        </p:xfrm>
+        <a:graphic>
+          <a:graphicData uri="http://schemas.openxmlformats.org/drawingml/2006/table">
+            <a:tbl>
+              <a:tblPr firstRow="1" bandRow="1">
+                <a:tableStyleId>{5C22544A-7EE6-4342-B048-85BDC9FD1C3A}</a:tableStyleId>
+              </a:tblPr>
+              <a:tblGrid>
+                <a:gridCol w="1887660"/>
+                <a:gridCol w="1887660"/>
+              </a:tblGrid>
+              <a:tr h="332394">
+                <a:tc>
+                  <a:txBody>
+                    <a:bodyPr/>
+                    <a:lstStyle/>
+                    <a:p>
+                      <a:endParaRPr lang="fr-FR" sz="1600" dirty="0" smtClean="0"/>
+                    </a:p>
+                  </a:txBody>
+                  <a:tcPr marL="83838" marR="83838"/>
+                </a:tc>
+                <a:tc>
+                  <a:txBody>
+                    <a:bodyPr/>
+                    <a:lstStyle/>
+                    <a:p>
+                      <a:endParaRPr lang="fr-FR" sz="1600" dirty="0" smtClean="0"/>
+                    </a:p>
+                  </a:txBody>
+                  <a:tcPr marL="83838" marR="83838"/>
+                </a:tc>
+              </a:tr>
+              <a:tr h="370840">
+                <a:tc>
+                  <a:txBody>
+                    <a:bodyPr/>
+                    <a:lstStyle/>
+                    <a:p>
+                      <a:endParaRPr lang="fr-FR" sz="1600" dirty="0"/>
+                    </a:p>
+                  </a:txBody>
+                  <a:tcPr marL="83838" marR="83838"/>
+                </a:tc>
+                <a:tc>
+                  <a:txBody>
+                    <a:bodyPr/>
+                    <a:lstStyle/>
+                    <a:p>
+                      <a:endParaRPr lang="fr-FR" sz="1600" dirty="0"/>
+                    </a:p>
+                  </a:txBody>
+                  <a:tcPr marL="83838" marR="83838"/>
+                </a:tc>
+              </a:tr>
+              <a:tr h="370840">
+                <a:tc>
+                  <a:txBody>
+                    <a:bodyPr/>
+                    <a:lstStyle/>
+                    <a:p>
+                      <a:endParaRPr lang="fr-FR" sz="1600"/>
+                    </a:p>
+                  </a:txBody>
+                  <a:tcPr marL="83838" marR="83838"/>
+                </a:tc>
+                <a:tc>
+                  <a:txBody>
+                    <a:bodyPr/>
+                    <a:lstStyle/>
+                    <a:p>
+                      <a:endParaRPr lang="fr-FR" sz="1600" dirty="0"/>
+                    </a:p>
+                  </a:txBody>
+                  <a:tcPr marL="83838" marR="83838"/>
+                </a:tc>
+              </a:tr>
+              <a:tr h="370840">
+                <a:tc>
+                  <a:txBody>
+                    <a:bodyPr/>
+                    <a:lstStyle/>
+                    <a:p>
+                      <a:endParaRPr lang="fr-FR" sz="1600"/>
+                    </a:p>
+                  </a:txBody>
+                  <a:tcPr marL="83838" marR="83838"/>
+                </a:tc>
+                <a:tc>
+                  <a:txBody>
+                    <a:bodyPr/>
+                    <a:lstStyle/>
+                    <a:p>
+                      <a:endParaRPr lang="fr-FR" sz="1600" dirty="0"/>
+                    </a:p>
+                  </a:txBody>
+                  <a:tcPr marL="83838" marR="83838"/>
+                </a:tc>
+              </a:tr>
+              <a:tr h="370840">
+                <a:tc>
+                  <a:txBody>
+                    <a:bodyPr/>
+                    <a:lstStyle/>
+                    <a:p>
+                      <a:endParaRPr lang="fr-FR" sz="1600" dirty="0"/>
+                    </a:p>
+                  </a:txBody>
+                  <a:tcPr marL="83838" marR="83838"/>
+                </a:tc>
+                <a:tc>
+                  <a:txBody>
+                    <a:bodyPr/>
+                    <a:lstStyle/>
+                    <a:p>
+                      <a:endParaRPr lang="fr-FR" sz="1600" dirty="0"/>
+                    </a:p>
+                  </a:txBody>
+                  <a:tcPr marL="83838" marR="83838"/>
+                </a:tc>
+              </a:tr>
+            </a:tbl>
+          </a:graphicData>
+        </a:graphic>
+      </p:graphicFrame>
+    </p:spTree>
+    <p:extLst>
+      <p:ext uri="{BB962C8B-B14F-4D97-AF65-F5344CB8AC3E}">
+        <p14:creationId xmlns:p14="http://schemas.microsoft.com/office/powerpoint/2010/main" val="1282100186"/>
       </p:ext>
     </p:extLst>
   </p:cSld>
@@ -15286,15 +15956,7 @@
             </a:br>
             <a:r>
               <a:rPr lang="fr-FR" dirty="0" smtClean="0"/>
-              <a:t>A la création, le joueur reçoit un </a:t>
-            </a:r>
-            <a:r>
-              <a:rPr lang="fr-FR" dirty="0" smtClean="0"/>
-              <a:t>nombre de </a:t>
-            </a:r>
-            <a:r>
-              <a:rPr lang="fr-FR" dirty="0" smtClean="0"/>
-              <a:t>points à dépenser comme il le veut.</a:t>
+              <a:t>A la création, le joueur reçoit un nombre de points à dépenser comme il le veut.</a:t>
             </a:r>
             <a:br>
               <a:rPr lang="fr-FR" dirty="0" smtClean="0"/>
@@ -15345,7 +16007,6 @@
                         <a:rPr lang="fr-FR" sz="1600" dirty="0" smtClean="0"/>
                         <a:t>Statistiques</a:t>
                       </a:r>
-                      <a:endParaRPr lang="fr-FR" sz="1600" dirty="0" smtClean="0"/>
                     </a:p>
                   </a:txBody>
                   <a:tcPr marL="83838" marR="83838"/>
@@ -15359,7 +16020,6 @@
                         <a:rPr lang="fr-FR" sz="1600" dirty="0" smtClean="0"/>
                         <a:t>Correspondance</a:t>
                       </a:r>
-                      <a:endParaRPr lang="fr-FR" sz="1600" dirty="0" smtClean="0"/>
                     </a:p>
                   </a:txBody>
                   <a:tcPr marL="83838" marR="83838"/>
@@ -15375,7 +16035,6 @@
                         <a:rPr lang="fr-FR" sz="1600" dirty="0" smtClean="0"/>
                         <a:t>P.V.</a:t>
                       </a:r>
-                      <a:endParaRPr lang="fr-FR" sz="1600" dirty="0" smtClean="0"/>
                     </a:p>
                   </a:txBody>
                   <a:tcPr marL="83838" marR="83838"/>
@@ -15389,7 +16048,6 @@
                         <a:rPr lang="fr-FR" sz="1600" dirty="0" smtClean="0"/>
                         <a:t>Point de Vie</a:t>
                       </a:r>
-                      <a:endParaRPr lang="fr-FR" sz="1600" dirty="0" smtClean="0"/>
                     </a:p>
                   </a:txBody>
                   <a:tcPr marL="83838" marR="83838"/>
@@ -15491,7 +16149,6 @@
                         <a:rPr lang="fr-FR" sz="1600" dirty="0" smtClean="0"/>
                         <a:t>.</a:t>
                       </a:r>
-                      <a:endParaRPr lang="fr-FR" sz="1600" dirty="0" smtClean="0"/>
                     </a:p>
                   </a:txBody>
                   <a:tcPr marL="83838" marR="83838"/>
@@ -15504,6 +16161,90 @@
                       <a:r>
                         <a:rPr lang="fr-FR" sz="1600" dirty="0" smtClean="0"/>
                         <a:t>Défense Physique</a:t>
+                      </a:r>
+                    </a:p>
+                  </a:txBody>
+                  <a:tcPr marL="83838" marR="83838"/>
+                </a:tc>
+              </a:tr>
+              <a:tr h="332394">
+                <a:tc>
+                  <a:txBody>
+                    <a:bodyPr/>
+                    <a:lstStyle/>
+                    <a:p>
+                      <a:r>
+                        <a:rPr lang="fr-FR" sz="1600" dirty="0" err="1" smtClean="0"/>
+                        <a:t>Atk</a:t>
+                      </a:r>
+                      <a:r>
+                        <a:rPr lang="fr-FR" sz="1600" dirty="0" smtClean="0"/>
+                        <a:t>. </a:t>
+                      </a:r>
+                      <a:r>
+                        <a:rPr lang="fr-FR" sz="1600" dirty="0" err="1" smtClean="0"/>
+                        <a:t>Spe</a:t>
+                      </a:r>
+                      <a:r>
+                        <a:rPr lang="fr-FR" sz="1600" dirty="0" smtClean="0"/>
+                        <a:t>.</a:t>
+                      </a:r>
+                    </a:p>
+                  </a:txBody>
+                  <a:tcPr marL="83838" marR="83838"/>
+                </a:tc>
+                <a:tc>
+                  <a:txBody>
+                    <a:bodyPr/>
+                    <a:lstStyle/>
+                    <a:p>
+                      <a:r>
+                        <a:rPr lang="fr-FR" sz="1600" dirty="0" smtClean="0"/>
+                        <a:t>Attaque Spéciale</a:t>
+                      </a:r>
+                    </a:p>
+                  </a:txBody>
+                  <a:tcPr marL="83838" marR="83838"/>
+                </a:tc>
+              </a:tr>
+              <a:tr h="332394">
+                <a:tc>
+                  <a:txBody>
+                    <a:bodyPr/>
+                    <a:lstStyle/>
+                    <a:p>
+                      <a:r>
+                        <a:rPr lang="fr-FR" sz="1600" dirty="0" err="1" smtClean="0"/>
+                        <a:t>Def</a:t>
+                      </a:r>
+                      <a:r>
+                        <a:rPr lang="fr-FR" sz="1600" dirty="0" smtClean="0"/>
+                        <a:t>. </a:t>
+                      </a:r>
+                      <a:r>
+                        <a:rPr lang="fr-FR" sz="1600" dirty="0" err="1" smtClean="0"/>
+                        <a:t>Spe</a:t>
+                      </a:r>
+                      <a:r>
+                        <a:rPr lang="fr-FR" sz="1600" dirty="0" smtClean="0"/>
+                        <a:t>.</a:t>
+                      </a:r>
+                    </a:p>
+                  </a:txBody>
+                  <a:tcPr marL="83838" marR="83838"/>
+                </a:tc>
+                <a:tc>
+                  <a:txBody>
+                    <a:bodyPr/>
+                    <a:lstStyle/>
+                    <a:p>
+                      <a:r>
+                        <a:rPr lang="fr-FR" sz="1600" dirty="0" smtClean="0"/>
+                        <a:t>Défense</a:t>
+                      </a:r>
+                      <a:r>
+                        <a:rPr lang="fr-FR" sz="1600" baseline="0" dirty="0" smtClean="0"/>
+                        <a:t> Spéciale</a:t>
                       </a:r>
                       <a:endParaRPr lang="fr-FR" sz="1600" dirty="0" smtClean="0"/>
                     </a:p>
@@ -15518,20 +16259,8 @@
                     <a:lstStyle/>
                     <a:p>
                       <a:r>
-                        <a:rPr lang="fr-FR" sz="1600" dirty="0" err="1" smtClean="0"/>
-                        <a:t>Atk</a:t>
-                      </a:r>
-                      <a:r>
                         <a:rPr lang="fr-FR" sz="1600" dirty="0" smtClean="0"/>
-                        <a:t>. </a:t>
-                      </a:r>
-                      <a:r>
-                        <a:rPr lang="fr-FR" sz="1600" dirty="0" err="1" smtClean="0"/>
-                        <a:t>Spe</a:t>
-                      </a:r>
-                      <a:r>
-                        <a:rPr lang="fr-FR" sz="1600" dirty="0" smtClean="0"/>
-                        <a:t>.</a:t>
+                        <a:t>Vit.</a:t>
                       </a:r>
                     </a:p>
                   </a:txBody>
@@ -15544,84 +16273,8 @@
                     <a:p>
                       <a:r>
                         <a:rPr lang="fr-FR" sz="1600" dirty="0" smtClean="0"/>
-                        <a:t>Attaque Spéciale</a:t>
-                      </a:r>
-                    </a:p>
-                  </a:txBody>
-                  <a:tcPr marL="83838" marR="83838"/>
-                </a:tc>
-              </a:tr>
-              <a:tr h="332394">
-                <a:tc>
-                  <a:txBody>
-                    <a:bodyPr/>
-                    <a:lstStyle/>
-                    <a:p>
-                      <a:r>
-                        <a:rPr lang="fr-FR" sz="1600" dirty="0" err="1" smtClean="0"/>
-                        <a:t>Def</a:t>
-                      </a:r>
-                      <a:r>
-                        <a:rPr lang="fr-FR" sz="1600" dirty="0" smtClean="0"/>
-                        <a:t>. </a:t>
-                      </a:r>
-                      <a:r>
-                        <a:rPr lang="fr-FR" sz="1600" dirty="0" err="1" smtClean="0"/>
-                        <a:t>Spe</a:t>
-                      </a:r>
-                      <a:r>
-                        <a:rPr lang="fr-FR" sz="1600" dirty="0" smtClean="0"/>
-                        <a:t>.</a:t>
-                      </a:r>
-                      <a:endParaRPr lang="fr-FR" sz="1600" dirty="0" smtClean="0"/>
-                    </a:p>
-                  </a:txBody>
-                  <a:tcPr marL="83838" marR="83838"/>
-                </a:tc>
-                <a:tc>
-                  <a:txBody>
-                    <a:bodyPr/>
-                    <a:lstStyle/>
-                    <a:p>
-                      <a:r>
-                        <a:rPr lang="fr-FR" sz="1600" dirty="0" smtClean="0"/>
-                        <a:t>Défense</a:t>
-                      </a:r>
-                      <a:r>
-                        <a:rPr lang="fr-FR" sz="1600" baseline="0" dirty="0" smtClean="0"/>
-                        <a:t> Spéciale</a:t>
-                      </a:r>
-                      <a:endParaRPr lang="fr-FR" sz="1600" dirty="0" smtClean="0"/>
-                    </a:p>
-                  </a:txBody>
-                  <a:tcPr marL="83838" marR="83838"/>
-                </a:tc>
-              </a:tr>
-              <a:tr h="332394">
-                <a:tc>
-                  <a:txBody>
-                    <a:bodyPr/>
-                    <a:lstStyle/>
-                    <a:p>
-                      <a:r>
-                        <a:rPr lang="fr-FR" sz="1600" dirty="0" smtClean="0"/>
-                        <a:t>Vit.</a:t>
-                      </a:r>
-                      <a:endParaRPr lang="fr-FR" sz="1600" dirty="0" smtClean="0"/>
-                    </a:p>
-                  </a:txBody>
-                  <a:tcPr marL="83838" marR="83838"/>
-                </a:tc>
-                <a:tc>
-                  <a:txBody>
-                    <a:bodyPr/>
-                    <a:lstStyle/>
-                    <a:p>
-                      <a:r>
-                        <a:rPr lang="fr-FR" sz="1600" dirty="0" smtClean="0"/>
                         <a:t>Vitesse</a:t>
                       </a:r>
-                      <a:endParaRPr lang="fr-FR" sz="1600" dirty="0" smtClean="0"/>
                     </a:p>
                   </a:txBody>
                   <a:tcPr marL="83838" marR="83838"/>
@@ -15759,7 +16412,6 @@
                         <a:rPr lang="fr-FR" sz="1600" dirty="0" smtClean="0"/>
                         <a:t>Compétences</a:t>
                       </a:r>
-                      <a:endParaRPr lang="fr-FR" sz="1600" dirty="0" smtClean="0"/>
                     </a:p>
                   </a:txBody>
                   <a:tcPr marL="83838" marR="83838"/>
@@ -15785,7 +16437,6 @@
                         <a:rPr lang="fr-FR" sz="1600" dirty="0" smtClean="0"/>
                         <a:t>Athlétisme</a:t>
                       </a:r>
-                      <a:endParaRPr lang="fr-FR" sz="1600" dirty="0" smtClean="0"/>
                     </a:p>
                   </a:txBody>
                   <a:tcPr marL="83838" marR="83838"/>
@@ -15799,7 +16450,6 @@
                         <a:rPr lang="fr-FR" sz="1600" dirty="0" smtClean="0"/>
                         <a:t>Education Spécifique</a:t>
                       </a:r>
-                      <a:endParaRPr lang="fr-FR" sz="1600" dirty="0" smtClean="0"/>
                     </a:p>
                   </a:txBody>
                   <a:tcPr marL="83838" marR="83838"/>
@@ -15845,7 +16495,6 @@
                         <a:rPr lang="fr-FR" sz="1600" dirty="0" smtClean="0"/>
                         <a:t>Intimidation</a:t>
                       </a:r>
-                      <a:endParaRPr lang="fr-FR" sz="1600" dirty="0" smtClean="0"/>
                     </a:p>
                   </a:txBody>
                   <a:tcPr marL="83838" marR="83838"/>
@@ -15861,7 +16510,6 @@
                         <a:rPr lang="fr-FR" sz="1600" dirty="0" smtClean="0"/>
                         <a:t>Commandement</a:t>
                       </a:r>
-                      <a:endParaRPr lang="fr-FR" sz="1600" dirty="0" smtClean="0"/>
                     </a:p>
                   </a:txBody>
                   <a:tcPr marL="83838" marR="83838"/>
@@ -15875,7 +16523,6 @@
                         <a:rPr lang="fr-FR" sz="1600" dirty="0" smtClean="0"/>
                         <a:t>Intuition </a:t>
                       </a:r>
-                      <a:endParaRPr lang="fr-FR" sz="1600" dirty="0" smtClean="0"/>
                     </a:p>
                   </a:txBody>
                   <a:tcPr marL="83838" marR="83838"/>
@@ -15891,7 +16538,6 @@
                         <a:rPr lang="fr-FR" sz="1600" dirty="0" smtClean="0"/>
                         <a:t>Concentration</a:t>
                       </a:r>
-                      <a:endParaRPr lang="fr-FR" sz="1600" dirty="0" smtClean="0"/>
                     </a:p>
                   </a:txBody>
                   <a:tcPr marL="83838" marR="83838"/>
@@ -15905,7 +16551,6 @@
                         <a:rPr lang="fr-FR" sz="1600" dirty="0" smtClean="0"/>
                         <a:t>Perception</a:t>
                       </a:r>
-                      <a:endParaRPr lang="fr-FR" sz="1600" dirty="0" smtClean="0"/>
                     </a:p>
                   </a:txBody>
                   <a:tcPr marL="83838" marR="83838"/>
@@ -15921,7 +16566,6 @@
                         <a:rPr lang="fr-FR" sz="1600" dirty="0" smtClean="0"/>
                         <a:t>Discrétion</a:t>
                       </a:r>
-                      <a:endParaRPr lang="fr-FR" sz="1600" dirty="0" smtClean="0"/>
                     </a:p>
                   </a:txBody>
                   <a:tcPr marL="83838" marR="83838"/>
@@ -16050,6 +16694,452 @@
       </p:grpSpPr>
       <p:sp>
         <p:nvSpPr>
+          <p:cNvPr id="4" name="Titre 3"/>
+          <p:cNvSpPr>
+            <a:spLocks noGrp="1"/>
+          </p:cNvSpPr>
+          <p:nvPr>
+            <p:ph type="title"/>
+          </p:nvPr>
+        </p:nvSpPr>
+        <p:spPr/>
+        <p:txBody>
+          <a:bodyPr/>
+          <a:lstStyle/>
+          <a:p>
+            <a:r>
+              <a:rPr lang="fr-FR" dirty="0" smtClean="0"/>
+              <a:t>Handicaps</a:t>
+            </a:r>
+            <a:endParaRPr lang="fr-FR" dirty="0"/>
+          </a:p>
+        </p:txBody>
+      </p:sp>
+      <p:sp>
+        <p:nvSpPr>
+          <p:cNvPr id="5" name="Espace réservé du contenu 4"/>
+          <p:cNvSpPr>
+            <a:spLocks noGrp="1"/>
+          </p:cNvSpPr>
+          <p:nvPr>
+            <p:ph sz="half" idx="1"/>
+          </p:nvPr>
+        </p:nvSpPr>
+        <p:spPr/>
+        <p:txBody>
+          <a:bodyPr/>
+          <a:lstStyle/>
+          <a:p>
+            <a:r>
+              <a:rPr lang="fr-FR" dirty="0" smtClean="0"/>
+              <a:t>Chaque joueur possède un handicap ne début</a:t>
+            </a:r>
+            <a:r>
+              <a:rPr lang="fr-FR" dirty="0" smtClean="0"/>
+              <a:t> de partie, il perd une faculté a cause de sa mort. </a:t>
+            </a:r>
+            <a:endParaRPr lang="fr-FR" dirty="0"/>
+          </a:p>
+          <a:p>
+            <a:r>
+              <a:rPr lang="fr-FR" dirty="0" smtClean="0"/>
+              <a:t>Ainsi, un joueur qui perd la parole ne pourra parler que par signe a ses coéquipiers.</a:t>
+            </a:r>
+          </a:p>
+          <a:p>
+            <a:r>
+              <a:rPr lang="fr-FR" dirty="0" smtClean="0"/>
+              <a:t>Ce handicap sera défini de manière aléatoire par un d6.</a:t>
+            </a:r>
+            <a:endParaRPr lang="fr-FR" dirty="0" smtClean="0"/>
+          </a:p>
+        </p:txBody>
+      </p:sp>
+      <p:graphicFrame>
+        <p:nvGraphicFramePr>
+          <p:cNvPr id="9" name="Espace réservé du contenu 8"/>
+          <p:cNvGraphicFramePr>
+            <a:graphicFrameLocks noGrp="1"/>
+          </p:cNvGraphicFramePr>
+          <p:nvPr>
+            <p:ph sz="half" idx="2"/>
+            <p:extLst>
+              <p:ext uri="{D42A27DB-BD31-4B8C-83A1-F6EECF244321}">
+                <p14:modId xmlns:p14="http://schemas.microsoft.com/office/powerpoint/2010/main" val="3044264956"/>
+              </p:ext>
+            </p:extLst>
+          </p:nvPr>
+        </p:nvGraphicFramePr>
+        <p:xfrm>
+          <a:off x="6035036" y="1846263"/>
+          <a:ext cx="5120643" cy="2560320"/>
+        </p:xfrm>
+        <a:graphic>
+          <a:graphicData uri="http://schemas.openxmlformats.org/drawingml/2006/table">
+            <a:tbl>
+              <a:tblPr firstRow="1" bandRow="1">
+                <a:tableStyleId>{5C22544A-7EE6-4342-B048-85BDC9FD1C3A}</a:tableStyleId>
+              </a:tblPr>
+              <a:tblGrid>
+                <a:gridCol w="1206273"/>
+                <a:gridCol w="701964"/>
+                <a:gridCol w="3212406"/>
+              </a:tblGrid>
+              <a:tr h="332394">
+                <a:tc>
+                  <a:txBody>
+                    <a:bodyPr/>
+                    <a:lstStyle/>
+                    <a:p>
+                      <a:r>
+                        <a:rPr lang="fr-FR" dirty="0" smtClean="0"/>
+                        <a:t>Handicap</a:t>
+                      </a:r>
+                      <a:endParaRPr lang="fr-FR" dirty="0"/>
+                    </a:p>
+                  </a:txBody>
+                  <a:tcPr marL="83838" marR="83838"/>
+                </a:tc>
+                <a:tc>
+                  <a:txBody>
+                    <a:bodyPr/>
+                    <a:lstStyle/>
+                    <a:p>
+                      <a:r>
+                        <a:rPr lang="fr-FR" dirty="0" smtClean="0"/>
+                        <a:t>Score</a:t>
+                      </a:r>
+                      <a:endParaRPr lang="fr-FR" dirty="0"/>
+                    </a:p>
+                  </a:txBody>
+                  <a:tcPr marL="83838" marR="83838"/>
+                </a:tc>
+                <a:tc>
+                  <a:txBody>
+                    <a:bodyPr/>
+                    <a:lstStyle/>
+                    <a:p>
+                      <a:r>
+                        <a:rPr lang="fr-FR" dirty="0" smtClean="0"/>
+                        <a:t>Effets</a:t>
+                      </a:r>
+                      <a:endParaRPr lang="fr-FR" dirty="0"/>
+                    </a:p>
+                  </a:txBody>
+                  <a:tcPr marL="83838" marR="83838"/>
+                </a:tc>
+              </a:tr>
+              <a:tr h="332394">
+                <a:tc>
+                  <a:txBody>
+                    <a:bodyPr/>
+                    <a:lstStyle/>
+                    <a:p>
+                      <a:r>
+                        <a:rPr lang="fr-FR" dirty="0" smtClean="0"/>
+                        <a:t>Aphasie </a:t>
+                      </a:r>
+                      <a:endParaRPr lang="fr-FR" dirty="0"/>
+                    </a:p>
+                  </a:txBody>
+                  <a:tcPr marL="83838" marR="83838"/>
+                </a:tc>
+                <a:tc>
+                  <a:txBody>
+                    <a:bodyPr/>
+                    <a:lstStyle/>
+                    <a:p>
+                      <a:r>
+                        <a:rPr lang="fr-FR" dirty="0" smtClean="0"/>
+                        <a:t>1</a:t>
+                      </a:r>
+                      <a:endParaRPr lang="fr-FR" dirty="0"/>
+                    </a:p>
+                  </a:txBody>
+                  <a:tcPr marL="83838" marR="83838"/>
+                </a:tc>
+                <a:tc>
+                  <a:txBody>
+                    <a:bodyPr/>
+                    <a:lstStyle/>
+                    <a:p>
+                      <a:r>
+                        <a:rPr lang="fr-FR" dirty="0" smtClean="0"/>
+                        <a:t>Perte de parole</a:t>
+                      </a:r>
+                      <a:endParaRPr lang="fr-FR" dirty="0"/>
+                    </a:p>
+                  </a:txBody>
+                  <a:tcPr marL="83838" marR="83838"/>
+                </a:tc>
+              </a:tr>
+              <a:tr h="332394">
+                <a:tc>
+                  <a:txBody>
+                    <a:bodyPr/>
+                    <a:lstStyle/>
+                    <a:p>
+                      <a:r>
+                        <a:rPr lang="fr-FR" dirty="0" smtClean="0"/>
+                        <a:t>Surdité</a:t>
+                      </a:r>
+                      <a:endParaRPr lang="fr-FR" dirty="0"/>
+                    </a:p>
+                  </a:txBody>
+                  <a:tcPr marL="83838" marR="83838"/>
+                </a:tc>
+                <a:tc>
+                  <a:txBody>
+                    <a:bodyPr/>
+                    <a:lstStyle/>
+                    <a:p>
+                      <a:r>
+                        <a:rPr lang="fr-FR" dirty="0" smtClean="0"/>
+                        <a:t>2</a:t>
+                      </a:r>
+                      <a:endParaRPr lang="fr-FR" dirty="0"/>
+                    </a:p>
+                  </a:txBody>
+                  <a:tcPr marL="83838" marR="83838"/>
+                </a:tc>
+                <a:tc>
+                  <a:txBody>
+                    <a:bodyPr/>
+                    <a:lstStyle/>
+                    <a:p>
+                      <a:r>
+                        <a:rPr lang="fr-FR" dirty="0" smtClean="0"/>
+                        <a:t>Perte d’audition</a:t>
+                      </a:r>
+                      <a:endParaRPr lang="fr-FR" dirty="0"/>
+                    </a:p>
+                  </a:txBody>
+                  <a:tcPr marL="83838" marR="83838"/>
+                </a:tc>
+              </a:tr>
+              <a:tr h="332394">
+                <a:tc>
+                  <a:txBody>
+                    <a:bodyPr/>
+                    <a:lstStyle/>
+                    <a:p>
+                      <a:r>
+                        <a:rPr lang="fr-FR" dirty="0" smtClean="0"/>
+                        <a:t>Cécité </a:t>
+                      </a:r>
+                      <a:endParaRPr lang="fr-FR" dirty="0"/>
+                    </a:p>
+                  </a:txBody>
+                  <a:tcPr marL="83838" marR="83838"/>
+                </a:tc>
+                <a:tc>
+                  <a:txBody>
+                    <a:bodyPr/>
+                    <a:lstStyle/>
+                    <a:p>
+                      <a:r>
+                        <a:rPr lang="fr-FR" dirty="0" smtClean="0"/>
+                        <a:t>3</a:t>
+                      </a:r>
+                      <a:endParaRPr lang="fr-FR" dirty="0"/>
+                    </a:p>
+                  </a:txBody>
+                  <a:tcPr marL="83838" marR="83838"/>
+                </a:tc>
+                <a:tc>
+                  <a:txBody>
+                    <a:bodyPr/>
+                    <a:lstStyle/>
+                    <a:p>
+                      <a:r>
+                        <a:rPr lang="fr-FR" dirty="0" smtClean="0"/>
+                        <a:t>Perte de vue</a:t>
+                      </a:r>
+                      <a:endParaRPr lang="fr-FR" dirty="0"/>
+                    </a:p>
+                  </a:txBody>
+                  <a:tcPr marL="83838" marR="83838"/>
+                </a:tc>
+              </a:tr>
+              <a:tr h="332394">
+                <a:tc>
+                  <a:txBody>
+                    <a:bodyPr/>
+                    <a:lstStyle/>
+                    <a:p>
+                      <a:r>
+                        <a:rPr lang="fr-FR" b="0" dirty="0" smtClean="0"/>
+                        <a:t>Anesthésie   </a:t>
+                      </a:r>
+                      <a:endParaRPr lang="fr-FR" b="0" dirty="0"/>
+                    </a:p>
+                  </a:txBody>
+                  <a:tcPr marL="83838" marR="83838"/>
+                </a:tc>
+                <a:tc>
+                  <a:txBody>
+                    <a:bodyPr/>
+                    <a:lstStyle/>
+                    <a:p>
+                      <a:r>
+                        <a:rPr lang="fr-FR" dirty="0" smtClean="0"/>
+                        <a:t>4</a:t>
+                      </a:r>
+                      <a:endParaRPr lang="fr-FR" dirty="0"/>
+                    </a:p>
+                  </a:txBody>
+                  <a:tcPr marL="83838" marR="83838"/>
+                </a:tc>
+                <a:tc>
+                  <a:txBody>
+                    <a:bodyPr/>
+                    <a:lstStyle/>
+                    <a:p>
+                      <a:r>
+                        <a:rPr lang="fr-FR" dirty="0" smtClean="0"/>
+                        <a:t>Perte de toucher</a:t>
+                      </a:r>
+                      <a:endParaRPr lang="fr-FR" dirty="0"/>
+                    </a:p>
+                  </a:txBody>
+                  <a:tcPr marL="83838" marR="83838"/>
+                </a:tc>
+              </a:tr>
+              <a:tr h="332394">
+                <a:tc>
+                  <a:txBody>
+                    <a:bodyPr/>
+                    <a:lstStyle/>
+                    <a:p>
+                      <a:r>
+                        <a:rPr lang="fr-FR" dirty="0" smtClean="0"/>
+                        <a:t>Agueusie</a:t>
+                      </a:r>
+                      <a:endParaRPr lang="fr-FR" dirty="0"/>
+                    </a:p>
+                  </a:txBody>
+                  <a:tcPr marL="83838" marR="83838"/>
+                </a:tc>
+                <a:tc>
+                  <a:txBody>
+                    <a:bodyPr/>
+                    <a:lstStyle/>
+                    <a:p>
+                      <a:r>
+                        <a:rPr lang="fr-FR" dirty="0" smtClean="0"/>
+                        <a:t>5</a:t>
+                      </a:r>
+                      <a:endParaRPr lang="fr-FR" dirty="0"/>
+                    </a:p>
+                  </a:txBody>
+                  <a:tcPr marL="83838" marR="83838"/>
+                </a:tc>
+                <a:tc>
+                  <a:txBody>
+                    <a:bodyPr/>
+                    <a:lstStyle/>
+                    <a:p>
+                      <a:r>
+                        <a:rPr lang="fr-FR" dirty="0" smtClean="0"/>
+                        <a:t>Perte de gout</a:t>
+                      </a:r>
+                      <a:endParaRPr lang="fr-FR" dirty="0"/>
+                    </a:p>
+                  </a:txBody>
+                  <a:tcPr marL="83838" marR="83838"/>
+                </a:tc>
+              </a:tr>
+              <a:tr h="332394">
+                <a:tc>
+                  <a:txBody>
+                    <a:bodyPr/>
+                    <a:lstStyle/>
+                    <a:p>
+                      <a:r>
+                        <a:rPr lang="fr-FR" dirty="0" smtClean="0"/>
+                        <a:t>Dualité</a:t>
+                      </a:r>
+                      <a:endParaRPr lang="fr-FR" dirty="0"/>
+                    </a:p>
+                  </a:txBody>
+                  <a:tcPr marL="83838" marR="83838"/>
+                </a:tc>
+                <a:tc>
+                  <a:txBody>
+                    <a:bodyPr/>
+                    <a:lstStyle/>
+                    <a:p>
+                      <a:r>
+                        <a:rPr lang="fr-FR" dirty="0" smtClean="0"/>
+                        <a:t>6</a:t>
+                      </a:r>
+                      <a:endParaRPr lang="fr-FR" dirty="0"/>
+                    </a:p>
+                  </a:txBody>
+                  <a:tcPr marL="83838" marR="83838"/>
+                </a:tc>
+                <a:tc>
+                  <a:txBody>
+                    <a:bodyPr/>
+                    <a:lstStyle/>
+                    <a:p>
+                      <a:r>
+                        <a:rPr lang="fr-FR" dirty="0" smtClean="0"/>
+                        <a:t>Double</a:t>
+                      </a:r>
+                      <a:r>
+                        <a:rPr lang="fr-FR" baseline="0" dirty="0" smtClean="0"/>
+                        <a:t> personnalité</a:t>
+                      </a:r>
+                      <a:endParaRPr lang="fr-FR" dirty="0"/>
+                    </a:p>
+                  </a:txBody>
+                  <a:tcPr marL="83838" marR="83838"/>
+                </a:tc>
+              </a:tr>
+            </a:tbl>
+          </a:graphicData>
+        </a:graphic>
+      </p:graphicFrame>
+    </p:spTree>
+    <p:extLst>
+      <p:ext uri="{BB962C8B-B14F-4D97-AF65-F5344CB8AC3E}">
+        <p14:creationId xmlns:p14="http://schemas.microsoft.com/office/powerpoint/2010/main" val="1687029002"/>
+      </p:ext>
+    </p:extLst>
+  </p:cSld>
+  <p:clrMapOvr>
+    <a:masterClrMapping/>
+  </p:clrMapOvr>
+  <p:timing>
+    <p:tnLst>
+      <p:par>
+        <p:cTn id="1" dur="indefinite" restart="never" nodeType="tmRoot"/>
+      </p:par>
+    </p:tnLst>
+  </p:timing>
+</p:sld>
+</file>
+
+<file path=ppt/slides/slide5.xml><?xml version="1.0" encoding="utf-8"?>
+<p:sld xmlns:a="http://schemas.openxmlformats.org/drawingml/2006/main" xmlns:r="http://schemas.openxmlformats.org/officeDocument/2006/relationships" xmlns:p="http://schemas.openxmlformats.org/presentationml/2006/main">
+  <p:cSld>
+    <p:spTree>
+      <p:nvGrpSpPr>
+        <p:cNvPr id="1" name=""/>
+        <p:cNvGrpSpPr/>
+        <p:nvPr/>
+      </p:nvGrpSpPr>
+      <p:grpSpPr>
+        <a:xfrm>
+          <a:off x="0" y="0"/>
+          <a:ext cx="0" cy="0"/>
+          <a:chOff x="0" y="0"/>
+          <a:chExt cx="0" cy="0"/>
+        </a:xfrm>
+      </p:grpSpPr>
+      <p:sp>
+        <p:nvSpPr>
           <p:cNvPr id="2" name="Titre 1"/>
           <p:cNvSpPr>
             <a:spLocks noGrp="1"/>
@@ -16081,7 +17171,12 @@
             <p:ph sz="half" idx="1"/>
           </p:nvPr>
         </p:nvSpPr>
-        <p:spPr/>
+        <p:spPr>
+          <a:xfrm>
+            <a:off x="1097279" y="1845734"/>
+            <a:ext cx="4869412" cy="4023360"/>
+          </a:xfrm>
+        </p:spPr>
         <p:txBody>
           <a:bodyPr>
             <a:normAutofit/>
@@ -16301,15 +17396,7 @@
                       </a:r>
                       <a:r>
                         <a:rPr lang="fr-FR" sz="1600" baseline="0" dirty="0" smtClean="0"/>
-                        <a:t> en assénant des coups </a:t>
-                      </a:r>
-                      <a:r>
-                        <a:rPr lang="fr-FR" sz="1600" baseline="0" dirty="0" smtClean="0"/>
-                        <a:t>rapides aux </a:t>
-                      </a:r>
-                      <a:r>
-                        <a:rPr lang="fr-FR" sz="1600" baseline="0" dirty="0" smtClean="0"/>
-                        <a:t>ennemis</a:t>
+                        <a:t> en assénant des coups rapides aux ennemis</a:t>
                       </a:r>
                       <a:endParaRPr lang="fr-FR" sz="1600" dirty="0"/>
                     </a:p>
@@ -16378,10 +17465,6 @@
                       <a:r>
                         <a:rPr lang="fr-FR" sz="1600" dirty="0" smtClean="0"/>
                         <a:t> </a:t>
-                      </a:r>
-                      <a:r>
-                        <a:rPr lang="fr-FR" sz="1600" dirty="0" smtClean="0"/>
-                        <a:t/>
                       </a:r>
                       <a:br>
                         <a:rPr lang="fr-FR" sz="1600" dirty="0" smtClean="0"/>
@@ -16421,7 +17504,7 @@
 </p:sld>
 </file>
 
-<file path=ppt/slides/slide5.xml><?xml version="1.0" encoding="utf-8"?>
+<file path=ppt/slides/slide6.xml><?xml version="1.0" encoding="utf-8"?>
 <p:sld xmlns:a="http://schemas.openxmlformats.org/drawingml/2006/main" xmlns:r="http://schemas.openxmlformats.org/officeDocument/2006/relationships" xmlns:p="http://schemas.openxmlformats.org/presentationml/2006/main">
   <p:cSld>
     <p:spTree>
@@ -16471,7 +17554,12 @@
             <p:ph sz="half" idx="1"/>
           </p:nvPr>
         </p:nvSpPr>
-        <p:spPr/>
+        <p:spPr>
+          <a:xfrm>
+            <a:off x="1097279" y="1845734"/>
+            <a:ext cx="4869412" cy="4023360"/>
+          </a:xfrm>
+        </p:spPr>
         <p:txBody>
           <a:bodyPr>
             <a:normAutofit/>
@@ -16710,503 +17798,6 @@
     <p:extLst>
       <p:ext uri="{BB962C8B-B14F-4D97-AF65-F5344CB8AC3E}">
         <p14:creationId xmlns:p14="http://schemas.microsoft.com/office/powerpoint/2010/main" val="3000812947"/>
-      </p:ext>
-    </p:extLst>
-  </p:cSld>
-  <p:clrMapOvr>
-    <a:masterClrMapping/>
-  </p:clrMapOvr>
-  <p:timing>
-    <p:tnLst>
-      <p:par>
-        <p:cTn id="1" dur="indefinite" restart="never" nodeType="tmRoot"/>
-      </p:par>
-    </p:tnLst>
-  </p:timing>
-</p:sld>
-</file>
-
-<file path=ppt/slides/slide6.xml><?xml version="1.0" encoding="utf-8"?>
-<p:sld xmlns:a="http://schemas.openxmlformats.org/drawingml/2006/main" xmlns:r="http://schemas.openxmlformats.org/officeDocument/2006/relationships" xmlns:p="http://schemas.openxmlformats.org/presentationml/2006/main">
-  <p:cSld>
-    <p:spTree>
-      <p:nvGrpSpPr>
-        <p:cNvPr id="1" name=""/>
-        <p:cNvGrpSpPr/>
-        <p:nvPr/>
-      </p:nvGrpSpPr>
-      <p:grpSpPr>
-        <a:xfrm>
-          <a:off x="0" y="0"/>
-          <a:ext cx="0" cy="0"/>
-          <a:chOff x="0" y="0"/>
-          <a:chExt cx="0" cy="0"/>
-        </a:xfrm>
-      </p:grpSpPr>
-      <p:sp>
-        <p:nvSpPr>
-          <p:cNvPr id="4" name="Titre 3"/>
-          <p:cNvSpPr>
-            <a:spLocks noGrp="1"/>
-          </p:cNvSpPr>
-          <p:nvPr>
-            <p:ph type="title"/>
-          </p:nvPr>
-        </p:nvSpPr>
-        <p:spPr/>
-        <p:txBody>
-          <a:bodyPr/>
-          <a:lstStyle/>
-          <a:p>
-            <a:r>
-              <a:rPr lang="fr-FR" dirty="0" smtClean="0"/>
-              <a:t>Equipements </a:t>
-            </a:r>
-            <a:endParaRPr lang="fr-FR" dirty="0"/>
-          </a:p>
-        </p:txBody>
-      </p:sp>
-      <p:sp>
-        <p:nvSpPr>
-          <p:cNvPr id="5" name="Espace réservé du contenu 4"/>
-          <p:cNvSpPr>
-            <a:spLocks noGrp="1"/>
-          </p:cNvSpPr>
-          <p:nvPr>
-            <p:ph sz="half" idx="1"/>
-          </p:nvPr>
-        </p:nvSpPr>
-        <p:spPr/>
-        <p:txBody>
-          <a:bodyPr/>
-          <a:lstStyle/>
-          <a:p>
-            <a:r>
-              <a:rPr lang="fr-FR" sz="2400" dirty="0" smtClean="0"/>
-              <a:t>Présence d’armes uniquement,</a:t>
-            </a:r>
-            <a:br>
-              <a:rPr lang="fr-FR" sz="2400" dirty="0" smtClean="0"/>
-            </a:br>
-            <a:r>
-              <a:rPr lang="fr-FR" sz="2400" dirty="0" smtClean="0"/>
-              <a:t>Absence d’armure et autres équipements.</a:t>
-            </a:r>
-          </a:p>
-          <a:p>
-            <a:r>
-              <a:rPr lang="fr-FR" sz="2400" dirty="0" smtClean="0"/>
-              <a:t>Les armes possèdent des statistiques qui donne des bonus au joueur.</a:t>
-            </a:r>
-          </a:p>
-          <a:p>
-            <a:r>
-              <a:rPr lang="fr-FR" sz="2400" dirty="0" smtClean="0"/>
-              <a:t>Chaque joueur peux manier deux armes au maximum </a:t>
-            </a:r>
-            <a:br>
-              <a:rPr lang="fr-FR" sz="2400" dirty="0" smtClean="0"/>
-            </a:br>
-            <a:r>
-              <a:rPr lang="fr-FR" sz="2400" dirty="0" smtClean="0"/>
-              <a:t>(Un bonus à la fois)</a:t>
-            </a:r>
-            <a:endParaRPr lang="fr-FR" dirty="0"/>
-          </a:p>
-        </p:txBody>
-      </p:sp>
-      <p:graphicFrame>
-        <p:nvGraphicFramePr>
-          <p:cNvPr id="9" name="Espace réservé du contenu 8"/>
-          <p:cNvGraphicFramePr>
-            <a:graphicFrameLocks noGrp="1"/>
-          </p:cNvGraphicFramePr>
-          <p:nvPr>
-            <p:ph sz="half" idx="2"/>
-            <p:extLst>
-              <p:ext uri="{D42A27DB-BD31-4B8C-83A1-F6EECF244321}">
-                <p14:modId xmlns:p14="http://schemas.microsoft.com/office/powerpoint/2010/main" val="533678581"/>
-              </p:ext>
-            </p:extLst>
-          </p:nvPr>
-        </p:nvGraphicFramePr>
-        <p:xfrm>
-          <a:off x="6035036" y="1846263"/>
-          <a:ext cx="5662980" cy="2983230"/>
-        </p:xfrm>
-        <a:graphic>
-          <a:graphicData uri="http://schemas.openxmlformats.org/drawingml/2006/table">
-            <a:tbl>
-              <a:tblPr firstRow="1" bandRow="1">
-                <a:tableStyleId>{5C22544A-7EE6-4342-B048-85BDC9FD1C3A}</a:tableStyleId>
-              </a:tblPr>
-              <a:tblGrid>
-                <a:gridCol w="1415745"/>
-                <a:gridCol w="1415745"/>
-                <a:gridCol w="1415745"/>
-                <a:gridCol w="1415745"/>
-              </a:tblGrid>
-              <a:tr h="666750">
-                <a:tc>
-                  <a:txBody>
-                    <a:bodyPr/>
-                    <a:lstStyle/>
-                    <a:p>
-                      <a:r>
-                        <a:rPr lang="fr-FR" sz="1600" dirty="0" smtClean="0"/>
-                        <a:t>Catégories</a:t>
-                      </a:r>
-                      <a:endParaRPr lang="fr-FR" sz="1600" dirty="0"/>
-                    </a:p>
-                  </a:txBody>
-                  <a:tcPr marL="83838" marR="83838"/>
-                </a:tc>
-                <a:tc>
-                  <a:txBody>
-                    <a:bodyPr/>
-                    <a:lstStyle/>
-                    <a:p>
-                      <a:r>
-                        <a:rPr lang="fr-FR" sz="1600" dirty="0" smtClean="0"/>
-                        <a:t>Physique</a:t>
-                      </a:r>
-                      <a:endParaRPr lang="fr-FR" sz="1600" dirty="0"/>
-                    </a:p>
-                  </a:txBody>
-                  <a:tcPr marL="83838" marR="83838"/>
-                </a:tc>
-                <a:tc>
-                  <a:txBody>
-                    <a:bodyPr/>
-                    <a:lstStyle/>
-                    <a:p>
-                      <a:r>
-                        <a:rPr lang="fr-FR" sz="1600" dirty="0" smtClean="0"/>
-                        <a:t>Sort (Magique)</a:t>
-                      </a:r>
-                    </a:p>
-                  </a:txBody>
-                  <a:tcPr marL="83838" marR="83838"/>
-                </a:tc>
-                <a:tc>
-                  <a:txBody>
-                    <a:bodyPr/>
-                    <a:lstStyle/>
-                    <a:p>
-                      <a:r>
-                        <a:rPr lang="fr-FR" sz="1600" dirty="0" smtClean="0"/>
-                        <a:t>Action</a:t>
-                      </a:r>
-                      <a:endParaRPr lang="fr-FR" sz="1600" dirty="0"/>
-                    </a:p>
-                  </a:txBody>
-                  <a:tcPr marL="83838" marR="83838"/>
-                </a:tc>
-              </a:tr>
-              <a:tr h="370840">
-                <a:tc>
-                  <a:txBody>
-                    <a:bodyPr/>
-                    <a:lstStyle/>
-                    <a:p>
-                      <a:r>
-                        <a:rPr lang="fr-FR" sz="1600" dirty="0" smtClean="0"/>
-                        <a:t>Combattant</a:t>
-                      </a:r>
-                      <a:br>
-                        <a:rPr lang="fr-FR" sz="1600" dirty="0" smtClean="0"/>
-                      </a:br>
-                      <a:r>
-                        <a:rPr lang="fr-FR" sz="1600" dirty="0" err="1" smtClean="0"/>
-                        <a:t>CàC</a:t>
-                      </a:r>
-                      <a:endParaRPr lang="fr-FR" sz="1600" dirty="0"/>
-                    </a:p>
-                  </a:txBody>
-                  <a:tcPr marL="83838" marR="83838"/>
-                </a:tc>
-                <a:tc>
-                  <a:txBody>
-                    <a:bodyPr/>
-                    <a:lstStyle/>
-                    <a:p>
-                      <a:r>
-                        <a:rPr lang="fr-FR" sz="1600" dirty="0" smtClean="0"/>
-                        <a:t>Epée Légère</a:t>
-                      </a:r>
-                      <a:br>
-                        <a:rPr lang="fr-FR" sz="1600" dirty="0" smtClean="0"/>
-                      </a:br>
-                      <a:r>
-                        <a:rPr lang="fr-FR" sz="1600" dirty="0" smtClean="0"/>
-                        <a:t>Hache</a:t>
-                      </a:r>
-                      <a:endParaRPr lang="fr-FR" sz="1600" dirty="0"/>
-                    </a:p>
-                  </a:txBody>
-                  <a:tcPr marL="83838" marR="83838"/>
-                </a:tc>
-                <a:tc>
-                  <a:txBody>
-                    <a:bodyPr/>
-                    <a:lstStyle/>
-                    <a:p>
-                      <a:r>
-                        <a:rPr lang="fr-FR" sz="1600" dirty="0" smtClean="0"/>
-                        <a:t>Feu</a:t>
-                      </a:r>
-                      <a:r>
-                        <a:rPr lang="fr-FR" sz="1600" baseline="0" dirty="0" smtClean="0"/>
-                        <a:t> </a:t>
-                      </a:r>
-                      <a:endParaRPr lang="fr-FR" sz="1600" dirty="0"/>
-                    </a:p>
-                  </a:txBody>
-                  <a:tcPr marL="83838" marR="83838"/>
-                </a:tc>
-                <a:tc>
-                  <a:txBody>
-                    <a:bodyPr/>
-                    <a:lstStyle/>
-                    <a:p>
-                      <a:r>
-                        <a:rPr lang="fr-FR" sz="1600" dirty="0" smtClean="0"/>
-                        <a:t>Enchainement</a:t>
-                      </a:r>
-                      <a:endParaRPr lang="fr-FR" sz="1600" dirty="0"/>
-                    </a:p>
-                  </a:txBody>
-                  <a:tcPr marL="83838" marR="83838"/>
-                </a:tc>
-              </a:tr>
-              <a:tr h="370840">
-                <a:tc>
-                  <a:txBody>
-                    <a:bodyPr/>
-                    <a:lstStyle/>
-                    <a:p>
-                      <a:r>
-                        <a:rPr lang="fr-FR" sz="1600" dirty="0" smtClean="0"/>
-                        <a:t>Défenseur</a:t>
-                      </a:r>
-                      <a:br>
-                        <a:rPr lang="fr-FR" sz="1600" dirty="0" smtClean="0"/>
-                      </a:br>
-                      <a:r>
-                        <a:rPr lang="fr-FR" sz="1600" dirty="0" err="1" smtClean="0"/>
-                        <a:t>Càc</a:t>
-                      </a:r>
-                      <a:endParaRPr lang="fr-FR" sz="1600" dirty="0"/>
-                    </a:p>
-                  </a:txBody>
-                  <a:tcPr marL="83838" marR="83838"/>
-                </a:tc>
-                <a:tc>
-                  <a:txBody>
-                    <a:bodyPr/>
-                    <a:lstStyle/>
-                    <a:p>
-                      <a:r>
-                        <a:rPr lang="fr-FR" sz="1600" dirty="0" smtClean="0"/>
-                        <a:t>Epée Lourde</a:t>
-                      </a:r>
-                      <a:br>
-                        <a:rPr lang="fr-FR" sz="1600" dirty="0" smtClean="0"/>
-                      </a:br>
-                      <a:r>
-                        <a:rPr lang="fr-FR" sz="1600" dirty="0" smtClean="0"/>
-                        <a:t>Bouclier</a:t>
-                      </a:r>
-                      <a:endParaRPr lang="fr-FR" sz="1600" dirty="0"/>
-                    </a:p>
-                  </a:txBody>
-                  <a:tcPr marL="83838" marR="83838"/>
-                </a:tc>
-                <a:tc>
-                  <a:txBody>
-                    <a:bodyPr/>
-                    <a:lstStyle/>
-                    <a:p>
-                      <a:r>
-                        <a:rPr lang="fr-FR" sz="1600" dirty="0" smtClean="0"/>
-                        <a:t>Gel</a:t>
-                      </a:r>
-                      <a:endParaRPr lang="fr-FR" sz="1600" dirty="0"/>
-                    </a:p>
-                  </a:txBody>
-                  <a:tcPr marL="83838" marR="83838"/>
-                </a:tc>
-                <a:tc>
-                  <a:txBody>
-                    <a:bodyPr/>
-                    <a:lstStyle/>
-                    <a:p>
-                      <a:r>
-                        <a:rPr lang="fr-FR" sz="1600" dirty="0" smtClean="0"/>
-                        <a:t>Blocus</a:t>
-                      </a:r>
-                      <a:endParaRPr lang="fr-FR" sz="1600" dirty="0"/>
-                    </a:p>
-                  </a:txBody>
-                  <a:tcPr marL="83838" marR="83838"/>
-                </a:tc>
-              </a:tr>
-              <a:tr h="370840">
-                <a:tc>
-                  <a:txBody>
-                    <a:bodyPr/>
-                    <a:lstStyle/>
-                    <a:p>
-                      <a:r>
-                        <a:rPr lang="fr-FR" sz="1600" dirty="0" smtClean="0"/>
-                        <a:t>Combattant</a:t>
-                      </a:r>
-                      <a:br>
-                        <a:rPr lang="fr-FR" sz="1600" dirty="0" smtClean="0"/>
-                      </a:br>
-                      <a:r>
-                        <a:rPr lang="fr-FR" sz="1600" dirty="0" smtClean="0"/>
-                        <a:t>distance</a:t>
-                      </a:r>
-                      <a:endParaRPr lang="fr-FR" sz="1600" dirty="0"/>
-                    </a:p>
-                  </a:txBody>
-                  <a:tcPr marL="83838" marR="83838"/>
-                </a:tc>
-                <a:tc>
-                  <a:txBody>
-                    <a:bodyPr/>
-                    <a:lstStyle/>
-                    <a:p>
-                      <a:r>
-                        <a:rPr lang="fr-FR" sz="1600" dirty="0" smtClean="0"/>
-                        <a:t>Arc</a:t>
-                      </a:r>
-                      <a:br>
-                        <a:rPr lang="fr-FR" sz="1600" dirty="0" smtClean="0"/>
-                      </a:br>
-                      <a:r>
-                        <a:rPr lang="fr-FR" sz="1600" dirty="0" smtClean="0"/>
-                        <a:t>Piège</a:t>
-                      </a:r>
-                      <a:endParaRPr lang="fr-FR" sz="1600" dirty="0"/>
-                    </a:p>
-                  </a:txBody>
-                  <a:tcPr marL="83838" marR="83838"/>
-                </a:tc>
-                <a:tc>
-                  <a:txBody>
-                    <a:bodyPr/>
-                    <a:lstStyle/>
-                    <a:p>
-                      <a:r>
-                        <a:rPr lang="fr-FR" sz="1600" dirty="0" smtClean="0"/>
-                        <a:t>Poison</a:t>
-                      </a:r>
-                      <a:endParaRPr lang="fr-FR" sz="1600" dirty="0"/>
-                    </a:p>
-                  </a:txBody>
-                  <a:tcPr marL="83838" marR="83838"/>
-                </a:tc>
-                <a:tc>
-                  <a:txBody>
-                    <a:bodyPr/>
-                    <a:lstStyle/>
-                    <a:p>
-                      <a:r>
-                        <a:rPr lang="fr-FR" sz="1600" dirty="0" smtClean="0"/>
-                        <a:t>Pluie de coups</a:t>
-                      </a:r>
-                      <a:endParaRPr lang="fr-FR" sz="1600" dirty="0"/>
-                    </a:p>
-                  </a:txBody>
-                  <a:tcPr marL="83838" marR="83838"/>
-                </a:tc>
-              </a:tr>
-              <a:tr h="370840">
-                <a:tc>
-                  <a:txBody>
-                    <a:bodyPr/>
-                    <a:lstStyle/>
-                    <a:p>
-                      <a:r>
-                        <a:rPr lang="fr-FR" sz="1600" dirty="0" smtClean="0"/>
-                        <a:t>Défenseur </a:t>
-                      </a:r>
-                      <a:br>
-                        <a:rPr lang="fr-FR" sz="1600" dirty="0" smtClean="0"/>
-                      </a:br>
-                      <a:r>
-                        <a:rPr lang="fr-FR" sz="1600" dirty="0" smtClean="0"/>
-                        <a:t>distance</a:t>
-                      </a:r>
-                      <a:endParaRPr lang="fr-FR" sz="1600" dirty="0"/>
-                    </a:p>
-                  </a:txBody>
-                  <a:tcPr marL="83838" marR="83838"/>
-                </a:tc>
-                <a:tc>
-                  <a:txBody>
-                    <a:bodyPr/>
-                    <a:lstStyle/>
-                    <a:p>
-                      <a:r>
-                        <a:rPr lang="fr-FR" sz="1600" dirty="0" smtClean="0"/>
-                        <a:t>Piège</a:t>
-                      </a:r>
-                      <a:br>
-                        <a:rPr lang="fr-FR" sz="1600" dirty="0" smtClean="0"/>
-                      </a:br>
-                      <a:r>
-                        <a:rPr lang="fr-FR" sz="1600" dirty="0" smtClean="0"/>
-                        <a:t>Bombe</a:t>
-                      </a:r>
-                      <a:endParaRPr lang="fr-FR" sz="1600" dirty="0"/>
-                    </a:p>
-                  </a:txBody>
-                  <a:tcPr marL="83838" marR="83838"/>
-                </a:tc>
-                <a:tc>
-                  <a:txBody>
-                    <a:bodyPr/>
-                    <a:lstStyle/>
-                    <a:p>
-                      <a:r>
-                        <a:rPr lang="fr-FR" sz="1600" dirty="0" smtClean="0"/>
-                        <a:t>Electrique</a:t>
-                      </a:r>
-                      <a:endParaRPr lang="fr-FR" sz="1600" dirty="0"/>
-                    </a:p>
-                  </a:txBody>
-                  <a:tcPr marL="83838" marR="83838"/>
-                </a:tc>
-                <a:tc>
-                  <a:txBody>
-                    <a:bodyPr/>
-                    <a:lstStyle/>
-                    <a:p>
-                      <a:r>
-                        <a:rPr lang="fr-FR" sz="1600" dirty="0" smtClean="0"/>
-                        <a:t>Avancée</a:t>
-                      </a:r>
-                      <a:r>
-                        <a:rPr lang="fr-FR" sz="1600" baseline="0" dirty="0" smtClean="0"/>
-                        <a:t> Tactique</a:t>
-                      </a:r>
-                      <a:endParaRPr lang="fr-FR" sz="1600" dirty="0"/>
-                    </a:p>
-                  </a:txBody>
-                  <a:tcPr marL="83838" marR="83838"/>
-                </a:tc>
-              </a:tr>
-            </a:tbl>
-          </a:graphicData>
-        </a:graphic>
-      </p:graphicFrame>
-    </p:spTree>
-    <p:extLst>
-      <p:ext uri="{BB962C8B-B14F-4D97-AF65-F5344CB8AC3E}">
-        <p14:creationId xmlns:p14="http://schemas.microsoft.com/office/powerpoint/2010/main" val="208732356"/>
       </p:ext>
     </p:extLst>
   </p:cSld>
@@ -17256,8 +17847,8 @@
           <a:lstStyle/>
           <a:p>
             <a:r>
-              <a:rPr lang="fr-FR" dirty="0" err="1" smtClean="0"/>
-              <a:t>Xendera</a:t>
+              <a:rPr lang="fr-FR" dirty="0" smtClean="0"/>
+              <a:t>Equipements </a:t>
             </a:r>
             <a:endParaRPr lang="fr-FR" dirty="0"/>
           </a:p>
@@ -17273,34 +17864,45 @@
             <p:ph sz="half" idx="1"/>
           </p:nvPr>
         </p:nvSpPr>
-        <p:spPr/>
+        <p:spPr>
+          <a:xfrm>
+            <a:off x="1097279" y="1845734"/>
+            <a:ext cx="4869412" cy="4023360"/>
+          </a:xfrm>
+        </p:spPr>
         <p:txBody>
           <a:bodyPr/>
           <a:lstStyle/>
           <a:p>
             <a:r>
-              <a:rPr lang="fr-FR" dirty="0" smtClean="0"/>
-              <a:t>Autrefois </a:t>
-            </a:r>
-            <a:r>
-              <a:rPr lang="fr-FR" dirty="0"/>
-              <a:t>appelé Paradis par les </a:t>
-            </a:r>
-            <a:r>
-              <a:rPr lang="fr-FR" dirty="0" smtClean="0"/>
-              <a:t>vivants, ce monde correspond maintenant a l’enfer.</a:t>
-            </a:r>
-          </a:p>
-          <a:p>
-            <a:r>
-              <a:rPr lang="fr-FR" dirty="0" smtClean="0"/>
-              <a:t>Ce monde est peuple de Damnes, d’ancien humains morts. Ces derniers formes une nouvelle civilisation, immortels, et stériles, la population ne grandit qu’a la mort d’un humain.</a:t>
-            </a:r>
-          </a:p>
-          <a:p>
-            <a:r>
-              <a:rPr lang="fr-FR" dirty="0" smtClean="0"/>
-              <a:t>Malgré de nombreuses expéditions et des explorations continues, ce monde n’a pas encore de fin.</a:t>
+              <a:rPr lang="fr-FR" sz="2400" dirty="0" smtClean="0"/>
+              <a:t>Présence d’armes uniquement,</a:t>
+            </a:r>
+            <a:br>
+              <a:rPr lang="fr-FR" sz="2400" dirty="0" smtClean="0"/>
+            </a:br>
+            <a:r>
+              <a:rPr lang="fr-FR" sz="2400" dirty="0" smtClean="0"/>
+              <a:t>Absence d’armure et autres équipements.</a:t>
+            </a:r>
+          </a:p>
+          <a:p>
+            <a:r>
+              <a:rPr lang="fr-FR" sz="2400" dirty="0" smtClean="0"/>
+              <a:t>Les armes possèdent des statistiques qui donne des bonus au joueur.</a:t>
+            </a:r>
+          </a:p>
+          <a:p>
+            <a:r>
+              <a:rPr lang="fr-FR" sz="2400" dirty="0" smtClean="0"/>
+              <a:t>Chaque joueur peux manier deux armes au maximum </a:t>
+            </a:r>
+            <a:br>
+              <a:rPr lang="fr-FR" sz="2400" dirty="0" smtClean="0"/>
+            </a:br>
+            <a:r>
+              <a:rPr lang="fr-FR" sz="2400" dirty="0" smtClean="0"/>
+              <a:t>(Un bonus à la fois)</a:t>
             </a:r>
             <a:endParaRPr lang="fr-FR" dirty="0"/>
           </a:p>
@@ -17316,14 +17918,14 @@
             <p:ph sz="half" idx="2"/>
             <p:extLst>
               <p:ext uri="{D42A27DB-BD31-4B8C-83A1-F6EECF244321}">
-                <p14:modId xmlns:p14="http://schemas.microsoft.com/office/powerpoint/2010/main" val="4124054532"/>
+                <p14:modId xmlns:p14="http://schemas.microsoft.com/office/powerpoint/2010/main" val="533678581"/>
               </p:ext>
             </p:extLst>
           </p:nvPr>
         </p:nvGraphicFramePr>
         <p:xfrm>
-          <a:off x="6035038" y="1846263"/>
-          <a:ext cx="3655716" cy="1844588"/>
+          <a:off x="6035036" y="1846263"/>
+          <a:ext cx="5662980" cy="2983230"/>
         </p:xfrm>
         <a:graphic>
           <a:graphicData uri="http://schemas.openxmlformats.org/drawingml/2006/table">
@@ -17332,10 +17934,12 @@
                 <a:tableStyleId>{5C22544A-7EE6-4342-B048-85BDC9FD1C3A}</a:tableStyleId>
               </a:tblPr>
               <a:tblGrid>
-                <a:gridCol w="1827858"/>
-                <a:gridCol w="1827858"/>
+                <a:gridCol w="1415745"/>
+                <a:gridCol w="1415745"/>
+                <a:gridCol w="1415745"/>
+                <a:gridCol w="1415745"/>
               </a:tblGrid>
-              <a:tr h="361228">
+              <a:tr h="666750">
                 <a:tc>
                   <a:txBody>
                     <a:bodyPr/>
@@ -17343,7 +17947,7 @@
                     <a:p>
                       <a:r>
                         <a:rPr lang="fr-FR" sz="1600" dirty="0" smtClean="0"/>
-                        <a:t>Grandes Villes</a:t>
+                        <a:t>Catégories</a:t>
                       </a:r>
                       <a:endParaRPr lang="fr-FR" sz="1600" dirty="0"/>
                     </a:p>
@@ -17355,48 +17959,9 @@
                     <a:bodyPr/>
                     <a:lstStyle/>
                     <a:p>
-                      <a:endParaRPr lang="fr-FR" sz="1600" dirty="0"/>
-                    </a:p>
-                  </a:txBody>
-                  <a:tcPr marL="83838" marR="83838">
-                    <a:noFill/>
-                  </a:tcPr>
-                </a:tc>
-              </a:tr>
-              <a:tr h="370840">
-                <a:tc>
-                  <a:txBody>
-                    <a:bodyPr/>
-                    <a:lstStyle/>
-                    <a:p>
-                      <a:pPr marL="0" marR="0" lvl="0" indent="0" algn="l" defTabSz="914400" rtl="0" eaLnBrk="1" fontAlgn="auto" latinLnBrk="0" hangingPunct="1">
-                        <a:lnSpc>
-                          <a:spcPct val="100000"/>
-                        </a:lnSpc>
-                        <a:spcBef>
-                          <a:spcPts val="0"/>
-                        </a:spcBef>
-                        <a:spcAft>
-                          <a:spcPts val="0"/>
-                        </a:spcAft>
-                        <a:buClrTx/>
-                        <a:buSzTx/>
-                        <a:buFontTx/>
-                        <a:buNone/>
-                        <a:tabLst/>
-                        <a:defRPr/>
-                      </a:pPr>
-                      <a:r>
-                        <a:rPr lang="fr-FR" sz="1800" kern="1200" dirty="0" err="1" smtClean="0">
-                          <a:solidFill>
-                            <a:schemeClr val="dk1"/>
-                          </a:solidFill>
-                          <a:effectLst/>
-                          <a:latin typeface="+mn-lt"/>
-                          <a:ea typeface="+mn-ea"/>
-                          <a:cs typeface="+mn-cs"/>
-                        </a:rPr>
-                        <a:t>Klaéros</a:t>
+                      <a:r>
+                        <a:rPr lang="fr-FR" sz="1600" dirty="0" smtClean="0"/>
+                        <a:t>Physique</a:t>
                       </a:r>
                       <a:endParaRPr lang="fr-FR" sz="1600" dirty="0"/>
                     </a:p>
@@ -17408,26 +17973,22 @@
                     <a:bodyPr/>
                     <a:lstStyle/>
                     <a:p>
-                      <a:pPr marL="0" marR="0" lvl="0" indent="0" algn="l" defTabSz="914400" rtl="0" eaLnBrk="1" fontAlgn="auto" latinLnBrk="0" hangingPunct="1">
-                        <a:lnSpc>
-                          <a:spcPct val="100000"/>
-                        </a:lnSpc>
-                        <a:spcBef>
-                          <a:spcPts val="0"/>
-                        </a:spcBef>
-                        <a:spcAft>
-                          <a:spcPts val="0"/>
-                        </a:spcAft>
-                        <a:buClrTx/>
-                        <a:buSzTx/>
-                        <a:buFontTx/>
-                        <a:buNone/>
-                        <a:tabLst/>
-                        <a:defRPr/>
-                      </a:pPr>
                       <a:r>
                         <a:rPr lang="fr-FR" sz="1600" dirty="0" smtClean="0"/>
-                        <a:t>Capitale</a:t>
+                        <a:t>Sort (Magique)</a:t>
+                      </a:r>
+                    </a:p>
+                  </a:txBody>
+                  <a:tcPr marL="83838" marR="83838"/>
+                </a:tc>
+                <a:tc>
+                  <a:txBody>
+                    <a:bodyPr/>
+                    <a:lstStyle/>
+                    <a:p>
+                      <a:r>
+                        <a:rPr lang="fr-FR" sz="1600" dirty="0" smtClean="0"/>
+                        <a:t>Action</a:t>
                       </a:r>
                       <a:endParaRPr lang="fr-FR" sz="1600" dirty="0"/>
                     </a:p>
@@ -17442,8 +18003,15 @@
                     <a:lstStyle/>
                     <a:p>
                       <a:r>
+                        <a:rPr lang="fr-FR" sz="1600" dirty="0" smtClean="0"/>
+                        <a:t>Combattant</a:t>
+                      </a:r>
+                      <a:br>
+                        <a:rPr lang="fr-FR" sz="1600" dirty="0" smtClean="0"/>
+                      </a:br>
+                      <a:r>
                         <a:rPr lang="fr-FR" sz="1600" dirty="0" err="1" smtClean="0"/>
-                        <a:t>Dig’rbarn</a:t>
+                        <a:t>CàC</a:t>
                       </a:r>
                       <a:endParaRPr lang="fr-FR" sz="1600" dirty="0"/>
                     </a:p>
@@ -17457,11 +18025,46 @@
                     <a:p>
                       <a:r>
                         <a:rPr lang="fr-FR" sz="1600" dirty="0" smtClean="0"/>
-                        <a:t>Ville </a:t>
-                      </a:r>
-                      <a:r>
-                        <a:rPr lang="fr-FR" sz="1600" dirty="0" err="1" smtClean="0"/>
-                        <a:t>Kirm</a:t>
+                        <a:t>Epée Légère</a:t>
+                      </a:r>
+                      <a:br>
+                        <a:rPr lang="fr-FR" sz="1600" dirty="0" smtClean="0"/>
+                      </a:br>
+                      <a:r>
+                        <a:rPr lang="fr-FR" sz="1600" dirty="0" smtClean="0"/>
+                        <a:t>Hache</a:t>
+                      </a:r>
+                      <a:endParaRPr lang="fr-FR" sz="1600" dirty="0"/>
+                    </a:p>
+                  </a:txBody>
+                  <a:tcPr marL="83838" marR="83838"/>
+                </a:tc>
+                <a:tc>
+                  <a:txBody>
+                    <a:bodyPr/>
+                    <a:lstStyle/>
+                    <a:p>
+                      <a:r>
+                        <a:rPr lang="fr-FR" sz="1600" dirty="0" smtClean="0"/>
+                        <a:t>Feu</a:t>
+                      </a:r>
+                      <a:r>
+                        <a:rPr lang="fr-FR" sz="1600" baseline="0" dirty="0" smtClean="0"/>
+                        <a:t> </a:t>
+                      </a:r>
+                      <a:endParaRPr lang="fr-FR" sz="1600" dirty="0"/>
+                    </a:p>
+                  </a:txBody>
+                  <a:tcPr marL="83838" marR="83838"/>
+                </a:tc>
+                <a:tc>
+                  <a:txBody>
+                    <a:bodyPr/>
+                    <a:lstStyle/>
+                    <a:p>
+                      <a:r>
+                        <a:rPr lang="fr-FR" sz="1600" dirty="0" smtClean="0"/>
+                        <a:t>Enchainement</a:t>
                       </a:r>
                       <a:endParaRPr lang="fr-FR" sz="1600" dirty="0"/>
                     </a:p>
@@ -17476,10 +18079,17 @@
                     <a:lstStyle/>
                     <a:p>
                       <a:r>
-                        <a:rPr lang="fr-FR" sz="1600" b="0" dirty="0" err="1" smtClean="0"/>
-                        <a:t>Brenblom</a:t>
-                      </a:r>
-                      <a:endParaRPr lang="fr-FR" sz="1600" b="0" dirty="0" smtClean="0"/>
+                        <a:rPr lang="fr-FR" sz="1600" dirty="0" smtClean="0"/>
+                        <a:t>Défenseur</a:t>
+                      </a:r>
+                      <a:br>
+                        <a:rPr lang="fr-FR" sz="1600" dirty="0" smtClean="0"/>
+                      </a:br>
+                      <a:r>
+                        <a:rPr lang="fr-FR" sz="1600" dirty="0" err="1" smtClean="0"/>
+                        <a:t>Càc</a:t>
+                      </a:r>
+                      <a:endParaRPr lang="fr-FR" sz="1600" dirty="0"/>
                     </a:p>
                   </a:txBody>
                   <a:tcPr marL="83838" marR="83838"/>
@@ -17490,18 +18100,45 @@
                     <a:lstStyle/>
                     <a:p>
                       <a:r>
-                        <a:rPr lang="fr-FR" sz="1600" b="0" dirty="0" smtClean="0"/>
-                        <a:t>Escarpement</a:t>
-                      </a:r>
-                      <a:r>
-                        <a:rPr lang="fr-FR" sz="1600" b="0" baseline="0" dirty="0" smtClean="0"/>
-                        <a:t> </a:t>
-                      </a:r>
-                      <a:r>
-                        <a:rPr lang="fr-FR" sz="1600" dirty="0" err="1" smtClean="0"/>
-                        <a:t>Norne</a:t>
-                      </a:r>
-                      <a:endParaRPr lang="fr-FR" sz="1600" b="0" dirty="0" smtClean="0"/>
+                        <a:rPr lang="fr-FR" sz="1600" dirty="0" smtClean="0"/>
+                        <a:t>Epée Lourde</a:t>
+                      </a:r>
+                      <a:br>
+                        <a:rPr lang="fr-FR" sz="1600" dirty="0" smtClean="0"/>
+                      </a:br>
+                      <a:r>
+                        <a:rPr lang="fr-FR" sz="1600" dirty="0" smtClean="0"/>
+                        <a:t>Bouclier</a:t>
+                      </a:r>
+                      <a:endParaRPr lang="fr-FR" sz="1600" dirty="0"/>
+                    </a:p>
+                  </a:txBody>
+                  <a:tcPr marL="83838" marR="83838"/>
+                </a:tc>
+                <a:tc>
+                  <a:txBody>
+                    <a:bodyPr/>
+                    <a:lstStyle/>
+                    <a:p>
+                      <a:r>
+                        <a:rPr lang="fr-FR" sz="1600" dirty="0" smtClean="0"/>
+                        <a:t>Gel</a:t>
+                      </a:r>
+                      <a:endParaRPr lang="fr-FR" sz="1600" dirty="0"/>
+                    </a:p>
+                  </a:txBody>
+                  <a:tcPr marL="83838" marR="83838"/>
+                </a:tc>
+                <a:tc>
+                  <a:txBody>
+                    <a:bodyPr/>
+                    <a:lstStyle/>
+                    <a:p>
+                      <a:r>
+                        <a:rPr lang="fr-FR" sz="1600" dirty="0" smtClean="0"/>
+                        <a:t>Blocus</a:t>
+                      </a:r>
+                      <a:endParaRPr lang="fr-FR" sz="1600" dirty="0"/>
                     </a:p>
                   </a:txBody>
                   <a:tcPr marL="83838" marR="83838"/>
@@ -17514,10 +18151,17 @@
                     <a:lstStyle/>
                     <a:p>
                       <a:r>
-                        <a:rPr lang="fr-FR" dirty="0" err="1" smtClean="0"/>
-                        <a:t>Kolgador</a:t>
-                      </a:r>
-                      <a:endParaRPr lang="fr-FR" dirty="0"/>
+                        <a:rPr lang="fr-FR" sz="1600" dirty="0" smtClean="0"/>
+                        <a:t>Combattant</a:t>
+                      </a:r>
+                      <a:br>
+                        <a:rPr lang="fr-FR" sz="1600" dirty="0" smtClean="0"/>
+                      </a:br>
+                      <a:r>
+                        <a:rPr lang="fr-FR" sz="1600" dirty="0" smtClean="0"/>
+                        <a:t>distance</a:t>
+                      </a:r>
+                      <a:endParaRPr lang="fr-FR" sz="1600" dirty="0"/>
                     </a:p>
                   </a:txBody>
                   <a:tcPr marL="83838" marR="83838"/>
@@ -17529,7 +18173,118 @@
                     <a:p>
                       <a:r>
                         <a:rPr lang="fr-FR" sz="1600" dirty="0" smtClean="0"/>
-                        <a:t>Repaire Elfe</a:t>
+                        <a:t>Arc</a:t>
+                      </a:r>
+                      <a:br>
+                        <a:rPr lang="fr-FR" sz="1600" dirty="0" smtClean="0"/>
+                      </a:br>
+                      <a:r>
+                        <a:rPr lang="fr-FR" sz="1600" dirty="0" smtClean="0"/>
+                        <a:t>Piège</a:t>
+                      </a:r>
+                      <a:endParaRPr lang="fr-FR" sz="1600" dirty="0"/>
+                    </a:p>
+                  </a:txBody>
+                  <a:tcPr marL="83838" marR="83838"/>
+                </a:tc>
+                <a:tc>
+                  <a:txBody>
+                    <a:bodyPr/>
+                    <a:lstStyle/>
+                    <a:p>
+                      <a:r>
+                        <a:rPr lang="fr-FR" sz="1600" dirty="0" smtClean="0"/>
+                        <a:t>Poison</a:t>
+                      </a:r>
+                      <a:endParaRPr lang="fr-FR" sz="1600" dirty="0"/>
+                    </a:p>
+                  </a:txBody>
+                  <a:tcPr marL="83838" marR="83838"/>
+                </a:tc>
+                <a:tc>
+                  <a:txBody>
+                    <a:bodyPr/>
+                    <a:lstStyle/>
+                    <a:p>
+                      <a:r>
+                        <a:rPr lang="fr-FR" sz="1600" dirty="0" smtClean="0"/>
+                        <a:t>Pluie de coups</a:t>
+                      </a:r>
+                      <a:endParaRPr lang="fr-FR" sz="1600" dirty="0"/>
+                    </a:p>
+                  </a:txBody>
+                  <a:tcPr marL="83838" marR="83838"/>
+                </a:tc>
+              </a:tr>
+              <a:tr h="370840">
+                <a:tc>
+                  <a:txBody>
+                    <a:bodyPr/>
+                    <a:lstStyle/>
+                    <a:p>
+                      <a:r>
+                        <a:rPr lang="fr-FR" sz="1600" dirty="0" smtClean="0"/>
+                        <a:t>Défenseur </a:t>
+                      </a:r>
+                      <a:br>
+                        <a:rPr lang="fr-FR" sz="1600" dirty="0" smtClean="0"/>
+                      </a:br>
+                      <a:r>
+                        <a:rPr lang="fr-FR" sz="1600" dirty="0" smtClean="0"/>
+                        <a:t>distance</a:t>
+                      </a:r>
+                      <a:endParaRPr lang="fr-FR" sz="1600" dirty="0"/>
+                    </a:p>
+                  </a:txBody>
+                  <a:tcPr marL="83838" marR="83838"/>
+                </a:tc>
+                <a:tc>
+                  <a:txBody>
+                    <a:bodyPr/>
+                    <a:lstStyle/>
+                    <a:p>
+                      <a:r>
+                        <a:rPr lang="fr-FR" sz="1600" dirty="0" smtClean="0"/>
+                        <a:t>Piège</a:t>
+                      </a:r>
+                      <a:br>
+                        <a:rPr lang="fr-FR" sz="1600" dirty="0" smtClean="0"/>
+                      </a:br>
+                      <a:r>
+                        <a:rPr lang="fr-FR" sz="1600" dirty="0" smtClean="0"/>
+                        <a:t>Bombe</a:t>
+                      </a:r>
+                      <a:endParaRPr lang="fr-FR" sz="1600" dirty="0"/>
+                    </a:p>
+                  </a:txBody>
+                  <a:tcPr marL="83838" marR="83838"/>
+                </a:tc>
+                <a:tc>
+                  <a:txBody>
+                    <a:bodyPr/>
+                    <a:lstStyle/>
+                    <a:p>
+                      <a:r>
+                        <a:rPr lang="fr-FR" sz="1600" dirty="0" smtClean="0"/>
+                        <a:t>Electrique</a:t>
+                      </a:r>
+                      <a:endParaRPr lang="fr-FR" sz="1600" dirty="0"/>
+                    </a:p>
+                  </a:txBody>
+                  <a:tcPr marL="83838" marR="83838"/>
+                </a:tc>
+                <a:tc>
+                  <a:txBody>
+                    <a:bodyPr/>
+                    <a:lstStyle/>
+                    <a:p>
+                      <a:r>
+                        <a:rPr lang="fr-FR" sz="1600" dirty="0" smtClean="0"/>
+                        <a:t>Avancée</a:t>
+                      </a:r>
+                      <a:r>
+                        <a:rPr lang="fr-FR" sz="1600" baseline="0" dirty="0" smtClean="0"/>
+                        <a:t> Tactique</a:t>
                       </a:r>
                       <a:endParaRPr lang="fr-FR" sz="1600" dirty="0"/>
                     </a:p>
@@ -17544,7 +18299,7 @@
     </p:spTree>
     <p:extLst>
       <p:ext uri="{BB962C8B-B14F-4D97-AF65-F5344CB8AC3E}">
-        <p14:creationId xmlns:p14="http://schemas.microsoft.com/office/powerpoint/2010/main" val="1828129002"/>
+        <p14:creationId xmlns:p14="http://schemas.microsoft.com/office/powerpoint/2010/main" val="208732356"/>
       </p:ext>
     </p:extLst>
   </p:cSld>
@@ -17595,7 +18350,7 @@
           <a:p>
             <a:r>
               <a:rPr lang="fr-FR" dirty="0" smtClean="0"/>
-              <a:t>Peuples Alliés</a:t>
+              <a:t>Progression</a:t>
             </a:r>
             <a:endParaRPr lang="fr-FR" dirty="0"/>
           </a:p>
@@ -17611,43 +18366,60 @@
             <p:ph sz="half" idx="1"/>
           </p:nvPr>
         </p:nvSpPr>
-        <p:spPr/>
+        <p:spPr>
+          <a:xfrm>
+            <a:off x="1097279" y="1845734"/>
+            <a:ext cx="4869412" cy="4023360"/>
+          </a:xfrm>
+        </p:spPr>
         <p:txBody>
           <a:bodyPr/>
           <a:lstStyle/>
           <a:p>
             <a:r>
               <a:rPr lang="fr-FR" dirty="0" smtClean="0"/>
-              <a:t>Les races présentent sont nombreuses,</a:t>
+              <a:t>La progression dans le jeu se fera grâce a des objets, des </a:t>
+            </a:r>
+            <a:r>
+              <a:rPr lang="fr-FR" dirty="0" err="1" smtClean="0"/>
+              <a:t>DeadScrolls</a:t>
+            </a:r>
+            <a:r>
+              <a:rPr lang="fr-FR" dirty="0" smtClean="0"/>
+              <a:t>.</a:t>
             </a:r>
             <a:br>
               <a:rPr lang="fr-FR" dirty="0" smtClean="0"/>
             </a:br>
             <a:r>
               <a:rPr lang="fr-FR" dirty="0" smtClean="0"/>
-              <a:t>chacune d’elle s’est appropriée un territoire.</a:t>
+              <a:t>Ces </a:t>
+            </a:r>
+            <a:r>
+              <a:rPr lang="fr-FR" dirty="0" err="1" smtClean="0"/>
+              <a:t>DeadScrolls</a:t>
+            </a:r>
+            <a:r>
+              <a:rPr lang="fr-FR" dirty="0" smtClean="0"/>
+              <a:t> sont d’anciens parchemins, qui contiennent des écrits</a:t>
+            </a:r>
+            <a:r>
+              <a:rPr lang="fr-FR" dirty="0" smtClean="0"/>
+              <a:t> magiques.</a:t>
             </a:r>
             <a:br>
               <a:rPr lang="fr-FR" dirty="0" smtClean="0"/>
             </a:br>
             <a:r>
               <a:rPr lang="fr-FR" dirty="0" smtClean="0"/>
-              <a:t>Les Nains malgré leur habitude a rester regroupes ensemble, côtoient les Damnés.</a:t>
+              <a:t/>
             </a:r>
             <a:br>
               <a:rPr lang="fr-FR" dirty="0" smtClean="0"/>
             </a:br>
             <a:r>
               <a:rPr lang="fr-FR" dirty="0" smtClean="0"/>
-              <a:t>Les Valkyries, gardiennes des Damnés patrouillent en permanence en guettant le danger. Les </a:t>
-            </a:r>
-            <a:r>
-              <a:rPr lang="fr-FR" dirty="0" err="1" smtClean="0"/>
-              <a:t>Nornes</a:t>
-            </a:r>
-            <a:r>
-              <a:rPr lang="fr-FR" dirty="0" smtClean="0"/>
-              <a:t>, quand a elles sont isolées et renseignent les courageux qui viennent leurs demander leur destin.</a:t>
+              <a:t>Un lecteur doit « se sacrifier » pour que le reste du groupe puisse progresser, cependant, il gagne tout de même un bonus</a:t>
             </a:r>
             <a:endParaRPr lang="fr-FR" dirty="0"/>
           </a:p>
@@ -17663,14 +18435,14 @@
             <p:ph sz="half" idx="2"/>
             <p:extLst>
               <p:ext uri="{D42A27DB-BD31-4B8C-83A1-F6EECF244321}">
-                <p14:modId xmlns:p14="http://schemas.microsoft.com/office/powerpoint/2010/main" val="2945974043"/>
+                <p14:modId xmlns:p14="http://schemas.microsoft.com/office/powerpoint/2010/main" val="1753045922"/>
               </p:ext>
             </p:extLst>
           </p:nvPr>
         </p:nvGraphicFramePr>
         <p:xfrm>
           <a:off x="6035036" y="1846263"/>
-          <a:ext cx="3775320" cy="1818640"/>
+          <a:ext cx="5662980" cy="1483360"/>
         </p:xfrm>
         <a:graphic>
           <a:graphicData uri="http://schemas.openxmlformats.org/drawingml/2006/table">
@@ -17679,20 +18451,20 @@
                 <a:tableStyleId>{5C22544A-7EE6-4342-B048-85BDC9FD1C3A}</a:tableStyleId>
               </a:tblPr>
               <a:tblGrid>
-                <a:gridCol w="1887660"/>
-                <a:gridCol w="1887660"/>
+                <a:gridCol w="2831490"/>
+                <a:gridCol w="2831490"/>
               </a:tblGrid>
-              <a:tr h="332394">
+              <a:tr h="370840">
                 <a:tc>
                   <a:txBody>
                     <a:bodyPr/>
                     <a:lstStyle/>
                     <a:p>
                       <a:r>
-                        <a:rPr lang="fr-FR" sz="1600" dirty="0" smtClean="0"/>
-                        <a:t>Allies</a:t>
-                      </a:r>
-                      <a:endParaRPr lang="fr-FR" sz="1600" dirty="0"/>
+                        <a:rPr lang="fr-FR" dirty="0" smtClean="0"/>
+                        <a:t>Effets sur le lecteur</a:t>
+                      </a:r>
+                      <a:endParaRPr lang="fr-FR" dirty="0"/>
                     </a:p>
                   </a:txBody>
                   <a:tcPr marL="83838" marR="83838"/>
@@ -17702,7 +18474,11 @@
                     <a:bodyPr/>
                     <a:lstStyle/>
                     <a:p>
-                      <a:endParaRPr lang="fr-FR" sz="1600" dirty="0" smtClean="0"/>
+                      <a:r>
+                        <a:rPr lang="fr-FR" dirty="0" smtClean="0"/>
+                        <a:t>Effets sur l’audience</a:t>
+                      </a:r>
+                      <a:endParaRPr lang="fr-FR" dirty="0"/>
                     </a:p>
                   </a:txBody>
                   <a:tcPr marL="83838" marR="83838"/>
@@ -17714,27 +18490,11 @@
                     <a:bodyPr/>
                     <a:lstStyle/>
                     <a:p>
-                      <a:pPr marL="0" marR="0" lvl="0" indent="0" algn="l" defTabSz="914400" rtl="0" eaLnBrk="1" fontAlgn="auto" latinLnBrk="0" hangingPunct="1">
-                        <a:lnSpc>
-                          <a:spcPct val="100000"/>
-                        </a:lnSpc>
-                        <a:spcBef>
-                          <a:spcPts val="0"/>
-                        </a:spcBef>
-                        <a:spcAft>
-                          <a:spcPts val="0"/>
-                        </a:spcAft>
-                        <a:buClrTx/>
-                        <a:buSzTx/>
-                        <a:buFontTx/>
-                        <a:buNone/>
-                        <a:tabLst/>
-                        <a:defRPr/>
-                      </a:pPr>
-                      <a:r>
-                        <a:rPr lang="fr-FR" b="0" dirty="0" smtClean="0"/>
-                        <a:t>Valkyrie</a:t>
-                      </a:r>
+                      <a:r>
+                        <a:rPr lang="fr-FR" dirty="0" smtClean="0"/>
+                        <a:t>+ 2 compétences</a:t>
+                      </a:r>
+                      <a:endParaRPr lang="fr-FR" dirty="0"/>
                     </a:p>
                   </a:txBody>
                   <a:tcPr marL="83838" marR="83838"/>
@@ -17745,10 +18505,10 @@
                     <a:lstStyle/>
                     <a:p>
                       <a:r>
-                        <a:rPr lang="fr-FR" sz="1600" dirty="0" smtClean="0"/>
-                        <a:t>Vivants</a:t>
-                      </a:r>
-                      <a:endParaRPr lang="fr-FR" sz="1600" dirty="0"/>
+                        <a:rPr lang="fr-FR" dirty="0" smtClean="0"/>
+                        <a:t>+ 2 points de statistiques</a:t>
+                      </a:r>
+                      <a:endParaRPr lang="fr-FR" dirty="0"/>
                     </a:p>
                   </a:txBody>
                   <a:tcPr marL="83838" marR="83838"/>
@@ -17762,7 +18522,7 @@
                     <a:p>
                       <a:r>
                         <a:rPr lang="fr-FR" dirty="0" smtClean="0"/>
-                        <a:t>Nain</a:t>
+                        <a:t>+ 1 amélioration de classe</a:t>
                       </a:r>
                       <a:endParaRPr lang="fr-FR" dirty="0"/>
                     </a:p>
@@ -17775,10 +18535,14 @@
                     <a:lstStyle/>
                     <a:p>
                       <a:r>
-                        <a:rPr lang="fr-FR" sz="1600" dirty="0" smtClean="0"/>
-                        <a:t>Vivants</a:t>
-                      </a:r>
-                      <a:endParaRPr lang="fr-FR" sz="1600" dirty="0"/>
+                        <a:rPr lang="fr-FR" dirty="0" smtClean="0"/>
+                        <a:t>+ 2</a:t>
+                      </a:r>
+                      <a:r>
+                        <a:rPr lang="fr-FR" baseline="0" dirty="0" smtClean="0"/>
+                        <a:t> points de compétences</a:t>
+                      </a:r>
+                      <a:endParaRPr lang="fr-FR" dirty="0"/>
                     </a:p>
                   </a:txBody>
                   <a:tcPr marL="83838" marR="83838"/>
@@ -17791,10 +18555,14 @@
                     <a:lstStyle/>
                     <a:p>
                       <a:r>
-                        <a:rPr lang="fr-FR" sz="1600" dirty="0" err="1" smtClean="0"/>
-                        <a:t>Norne</a:t>
-                      </a:r>
-                      <a:endParaRPr lang="fr-FR" sz="1600" dirty="0"/>
+                        <a:rPr lang="fr-FR" dirty="0" smtClean="0"/>
+                        <a:t>-</a:t>
+                      </a:r>
+                      <a:r>
+                        <a:rPr lang="fr-FR" baseline="0" dirty="0" smtClean="0"/>
+                        <a:t> 1 point de handicap</a:t>
+                      </a:r>
+                      <a:endParaRPr lang="fr-FR" dirty="0"/>
                     </a:p>
                   </a:txBody>
                   <a:tcPr marL="83838" marR="83838"/>
@@ -17804,57 +18572,11 @@
                     <a:bodyPr/>
                     <a:lstStyle/>
                     <a:p>
-                      <a:pPr marL="0" marR="0" lvl="0" indent="0" algn="l" defTabSz="914400" rtl="0" eaLnBrk="1" fontAlgn="auto" latinLnBrk="0" hangingPunct="1">
-                        <a:lnSpc>
-                          <a:spcPct val="100000"/>
-                        </a:lnSpc>
-                        <a:spcBef>
-                          <a:spcPts val="0"/>
-                        </a:spcBef>
-                        <a:spcAft>
-                          <a:spcPts val="0"/>
-                        </a:spcAft>
-                        <a:buClrTx/>
-                        <a:buSzTx/>
-                        <a:buFontTx/>
-                        <a:buNone/>
-                        <a:tabLst/>
-                        <a:defRPr/>
-                      </a:pPr>
-                      <a:r>
-                        <a:rPr lang="fr-FR" sz="1600" b="0" dirty="0" smtClean="0"/>
-                        <a:t>Morts</a:t>
-                      </a:r>
-                    </a:p>
-                  </a:txBody>
-                  <a:tcPr marL="83838" marR="83838"/>
-                </a:tc>
-              </a:tr>
-              <a:tr h="370840">
-                <a:tc>
-                  <a:txBody>
-                    <a:bodyPr/>
-                    <a:lstStyle/>
-                    <a:p>
-                      <a:r>
-                        <a:rPr lang="fr-FR" sz="1600" dirty="0" smtClean="0"/>
-                        <a:t>Damné</a:t>
-                      </a:r>
-                      <a:endParaRPr lang="fr-FR" sz="1600" dirty="0"/>
-                    </a:p>
-                  </a:txBody>
-                  <a:tcPr marL="83838" marR="83838"/>
-                </a:tc>
-                <a:tc>
-                  <a:txBody>
-                    <a:bodyPr/>
-                    <a:lstStyle/>
-                    <a:p>
-                      <a:r>
-                        <a:rPr lang="fr-FR" sz="1600" dirty="0" smtClean="0"/>
-                        <a:t>Morts</a:t>
-                      </a:r>
-                      <a:endParaRPr lang="fr-FR" sz="1600" dirty="0"/>
+                      <a:r>
+                        <a:rPr lang="fr-FR" dirty="0" smtClean="0"/>
+                        <a:t>+ 1 compétence</a:t>
+                      </a:r>
+                      <a:endParaRPr lang="fr-FR" dirty="0"/>
                     </a:p>
                   </a:txBody>
                   <a:tcPr marL="83838" marR="83838"/>
@@ -17867,7 +18589,7 @@
     </p:spTree>
     <p:extLst>
       <p:ext uri="{BB962C8B-B14F-4D97-AF65-F5344CB8AC3E}">
-        <p14:creationId xmlns:p14="http://schemas.microsoft.com/office/powerpoint/2010/main" val="1091367176"/>
+        <p14:creationId xmlns:p14="http://schemas.microsoft.com/office/powerpoint/2010/main" val="424242766"/>
       </p:ext>
     </p:extLst>
   </p:cSld>
@@ -17917,8 +18639,8 @@
           <a:lstStyle/>
           <a:p>
             <a:r>
-              <a:rPr lang="fr-FR" dirty="0" smtClean="0"/>
-              <a:t>Peuples Neutres</a:t>
+              <a:rPr lang="fr-FR" dirty="0" err="1" smtClean="0"/>
+              <a:t>Xendera</a:t>
             </a:r>
             <a:endParaRPr lang="fr-FR" dirty="0"/>
           </a:p>
@@ -17934,61 +18656,39 @@
             <p:ph sz="half" idx="1"/>
           </p:nvPr>
         </p:nvSpPr>
-        <p:spPr/>
+        <p:spPr>
+          <a:xfrm>
+            <a:off x="1097279" y="1845734"/>
+            <a:ext cx="4869412" cy="4023360"/>
+          </a:xfrm>
+        </p:spPr>
         <p:txBody>
           <a:bodyPr/>
           <a:lstStyle/>
           <a:p>
             <a:r>
               <a:rPr lang="fr-FR" dirty="0" smtClean="0"/>
-              <a:t>Les </a:t>
-            </a:r>
-            <a:r>
-              <a:rPr lang="fr-FR" dirty="0" err="1" smtClean="0"/>
-              <a:t>Elders</a:t>
+              <a:t>Autrefois </a:t>
+            </a:r>
+            <a:r>
+              <a:rPr lang="fr-FR" dirty="0"/>
+              <a:t>appelé Paradis par les </a:t>
             </a:r>
             <a:r>
               <a:rPr lang="fr-FR" dirty="0" smtClean="0"/>
-              <a:t> et les </a:t>
-            </a:r>
-            <a:r>
-              <a:rPr lang="fr-FR" dirty="0" err="1" smtClean="0"/>
-              <a:t>Qunari</a:t>
-            </a:r>
+              <a:t>vivants, ce monde correspond maintenant a l’enfer.</a:t>
+            </a:r>
+          </a:p>
+          <a:p>
             <a:r>
               <a:rPr lang="fr-FR" dirty="0" smtClean="0"/>
-              <a:t>, sont des peuples de sages. Ceux-ci se réunissent régulièrement afin d’effectuer de longs débats sur les connaissances et les inconnues. Les </a:t>
-            </a:r>
-            <a:r>
-              <a:rPr lang="fr-FR" dirty="0" err="1" smtClean="0"/>
-              <a:t>Tsolyani</a:t>
-            </a:r>
+              <a:t>Ce monde est peuple de Damnes, d’ancien humains morts. Ces derniers formes une nouvelle civilisation, immortels, et stériles, la population ne grandit qu’a la mort d’un humain.</a:t>
+            </a:r>
+          </a:p>
+          <a:p>
             <a:r>
               <a:rPr lang="fr-FR" dirty="0" smtClean="0"/>
-              <a:t> sont un peuple de Troubadours et de Marchands, ceux-ci traversent les étendus de Xendera afin de faire vivre les lieux dans lesquels ils passent durant quelques jours.</a:t>
-            </a:r>
-            <a:br>
-              <a:rPr lang="fr-FR" dirty="0" smtClean="0"/>
-            </a:br>
-            <a:r>
-              <a:rPr lang="fr-FR" dirty="0" smtClean="0"/>
-              <a:t>Les </a:t>
-            </a:r>
-            <a:r>
-              <a:rPr lang="fr-FR" dirty="0" err="1" smtClean="0"/>
-              <a:t>Kirm</a:t>
-            </a:r>
-            <a:r>
-              <a:rPr lang="fr-FR" dirty="0" smtClean="0"/>
-              <a:t> sont de grands travailleurs, ils échangent beaucoup leurs produits avec les </a:t>
-            </a:r>
-            <a:r>
-              <a:rPr lang="fr-FR" dirty="0" err="1" smtClean="0"/>
-              <a:t>Tsolyani</a:t>
-            </a:r>
-            <a:r>
-              <a:rPr lang="fr-FR" dirty="0" smtClean="0"/>
-              <a:t>, mais ils œuvrent aussi à la création de nouveau systèmes industriels.</a:t>
+              <a:t>Malgré de nombreuses expéditions et des explorations continues, ce monde n’a pas encore de fin.</a:t>
             </a:r>
             <a:endParaRPr lang="fr-FR" dirty="0"/>
           </a:p>
@@ -18004,14 +18704,14 @@
             <p:ph sz="half" idx="2"/>
             <p:extLst>
               <p:ext uri="{D42A27DB-BD31-4B8C-83A1-F6EECF244321}">
-                <p14:modId xmlns:p14="http://schemas.microsoft.com/office/powerpoint/2010/main" val="1895290096"/>
+                <p14:modId xmlns:p14="http://schemas.microsoft.com/office/powerpoint/2010/main" val="4124054532"/>
               </p:ext>
             </p:extLst>
           </p:nvPr>
         </p:nvGraphicFramePr>
         <p:xfrm>
-          <a:off x="6035036" y="1846263"/>
-          <a:ext cx="3775320" cy="1818640"/>
+          <a:off x="6035038" y="1846263"/>
+          <a:ext cx="3655716" cy="1844588"/>
         </p:xfrm>
         <a:graphic>
           <a:graphicData uri="http://schemas.openxmlformats.org/drawingml/2006/table">
@@ -18020,10 +18720,10 @@
                 <a:tableStyleId>{5C22544A-7EE6-4342-B048-85BDC9FD1C3A}</a:tableStyleId>
               </a:tblPr>
               <a:tblGrid>
-                <a:gridCol w="1887660"/>
-                <a:gridCol w="1887660"/>
+                <a:gridCol w="1827858"/>
+                <a:gridCol w="1827858"/>
               </a:tblGrid>
-              <a:tr h="332394">
+              <a:tr h="361228">
                 <a:tc>
                   <a:txBody>
                     <a:bodyPr/>
@@ -18031,9 +18731,9 @@
                     <a:p>
                       <a:r>
                         <a:rPr lang="fr-FR" sz="1600" dirty="0" smtClean="0"/>
-                        <a:t>Neutres</a:t>
-                      </a:r>
-                      <a:endParaRPr lang="fr-FR" sz="1600" dirty="0" smtClean="0"/>
+                        <a:t>Grandes Villes</a:t>
+                      </a:r>
+                      <a:endParaRPr lang="fr-FR" sz="1600" dirty="0"/>
                     </a:p>
                   </a:txBody>
                   <a:tcPr marL="83838" marR="83838"/>
@@ -18043,10 +18743,12 @@
                     <a:bodyPr/>
                     <a:lstStyle/>
                     <a:p>
-                      <a:endParaRPr lang="fr-FR" sz="1600" dirty="0" smtClean="0"/>
+                      <a:endParaRPr lang="fr-FR" sz="1600" dirty="0"/>
                     </a:p>
                   </a:txBody>
-                  <a:tcPr marL="83838" marR="83838"/>
+                  <a:tcPr marL="83838" marR="83838">
+                    <a:noFill/>
+                  </a:tcPr>
                 </a:tc>
               </a:tr>
               <a:tr h="370840">
@@ -18055,11 +18757,36 @@
                     <a:bodyPr/>
                     <a:lstStyle/>
                     <a:p>
-                      <a:r>
-                        <a:rPr lang="fr-FR" sz="1800" b="0" dirty="0" smtClean="0"/>
-                        <a:t>Elder</a:t>
-                      </a:r>
-                      <a:endParaRPr lang="fr-FR" dirty="0"/>
+                      <a:pPr marL="0" marR="0" lvl="0" indent="0" algn="l" defTabSz="914400" rtl="0" eaLnBrk="1" fontAlgn="auto" latinLnBrk="0" hangingPunct="1">
+                        <a:lnSpc>
+                          <a:spcPct val="100000"/>
+                        </a:lnSpc>
+                        <a:spcBef>
+                          <a:spcPts val="0"/>
+                        </a:spcBef>
+                        <a:spcAft>
+                          <a:spcPts val="0"/>
+                        </a:spcAft>
+                        <a:buClrTx/>
+                        <a:buSzTx/>
+                        <a:buFontTx/>
+                        <a:buNone/>
+                        <a:tabLst/>
+                        <a:defRPr/>
+                      </a:pPr>
+                      <a:r>
+                        <a:rPr lang="fr-FR" sz="1800" kern="1200" dirty="0" err="1" smtClean="0">
+                          <a:solidFill>
+                            <a:schemeClr val="dk1"/>
+                          </a:solidFill>
+                          <a:effectLst/>
+                          <a:latin typeface="+mn-lt"/>
+                          <a:ea typeface="+mn-ea"/>
+                          <a:cs typeface="+mn-cs"/>
+                        </a:rPr>
+                        <a:t>Klaéros</a:t>
+                      </a:r>
+                      <a:endParaRPr lang="fr-FR" sz="1600" dirty="0"/>
                     </a:p>
                   </a:txBody>
                   <a:tcPr marL="83838" marR="83838"/>
@@ -18069,9 +18796,26 @@
                     <a:bodyPr/>
                     <a:lstStyle/>
                     <a:p>
+                      <a:pPr marL="0" marR="0" lvl="0" indent="0" algn="l" defTabSz="914400" rtl="0" eaLnBrk="1" fontAlgn="auto" latinLnBrk="0" hangingPunct="1">
+                        <a:lnSpc>
+                          <a:spcPct val="100000"/>
+                        </a:lnSpc>
+                        <a:spcBef>
+                          <a:spcPts val="0"/>
+                        </a:spcBef>
+                        <a:spcAft>
+                          <a:spcPts val="0"/>
+                        </a:spcAft>
+                        <a:buClrTx/>
+                        <a:buSzTx/>
+                        <a:buFontTx/>
+                        <a:buNone/>
+                        <a:tabLst/>
+                        <a:defRPr/>
+                      </a:pPr>
                       <a:r>
                         <a:rPr lang="fr-FR" sz="1600" dirty="0" smtClean="0"/>
-                        <a:t>Morts</a:t>
+                        <a:t>Capitale</a:t>
                       </a:r>
                       <a:endParaRPr lang="fr-FR" sz="1600" dirty="0"/>
                     </a:p>
@@ -18086,10 +18830,10 @@
                     <a:lstStyle/>
                     <a:p>
                       <a:r>
-                        <a:rPr lang="fr-FR" sz="1800" b="0" dirty="0" err="1" smtClean="0"/>
-                        <a:t>Qunari</a:t>
-                      </a:r>
-                      <a:endParaRPr lang="fr-FR" dirty="0"/>
+                        <a:rPr lang="fr-FR" sz="1600" dirty="0" err="1" smtClean="0"/>
+                        <a:t>Dig’rbarn</a:t>
+                      </a:r>
+                      <a:endParaRPr lang="fr-FR" sz="1600" dirty="0"/>
                     </a:p>
                   </a:txBody>
                   <a:tcPr marL="83838" marR="83838"/>
@@ -18101,7 +18845,11 @@
                     <a:p>
                       <a:r>
                         <a:rPr lang="fr-FR" sz="1600" dirty="0" smtClean="0"/>
-                        <a:t>Vivants</a:t>
+                        <a:t>Ville </a:t>
+                      </a:r>
+                      <a:r>
+                        <a:rPr lang="fr-FR" sz="1600" dirty="0" err="1" smtClean="0"/>
+                        <a:t>Kirm</a:t>
                       </a:r>
                       <a:endParaRPr lang="fr-FR" sz="1600" dirty="0"/>
                     </a:p>
@@ -18116,10 +18864,10 @@
                     <a:lstStyle/>
                     <a:p>
                       <a:r>
-                        <a:rPr lang="fr-FR" dirty="0" err="1" smtClean="0"/>
-                        <a:t>Tsolyani</a:t>
-                      </a:r>
-                      <a:endParaRPr lang="fr-FR" dirty="0"/>
+                        <a:rPr lang="fr-FR" sz="1600" b="0" dirty="0" err="1" smtClean="0"/>
+                        <a:t>Brenblom</a:t>
+                      </a:r>
+                      <a:endParaRPr lang="fr-FR" sz="1600" b="0" dirty="0" smtClean="0"/>
                     </a:p>
                   </a:txBody>
                   <a:tcPr marL="83838" marR="83838"/>
@@ -18130,10 +18878,18 @@
                     <a:lstStyle/>
                     <a:p>
                       <a:r>
-                        <a:rPr lang="fr-FR" sz="1600" dirty="0" smtClean="0"/>
-                        <a:t>Vivants</a:t>
-                      </a:r>
-                      <a:endParaRPr lang="fr-FR" sz="1600" dirty="0"/>
+                        <a:rPr lang="fr-FR" sz="1600" b="0" dirty="0" smtClean="0"/>
+                        <a:t>Escarpement</a:t>
+                      </a:r>
+                      <a:r>
+                        <a:rPr lang="fr-FR" sz="1600" b="0" baseline="0" dirty="0" smtClean="0"/>
+                        <a:t> </a:t>
+                      </a:r>
+                      <a:r>
+                        <a:rPr lang="fr-FR" sz="1600" dirty="0" err="1" smtClean="0"/>
+                        <a:t>Norne</a:t>
+                      </a:r>
+                      <a:endParaRPr lang="fr-FR" sz="1600" b="0" dirty="0" smtClean="0"/>
                     </a:p>
                   </a:txBody>
                   <a:tcPr marL="83838" marR="83838"/>
@@ -18147,7 +18903,7 @@
                     <a:p>
                       <a:r>
                         <a:rPr lang="fr-FR" dirty="0" err="1" smtClean="0"/>
-                        <a:t>Kirm</a:t>
+                        <a:t>Kolgador</a:t>
                       </a:r>
                       <a:endParaRPr lang="fr-FR" dirty="0"/>
                     </a:p>
@@ -18161,7 +18917,7 @@
                     <a:p>
                       <a:r>
                         <a:rPr lang="fr-FR" sz="1600" dirty="0" smtClean="0"/>
-                        <a:t>Vivants</a:t>
+                        <a:t>Repaire Elfe</a:t>
                       </a:r>
                       <a:endParaRPr lang="fr-FR" sz="1600" dirty="0"/>
                     </a:p>
@@ -18176,7 +18932,7 @@
     </p:spTree>
     <p:extLst>
       <p:ext uri="{BB962C8B-B14F-4D97-AF65-F5344CB8AC3E}">
-        <p14:creationId xmlns:p14="http://schemas.microsoft.com/office/powerpoint/2010/main" val="1462231117"/>
+        <p14:creationId xmlns:p14="http://schemas.microsoft.com/office/powerpoint/2010/main" val="1828129002"/>
       </p:ext>
     </p:extLst>
   </p:cSld>

--- a/00 - Presentation.pptx
+++ b/00 - Presentation.pptx
@@ -2969,7 +2969,7 @@
           <a:p>
             <a:fld id="{E9D4BE7C-3CD3-4465-A389-06323A1F0889}" type="datetimeFigureOut">
               <a:rPr lang="fr-FR" smtClean="0"/>
-              <a:t>28/05/2018</a:t>
+              <a:t>07/07/2018</a:t>
             </a:fld>
             <a:endParaRPr lang="fr-FR"/>
           </a:p>
@@ -3487,7 +3487,7 @@
           <a:p>
             <a:fld id="{E9D4BE7C-3CD3-4465-A389-06323A1F0889}" type="datetimeFigureOut">
               <a:rPr lang="fr-FR" smtClean="0"/>
-              <a:t>28/05/2018</a:t>
+              <a:t>07/07/2018</a:t>
             </a:fld>
             <a:endParaRPr lang="fr-FR"/>
           </a:p>
@@ -3667,7 +3667,7 @@
           <a:p>
             <a:fld id="{E9D4BE7C-3CD3-4465-A389-06323A1F0889}" type="datetimeFigureOut">
               <a:rPr lang="fr-FR" smtClean="0"/>
-              <a:t>28/05/2018</a:t>
+              <a:t>07/07/2018</a:t>
             </a:fld>
             <a:endParaRPr lang="fr-FR"/>
           </a:p>
@@ -3954,7 +3954,7 @@
           <a:p>
             <a:fld id="{E9D4BE7C-3CD3-4465-A389-06323A1F0889}" type="datetimeFigureOut">
               <a:rPr lang="fr-FR" smtClean="0"/>
-              <a:t>28/05/2018</a:t>
+              <a:t>07/07/2018</a:t>
             </a:fld>
             <a:endParaRPr lang="fr-FR"/>
           </a:p>
@@ -4166,7 +4166,7 @@
           <a:p>
             <a:fld id="{E9D4BE7C-3CD3-4465-A389-06323A1F0889}" type="datetimeFigureOut">
               <a:rPr lang="fr-FR" smtClean="0"/>
-              <a:t>28/05/2018</a:t>
+              <a:t>07/07/2018</a:t>
             </a:fld>
             <a:endParaRPr lang="fr-FR"/>
           </a:p>
@@ -4509,7 +4509,7 @@
           <a:p>
             <a:fld id="{E9D4BE7C-3CD3-4465-A389-06323A1F0889}" type="datetimeFigureOut">
               <a:rPr lang="fr-FR" smtClean="0"/>
-              <a:t>28/05/2018</a:t>
+              <a:t>07/07/2018</a:t>
             </a:fld>
             <a:endParaRPr lang="fr-FR"/>
           </a:p>
@@ -4784,7 +4784,7 @@
           <a:p>
             <a:fld id="{E9D4BE7C-3CD3-4465-A389-06323A1F0889}" type="datetimeFigureOut">
               <a:rPr lang="fr-FR" smtClean="0"/>
-              <a:t>28/05/2018</a:t>
+              <a:t>07/07/2018</a:t>
             </a:fld>
             <a:endParaRPr lang="fr-FR"/>
           </a:p>
@@ -5163,7 +5163,7 @@
           <a:p>
             <a:fld id="{E9D4BE7C-3CD3-4465-A389-06323A1F0889}" type="datetimeFigureOut">
               <a:rPr lang="fr-FR" smtClean="0"/>
-              <a:t>28/05/2018</a:t>
+              <a:t>07/07/2018</a:t>
             </a:fld>
             <a:endParaRPr lang="fr-FR"/>
           </a:p>
@@ -5281,7 +5281,7 @@
           <a:p>
             <a:fld id="{E9D4BE7C-3CD3-4465-A389-06323A1F0889}" type="datetimeFigureOut">
               <a:rPr lang="fr-FR" smtClean="0"/>
-              <a:t>28/05/2018</a:t>
+              <a:t>07/07/2018</a:t>
             </a:fld>
             <a:endParaRPr lang="fr-FR"/>
           </a:p>
@@ -5452,7 +5452,7 @@
           <a:p>
             <a:fld id="{E9D4BE7C-3CD3-4465-A389-06323A1F0889}" type="datetimeFigureOut">
               <a:rPr lang="fr-FR" smtClean="0"/>
-              <a:t>28/05/2018</a:t>
+              <a:t>07/07/2018</a:t>
             </a:fld>
             <a:endParaRPr lang="fr-FR"/>
           </a:p>
@@ -5806,7 +5806,7 @@
           <a:p>
             <a:fld id="{E9D4BE7C-3CD3-4465-A389-06323A1F0889}" type="datetimeFigureOut">
               <a:rPr lang="fr-FR" smtClean="0"/>
-              <a:t>28/05/2018</a:t>
+              <a:t>07/07/2018</a:t>
             </a:fld>
             <a:endParaRPr lang="fr-FR"/>
           </a:p>
@@ -5997,7 +5997,7 @@
           <a:p>
             <a:fld id="{E9D4BE7C-3CD3-4465-A389-06323A1F0889}" type="datetimeFigureOut">
               <a:rPr lang="fr-FR" smtClean="0"/>
-              <a:t>28/05/2018</a:t>
+              <a:t>07/07/2018</a:t>
             </a:fld>
             <a:endParaRPr lang="fr-FR"/>
           </a:p>
@@ -6358,7 +6358,7 @@
           <a:p>
             <a:fld id="{E9D4BE7C-3CD3-4465-A389-06323A1F0889}" type="datetimeFigureOut">
               <a:rPr lang="fr-FR" smtClean="0"/>
-              <a:t>28/05/2018</a:t>
+              <a:t>07/07/2018</a:t>
             </a:fld>
             <a:endParaRPr lang="fr-FR"/>
           </a:p>
@@ -6528,7 +6528,7 @@
           <a:p>
             <a:fld id="{E9D4BE7C-3CD3-4465-A389-06323A1F0889}" type="datetimeFigureOut">
               <a:rPr lang="fr-FR" smtClean="0"/>
-              <a:t>28/05/2018</a:t>
+              <a:t>07/07/2018</a:t>
             </a:fld>
             <a:endParaRPr lang="fr-FR"/>
           </a:p>
@@ -6784,7 +6784,7 @@
           <a:p>
             <a:fld id="{E9D4BE7C-3CD3-4465-A389-06323A1F0889}" type="datetimeFigureOut">
               <a:rPr lang="fr-FR" smtClean="0"/>
-              <a:t>28/05/2018</a:t>
+              <a:t>07/07/2018</a:t>
             </a:fld>
             <a:endParaRPr lang="fr-FR"/>
           </a:p>
@@ -9913,7 +9913,7 @@
           <a:p>
             <a:fld id="{E9D4BE7C-3CD3-4465-A389-06323A1F0889}" type="datetimeFigureOut">
               <a:rPr lang="fr-FR" smtClean="0"/>
-              <a:t>28/05/2018</a:t>
+              <a:t>07/07/2018</a:t>
             </a:fld>
             <a:endParaRPr lang="fr-FR"/>
           </a:p>
@@ -10201,7 +10201,7 @@
           <a:p>
             <a:fld id="{E9D4BE7C-3CD3-4465-A389-06323A1F0889}" type="datetimeFigureOut">
               <a:rPr lang="fr-FR" smtClean="0"/>
-              <a:t>28/05/2018</a:t>
+              <a:t>07/07/2018</a:t>
             </a:fld>
             <a:endParaRPr lang="fr-FR"/>
           </a:p>
@@ -10623,7 +10623,7 @@
           <a:p>
             <a:fld id="{E9D4BE7C-3CD3-4465-A389-06323A1F0889}" type="datetimeFigureOut">
               <a:rPr lang="fr-FR" smtClean="0"/>
-              <a:t>28/05/2018</a:t>
+              <a:t>07/07/2018</a:t>
             </a:fld>
             <a:endParaRPr lang="fr-FR"/>
           </a:p>
@@ -10741,7 +10741,7 @@
           <a:p>
             <a:fld id="{E9D4BE7C-3CD3-4465-A389-06323A1F0889}" type="datetimeFigureOut">
               <a:rPr lang="fr-FR" smtClean="0"/>
-              <a:t>28/05/2018</a:t>
+              <a:t>07/07/2018</a:t>
             </a:fld>
             <a:endParaRPr lang="fr-FR"/>
           </a:p>
@@ -10836,7 +10836,7 @@
           <a:p>
             <a:fld id="{E9D4BE7C-3CD3-4465-A389-06323A1F0889}" type="datetimeFigureOut">
               <a:rPr lang="fr-FR" smtClean="0"/>
-              <a:t>28/05/2018</a:t>
+              <a:t>07/07/2018</a:t>
             </a:fld>
             <a:endParaRPr lang="fr-FR"/>
           </a:p>
@@ -11016,7 +11016,7 @@
           <a:p>
             <a:fld id="{E9D4BE7C-3CD3-4465-A389-06323A1F0889}" type="datetimeFigureOut">
               <a:rPr lang="fr-FR" smtClean="0"/>
-              <a:t>28/05/2018</a:t>
+              <a:t>07/07/2018</a:t>
             </a:fld>
             <a:endParaRPr lang="fr-FR"/>
           </a:p>
@@ -11507,7 +11507,7 @@
           <a:p>
             <a:fld id="{E9D4BE7C-3CD3-4465-A389-06323A1F0889}" type="datetimeFigureOut">
               <a:rPr lang="fr-FR" smtClean="0"/>
-              <a:t>28/05/2018</a:t>
+              <a:t>07/07/2018</a:t>
             </a:fld>
             <a:endParaRPr lang="fr-FR"/>
           </a:p>
@@ -12064,7 +12064,7 @@
           <a:p>
             <a:fld id="{E9D4BE7C-3CD3-4465-A389-06323A1F0889}" type="datetimeFigureOut">
               <a:rPr lang="fr-FR" smtClean="0"/>
-              <a:t>28/05/2018</a:t>
+              <a:t>07/07/2018</a:t>
             </a:fld>
             <a:endParaRPr lang="fr-FR"/>
           </a:p>
@@ -12691,7 +12691,7 @@
           <a:p>
             <a:fld id="{E9D4BE7C-3CD3-4465-A389-06323A1F0889}" type="datetimeFigureOut">
               <a:rPr lang="fr-FR" smtClean="0"/>
-              <a:t>28/05/2018</a:t>
+              <a:t>07/07/2018</a:t>
             </a:fld>
             <a:endParaRPr lang="fr-FR"/>
           </a:p>
@@ -13232,7 +13232,15 @@
           <a:p>
             <a:r>
               <a:rPr lang="fr-FR" dirty="0" err="1" smtClean="0"/>
-              <a:t>DeadSpells</a:t>
+              <a:t>Realm</a:t>
+            </a:r>
+            <a:r>
+              <a:rPr lang="fr-FR" dirty="0" smtClean="0"/>
+              <a:t> of the </a:t>
+            </a:r>
+            <a:r>
+              <a:rPr lang="fr-FR" smtClean="0"/>
+              <a:t>Deads</a:t>
             </a:r>
             <a:endParaRPr lang="fr-FR" dirty="0"/>
           </a:p>
@@ -16732,11 +16740,7 @@
           <a:p>
             <a:r>
               <a:rPr lang="fr-FR" dirty="0" smtClean="0"/>
-              <a:t>Chaque joueur possède un handicap ne début</a:t>
-            </a:r>
-            <a:r>
-              <a:rPr lang="fr-FR" dirty="0" smtClean="0"/>
-              <a:t> de partie, il perd une faculté a cause de sa mort. </a:t>
+              <a:t>Chaque joueur possède un handicap ne début de partie, il perd une faculté a cause de sa mort. </a:t>
             </a:r>
             <a:endParaRPr lang="fr-FR" dirty="0"/>
           </a:p>
@@ -16751,7 +16755,6 @@
               <a:rPr lang="fr-FR" dirty="0" smtClean="0"/>
               <a:t>Ce handicap sera défini de manière aléatoire par un d6.</a:t>
             </a:r>
-            <a:endParaRPr lang="fr-FR" dirty="0" smtClean="0"/>
           </a:p>
         </p:txBody>
       </p:sp>
@@ -18401,11 +18404,7 @@
             </a:r>
             <a:r>
               <a:rPr lang="fr-FR" dirty="0" smtClean="0"/>
-              <a:t> sont d’anciens parchemins, qui contiennent des écrits</a:t>
-            </a:r>
-            <a:r>
-              <a:rPr lang="fr-FR" dirty="0" smtClean="0"/>
-              <a:t> magiques.</a:t>
+              <a:t> sont d’anciens parchemins, qui contiennent des écrits magiques.</a:t>
             </a:r>
             <a:br>
               <a:rPr lang="fr-FR" dirty="0" smtClean="0"/>
